--- a/ros2.pptx
+++ b/ros2.pptx
@@ -108,6 +108,11 @@
       </a:defRPr>
     </a:lvl9pPr>
   </p:defaultTextStyle>
+  <p:extLst>
+    <p:ext uri="{EFAFB233-063F-42B5-8137-9DF3F51BA10A}">
+      <p15:sldGuideLst xmlns:p15="http://schemas.microsoft.com/office/powerpoint/2012/main"/>
+    </p:ext>
+  </p:extLst>
 </p:presentation>
 </file>
 
@@ -3415,7 +3420,7 @@
         <p:spPr>
           <a:xfrm>
             <a:off x="1258186" y="2601119"/>
-            <a:ext cx="9144000" cy="1655762"/>
+            <a:ext cx="9144000" cy="3243376"/>
           </a:xfrm>
           <a:prstGeom prst="rect">
             <a:avLst/>
@@ -3593,7 +3598,15 @@
             <a:pPr algn="l"/>
             <a:r>
               <a:rPr lang="en-US" dirty="0"/>
-              <a:t>Setup  RO2 on Ubuntu OS</a:t>
+              <a:t>Setup  RO2 </a:t>
+            </a:r>
+            <a:r>
+              <a:rPr lang="en-US"/>
+              <a:t>on Virtual </a:t>
+            </a:r>
+            <a:r>
+              <a:rPr lang="en-US" dirty="0"/>
+              <a:t>Ubuntu OS</a:t>
             </a:r>
           </a:p>
           <a:p>
@@ -3602,8 +3615,18 @@
               <a:rPr lang="en-US" dirty="0">
                 <a:hlinkClick r:id="rId2"/>
               </a:rPr>
-              <a:t>  https://docs.ros.org/en/galactic/Installation.html</a:t>
-            </a:r>
+              <a:t>  </a:t>
+            </a:r>
+            <a:r>
+              <a:rPr lang="en-US" dirty="0">
+                <a:hlinkClick r:id="rId2"/>
+              </a:rPr>
+              <a:t>https://docs.ros.org/en/galactic/Installation.html</a:t>
+            </a:r>
+            <a:endParaRPr lang="en-US" dirty="0"/>
+          </a:p>
+          <a:p>
+            <a:pPr algn="l"/>
             <a:r>
               <a:rPr lang="en-US" dirty="0"/>
               <a:t>  </a:t>
@@ -3852,7 +3875,7 @@
         <p:spPr>
           <a:xfrm>
             <a:off x="549349" y="1160845"/>
-            <a:ext cx="7963786" cy="2031325"/>
+            <a:ext cx="7963786" cy="3970318"/>
           </a:xfrm>
           <a:prstGeom prst="rect">
             <a:avLst/>
@@ -3882,14 +3905,111 @@
           <a:p>
             <a:r>
               <a:rPr lang="en-US" dirty="0"/>
-              <a:t>    -  </a:t>
+              <a:t>    -</a:t>
+            </a:r>
+            <a:r>
+              <a:rPr lang="en-US" b="1" dirty="0">
+                <a:solidFill>
+                  <a:srgbClr val="FF0000"/>
+                </a:solidFill>
+              </a:rPr>
+              <a:t>Step1</a:t>
+            </a:r>
+            <a:r>
+              <a:rPr lang="en-US" dirty="0"/>
+              <a:t>: </a:t>
             </a:r>
             <a:r>
               <a:rPr lang="en-US" dirty="0">
                 <a:hlinkClick r:id="rId2"/>
               </a:rPr>
-              <a:t>https://docs.ros.org/en/foxy/Installation/Ubuntu-Development-Setup.html</a:t>
-            </a:r>
+              <a:t>https://docs.ros.org/en/galactic/Installation/Ubuntu-Development-Setup.html</a:t>
+            </a:r>
+            <a:r>
+              <a:rPr lang="en-US" dirty="0"/>
+              <a:t> </a:t>
+            </a:r>
+          </a:p>
+          <a:p>
+            <a:endParaRPr lang="en-US" dirty="0"/>
+          </a:p>
+          <a:p>
+            <a:pPr algn="l"/>
+            <a:r>
+              <a:rPr lang="en-US" dirty="0"/>
+              <a:t>   -</a:t>
+            </a:r>
+            <a:r>
+              <a:rPr lang="en-US" b="1" dirty="0">
+                <a:solidFill>
+                  <a:srgbClr val="FF0000"/>
+                </a:solidFill>
+              </a:rPr>
+              <a:t>Step2</a:t>
+            </a:r>
+            <a:r>
+              <a:rPr lang="en-US" dirty="0"/>
+              <a:t>:  </a:t>
+            </a:r>
+            <a:r>
+              <a:rPr lang="en-US" dirty="0">
+                <a:hlinkClick r:id="rId3"/>
+              </a:rPr>
+              <a:t>https://docs.ros.org/en/galactic/Installation/Ubuntu-Install-Debians.html</a:t>
+            </a:r>
+            <a:endParaRPr lang="en-US" dirty="0"/>
+          </a:p>
+          <a:p>
+            <a:pPr algn="l"/>
+            <a:r>
+              <a:rPr lang="en-US" dirty="0"/>
+              <a:t>   </a:t>
+            </a:r>
+          </a:p>
+          <a:p>
+            <a:pPr algn="l"/>
+            <a:r>
+              <a:rPr lang="en-US" i="1" dirty="0"/>
+              <a:t>   </a:t>
+            </a:r>
+            <a:r>
+              <a:rPr lang="en-US" i="1" dirty="0" err="1"/>
+              <a:t>sudo</a:t>
+            </a:r>
+            <a:r>
+              <a:rPr lang="en-US" i="1" dirty="0"/>
+              <a:t> apt install </a:t>
+            </a:r>
+            <a:r>
+              <a:rPr lang="en-US" i="1" dirty="0" err="1"/>
+              <a:t>ros</a:t>
+            </a:r>
+            <a:r>
+              <a:rPr lang="en-US" i="1" dirty="0"/>
+              <a:t>-galactic-desktop</a:t>
+            </a:r>
+          </a:p>
+          <a:p>
+            <a:pPr algn="l"/>
+            <a:r>
+              <a:rPr lang="en-US" i="1" dirty="0"/>
+              <a:t>   source /opt/</a:t>
+            </a:r>
+            <a:r>
+              <a:rPr lang="en-US" i="1" dirty="0" err="1"/>
+              <a:t>ros</a:t>
+            </a:r>
+            <a:r>
+              <a:rPr lang="en-US" i="1" dirty="0"/>
+              <a:t>/galactic/</a:t>
+            </a:r>
+            <a:r>
+              <a:rPr lang="en-US" i="1" dirty="0" err="1"/>
+              <a:t>setup.bash</a:t>
+            </a:r>
+            <a:endParaRPr lang="en-US" i="1" dirty="0"/>
+          </a:p>
+          <a:p>
             <a:r>
               <a:rPr lang="en-US" dirty="0"/>
               <a:t> </a:t>
@@ -4038,7 +4158,19 @@
           <a:p>
             <a:r>
               <a:rPr lang="en-US" dirty="0"/>
-              <a:t>Install ros2 foxy</a:t>
+              <a:t>Install </a:t>
+            </a:r>
+            <a:r>
+              <a:rPr lang="en-US" dirty="0" err="1"/>
+              <a:t>ros</a:t>
+            </a:r>
+            <a:r>
+              <a:rPr lang="en-US"/>
+              <a:t> 2  </a:t>
+            </a:r>
+            <a:r>
+              <a:rPr lang="en-US" dirty="0"/>
+              <a:t>on Ubuntu</a:t>
             </a:r>
           </a:p>
         </p:txBody>

--- a/ros2.pptx
+++ b/ros2.pptx
@@ -3598,15 +3598,7 @@
             <a:pPr algn="l"/>
             <a:r>
               <a:rPr lang="en-US" dirty="0"/>
-              <a:t>Setup  RO2 </a:t>
-            </a:r>
-            <a:r>
-              <a:rPr lang="en-US"/>
-              <a:t>on Virtual </a:t>
-            </a:r>
-            <a:r>
-              <a:rPr lang="en-US" dirty="0"/>
-              <a:t>Ubuntu OS</a:t>
+              <a:t>Setup  RO2 on Virtual Ubuntu OS</a:t>
             </a:r>
           </a:p>
           <a:p>
@@ -3875,7 +3867,7 @@
         <p:spPr>
           <a:xfrm>
             <a:off x="549349" y="1160845"/>
-            <a:ext cx="7963786" cy="3970318"/>
+            <a:ext cx="7963786" cy="4247317"/>
           </a:xfrm>
           <a:prstGeom prst="rect">
             <a:avLst/>
@@ -3917,8 +3909,10 @@
             </a:r>
             <a:r>
               <a:rPr lang="en-US" dirty="0"/>
-              <a:t>: </a:t>
-            </a:r>
+              <a:t>.</a:t>
+            </a:r>
+          </a:p>
+          <a:p>
             <a:r>
               <a:rPr lang="en-US" dirty="0">
                 <a:hlinkClick r:id="rId2"/>
@@ -3937,19 +3931,31 @@
             <a:pPr algn="l"/>
             <a:r>
               <a:rPr lang="en-US" dirty="0"/>
-              <a:t>   -</a:t>
-            </a:r>
-            <a:r>
-              <a:rPr lang="en-US" b="1" dirty="0">
+              <a:t>   </a:t>
+            </a:r>
+            <a:r>
+              <a:rPr lang="en-US"/>
+              <a:t>-</a:t>
+            </a:r>
+            <a:r>
+              <a:rPr lang="en-US" b="1">
                 <a:solidFill>
                   <a:srgbClr val="FF0000"/>
                 </a:solidFill>
               </a:rPr>
-              <a:t>Step2</a:t>
-            </a:r>
-            <a:r>
-              <a:rPr lang="en-US" dirty="0"/>
-              <a:t>:  </a:t>
+              <a:t>Step2.</a:t>
+            </a:r>
+            <a:endParaRPr lang="en-US" b="1" dirty="0">
+              <a:solidFill>
+                <a:srgbClr val="FF0000"/>
+              </a:solidFill>
+            </a:endParaRPr>
+          </a:p>
+          <a:p>
+            <a:pPr algn="l"/>
+            <a:r>
+              <a:rPr lang="en-US"/>
+              <a:t>  </a:t>
             </a:r>
             <a:r>
               <a:rPr lang="en-US" dirty="0">

--- a/ros2.pptx
+++ b/ros2.pptx
@@ -3866,8 +3866,8 @@
         </p:nvSpPr>
         <p:spPr>
           <a:xfrm>
-            <a:off x="549349" y="1160845"/>
-            <a:ext cx="7963786" cy="4247317"/>
+            <a:off x="1672857" y="1305341"/>
+            <a:ext cx="7963786" cy="5909310"/>
           </a:xfrm>
           <a:prstGeom prst="rect">
             <a:avLst/>
@@ -3931,30 +3931,21 @@
             <a:pPr algn="l"/>
             <a:r>
               <a:rPr lang="en-US" dirty="0"/>
-              <a:t>   </a:t>
-            </a:r>
-            <a:r>
-              <a:rPr lang="en-US"/>
-              <a:t>-</a:t>
-            </a:r>
-            <a:r>
-              <a:rPr lang="en-US" b="1">
+              <a:t>   -</a:t>
+            </a:r>
+            <a:r>
+              <a:rPr lang="en-US" b="1" dirty="0">
                 <a:solidFill>
                   <a:srgbClr val="FF0000"/>
                 </a:solidFill>
               </a:rPr>
               <a:t>Step2.</a:t>
             </a:r>
-            <a:endParaRPr lang="en-US" b="1" dirty="0">
-              <a:solidFill>
-                <a:srgbClr val="FF0000"/>
-              </a:solidFill>
-            </a:endParaRPr>
           </a:p>
           <a:p>
             <a:pPr algn="l"/>
             <a:r>
-              <a:rPr lang="en-US"/>
+              <a:rPr lang="en-US" dirty="0"/>
               <a:t>  </a:t>
             </a:r>
             <a:r>
@@ -4045,6 +4036,103 @@
             <a:r>
               <a:rPr lang="en-US" dirty="0"/>
               <a:t>3. Install packets for testing</a:t>
+            </a:r>
+          </a:p>
+          <a:p>
+            <a:r>
+              <a:rPr lang="en-US" dirty="0"/>
+              <a:t>   </a:t>
+            </a:r>
+            <a:r>
+              <a:rPr lang="en-US" i="1" dirty="0"/>
+              <a:t>source /opt/</a:t>
+            </a:r>
+            <a:r>
+              <a:rPr lang="en-US" i="1" dirty="0" err="1"/>
+              <a:t>ros</a:t>
+            </a:r>
+            <a:r>
+              <a:rPr lang="en-US" i="1" dirty="0"/>
+              <a:t>/galactic/</a:t>
+            </a:r>
+            <a:r>
+              <a:rPr lang="en-US" i="1" dirty="0" err="1"/>
+              <a:t>setup.bash</a:t>
+            </a:r>
+            <a:endParaRPr lang="en-US" i="1" dirty="0"/>
+          </a:p>
+          <a:p>
+            <a:r>
+              <a:rPr lang="en-US" i="1"/>
+              <a:t>   ros2 </a:t>
+            </a:r>
+            <a:r>
+              <a:rPr lang="en-US" i="1" dirty="0"/>
+              <a:t>run </a:t>
+            </a:r>
+            <a:r>
+              <a:rPr lang="en-US" i="1" dirty="0" err="1"/>
+              <a:t>demo_nodes_cpp</a:t>
+            </a:r>
+            <a:r>
+              <a:rPr lang="en-US" i="1" dirty="0"/>
+              <a:t> talker</a:t>
+            </a:r>
+            <a:endParaRPr lang="es-ES" i="1" dirty="0"/>
+          </a:p>
+          <a:p>
+            <a:endParaRPr lang="en-US" dirty="0"/>
+          </a:p>
+          <a:p>
+            <a:r>
+              <a:rPr lang="en-US" dirty="0"/>
+              <a:t>   </a:t>
+            </a:r>
+            <a:r>
+              <a:rPr lang="en-US" i="1" dirty="0"/>
+              <a:t>source /opt/</a:t>
+            </a:r>
+            <a:r>
+              <a:rPr lang="en-US" i="1" dirty="0" err="1"/>
+              <a:t>ros</a:t>
+            </a:r>
+            <a:r>
+              <a:rPr lang="en-US" i="1" dirty="0"/>
+              <a:t>/galactic/</a:t>
+            </a:r>
+            <a:r>
+              <a:rPr lang="en-US" i="1" dirty="0" err="1"/>
+              <a:t>setup.bash</a:t>
+            </a:r>
+            <a:endParaRPr lang="en-US" i="1" dirty="0"/>
+          </a:p>
+          <a:p>
+            <a:r>
+              <a:rPr lang="en-US" i="1" dirty="0"/>
+              <a:t>   </a:t>
+            </a:r>
+            <a:r>
+              <a:rPr lang="es-ES" i="1" dirty="0"/>
+              <a:t>ros2 run </a:t>
+            </a:r>
+            <a:r>
+              <a:rPr lang="es-ES" i="1" dirty="0" err="1"/>
+              <a:t>demo_nodes_py</a:t>
+            </a:r>
+            <a:r>
+              <a:rPr lang="es-ES" i="1" dirty="0"/>
+              <a:t> </a:t>
+            </a:r>
+            <a:r>
+              <a:rPr lang="es-ES" i="1" dirty="0" err="1"/>
+              <a:t>listener</a:t>
+            </a:r>
+            <a:endParaRPr lang="en-US" dirty="0"/>
+          </a:p>
+          <a:p>
+            <a:r>
+              <a:rPr lang="en-US" dirty="0"/>
+              <a:t>   </a:t>
             </a:r>
           </a:p>
         </p:txBody>

--- a/ros2.pptx
+++ b/ros2.pptx
@@ -4063,12 +4063,8 @@
           </a:p>
           <a:p>
             <a:r>
-              <a:rPr lang="en-US" i="1"/>
-              <a:t>   ros2 </a:t>
-            </a:r>
-            <a:r>
               <a:rPr lang="en-US" i="1" dirty="0"/>
-              <a:t>run </a:t>
+              <a:t>   ros2 run </a:t>
             </a:r>
             <a:r>
               <a:rPr lang="en-US" i="1" dirty="0" err="1"/>
@@ -4251,20 +4247,20 @@
           <a:lstStyle/>
           <a:p>
             <a:r>
+              <a:rPr lang="en-US" dirty="0" err="1"/>
+              <a:t>Cli</a:t>
+            </a:r>
+            <a:r>
               <a:rPr lang="en-US" dirty="0"/>
-              <a:t>Install </a:t>
+              <a:t> on </a:t>
             </a:r>
             <a:r>
               <a:rPr lang="en-US" dirty="0" err="1"/>
               <a:t>ros</a:t>
             </a:r>
             <a:r>
-              <a:rPr lang="en-US"/>
-              <a:t> 2  </a:t>
-            </a:r>
-            <a:r>
               <a:rPr lang="en-US" dirty="0"/>
-              <a:t>on Ubuntu</a:t>
+              <a:t> 2</a:t>
             </a:r>
           </a:p>
         </p:txBody>
@@ -4285,15 +4281,67 @@
             <p:ph idx="1"/>
           </p:nvPr>
         </p:nvSpPr>
-        <p:spPr/>
-        <p:txBody>
-          <a:bodyPr/>
-          <a:lstStyle/>
-          <a:p>
-            <a:endParaRPr lang="en-US" dirty="0"/>
-          </a:p>
-        </p:txBody>
-      </p:sp>
+        <p:spPr>
+          <a:xfrm>
+            <a:off x="533992" y="947801"/>
+            <a:ext cx="10515600" cy="4351338"/>
+          </a:xfrm>
+        </p:spPr>
+        <p:txBody>
+          <a:bodyPr/>
+          <a:lstStyle/>
+          <a:p>
+            <a:r>
+              <a:rPr lang="en-US" dirty="0"/>
+              <a:t>ros2 node list </a:t>
+            </a:r>
+          </a:p>
+          <a:p>
+            <a:r>
+              <a:rPr lang="en-US" dirty="0"/>
+              <a:t>node info &lt;</a:t>
+            </a:r>
+            <a:r>
+              <a:rPr lang="en-US" dirty="0" err="1"/>
+              <a:t>node_name</a:t>
+            </a:r>
+            <a:r>
+              <a:rPr lang="en-US" dirty="0"/>
+              <a:t>&gt; </a:t>
+            </a:r>
+          </a:p>
+        </p:txBody>
+      </p:sp>
+      <p:pic>
+        <p:nvPicPr>
+          <p:cNvPr id="8" name="Picture 7">
+            <a:extLst>
+              <a:ext uri="{FF2B5EF4-FFF2-40B4-BE49-F238E27FC236}">
+                <a16:creationId xmlns:a16="http://schemas.microsoft.com/office/drawing/2014/main" id="{4E3FE609-952F-4EE2-8326-845BDDFB8888}"/>
+              </a:ext>
+            </a:extLst>
+          </p:cNvPr>
+          <p:cNvPicPr>
+            <a:picLocks noChangeAspect="1"/>
+          </p:cNvPicPr>
+          <p:nvPr/>
+        </p:nvPicPr>
+        <p:blipFill>
+          <a:blip r:embed="rId2"/>
+          <a:stretch>
+            <a:fillRect/>
+          </a:stretch>
+        </p:blipFill>
+        <p:spPr>
+          <a:xfrm>
+            <a:off x="4447623" y="2140802"/>
+            <a:ext cx="7442033" cy="4469031"/>
+          </a:xfrm>
+          <a:prstGeom prst="rect">
+            <a:avLst/>
+          </a:prstGeom>
+        </p:spPr>
+      </p:pic>
     </p:spTree>
     <p:extLst>
       <p:ext uri="{BB962C8B-B14F-4D97-AF65-F5344CB8AC3E}">

--- a/ros2.pptx
+++ b/ros2.pptx
@@ -10,6 +10,7 @@
     <p:sldId id="260" r:id="rId4"/>
     <p:sldId id="258" r:id="rId5"/>
     <p:sldId id="259" r:id="rId6"/>
+    <p:sldId id="261" r:id="rId7"/>
   </p:sldIdLst>
   <p:sldSz cx="12192000" cy="6858000"/>
   <p:notesSz cx="6858000" cy="9144000"/>
@@ -4355,6 +4356,119 @@
 </p:sld>
 </file>
 
+<file path=ppt/slides/slide6.xml><?xml version="1.0" encoding="utf-8"?>
+<p:sld xmlns:a="http://schemas.openxmlformats.org/drawingml/2006/main" xmlns:r="http://schemas.openxmlformats.org/officeDocument/2006/relationships" xmlns:p="http://schemas.openxmlformats.org/presentationml/2006/main">
+  <p:cSld>
+    <p:spTree>
+      <p:nvGrpSpPr>
+        <p:cNvPr id="1" name=""/>
+        <p:cNvGrpSpPr/>
+        <p:nvPr/>
+      </p:nvGrpSpPr>
+      <p:grpSpPr>
+        <a:xfrm>
+          <a:off x="0" y="0"/>
+          <a:ext cx="0" cy="0"/>
+          <a:chOff x="0" y="0"/>
+          <a:chExt cx="0" cy="0"/>
+        </a:xfrm>
+      </p:grpSpPr>
+      <p:sp>
+        <p:nvSpPr>
+          <p:cNvPr id="2" name="Title 1">
+            <a:extLst>
+              <a:ext uri="{FF2B5EF4-FFF2-40B4-BE49-F238E27FC236}">
+                <a16:creationId xmlns:a16="http://schemas.microsoft.com/office/drawing/2014/main" id="{6220992B-E5C1-487B-B7D8-224826037B92}"/>
+              </a:ext>
+            </a:extLst>
+          </p:cNvPr>
+          <p:cNvSpPr>
+            <a:spLocks noGrp="1"/>
+          </p:cNvSpPr>
+          <p:nvPr>
+            <p:ph type="title"/>
+          </p:nvPr>
+        </p:nvSpPr>
+        <p:spPr>
+          <a:xfrm>
+            <a:off x="721242" y="248167"/>
+            <a:ext cx="10515600" cy="591805"/>
+          </a:xfrm>
+        </p:spPr>
+        <p:txBody>
+          <a:bodyPr>
+            <a:normAutofit fontScale="90000"/>
+          </a:bodyPr>
+          <a:lstStyle/>
+          <a:p>
+            <a:r>
+              <a:rPr lang="en-US" dirty="0" err="1"/>
+              <a:t>rclcpp</a:t>
+            </a:r>
+            <a:endParaRPr lang="en-US" dirty="0"/>
+          </a:p>
+        </p:txBody>
+      </p:sp>
+      <p:sp>
+        <p:nvSpPr>
+          <p:cNvPr id="3" name="Content Placeholder 2">
+            <a:extLst>
+              <a:ext uri="{FF2B5EF4-FFF2-40B4-BE49-F238E27FC236}">
+                <a16:creationId xmlns:a16="http://schemas.microsoft.com/office/drawing/2014/main" id="{6474F1FB-5C8A-45FF-99E0-BFC41ED09A2C}"/>
+              </a:ext>
+            </a:extLst>
+          </p:cNvPr>
+          <p:cNvSpPr>
+            <a:spLocks noGrp="1"/>
+          </p:cNvSpPr>
+          <p:nvPr>
+            <p:ph idx="1"/>
+          </p:nvPr>
+        </p:nvSpPr>
+        <p:spPr>
+          <a:xfrm>
+            <a:off x="533992" y="947801"/>
+            <a:ext cx="10515600" cy="4351338"/>
+          </a:xfrm>
+        </p:spPr>
+        <p:txBody>
+          <a:bodyPr/>
+          <a:lstStyle/>
+          <a:p>
+            <a:r>
+              <a:rPr lang="en-US" dirty="0"/>
+              <a:t>ros2 node list </a:t>
+            </a:r>
+          </a:p>
+          <a:p>
+            <a:r>
+              <a:rPr lang="en-US" dirty="0"/>
+              <a:t>node info &lt;</a:t>
+            </a:r>
+            <a:r>
+              <a:rPr lang="en-US" dirty="0" err="1"/>
+              <a:t>node_name</a:t>
+            </a:r>
+            <a:r>
+              <a:rPr lang="en-US" dirty="0"/>
+              <a:t>&gt; </a:t>
+            </a:r>
+          </a:p>
+        </p:txBody>
+      </p:sp>
+    </p:spTree>
+    <p:extLst>
+      <p:ext uri="{BB962C8B-B14F-4D97-AF65-F5344CB8AC3E}">
+        <p14:creationId xmlns:p14="http://schemas.microsoft.com/office/powerpoint/2010/main" val="1273957954"/>
+      </p:ext>
+    </p:extLst>
+  </p:cSld>
+  <p:clrMapOvr>
+    <a:masterClrMapping/>
+  </p:clrMapOvr>
+</p:sld>
+</file>
+
 <file path=ppt/theme/theme1.xml><?xml version="1.0" encoding="utf-8"?>
 <a:theme xmlns:a="http://schemas.openxmlformats.org/drawingml/2006/main" name="Office Theme">
   <a:themeElements>

--- a/ros2.pptx
+++ b/ros2.pptx
@@ -11,6 +11,7 @@
     <p:sldId id="258" r:id="rId5"/>
     <p:sldId id="259" r:id="rId6"/>
     <p:sldId id="261" r:id="rId7"/>
+    <p:sldId id="262" r:id="rId8"/>
   </p:sldIdLst>
   <p:sldSz cx="12192000" cy="6858000"/>
   <p:notesSz cx="6858000" cy="9144000"/>
@@ -264,7 +265,7 @@
           <a:p>
             <a:fld id="{7397F4E0-E812-4AC8-A1B8-ACDCB635DAAF}" type="datetimeFigureOut">
               <a:rPr lang="en-US" smtClean="0"/>
-              <a:t>12/28/2021</a:t>
+              <a:t>12/29/2021</a:t>
             </a:fld>
             <a:endParaRPr lang="en-US"/>
           </a:p>
@@ -462,7 +463,7 @@
           <a:p>
             <a:fld id="{7397F4E0-E812-4AC8-A1B8-ACDCB635DAAF}" type="datetimeFigureOut">
               <a:rPr lang="en-US" smtClean="0"/>
-              <a:t>12/28/2021</a:t>
+              <a:t>12/29/2021</a:t>
             </a:fld>
             <a:endParaRPr lang="en-US"/>
           </a:p>
@@ -670,7 +671,7 @@
           <a:p>
             <a:fld id="{7397F4E0-E812-4AC8-A1B8-ACDCB635DAAF}" type="datetimeFigureOut">
               <a:rPr lang="en-US" smtClean="0"/>
-              <a:t>12/28/2021</a:t>
+              <a:t>12/29/2021</a:t>
             </a:fld>
             <a:endParaRPr lang="en-US"/>
           </a:p>
@@ -868,7 +869,7 @@
           <a:p>
             <a:fld id="{7397F4E0-E812-4AC8-A1B8-ACDCB635DAAF}" type="datetimeFigureOut">
               <a:rPr lang="en-US" smtClean="0"/>
-              <a:t>12/28/2021</a:t>
+              <a:t>12/29/2021</a:t>
             </a:fld>
             <a:endParaRPr lang="en-US"/>
           </a:p>
@@ -1143,7 +1144,7 @@
           <a:p>
             <a:fld id="{7397F4E0-E812-4AC8-A1B8-ACDCB635DAAF}" type="datetimeFigureOut">
               <a:rPr lang="en-US" smtClean="0"/>
-              <a:t>12/28/2021</a:t>
+              <a:t>12/29/2021</a:t>
             </a:fld>
             <a:endParaRPr lang="en-US"/>
           </a:p>
@@ -1408,7 +1409,7 @@
           <a:p>
             <a:fld id="{7397F4E0-E812-4AC8-A1B8-ACDCB635DAAF}" type="datetimeFigureOut">
               <a:rPr lang="en-US" smtClean="0"/>
-              <a:t>12/28/2021</a:t>
+              <a:t>12/29/2021</a:t>
             </a:fld>
             <a:endParaRPr lang="en-US"/>
           </a:p>
@@ -1820,7 +1821,7 @@
           <a:p>
             <a:fld id="{7397F4E0-E812-4AC8-A1B8-ACDCB635DAAF}" type="datetimeFigureOut">
               <a:rPr lang="en-US" smtClean="0"/>
-              <a:t>12/28/2021</a:t>
+              <a:t>12/29/2021</a:t>
             </a:fld>
             <a:endParaRPr lang="en-US"/>
           </a:p>
@@ -1961,7 +1962,7 @@
           <a:p>
             <a:fld id="{7397F4E0-E812-4AC8-A1B8-ACDCB635DAAF}" type="datetimeFigureOut">
               <a:rPr lang="en-US" smtClean="0"/>
-              <a:t>12/28/2021</a:t>
+              <a:t>12/29/2021</a:t>
             </a:fld>
             <a:endParaRPr lang="en-US"/>
           </a:p>
@@ -2074,7 +2075,7 @@
           <a:p>
             <a:fld id="{7397F4E0-E812-4AC8-A1B8-ACDCB635DAAF}" type="datetimeFigureOut">
               <a:rPr lang="en-US" smtClean="0"/>
-              <a:t>12/28/2021</a:t>
+              <a:t>12/29/2021</a:t>
             </a:fld>
             <a:endParaRPr lang="en-US"/>
           </a:p>
@@ -2385,7 +2386,7 @@
           <a:p>
             <a:fld id="{7397F4E0-E812-4AC8-A1B8-ACDCB635DAAF}" type="datetimeFigureOut">
               <a:rPr lang="en-US" smtClean="0"/>
-              <a:t>12/28/2021</a:t>
+              <a:t>12/29/2021</a:t>
             </a:fld>
             <a:endParaRPr lang="en-US"/>
           </a:p>
@@ -2673,7 +2674,7 @@
           <a:p>
             <a:fld id="{7397F4E0-E812-4AC8-A1B8-ACDCB635DAAF}" type="datetimeFigureOut">
               <a:rPr lang="en-US" smtClean="0"/>
-              <a:t>12/28/2021</a:t>
+              <a:t>12/29/2021</a:t>
             </a:fld>
             <a:endParaRPr lang="en-US"/>
           </a:p>
@@ -2914,7 +2915,7 @@
           <a:p>
             <a:fld id="{7397F4E0-E812-4AC8-A1B8-ACDCB635DAAF}" type="datetimeFigureOut">
               <a:rPr lang="en-US" smtClean="0"/>
-              <a:t>12/28/2021</a:t>
+              <a:t>12/29/2021</a:t>
             </a:fld>
             <a:endParaRPr lang="en-US"/>
           </a:p>
@@ -3608,13 +3609,7 @@
               <a:rPr lang="en-US" dirty="0">
                 <a:hlinkClick r:id="rId2"/>
               </a:rPr>
-              <a:t>  </a:t>
-            </a:r>
-            <a:r>
-              <a:rPr lang="en-US" dirty="0">
-                <a:hlinkClick r:id="rId2"/>
-              </a:rPr>
-              <a:t>https://docs.ros.org/en/galactic/Installation.html</a:t>
+              <a:t>  https://docs.ros.org/en/galactic/Installation.html</a:t>
             </a:r>
             <a:endParaRPr lang="en-US" dirty="0"/>
           </a:p>
@@ -4460,6 +4455,107 @@
     <p:extLst>
       <p:ext uri="{BB962C8B-B14F-4D97-AF65-F5344CB8AC3E}">
         <p14:creationId xmlns:p14="http://schemas.microsoft.com/office/powerpoint/2010/main" val="1273957954"/>
+      </p:ext>
+    </p:extLst>
+  </p:cSld>
+  <p:clrMapOvr>
+    <a:masterClrMapping/>
+  </p:clrMapOvr>
+</p:sld>
+</file>
+
+<file path=ppt/slides/slide7.xml><?xml version="1.0" encoding="utf-8"?>
+<p:sld xmlns:a="http://schemas.openxmlformats.org/drawingml/2006/main" xmlns:r="http://schemas.openxmlformats.org/officeDocument/2006/relationships" xmlns:p="http://schemas.openxmlformats.org/presentationml/2006/main">
+  <p:cSld>
+    <p:spTree>
+      <p:nvGrpSpPr>
+        <p:cNvPr id="1" name=""/>
+        <p:cNvGrpSpPr/>
+        <p:nvPr/>
+      </p:nvGrpSpPr>
+      <p:grpSpPr>
+        <a:xfrm>
+          <a:off x="0" y="0"/>
+          <a:ext cx="0" cy="0"/>
+          <a:chOff x="0" y="0"/>
+          <a:chExt cx="0" cy="0"/>
+        </a:xfrm>
+      </p:grpSpPr>
+      <p:sp>
+        <p:nvSpPr>
+          <p:cNvPr id="2" name="Title 1">
+            <a:extLst>
+              <a:ext uri="{FF2B5EF4-FFF2-40B4-BE49-F238E27FC236}">
+                <a16:creationId xmlns:a16="http://schemas.microsoft.com/office/drawing/2014/main" id="{D1BAF1D0-A268-4741-8602-2C063B55C7D2}"/>
+              </a:ext>
+            </a:extLst>
+          </p:cNvPr>
+          <p:cNvSpPr>
+            <a:spLocks noGrp="1"/>
+          </p:cNvSpPr>
+          <p:nvPr>
+            <p:ph type="title"/>
+          </p:nvPr>
+        </p:nvSpPr>
+        <p:spPr>
+          <a:xfrm>
+            <a:off x="894316" y="5959733"/>
+            <a:ext cx="10515600" cy="613070"/>
+          </a:xfrm>
+        </p:spPr>
+        <p:txBody>
+          <a:bodyPr>
+            <a:normAutofit/>
+          </a:bodyPr>
+          <a:lstStyle/>
+          <a:p>
+            <a:r>
+              <a:rPr lang="en-US" sz="1600" dirty="0">
+                <a:hlinkClick r:id="rId2"/>
+              </a:rPr>
+              <a:t>https://docs.ros.org/en/galactic/Tutorials/Topics/Understanding-ROS2-Topics.html</a:t>
+            </a:r>
+            <a:r>
+              <a:rPr lang="en-US" sz="1600" dirty="0"/>
+              <a:t> </a:t>
+            </a:r>
+          </a:p>
+        </p:txBody>
+      </p:sp>
+      <p:pic>
+        <p:nvPicPr>
+          <p:cNvPr id="5" name="Picture 4">
+            <a:extLst>
+              <a:ext uri="{FF2B5EF4-FFF2-40B4-BE49-F238E27FC236}">
+                <a16:creationId xmlns:a16="http://schemas.microsoft.com/office/drawing/2014/main" id="{D122F729-5DE0-43AC-A6D0-27D8B4EE6FE2}"/>
+              </a:ext>
+            </a:extLst>
+          </p:cNvPr>
+          <p:cNvPicPr>
+            <a:picLocks noChangeAspect="1"/>
+          </p:cNvPicPr>
+          <p:nvPr/>
+        </p:nvPicPr>
+        <p:blipFill>
+          <a:blip r:embed="rId3"/>
+          <a:stretch>
+            <a:fillRect/>
+          </a:stretch>
+        </p:blipFill>
+        <p:spPr>
+          <a:xfrm>
+            <a:off x="894316" y="285197"/>
+            <a:ext cx="7189487" cy="5048803"/>
+          </a:xfrm>
+          <a:prstGeom prst="rect">
+            <a:avLst/>
+          </a:prstGeom>
+        </p:spPr>
+      </p:pic>
+    </p:spTree>
+    <p:extLst>
+      <p:ext uri="{BB962C8B-B14F-4D97-AF65-F5344CB8AC3E}">
+        <p14:creationId xmlns:p14="http://schemas.microsoft.com/office/powerpoint/2010/main" val="134423065"/>
       </p:ext>
     </p:extLst>
   </p:cSld>

--- a/ros2.pptx
+++ b/ros2.pptx
@@ -10,8 +10,9 @@
     <p:sldId id="260" r:id="rId4"/>
     <p:sldId id="258" r:id="rId5"/>
     <p:sldId id="259" r:id="rId6"/>
-    <p:sldId id="261" r:id="rId7"/>
-    <p:sldId id="262" r:id="rId8"/>
+    <p:sldId id="262" r:id="rId7"/>
+    <p:sldId id="261" r:id="rId8"/>
+    <p:sldId id="263" r:id="rId9"/>
   </p:sldIdLst>
   <p:sldSz cx="12192000" cy="6858000"/>
   <p:notesSz cx="6858000" cy="9144000"/>
@@ -4330,7 +4331,7 @@
         </p:blipFill>
         <p:spPr>
           <a:xfrm>
-            <a:off x="4447623" y="2140802"/>
+            <a:off x="4485723" y="2039202"/>
             <a:ext cx="7442033" cy="4469031"/>
           </a:xfrm>
           <a:prstGeom prst="rect">
@@ -4373,7 +4374,7 @@
           <p:cNvPr id="2" name="Title 1">
             <a:extLst>
               <a:ext uri="{FF2B5EF4-FFF2-40B4-BE49-F238E27FC236}">
-                <a16:creationId xmlns:a16="http://schemas.microsoft.com/office/drawing/2014/main" id="{6220992B-E5C1-487B-B7D8-224826037B92}"/>
+                <a16:creationId xmlns:a16="http://schemas.microsoft.com/office/drawing/2014/main" id="{D1BAF1D0-A268-4741-8602-2C063B55C7D2}"/>
               </a:ext>
             </a:extLst>
           </p:cNvPr>
@@ -4386,75 +4387,63 @@
         </p:nvSpPr>
         <p:spPr>
           <a:xfrm>
-            <a:off x="721242" y="248167"/>
-            <a:ext cx="10515600" cy="591805"/>
+            <a:off x="894316" y="5959733"/>
+            <a:ext cx="10515600" cy="613070"/>
           </a:xfrm>
         </p:spPr>
         <p:txBody>
           <a:bodyPr>
-            <a:normAutofit fontScale="90000"/>
+            <a:normAutofit/>
           </a:bodyPr>
           <a:lstStyle/>
           <a:p>
             <a:r>
-              <a:rPr lang="en-US" dirty="0" err="1"/>
-              <a:t>rclcpp</a:t>
-            </a:r>
-            <a:endParaRPr lang="en-US" dirty="0"/>
-          </a:p>
-        </p:txBody>
-      </p:sp>
-      <p:sp>
-        <p:nvSpPr>
-          <p:cNvPr id="3" name="Content Placeholder 2">
-            <a:extLst>
-              <a:ext uri="{FF2B5EF4-FFF2-40B4-BE49-F238E27FC236}">
-                <a16:creationId xmlns:a16="http://schemas.microsoft.com/office/drawing/2014/main" id="{6474F1FB-5C8A-45FF-99E0-BFC41ED09A2C}"/>
-              </a:ext>
-            </a:extLst>
-          </p:cNvPr>
-          <p:cNvSpPr>
-            <a:spLocks noGrp="1"/>
-          </p:cNvSpPr>
-          <p:nvPr>
-            <p:ph idx="1"/>
-          </p:nvPr>
-        </p:nvSpPr>
+              <a:rPr lang="en-US" sz="1600" dirty="0">
+                <a:hlinkClick r:id="rId2"/>
+              </a:rPr>
+              <a:t>https://docs.ros.org/en/galactic/Tutorials/Topics/Understanding-ROS2-Topics.html</a:t>
+            </a:r>
+            <a:r>
+              <a:rPr lang="en-US" sz="1600" dirty="0"/>
+              <a:t> </a:t>
+            </a:r>
+          </a:p>
+        </p:txBody>
+      </p:sp>
+      <p:pic>
+        <p:nvPicPr>
+          <p:cNvPr id="5" name="Picture 4">
+            <a:extLst>
+              <a:ext uri="{FF2B5EF4-FFF2-40B4-BE49-F238E27FC236}">
+                <a16:creationId xmlns:a16="http://schemas.microsoft.com/office/drawing/2014/main" id="{D122F729-5DE0-43AC-A6D0-27D8B4EE6FE2}"/>
+              </a:ext>
+            </a:extLst>
+          </p:cNvPr>
+          <p:cNvPicPr>
+            <a:picLocks noChangeAspect="1"/>
+          </p:cNvPicPr>
+          <p:nvPr/>
+        </p:nvPicPr>
+        <p:blipFill>
+          <a:blip r:embed="rId3"/>
+          <a:stretch>
+            <a:fillRect/>
+          </a:stretch>
+        </p:blipFill>
         <p:spPr>
           <a:xfrm>
-            <a:off x="533992" y="947801"/>
-            <a:ext cx="10515600" cy="4351338"/>
+            <a:off x="894316" y="285197"/>
+            <a:ext cx="7189487" cy="5048803"/>
           </a:xfrm>
+          <a:prstGeom prst="rect">
+            <a:avLst/>
+          </a:prstGeom>
         </p:spPr>
-        <p:txBody>
-          <a:bodyPr/>
-          <a:lstStyle/>
-          <a:p>
-            <a:r>
-              <a:rPr lang="en-US" dirty="0"/>
-              <a:t>ros2 node list </a:t>
-            </a:r>
-          </a:p>
-          <a:p>
-            <a:r>
-              <a:rPr lang="en-US" dirty="0"/>
-              <a:t>node info &lt;</a:t>
-            </a:r>
-            <a:r>
-              <a:rPr lang="en-US" dirty="0" err="1"/>
-              <a:t>node_name</a:t>
-            </a:r>
-            <a:r>
-              <a:rPr lang="en-US" dirty="0"/>
-              <a:t>&gt; </a:t>
-            </a:r>
-          </a:p>
-        </p:txBody>
-      </p:sp>
+      </p:pic>
     </p:spTree>
     <p:extLst>
       <p:ext uri="{BB962C8B-B14F-4D97-AF65-F5344CB8AC3E}">
-        <p14:creationId xmlns:p14="http://schemas.microsoft.com/office/powerpoint/2010/main" val="1273957954"/>
+        <p14:creationId xmlns:p14="http://schemas.microsoft.com/office/powerpoint/2010/main" val="134423065"/>
       </p:ext>
     </p:extLst>
   </p:cSld>
@@ -4486,7 +4475,7 @@
           <p:cNvPr id="2" name="Title 1">
             <a:extLst>
               <a:ext uri="{FF2B5EF4-FFF2-40B4-BE49-F238E27FC236}">
-                <a16:creationId xmlns:a16="http://schemas.microsoft.com/office/drawing/2014/main" id="{D1BAF1D0-A268-4741-8602-2C063B55C7D2}"/>
+                <a16:creationId xmlns:a16="http://schemas.microsoft.com/office/drawing/2014/main" id="{6220992B-E5C1-487B-B7D8-224826037B92}"/>
               </a:ext>
             </a:extLst>
           </p:cNvPr>
@@ -4499,8 +4488,121 @@
         </p:nvSpPr>
         <p:spPr>
           <a:xfrm>
-            <a:off x="894316" y="5959733"/>
-            <a:ext cx="10515600" cy="613070"/>
+            <a:off x="721242" y="248167"/>
+            <a:ext cx="10515600" cy="591805"/>
+          </a:xfrm>
+        </p:spPr>
+        <p:txBody>
+          <a:bodyPr>
+            <a:normAutofit fontScale="90000"/>
+          </a:bodyPr>
+          <a:lstStyle/>
+          <a:p>
+            <a:r>
+              <a:rPr lang="en-US" dirty="0" err="1"/>
+              <a:t>rclcpp</a:t>
+            </a:r>
+            <a:endParaRPr lang="en-US" dirty="0"/>
+          </a:p>
+        </p:txBody>
+      </p:sp>
+      <p:sp>
+        <p:nvSpPr>
+          <p:cNvPr id="3" name="Content Placeholder 2">
+            <a:extLst>
+              <a:ext uri="{FF2B5EF4-FFF2-40B4-BE49-F238E27FC236}">
+                <a16:creationId xmlns:a16="http://schemas.microsoft.com/office/drawing/2014/main" id="{6474F1FB-5C8A-45FF-99E0-BFC41ED09A2C}"/>
+              </a:ext>
+            </a:extLst>
+          </p:cNvPr>
+          <p:cNvSpPr>
+            <a:spLocks noGrp="1"/>
+          </p:cNvSpPr>
+          <p:nvPr>
+            <p:ph idx="1"/>
+          </p:nvPr>
+        </p:nvSpPr>
+        <p:spPr>
+          <a:xfrm>
+            <a:off x="533992" y="947801"/>
+            <a:ext cx="10515600" cy="4351338"/>
+          </a:xfrm>
+        </p:spPr>
+        <p:txBody>
+          <a:bodyPr/>
+          <a:lstStyle/>
+          <a:p>
+            <a:r>
+              <a:rPr lang="en-US" dirty="0"/>
+              <a:t>ros2 node list </a:t>
+            </a:r>
+          </a:p>
+          <a:p>
+            <a:r>
+              <a:rPr lang="en-US" dirty="0"/>
+              <a:t>node info &lt;</a:t>
+            </a:r>
+            <a:r>
+              <a:rPr lang="en-US" dirty="0" err="1"/>
+              <a:t>node_name</a:t>
+            </a:r>
+            <a:r>
+              <a:rPr lang="en-US" dirty="0"/>
+              <a:t>&gt; </a:t>
+            </a:r>
+          </a:p>
+        </p:txBody>
+      </p:sp>
+    </p:spTree>
+    <p:extLst>
+      <p:ext uri="{BB962C8B-B14F-4D97-AF65-F5344CB8AC3E}">
+        <p14:creationId xmlns:p14="http://schemas.microsoft.com/office/powerpoint/2010/main" val="1273957954"/>
+      </p:ext>
+    </p:extLst>
+  </p:cSld>
+  <p:clrMapOvr>
+    <a:masterClrMapping/>
+  </p:clrMapOvr>
+</p:sld>
+</file>
+
+<file path=ppt/slides/slide8.xml><?xml version="1.0" encoding="utf-8"?>
+<p:sld xmlns:a="http://schemas.openxmlformats.org/drawingml/2006/main" xmlns:r="http://schemas.openxmlformats.org/officeDocument/2006/relationships" xmlns:p="http://schemas.openxmlformats.org/presentationml/2006/main">
+  <p:cSld>
+    <p:spTree>
+      <p:nvGrpSpPr>
+        <p:cNvPr id="1" name=""/>
+        <p:cNvGrpSpPr/>
+        <p:nvPr/>
+      </p:nvGrpSpPr>
+      <p:grpSpPr>
+        <a:xfrm>
+          <a:off x="0" y="0"/>
+          <a:ext cx="0" cy="0"/>
+          <a:chOff x="0" y="0"/>
+          <a:chExt cx="0" cy="0"/>
+        </a:xfrm>
+      </p:grpSpPr>
+      <p:sp>
+        <p:nvSpPr>
+          <p:cNvPr id="2" name="Title 1">
+            <a:extLst>
+              <a:ext uri="{FF2B5EF4-FFF2-40B4-BE49-F238E27FC236}">
+                <a16:creationId xmlns:a16="http://schemas.microsoft.com/office/drawing/2014/main" id="{D1BAF1D0-A268-4741-8602-2C063B55C7D2}"/>
+              </a:ext>
+            </a:extLst>
+          </p:cNvPr>
+          <p:cNvSpPr>
+            <a:spLocks noGrp="1"/>
+          </p:cNvSpPr>
+          <p:nvPr>
+            <p:ph type="title"/>
+          </p:nvPr>
+        </p:nvSpPr>
+        <p:spPr>
+          <a:xfrm>
+            <a:off x="423530" y="1329070"/>
+            <a:ext cx="10515600" cy="2099930"/>
           </a:xfrm>
         </p:spPr>
         <p:txBody>
@@ -4510,52 +4612,91 @@
           <a:lstStyle/>
           <a:p>
             <a:r>
+              <a:rPr lang="en-US" sz="2700" dirty="0"/>
+              <a:t>How to create an example </a:t>
+            </a:r>
+            <a:br>
+              <a:rPr lang="en-US" sz="2700" dirty="0">
+                <a:hlinkClick r:id="rId2"/>
+              </a:rPr>
+            </a:br>
+            <a:br>
               <a:rPr lang="en-US" sz="1600" dirty="0">
                 <a:hlinkClick r:id="rId2"/>
               </a:rPr>
-              <a:t>https://docs.ros.org/en/galactic/Tutorials/Topics/Understanding-ROS2-Topics.html</a:t>
-            </a:r>
-            <a:r>
+            </a:br>
+            <a:r>
+              <a:rPr lang="en-US" sz="1600" dirty="0">
+                <a:hlinkClick r:id="rId2"/>
+              </a:rPr>
+              <a:t>https://docs.ros.org/en/galactic/Tutorials/Writing-A-Simple-Cpp-Service-And-Client.html</a:t>
+            </a:r>
+            <a:br>
               <a:rPr lang="en-US" sz="1600" dirty="0"/>
-              <a:t> </a:t>
-            </a:r>
-          </a:p>
-        </p:txBody>
-      </p:sp>
-      <p:pic>
-        <p:nvPicPr>
-          <p:cNvPr id="5" name="Picture 4">
-            <a:extLst>
-              <a:ext uri="{FF2B5EF4-FFF2-40B4-BE49-F238E27FC236}">
-                <a16:creationId xmlns:a16="http://schemas.microsoft.com/office/drawing/2014/main" id="{D122F729-5DE0-43AC-A6D0-27D8B4EE6FE2}"/>
-              </a:ext>
-            </a:extLst>
-          </p:cNvPr>
-          <p:cNvPicPr>
-            <a:picLocks noChangeAspect="1"/>
-          </p:cNvPicPr>
+            </a:br>
+            <a:endParaRPr lang="en-US" sz="1600" dirty="0"/>
+          </a:p>
+        </p:txBody>
+      </p:sp>
+      <p:sp>
+        <p:nvSpPr>
+          <p:cNvPr id="4" name="Title 1">
+            <a:extLst>
+              <a:ext uri="{FF2B5EF4-FFF2-40B4-BE49-F238E27FC236}">
+                <a16:creationId xmlns:a16="http://schemas.microsoft.com/office/drawing/2014/main" id="{263CF1FF-892A-41B4-9264-386751C4EE9D}"/>
+              </a:ext>
+            </a:extLst>
+          </p:cNvPr>
+          <p:cNvSpPr txBox="1">
+            <a:spLocks/>
+          </p:cNvSpPr>
           <p:nvPr/>
-        </p:nvPicPr>
-        <p:blipFill>
-          <a:blip r:embed="rId3"/>
-          <a:stretch>
-            <a:fillRect/>
-          </a:stretch>
-        </p:blipFill>
+        </p:nvSpPr>
         <p:spPr>
           <a:xfrm>
-            <a:off x="894316" y="285197"/>
-            <a:ext cx="7189487" cy="5048803"/>
+            <a:off x="721242" y="248167"/>
+            <a:ext cx="10515600" cy="591805"/>
           </a:xfrm>
           <a:prstGeom prst="rect">
             <a:avLst/>
           </a:prstGeom>
         </p:spPr>
-      </p:pic>
+        <p:txBody>
+          <a:bodyPr vert="horz" lIns="91440" tIns="45720" rIns="91440" bIns="45720" rtlCol="0" anchor="ctr">
+            <a:normAutofit fontScale="90000" lnSpcReduction="10000"/>
+          </a:bodyPr>
+          <a:lstStyle>
+            <a:lvl1pPr algn="l" defTabSz="914400" rtl="0" eaLnBrk="1" latinLnBrk="0" hangingPunct="1">
+              <a:lnSpc>
+                <a:spcPct val="90000"/>
+              </a:lnSpc>
+              <a:spcBef>
+                <a:spcPct val="0"/>
+              </a:spcBef>
+              <a:buNone/>
+              <a:defRPr sz="4400" kern="1200">
+                <a:solidFill>
+                  <a:schemeClr val="tx1"/>
+                </a:solidFill>
+                <a:latin typeface="+mj-lt"/>
+                <a:ea typeface="+mj-ea"/>
+                <a:cs typeface="+mj-cs"/>
+              </a:defRPr>
+            </a:lvl1pPr>
+          </a:lstStyle>
+          <a:p>
+            <a:r>
+              <a:rPr lang="en-US" dirty="0" err="1"/>
+              <a:t>rclcpp</a:t>
+            </a:r>
+            <a:endParaRPr lang="en-US" dirty="0"/>
+          </a:p>
+        </p:txBody>
+      </p:sp>
     </p:spTree>
     <p:extLst>
       <p:ext uri="{BB962C8B-B14F-4D97-AF65-F5344CB8AC3E}">
-        <p14:creationId xmlns:p14="http://schemas.microsoft.com/office/powerpoint/2010/main" val="134423065"/>
+        <p14:creationId xmlns:p14="http://schemas.microsoft.com/office/powerpoint/2010/main" val="178426610"/>
       </p:ext>
     </p:extLst>
   </p:cSld>

--- a/ros2.pptx
+++ b/ros2.pptx
@@ -4607,7 +4607,7 @@
         </p:spPr>
         <p:txBody>
           <a:bodyPr>
-            <a:normAutofit/>
+            <a:normAutofit fontScale="90000"/>
           </a:bodyPr>
           <a:lstStyle/>
           <a:p>
@@ -4629,8 +4629,48 @@
               <a:rPr lang="en-US" sz="1600" dirty="0">
                 <a:hlinkClick r:id="rId2"/>
               </a:rPr>
-              <a:t>https://docs.ros.org/en/galactic/Tutorials/Writing-A-Simple-Cpp-Service-And-Client.html</a:t>
-            </a:r>
+              <a:t>https://docs.ros.org/en/galactic/Tutorials/Writing-A-Simple-Cpp-Service-And-Client</a:t>
+            </a:r>
+            <a:r>
+              <a:rPr lang="en-US" sz="1600">
+                <a:hlinkClick r:id="rId2"/>
+              </a:rPr>
+              <a:t>.html</a:t>
+            </a:r>
+            <a:br>
+              <a:rPr lang="en-US" sz="1600"/>
+            </a:br>
+            <a:br>
+              <a:rPr lang="en-US" sz="1600"/>
+            </a:br>
+            <a:br>
+              <a:rPr lang="en-US" sz="1600"/>
+            </a:br>
+            <a:r>
+              <a:rPr lang="en-US" sz="1600">
+                <a:hlinkClick r:id="rId3"/>
+              </a:rPr>
+              <a:t>http://wiki.ros.org/rosdep</a:t>
+            </a:r>
+            <a:br>
+              <a:rPr lang="en-US" sz="1600"/>
+            </a:br>
+            <a:br>
+              <a:rPr lang="en-US" sz="1600"/>
+            </a:br>
+            <a:r>
+              <a:rPr lang="en-US" sz="1600">
+                <a:hlinkClick r:id="rId4"/>
+              </a:rPr>
+              <a:t>https://colcon.readthedocs.io/en/released/</a:t>
+            </a:r>
+            <a:r>
+              <a:rPr lang="en-US" sz="1600"/>
+              <a:t> </a:t>
+            </a:r>
+            <a:br>
+              <a:rPr lang="en-US" sz="1600"/>
+            </a:br>
             <a:br>
               <a:rPr lang="en-US" sz="1600" dirty="0"/>
             </a:br>

--- a/ros2.pptx
+++ b/ros2.pptx
@@ -4629,13 +4629,44 @@
               <a:rPr lang="en-US" sz="1600" dirty="0">
                 <a:hlinkClick r:id="rId2"/>
               </a:rPr>
-              <a:t>https://docs.ros.org/en/galactic/Tutorials/Writing-A-Simple-Cpp-Service-And-Client</a:t>
+              <a:t>https://docs.ros.org/en/galactic/Tutorials/Writing-A-Simple-Cpp-Service-And-Client.html</a:t>
+            </a:r>
+            <a:br>
+              <a:rPr lang="en-US" sz="1600" dirty="0"/>
+            </a:br>
+            <a:br>
+              <a:rPr lang="en-US" sz="1600" dirty="0"/>
+            </a:br>
+            <a:br>
+              <a:rPr lang="en-US" sz="1600" dirty="0"/>
+            </a:br>
+            <a:r>
+              <a:rPr lang="en-US" sz="1600" dirty="0">
+                <a:hlinkClick r:id="rId3"/>
+              </a:rPr>
+              <a:t>http://wiki.ros.org/rosdep</a:t>
+            </a:r>
+            <a:br>
+              <a:rPr lang="en-US" sz="1600" dirty="0"/>
+            </a:br>
+            <a:br>
+              <a:rPr lang="en-US" sz="1600" dirty="0"/>
+            </a:br>
+            <a:r>
+              <a:rPr lang="en-US" sz="1600" dirty="0">
+                <a:hlinkClick r:id="rId4"/>
+              </a:rPr>
+              <a:t>https://colcon.readthedocs.io/en/released</a:t>
             </a:r>
             <a:r>
               <a:rPr lang="en-US" sz="1600">
-                <a:hlinkClick r:id="rId2"/>
+                <a:hlinkClick r:id="rId4"/>
               </a:rPr>
-              <a:t>.html</a:t>
+              <a:t>/</a:t>
+            </a:r>
+            <a:r>
+              <a:rPr lang="en-US" sz="1600"/>
+              <a:t> </a:t>
             </a:r>
             <a:br>
               <a:rPr lang="en-US" sz="1600"/>
@@ -4646,30 +4677,21 @@
             <a:br>
               <a:rPr lang="en-US" sz="1600"/>
             </a:br>
-            <a:r>
-              <a:rPr lang="en-US" sz="1600">
-                <a:hlinkClick r:id="rId3"/>
-              </a:rPr>
-              <a:t>http://wiki.ros.org/rosdep</a:t>
-            </a:r>
             <a:br>
               <a:rPr lang="en-US" sz="1600"/>
             </a:br>
+            <a:r>
+              <a:rPr lang="en-US" sz="1600"/>
+              <a:t>https://github.com/ros2/examples/tree/master/rclcpp</a:t>
+            </a:r>
             <a:br>
-              <a:rPr lang="en-US" sz="1600"/>
+              <a:rPr lang="en-US" sz="1600" dirty="0"/>
             </a:br>
-            <a:r>
-              <a:rPr lang="en-US" sz="1600">
-                <a:hlinkClick r:id="rId4"/>
-              </a:rPr>
-              <a:t>https://colcon.readthedocs.io/en/released/</a:t>
-            </a:r>
-            <a:r>
-              <a:rPr lang="en-US" sz="1600"/>
-              <a:t> </a:t>
-            </a:r>
             <a:br>
-              <a:rPr lang="en-US" sz="1600"/>
+              <a:rPr lang="en-US" sz="1600" dirty="0"/>
+            </a:br>
+            <a:br>
+              <a:rPr lang="en-US" sz="1600" dirty="0"/>
             </a:br>
             <a:br>
               <a:rPr lang="en-US" sz="1600" dirty="0"/>

--- a/ros2.pptx
+++ b/ros2.pptx
@@ -4601,13 +4601,13 @@
         </p:nvSpPr>
         <p:spPr>
           <a:xfrm>
-            <a:off x="423530" y="1329070"/>
-            <a:ext cx="10515600" cy="2099930"/>
+            <a:off x="423530" y="1329069"/>
+            <a:ext cx="10515600" cy="4167963"/>
           </a:xfrm>
         </p:spPr>
         <p:txBody>
           <a:bodyPr>
-            <a:normAutofit fontScale="90000"/>
+            <a:normAutofit/>
           </a:bodyPr>
           <a:lstStyle/>
           <a:p>
@@ -4656,33 +4656,40 @@
               <a:rPr lang="en-US" sz="1600" dirty="0">
                 <a:hlinkClick r:id="rId4"/>
               </a:rPr>
-              <a:t>https://colcon.readthedocs.io/en/released</a:t>
-            </a:r>
-            <a:r>
-              <a:rPr lang="en-US" sz="1600">
-                <a:hlinkClick r:id="rId4"/>
-              </a:rPr>
-              <a:t>/</a:t>
-            </a:r>
-            <a:r>
-              <a:rPr lang="en-US" sz="1600"/>
+              <a:t>https://colcon.readthedocs.io/en/released/</a:t>
+            </a:r>
+            <a:r>
+              <a:rPr lang="en-US" sz="1600" dirty="0"/>
               <a:t> </a:t>
             </a:r>
             <a:br>
-              <a:rPr lang="en-US" sz="1600"/>
+              <a:rPr lang="en-US" sz="1600" dirty="0"/>
             </a:br>
             <a:br>
-              <a:rPr lang="en-US" sz="1600"/>
+              <a:rPr lang="en-US" sz="1600" dirty="0"/>
             </a:br>
             <a:br>
-              <a:rPr lang="en-US" sz="1600"/>
+              <a:rPr lang="en-US" sz="1600" dirty="0"/>
+            </a:br>
+            <a:r>
+              <a:rPr lang="en-US" sz="1600" dirty="0"/>
+              <a:t>Example at </a:t>
+            </a:r>
+            <a:br>
+              <a:rPr lang="en-US" sz="1600" dirty="0"/>
             </a:br>
             <a:br>
-              <a:rPr lang="en-US" sz="1600"/>
+              <a:rPr lang="en-US" sz="1600" dirty="0"/>
             </a:br>
             <a:r>
-              <a:rPr lang="en-US" sz="1600"/>
+              <a:rPr lang="en-US" sz="1600" dirty="0">
+                <a:hlinkClick r:id="rId5"/>
+              </a:rPr>
               <a:t>https://github.com/ros2/examples/tree/master/rclcpp</a:t>
+            </a:r>
+            <a:r>
+              <a:rPr lang="en-US" sz="1600" dirty="0"/>
+              <a:t> </a:t>
             </a:r>
             <a:br>
               <a:rPr lang="en-US" sz="1600" dirty="0"/>

--- a/ros2.pptx
+++ b/ros2.pptx
@@ -4607,7 +4607,7 @@
         </p:spPr>
         <p:txBody>
           <a:bodyPr>
-            <a:normAutofit/>
+            <a:normAutofit fontScale="90000"/>
           </a:bodyPr>
           <a:lstStyle/>
           <a:p>
@@ -4637,9 +4637,23 @@
             <a:br>
               <a:rPr lang="en-US" sz="1600" dirty="0"/>
             </a:br>
+            <a:r>
+              <a:rPr lang="en-US" sz="2200" b="0" i="0" dirty="0">
+                <a:solidFill>
+                  <a:srgbClr val="333333"/>
+                </a:solidFill>
+                <a:effectLst/>
+                <a:latin typeface="Helvetica Neue"/>
+              </a:rPr>
+              <a:t> installing system dependencies.</a:t>
+            </a:r>
             <a:br>
               <a:rPr lang="en-US" sz="1600" dirty="0"/>
             </a:br>
+            <a:r>
+              <a:rPr lang="en-US" sz="1600" dirty="0"/>
+              <a:t>      </a:t>
+            </a:r>
             <a:r>
               <a:rPr lang="en-US" sz="1600" dirty="0">
                 <a:hlinkClick r:id="rId3"/>
@@ -4649,18 +4663,21 @@
             <a:br>
               <a:rPr lang="en-US" sz="1600" dirty="0"/>
             </a:br>
-            <a:br>
-              <a:rPr lang="en-US" sz="1600" dirty="0"/>
-            </a:br>
+            <a:r>
+              <a:rPr lang="en-US" sz="1600"/>
+              <a:t>      </a:t>
+            </a:r>
+            <a:r>
+              <a:rPr lang="en-US" sz="1600">
+                <a:hlinkClick r:id="rId4"/>
+              </a:rPr>
+              <a:t>http</a:t>
+            </a:r>
             <a:r>
               <a:rPr lang="en-US" sz="1600" dirty="0">
                 <a:hlinkClick r:id="rId4"/>
               </a:rPr>
-              <a:t>https://colcon.readthedocs.io/en/released/</a:t>
-            </a:r>
-            <a:r>
-              <a:rPr lang="en-US" sz="1600" dirty="0"/>
-              <a:t> </a:t>
+              <a:t>://wiki.ros.org/rosdep/Tutorials/How%20to%20add%20a%20system%20dependency</a:t>
             </a:r>
             <a:br>
               <a:rPr lang="en-US" sz="1600" dirty="0"/>
@@ -4672,8 +4689,14 @@
               <a:rPr lang="en-US" sz="1600" dirty="0"/>
             </a:br>
             <a:r>
+              <a:rPr lang="en-US" sz="1600" dirty="0">
+                <a:hlinkClick r:id="rId5"/>
+              </a:rPr>
+              <a:t>https://colcon.readthedocs.io/en/released/</a:t>
+            </a:r>
+            <a:r>
               <a:rPr lang="en-US" sz="1600" dirty="0"/>
-              <a:t>Example at </a:t>
+              <a:t> </a:t>
             </a:r>
             <a:br>
               <a:rPr lang="en-US" sz="1600" dirty="0"/>
@@ -4681,9 +4704,22 @@
             <a:br>
               <a:rPr lang="en-US" sz="1600" dirty="0"/>
             </a:br>
+            <a:br>
+              <a:rPr lang="en-US" sz="1600" dirty="0"/>
+            </a:br>
+            <a:r>
+              <a:rPr lang="en-US" sz="1600" dirty="0"/>
+              <a:t>Example at </a:t>
+            </a:r>
+            <a:br>
+              <a:rPr lang="en-US" sz="1600" dirty="0"/>
+            </a:br>
+            <a:br>
+              <a:rPr lang="en-US" sz="1600" dirty="0"/>
+            </a:br>
             <a:r>
               <a:rPr lang="en-US" sz="1600" dirty="0">
-                <a:hlinkClick r:id="rId5"/>
+                <a:hlinkClick r:id="rId6"/>
               </a:rPr>
               <a:t>https://github.com/ros2/examples/tree/master/rclcpp</a:t>
             </a:r>

--- a/ros2.pptx
+++ b/ros2.pptx
@@ -4664,20 +4664,14 @@
               <a:rPr lang="en-US" sz="1600" dirty="0"/>
             </a:br>
             <a:r>
-              <a:rPr lang="en-US" sz="1600"/>
+              <a:rPr lang="en-US" sz="1600" dirty="0"/>
               <a:t>      </a:t>
-            </a:r>
-            <a:r>
-              <a:rPr lang="en-US" sz="1600">
-                <a:hlinkClick r:id="rId4"/>
-              </a:rPr>
-              <a:t>http</a:t>
             </a:r>
             <a:r>
               <a:rPr lang="en-US" sz="1600" dirty="0">
                 <a:hlinkClick r:id="rId4"/>
               </a:rPr>
-              <a:t>://wiki.ros.org/rosdep/Tutorials/How%20to%20add%20a%20system%20dependency</a:t>
+              <a:t>http://wiki.ros.org/rosdep/Tutorials/How%20to%20add%20a%20system%20dependency</a:t>
             </a:r>
             <a:br>
               <a:rPr lang="en-US" sz="1600" dirty="0"/>
@@ -4728,8 +4722,24 @@
               <a:t> </a:t>
             </a:r>
             <a:br>
-              <a:rPr lang="en-US" sz="1600" dirty="0"/>
+              <a:rPr lang="en-US" sz="1600"/>
             </a:br>
+            <a:br>
+              <a:rPr lang="en-US" sz="1600"/>
+            </a:br>
+            <a:br>
+              <a:rPr lang="en-US" sz="1600"/>
+            </a:br>
+            <a:r>
+              <a:rPr lang="en-US" sz="1600">
+                <a:hlinkClick r:id="rId7"/>
+              </a:rPr>
+              <a:t>https://roboticsbackend.com/create-a-ros2-cpp-package/</a:t>
+            </a:r>
+            <a:r>
+              <a:rPr lang="en-US" sz="1600"/>
+              <a:t> </a:t>
+            </a:r>
             <a:br>
               <a:rPr lang="en-US" sz="1600" dirty="0"/>
             </a:br>

--- a/ros2.pptx
+++ b/ros2.pptx
@@ -4696,14 +4696,33 @@
               <a:rPr lang="en-US" sz="1600" dirty="0"/>
             </a:br>
             <a:br>
+              <a:rPr lang="en-US" sz="1600"/>
+            </a:br>
+            <a:r>
+              <a:rPr lang="en-US" sz="1600"/>
+              <a:t>ROS 2 package</a:t>
+            </a:r>
+            <a:br>
               <a:rPr lang="en-US" sz="1600" dirty="0"/>
             </a:br>
             <a:br>
-              <a:rPr lang="en-US" sz="1600" dirty="0"/>
+              <a:rPr lang="en-US" sz="1600"/>
             </a:br>
             <a:r>
-              <a:rPr lang="en-US" sz="1600" dirty="0"/>
-              <a:t>Example at </a:t>
+              <a:rPr lang="en-US" sz="1600"/>
+              <a:t>       </a:t>
+            </a:r>
+            <a:r>
+              <a:rPr lang="en-US" sz="1600">
+                <a:hlinkClick r:id="rId6"/>
+              </a:rPr>
+              <a:t>https</a:t>
+            </a:r>
+            <a:r>
+              <a:rPr lang="en-US" sz="1600" dirty="0">
+                <a:hlinkClick r:id="rId6"/>
+              </a:rPr>
+              <a:t>://docs.ros.org/en/foxy/Tutorials/Creating-Your-First-ROS2-Package.html</a:t>
             </a:r>
             <a:br>
               <a:rPr lang="en-US" sz="1600" dirty="0"/>
@@ -4711,9 +4730,22 @@
             <a:br>
               <a:rPr lang="en-US" sz="1600" dirty="0"/>
             </a:br>
+            <a:br>
+              <a:rPr lang="en-US" sz="1600" dirty="0"/>
+            </a:br>
+            <a:r>
+              <a:rPr lang="en-US" sz="1600" dirty="0"/>
+              <a:t>Example at </a:t>
+            </a:r>
+            <a:br>
+              <a:rPr lang="en-US" sz="1600" dirty="0"/>
+            </a:br>
+            <a:br>
+              <a:rPr lang="en-US" sz="1600" dirty="0"/>
+            </a:br>
             <a:r>
               <a:rPr lang="en-US" sz="1600" dirty="0">
-                <a:hlinkClick r:id="rId6"/>
+                <a:hlinkClick r:id="rId7"/>
               </a:rPr>
               <a:t>https://github.com/ros2/examples/tree/master/rclcpp</a:t>
             </a:r>
@@ -4722,22 +4754,22 @@
               <a:t> </a:t>
             </a:r>
             <a:br>
-              <a:rPr lang="en-US" sz="1600"/>
+              <a:rPr lang="en-US" sz="1600" dirty="0"/>
             </a:br>
             <a:br>
-              <a:rPr lang="en-US" sz="1600"/>
+              <a:rPr lang="en-US" sz="1600" dirty="0"/>
             </a:br>
             <a:br>
-              <a:rPr lang="en-US" sz="1600"/>
+              <a:rPr lang="en-US" sz="1600" dirty="0"/>
             </a:br>
             <a:r>
-              <a:rPr lang="en-US" sz="1600">
-                <a:hlinkClick r:id="rId7"/>
+              <a:rPr lang="en-US" sz="1600" dirty="0">
+                <a:hlinkClick r:id="rId8"/>
               </a:rPr>
               <a:t>https://roboticsbackend.com/create-a-ros2-cpp-package/</a:t>
             </a:r>
             <a:r>
-              <a:rPr lang="en-US" sz="1600"/>
+              <a:rPr lang="en-US" sz="1600" dirty="0"/>
               <a:t> </a:t>
             </a:r>
             <a:br>

--- a/ros2.pptx
+++ b/ros2.pptx
@@ -3864,7 +3864,7 @@
         <p:spPr>
           <a:xfrm>
             <a:off x="1672857" y="1305341"/>
-            <a:ext cx="7963786" cy="5909310"/>
+            <a:ext cx="7963786" cy="5970865"/>
           </a:xfrm>
           <a:prstGeom prst="rect">
             <a:avLst/>
@@ -3881,7 +3881,7 @@
               <a:buAutoNum type="arabicPeriod"/>
             </a:pPr>
             <a:r>
-              <a:rPr lang="en-US" dirty="0"/>
+              <a:rPr lang="en-US" sz="2000" dirty="0"/>
               <a:t>Install ros2 foxy</a:t>
             </a:r>
           </a:p>
@@ -4015,24 +4015,32 @@
           <a:p>
             <a:r>
               <a:rPr lang="en-US" dirty="0"/>
-              <a:t>2. Install packets in C++ (</a:t>
-            </a:r>
-            <a:r>
-              <a:rPr lang="en-US" dirty="0" err="1"/>
+              <a:t>2</a:t>
+            </a:r>
+            <a:r>
+              <a:rPr lang="en-US" sz="2000" b="1" dirty="0"/>
+              <a:t>. Install packets in C++ (</a:t>
+            </a:r>
+            <a:r>
+              <a:rPr lang="en-US" sz="2000" b="1" dirty="0" err="1"/>
               <a:t>rclcpp</a:t>
             </a:r>
             <a:r>
+              <a:rPr lang="en-US" sz="2000" b="1" dirty="0"/>
+              <a:t>)</a:t>
+            </a:r>
+          </a:p>
+          <a:p>
+            <a:endParaRPr lang="en-US" dirty="0"/>
+          </a:p>
+          <a:p>
+            <a:r>
               <a:rPr lang="en-US" dirty="0"/>
-              <a:t>)</a:t>
-            </a:r>
-          </a:p>
-          <a:p>
-            <a:endParaRPr lang="en-US" dirty="0"/>
-          </a:p>
-          <a:p>
-            <a:r>
-              <a:rPr lang="en-US" dirty="0"/>
-              <a:t>3. Install packets for testing</a:t>
+              <a:t>3</a:t>
+            </a:r>
+            <a:r>
+              <a:rPr lang="en-US" sz="2000" b="1" dirty="0"/>
+              <a:t>. Install packets for testing</a:t>
             </a:r>
           </a:p>
           <a:p>
@@ -4539,6 +4547,10 @@
           </a:p>
           <a:p>
             <a:r>
+              <a:rPr lang="en-US"/>
+              <a:t>ros2 </a:t>
+            </a:r>
+            <a:r>
               <a:rPr lang="en-US" dirty="0"/>
               <a:t>node info &lt;</a:t>
             </a:r>
@@ -4696,33 +4708,31 @@
               <a:rPr lang="en-US" sz="1600" dirty="0"/>
             </a:br>
             <a:br>
-              <a:rPr lang="en-US" sz="1600"/>
+              <a:rPr lang="en-US" sz="1600" dirty="0"/>
             </a:br>
             <a:r>
-              <a:rPr lang="en-US" sz="1600"/>
-              <a:t>ROS 2 package</a:t>
+              <a:rPr lang="en-US" sz="1800" b="1" dirty="0"/>
+              <a:t>ROS 2 package and packets in </a:t>
+            </a:r>
+            <a:r>
+              <a:rPr lang="en-US" sz="1800" b="1" dirty="0" err="1"/>
+              <a:t>workpaces</a:t>
             </a:r>
             <a:br>
               <a:rPr lang="en-US" sz="1600" dirty="0"/>
             </a:br>
             <a:br>
-              <a:rPr lang="en-US" sz="1600"/>
+              <a:rPr lang="en-US" sz="1600" dirty="0"/>
             </a:br>
             <a:r>
-              <a:rPr lang="en-US" sz="1600"/>
+              <a:rPr lang="en-US" sz="1600" dirty="0"/>
               <a:t>       </a:t>
-            </a:r>
-            <a:r>
-              <a:rPr lang="en-US" sz="1600">
-                <a:hlinkClick r:id="rId6"/>
-              </a:rPr>
-              <a:t>https</a:t>
             </a:r>
             <a:r>
               <a:rPr lang="en-US" sz="1600" dirty="0">
                 <a:hlinkClick r:id="rId6"/>
               </a:rPr>
-              <a:t>://docs.ros.org/en/foxy/Tutorials/Creating-Your-First-ROS2-Package.html</a:t>
+              <a:t>https://docs.ros.org/en/foxy/Tutorials/Creating-Your-First-ROS2-Package.html</a:t>
             </a:r>
             <a:br>
               <a:rPr lang="en-US" sz="1600" dirty="0"/>
@@ -4734,11 +4744,11 @@
               <a:rPr lang="en-US" sz="1600" dirty="0"/>
             </a:br>
             <a:r>
-              <a:rPr lang="en-US" sz="1600" dirty="0"/>
+              <a:rPr lang="en-US" sz="1800" b="1" dirty="0"/>
               <a:t>Example at </a:t>
             </a:r>
             <a:br>
-              <a:rPr lang="en-US" sz="1600" dirty="0"/>
+              <a:rPr lang="en-US" sz="1800" b="1" dirty="0"/>
             </a:br>
             <a:br>
               <a:rPr lang="en-US" sz="1600" dirty="0"/>

--- a/ros2.pptx
+++ b/ros2.pptx
@@ -13,6 +13,9 @@
     <p:sldId id="262" r:id="rId7"/>
     <p:sldId id="261" r:id="rId8"/>
     <p:sldId id="263" r:id="rId9"/>
+    <p:sldId id="264" r:id="rId10"/>
+    <p:sldId id="265" r:id="rId11"/>
+    <p:sldId id="266" r:id="rId12"/>
   </p:sldIdLst>
   <p:sldSz cx="12192000" cy="6858000"/>
   <p:notesSz cx="6858000" cy="9144000"/>
@@ -3636,6 +3639,507 @@
 </p:sld>
 </file>
 
+<file path=ppt/slides/slide10.xml><?xml version="1.0" encoding="utf-8"?>
+<p:sld xmlns:a="http://schemas.openxmlformats.org/drawingml/2006/main" xmlns:r="http://schemas.openxmlformats.org/officeDocument/2006/relationships" xmlns:p="http://schemas.openxmlformats.org/presentationml/2006/main">
+  <p:cSld>
+    <p:spTree>
+      <p:nvGrpSpPr>
+        <p:cNvPr id="1" name=""/>
+        <p:cNvGrpSpPr/>
+        <p:nvPr/>
+      </p:nvGrpSpPr>
+      <p:grpSpPr>
+        <a:xfrm>
+          <a:off x="0" y="0"/>
+          <a:ext cx="0" cy="0"/>
+          <a:chOff x="0" y="0"/>
+          <a:chExt cx="0" cy="0"/>
+        </a:xfrm>
+      </p:grpSpPr>
+      <p:sp>
+        <p:nvSpPr>
+          <p:cNvPr id="2" name="Title 1">
+            <a:extLst>
+              <a:ext uri="{FF2B5EF4-FFF2-40B4-BE49-F238E27FC236}">
+                <a16:creationId xmlns:a16="http://schemas.microsoft.com/office/drawing/2014/main" id="{AC713B3E-D7D5-4F33-9679-482DD3C67FDE}"/>
+              </a:ext>
+            </a:extLst>
+          </p:cNvPr>
+          <p:cNvSpPr>
+            <a:spLocks noGrp="1"/>
+          </p:cNvSpPr>
+          <p:nvPr>
+            <p:ph type="title"/>
+          </p:nvPr>
+        </p:nvSpPr>
+        <p:spPr>
+          <a:xfrm>
+            <a:off x="838200" y="195262"/>
+            <a:ext cx="10515600" cy="815975"/>
+          </a:xfrm>
+        </p:spPr>
+        <p:txBody>
+          <a:bodyPr/>
+          <a:lstStyle/>
+          <a:p>
+            <a:r>
+              <a:rPr lang="en-US" b="1" dirty="0"/>
+              <a:t>Build an example</a:t>
+            </a:r>
+          </a:p>
+        </p:txBody>
+      </p:sp>
+      <p:sp>
+        <p:nvSpPr>
+          <p:cNvPr id="3" name="Content Placeholder 2">
+            <a:extLst>
+              <a:ext uri="{FF2B5EF4-FFF2-40B4-BE49-F238E27FC236}">
+                <a16:creationId xmlns:a16="http://schemas.microsoft.com/office/drawing/2014/main" id="{051D8B0C-DE3A-479F-8090-F1AA07833A7C}"/>
+              </a:ext>
+            </a:extLst>
+          </p:cNvPr>
+          <p:cNvSpPr>
+            <a:spLocks noGrp="1"/>
+          </p:cNvSpPr>
+          <p:nvPr>
+            <p:ph idx="1"/>
+          </p:nvPr>
+        </p:nvSpPr>
+        <p:spPr/>
+        <p:txBody>
+          <a:bodyPr/>
+          <a:lstStyle/>
+          <a:p>
+            <a:endParaRPr lang="en-US" dirty="0"/>
+          </a:p>
+          <a:p>
+            <a:endParaRPr lang="en-US" dirty="0"/>
+          </a:p>
+          <a:p>
+            <a:endParaRPr lang="en-US" dirty="0"/>
+          </a:p>
+          <a:p>
+            <a:endParaRPr lang="en-US" dirty="0"/>
+          </a:p>
+          <a:p>
+            <a:endParaRPr lang="en-US" dirty="0"/>
+          </a:p>
+          <a:p>
+            <a:r>
+              <a:rPr lang="en-US" dirty="0">
+                <a:hlinkClick r:id="rId2"/>
+              </a:rPr>
+              <a:t>https://github.com/ros2/examples</a:t>
+            </a:r>
+            <a:r>
+              <a:rPr lang="en-US" dirty="0"/>
+              <a:t> </a:t>
+            </a:r>
+          </a:p>
+          <a:p>
+            <a:r>
+              <a:rPr lang="en-US" dirty="0"/>
+              <a:t>Step1: cd </a:t>
+            </a:r>
+            <a:r>
+              <a:rPr lang="en-US" dirty="0" err="1"/>
+              <a:t>src</a:t>
+            </a:r>
+            <a:endParaRPr lang="en-US" dirty="0"/>
+          </a:p>
+          <a:p>
+            <a:r>
+              <a:rPr lang="en-US" dirty="0"/>
+              <a:t>Step2:</a:t>
+            </a:r>
+          </a:p>
+        </p:txBody>
+      </p:sp>
+      <p:pic>
+        <p:nvPicPr>
+          <p:cNvPr id="8" name="Picture 7">
+            <a:extLst>
+              <a:ext uri="{FF2B5EF4-FFF2-40B4-BE49-F238E27FC236}">
+                <a16:creationId xmlns:a16="http://schemas.microsoft.com/office/drawing/2014/main" id="{19DD9FFB-E2B6-4073-9245-A3C916A0FEB6}"/>
+              </a:ext>
+            </a:extLst>
+          </p:cNvPr>
+          <p:cNvPicPr>
+            <a:picLocks noChangeAspect="1"/>
+          </p:cNvPicPr>
+          <p:nvPr/>
+        </p:nvPicPr>
+        <p:blipFill>
+          <a:blip r:embed="rId3"/>
+          <a:stretch>
+            <a:fillRect/>
+          </a:stretch>
+        </p:blipFill>
+        <p:spPr>
+          <a:xfrm>
+            <a:off x="838200" y="1666162"/>
+            <a:ext cx="10191626" cy="2448638"/>
+          </a:xfrm>
+          <a:prstGeom prst="rect">
+            <a:avLst/>
+          </a:prstGeom>
+        </p:spPr>
+      </p:pic>
+    </p:spTree>
+    <p:extLst>
+      <p:ext uri="{BB962C8B-B14F-4D97-AF65-F5344CB8AC3E}">
+        <p14:creationId xmlns:p14="http://schemas.microsoft.com/office/powerpoint/2010/main" val="1170521900"/>
+      </p:ext>
+    </p:extLst>
+  </p:cSld>
+  <p:clrMapOvr>
+    <a:masterClrMapping/>
+  </p:clrMapOvr>
+</p:sld>
+</file>
+
+<file path=ppt/slides/slide11.xml><?xml version="1.0" encoding="utf-8"?>
+<p:sld xmlns:a="http://schemas.openxmlformats.org/drawingml/2006/main" xmlns:r="http://schemas.openxmlformats.org/officeDocument/2006/relationships" xmlns:p="http://schemas.openxmlformats.org/presentationml/2006/main">
+  <p:cSld>
+    <p:spTree>
+      <p:nvGrpSpPr>
+        <p:cNvPr id="1" name=""/>
+        <p:cNvGrpSpPr/>
+        <p:nvPr/>
+      </p:nvGrpSpPr>
+      <p:grpSpPr>
+        <a:xfrm>
+          <a:off x="0" y="0"/>
+          <a:ext cx="0" cy="0"/>
+          <a:chOff x="0" y="0"/>
+          <a:chExt cx="0" cy="0"/>
+        </a:xfrm>
+      </p:grpSpPr>
+      <p:sp>
+        <p:nvSpPr>
+          <p:cNvPr id="2" name="Title 1">
+            <a:extLst>
+              <a:ext uri="{FF2B5EF4-FFF2-40B4-BE49-F238E27FC236}">
+                <a16:creationId xmlns:a16="http://schemas.microsoft.com/office/drawing/2014/main" id="{AC713B3E-D7D5-4F33-9679-482DD3C67FDE}"/>
+              </a:ext>
+            </a:extLst>
+          </p:cNvPr>
+          <p:cNvSpPr>
+            <a:spLocks noGrp="1"/>
+          </p:cNvSpPr>
+          <p:nvPr>
+            <p:ph type="title"/>
+          </p:nvPr>
+        </p:nvSpPr>
+        <p:spPr>
+          <a:xfrm>
+            <a:off x="616527" y="162213"/>
+            <a:ext cx="10515600" cy="815975"/>
+          </a:xfrm>
+        </p:spPr>
+        <p:txBody>
+          <a:bodyPr/>
+          <a:lstStyle/>
+          <a:p>
+            <a:r>
+              <a:rPr lang="en-US" b="1" dirty="0"/>
+              <a:t>Build an example</a:t>
+            </a:r>
+          </a:p>
+        </p:txBody>
+      </p:sp>
+      <p:sp>
+        <p:nvSpPr>
+          <p:cNvPr id="3" name="Content Placeholder 2">
+            <a:extLst>
+              <a:ext uri="{FF2B5EF4-FFF2-40B4-BE49-F238E27FC236}">
+                <a16:creationId xmlns:a16="http://schemas.microsoft.com/office/drawing/2014/main" id="{051D8B0C-DE3A-479F-8090-F1AA07833A7C}"/>
+              </a:ext>
+            </a:extLst>
+          </p:cNvPr>
+          <p:cNvSpPr>
+            <a:spLocks noGrp="1"/>
+          </p:cNvSpPr>
+          <p:nvPr>
+            <p:ph idx="1"/>
+          </p:nvPr>
+        </p:nvSpPr>
+        <p:spPr>
+          <a:xfrm>
+            <a:off x="0" y="1253331"/>
+            <a:ext cx="11790217" cy="4351338"/>
+          </a:xfrm>
+        </p:spPr>
+        <p:txBody>
+          <a:bodyPr/>
+          <a:lstStyle/>
+          <a:p>
+            <a:pPr marL="0" indent="0">
+              <a:buNone/>
+            </a:pPr>
+            <a:r>
+              <a:rPr lang="en-US" b="1" dirty="0">
+                <a:latin typeface=".VnTime" panose="020B7200000000000000" pitchFamily="34" charset="0"/>
+              </a:rPr>
+              <a:t>Step1</a:t>
+            </a:r>
+            <a:r>
+              <a:rPr lang="en-US" dirty="0">
+                <a:latin typeface=".VnTime" panose="020B7200000000000000" pitchFamily="34" charset="0"/>
+              </a:rPr>
+              <a:t>: cd </a:t>
+            </a:r>
+            <a:r>
+              <a:rPr lang="en-US" dirty="0" err="1">
+                <a:latin typeface=".VnTime" panose="020B7200000000000000" pitchFamily="34" charset="0"/>
+              </a:rPr>
+              <a:t>src</a:t>
+            </a:r>
+            <a:endParaRPr lang="en-US" dirty="0">
+              <a:latin typeface=".VnTime" panose="020B7200000000000000" pitchFamily="34" charset="0"/>
+            </a:endParaRPr>
+          </a:p>
+          <a:p>
+            <a:pPr marL="0" indent="0">
+              <a:buNone/>
+            </a:pPr>
+            <a:r>
+              <a:rPr lang="en-US" b="1" dirty="0">
+                <a:latin typeface=".VnTime" panose="020B7200000000000000" pitchFamily="34" charset="0"/>
+              </a:rPr>
+              <a:t>Step2</a:t>
+            </a:r>
+            <a:r>
+              <a:rPr lang="en-US" dirty="0">
+                <a:latin typeface=".VnTime" panose="020B7200000000000000" pitchFamily="34" charset="0"/>
+              </a:rPr>
+              <a:t>: git clone  </a:t>
+            </a:r>
+            <a:r>
+              <a:rPr lang="en-US" dirty="0">
+                <a:latin typeface=".VnTime" panose="020B7200000000000000" pitchFamily="34" charset="0"/>
+                <a:hlinkClick r:id="rId2"/>
+              </a:rPr>
+              <a:t>https://github.com/ros2/examples</a:t>
+            </a:r>
+            <a:r>
+              <a:rPr lang="en-US" dirty="0">
+                <a:latin typeface=".VnTime" panose="020B7200000000000000" pitchFamily="34" charset="0"/>
+              </a:rPr>
+              <a:t> </a:t>
+            </a:r>
+          </a:p>
+          <a:p>
+            <a:pPr marL="0" indent="0">
+              <a:buNone/>
+            </a:pPr>
+            <a:r>
+              <a:rPr lang="en-US" b="1" dirty="0">
+                <a:latin typeface=".VnTime" panose="020B7200000000000000" pitchFamily="34" charset="0"/>
+              </a:rPr>
+              <a:t>Step3</a:t>
+            </a:r>
+            <a:r>
+              <a:rPr lang="en-US" dirty="0">
+                <a:latin typeface=".VnTime" panose="020B7200000000000000" pitchFamily="34" charset="0"/>
+              </a:rPr>
+              <a:t>: cd ..</a:t>
+            </a:r>
+          </a:p>
+          <a:p>
+            <a:pPr marL="0" indent="0">
+              <a:buNone/>
+            </a:pPr>
+            <a:r>
+              <a:rPr lang="en-US" b="1" dirty="0">
+                <a:latin typeface=".VnTime" panose="020B7200000000000000" pitchFamily="34" charset="0"/>
+              </a:rPr>
+              <a:t>Step4</a:t>
+            </a:r>
+            <a:r>
+              <a:rPr lang="en-US" dirty="0">
+                <a:latin typeface=".VnTime" panose="020B7200000000000000" pitchFamily="34" charset="0"/>
+              </a:rPr>
+              <a:t>: </a:t>
+            </a:r>
+            <a:r>
+              <a:rPr lang="en-US" dirty="0" err="1">
+                <a:latin typeface=".VnTime" panose="020B7200000000000000" pitchFamily="34" charset="0"/>
+              </a:rPr>
+              <a:t>colcon</a:t>
+            </a:r>
+            <a:r>
+              <a:rPr lang="en-US" dirty="0">
+                <a:latin typeface=".VnTime" panose="020B7200000000000000" pitchFamily="34" charset="0"/>
+              </a:rPr>
+              <a:t> list | grep “</a:t>
+            </a:r>
+            <a:r>
+              <a:rPr lang="en-US" dirty="0" err="1">
+                <a:latin typeface=".VnTime" panose="020B7200000000000000" pitchFamily="34" charset="0"/>
+              </a:rPr>
+              <a:t>xamples</a:t>
+            </a:r>
+            <a:r>
+              <a:rPr lang="en-US" dirty="0">
+                <a:latin typeface=".VnTime" panose="020B7200000000000000" pitchFamily="34" charset="0"/>
+              </a:rPr>
+              <a:t>”</a:t>
+            </a:r>
+          </a:p>
+          <a:p>
+            <a:pPr marL="0" indent="0">
+              <a:buNone/>
+            </a:pPr>
+            <a:r>
+              <a:rPr lang="en-US" b="1" dirty="0">
+                <a:latin typeface=".VnTime" panose="020B7200000000000000" pitchFamily="34" charset="0"/>
+              </a:rPr>
+              <a:t>Step5</a:t>
+            </a:r>
+            <a:r>
+              <a:rPr lang="en-US" dirty="0">
+                <a:latin typeface=".VnTime" panose="020B7200000000000000" pitchFamily="34" charset="0"/>
+              </a:rPr>
+              <a:t>: </a:t>
+            </a:r>
+            <a:r>
+              <a:rPr lang="en-US" sz="2400" dirty="0" err="1">
+                <a:solidFill>
+                  <a:srgbClr val="000000"/>
+                </a:solidFill>
+                <a:latin typeface=".VnTime" panose="020B7200000000000000" pitchFamily="34" charset="0"/>
+              </a:rPr>
+              <a:t>colcon</a:t>
+            </a:r>
+            <a:r>
+              <a:rPr lang="en-US" sz="2400" dirty="0">
+                <a:solidFill>
+                  <a:srgbClr val="000000"/>
+                </a:solidFill>
+                <a:latin typeface=".VnTime" panose="020B7200000000000000" pitchFamily="34" charset="0"/>
+              </a:rPr>
+              <a:t> build --packages-</a:t>
+            </a:r>
+            <a:r>
+              <a:rPr lang="en-US" sz="2400" dirty="0">
+                <a:solidFill>
+                  <a:srgbClr val="0000FF"/>
+                </a:solidFill>
+                <a:latin typeface=".VnTime" panose="020B7200000000000000" pitchFamily="34" charset="0"/>
+              </a:rPr>
+              <a:t>select</a:t>
+            </a:r>
+            <a:r>
+              <a:rPr lang="en-US" sz="2400" dirty="0">
+                <a:solidFill>
+                  <a:srgbClr val="000000"/>
+                </a:solidFill>
+                <a:latin typeface=".VnTime" panose="020B7200000000000000" pitchFamily="34" charset="0"/>
+              </a:rPr>
+              <a:t>  </a:t>
+            </a:r>
+            <a:r>
+              <a:rPr lang="en-US" sz="2400" dirty="0" err="1">
+                <a:solidFill>
+                  <a:srgbClr val="000000"/>
+                </a:solidFill>
+                <a:latin typeface=".VnTime" panose="020B7200000000000000" pitchFamily="34" charset="0"/>
+              </a:rPr>
+              <a:t>src</a:t>
+            </a:r>
+            <a:r>
+              <a:rPr lang="en-US" sz="2400" dirty="0">
+                <a:solidFill>
+                  <a:srgbClr val="000000"/>
+                </a:solidFill>
+                <a:latin typeface=".VnTime" panose="020B7200000000000000" pitchFamily="34" charset="0"/>
+              </a:rPr>
+              <a:t>/ros2/examples/</a:t>
+            </a:r>
+            <a:r>
+              <a:rPr lang="en-US" sz="2400" dirty="0" err="1">
+                <a:solidFill>
+                  <a:srgbClr val="000000"/>
+                </a:solidFill>
+                <a:latin typeface=".VnTime" panose="020B7200000000000000" pitchFamily="34" charset="0"/>
+              </a:rPr>
+              <a:t>rclcpp</a:t>
+            </a:r>
+            <a:r>
+              <a:rPr lang="en-US" sz="2400" dirty="0">
+                <a:solidFill>
+                  <a:srgbClr val="000000"/>
+                </a:solidFill>
+                <a:latin typeface=".VnTime" panose="020B7200000000000000" pitchFamily="34" charset="0"/>
+              </a:rPr>
+              <a:t>/services/</a:t>
+            </a:r>
+            <a:r>
+              <a:rPr lang="en-US" sz="2400" dirty="0" err="1">
+                <a:solidFill>
+                  <a:srgbClr val="000000"/>
+                </a:solidFill>
+                <a:latin typeface=".VnTime" panose="020B7200000000000000" pitchFamily="34" charset="0"/>
+              </a:rPr>
+              <a:t>minimal_client</a:t>
+            </a:r>
+            <a:endParaRPr lang="en-US" sz="2400" dirty="0">
+              <a:latin typeface=".VnTime" panose="020B7200000000000000" pitchFamily="34" charset="0"/>
+            </a:endParaRPr>
+          </a:p>
+          <a:p>
+            <a:pPr marL="0" indent="0">
+              <a:buNone/>
+            </a:pPr>
+            <a:r>
+              <a:rPr lang="en-US" b="1" dirty="0"/>
+              <a:t>Step6: </a:t>
+            </a:r>
+            <a:r>
+              <a:rPr lang="en-US" dirty="0"/>
+              <a:t> ros2 run </a:t>
+            </a:r>
+            <a:r>
+              <a:rPr lang="en-US" dirty="0" err="1"/>
+              <a:t>demo_nodes_cpp</a:t>
+            </a:r>
+            <a:r>
+              <a:rPr lang="en-US" dirty="0"/>
+              <a:t> </a:t>
+            </a:r>
+            <a:r>
+              <a:rPr lang="en-US" sz="2800" dirty="0" err="1">
+                <a:solidFill>
+                  <a:srgbClr val="000000"/>
+                </a:solidFill>
+                <a:latin typeface=".VnTime" panose="020B7200000000000000" pitchFamily="34" charset="0"/>
+              </a:rPr>
+              <a:t>minimal_client</a:t>
+            </a:r>
+            <a:endParaRPr lang="en-US" dirty="0"/>
+          </a:p>
+          <a:p>
+            <a:endParaRPr lang="en-US" dirty="0"/>
+          </a:p>
+          <a:p>
+            <a:endParaRPr lang="en-US" dirty="0"/>
+          </a:p>
+        </p:txBody>
+      </p:sp>
+    </p:spTree>
+    <p:extLst>
+      <p:ext uri="{BB962C8B-B14F-4D97-AF65-F5344CB8AC3E}">
+        <p14:creationId xmlns:p14="http://schemas.microsoft.com/office/powerpoint/2010/main" val="773869563"/>
+      </p:ext>
+    </p:extLst>
+  </p:cSld>
+  <p:clrMapOvr>
+    <a:masterClrMapping/>
+  </p:clrMapOvr>
+</p:sld>
+</file>
+
 <file path=ppt/slides/slide2.xml><?xml version="1.0" encoding="utf-8"?>
 <p:sld xmlns:a="http://schemas.openxmlformats.org/drawingml/2006/main" xmlns:r="http://schemas.openxmlformats.org/officeDocument/2006/relationships" xmlns:p="http://schemas.openxmlformats.org/presentationml/2006/main">
   <p:cSld>
@@ -3863,7 +4367,7 @@
         </p:nvSpPr>
         <p:spPr>
           <a:xfrm>
-            <a:off x="1672857" y="1305341"/>
+            <a:off x="2427769" y="1262811"/>
             <a:ext cx="7963786" cy="5970865"/>
           </a:xfrm>
           <a:prstGeom prst="rect">
@@ -4547,12 +5051,8 @@
           </a:p>
           <a:p>
             <a:r>
-              <a:rPr lang="en-US"/>
-              <a:t>ros2 </a:t>
-            </a:r>
-            <a:r>
               <a:rPr lang="en-US" dirty="0"/>
-              <a:t>node info &lt;</a:t>
+              <a:t>ros2 node info &lt;</a:t>
             </a:r>
             <a:r>
               <a:rPr lang="en-US" dirty="0" err="1"/>
@@ -4854,6 +5354,140 @@
     <p:extLst>
       <p:ext uri="{BB962C8B-B14F-4D97-AF65-F5344CB8AC3E}">
         <p14:creationId xmlns:p14="http://schemas.microsoft.com/office/powerpoint/2010/main" val="178426610"/>
+      </p:ext>
+    </p:extLst>
+  </p:cSld>
+  <p:clrMapOvr>
+    <a:masterClrMapping/>
+  </p:clrMapOvr>
+</p:sld>
+</file>
+
+<file path=ppt/slides/slide9.xml><?xml version="1.0" encoding="utf-8"?>
+<p:sld xmlns:a="http://schemas.openxmlformats.org/drawingml/2006/main" xmlns:r="http://schemas.openxmlformats.org/officeDocument/2006/relationships" xmlns:p="http://schemas.openxmlformats.org/presentationml/2006/main">
+  <p:cSld>
+    <p:spTree>
+      <p:nvGrpSpPr>
+        <p:cNvPr id="1" name=""/>
+        <p:cNvGrpSpPr/>
+        <p:nvPr/>
+      </p:nvGrpSpPr>
+      <p:grpSpPr>
+        <a:xfrm>
+          <a:off x="0" y="0"/>
+          <a:ext cx="0" cy="0"/>
+          <a:chOff x="0" y="0"/>
+          <a:chExt cx="0" cy="0"/>
+        </a:xfrm>
+      </p:grpSpPr>
+      <p:sp>
+        <p:nvSpPr>
+          <p:cNvPr id="2" name="Title 1">
+            <a:extLst>
+              <a:ext uri="{FF2B5EF4-FFF2-40B4-BE49-F238E27FC236}">
+                <a16:creationId xmlns:a16="http://schemas.microsoft.com/office/drawing/2014/main" id="{AC713B3E-D7D5-4F33-9679-482DD3C67FDE}"/>
+              </a:ext>
+            </a:extLst>
+          </p:cNvPr>
+          <p:cNvSpPr>
+            <a:spLocks noGrp="1"/>
+          </p:cNvSpPr>
+          <p:nvPr>
+            <p:ph type="title"/>
+          </p:nvPr>
+        </p:nvSpPr>
+        <p:spPr>
+          <a:xfrm>
+            <a:off x="838200" y="195262"/>
+            <a:ext cx="10515600" cy="815975"/>
+          </a:xfrm>
+        </p:spPr>
+        <p:txBody>
+          <a:bodyPr/>
+          <a:lstStyle/>
+          <a:p>
+            <a:r>
+              <a:rPr lang="en-US" b="1" dirty="0" err="1"/>
+              <a:t>colcon</a:t>
+            </a:r>
+            <a:endParaRPr lang="en-US" b="1" dirty="0"/>
+          </a:p>
+        </p:txBody>
+      </p:sp>
+      <p:sp>
+        <p:nvSpPr>
+          <p:cNvPr id="3" name="Content Placeholder 2">
+            <a:extLst>
+              <a:ext uri="{FF2B5EF4-FFF2-40B4-BE49-F238E27FC236}">
+                <a16:creationId xmlns:a16="http://schemas.microsoft.com/office/drawing/2014/main" id="{051D8B0C-DE3A-479F-8090-F1AA07833A7C}"/>
+              </a:ext>
+            </a:extLst>
+          </p:cNvPr>
+          <p:cNvSpPr>
+            <a:spLocks noGrp="1"/>
+          </p:cNvSpPr>
+          <p:nvPr>
+            <p:ph idx="1"/>
+          </p:nvPr>
+        </p:nvSpPr>
+        <p:spPr/>
+        <p:txBody>
+          <a:bodyPr/>
+          <a:lstStyle/>
+          <a:p>
+            <a:r>
+              <a:rPr lang="en-US" dirty="0">
+                <a:hlinkClick r:id="rId2"/>
+              </a:rPr>
+              <a:t>https://colcon.readthedocs.io/en/released/user/quick-start.html</a:t>
+            </a:r>
+            <a:r>
+              <a:rPr lang="en-US" dirty="0"/>
+              <a:t> </a:t>
+            </a:r>
+          </a:p>
+          <a:p>
+            <a:endParaRPr lang="en-US" dirty="0"/>
+          </a:p>
+          <a:p>
+            <a:endParaRPr lang="en-US" dirty="0"/>
+          </a:p>
+        </p:txBody>
+      </p:sp>
+      <p:pic>
+        <p:nvPicPr>
+          <p:cNvPr id="7" name="Picture 6">
+            <a:extLst>
+              <a:ext uri="{FF2B5EF4-FFF2-40B4-BE49-F238E27FC236}">
+                <a16:creationId xmlns:a16="http://schemas.microsoft.com/office/drawing/2014/main" id="{EEAAC07E-A0D8-4AD9-89B0-023C05BE0F0E}"/>
+              </a:ext>
+            </a:extLst>
+          </p:cNvPr>
+          <p:cNvPicPr>
+            <a:picLocks noChangeAspect="1"/>
+          </p:cNvPicPr>
+          <p:nvPr/>
+        </p:nvPicPr>
+        <p:blipFill>
+          <a:blip r:embed="rId3"/>
+          <a:stretch>
+            <a:fillRect/>
+          </a:stretch>
+        </p:blipFill>
+        <p:spPr>
+          <a:xfrm>
+            <a:off x="962251" y="2610806"/>
+            <a:ext cx="9947050" cy="3235957"/>
+          </a:xfrm>
+          <a:prstGeom prst="rect">
+            <a:avLst/>
+          </a:prstGeom>
+        </p:spPr>
+      </p:pic>
+    </p:spTree>
+    <p:extLst>
+      <p:ext uri="{BB962C8B-B14F-4D97-AF65-F5344CB8AC3E}">
+        <p14:creationId xmlns:p14="http://schemas.microsoft.com/office/powerpoint/2010/main" val="3612132310"/>
       </p:ext>
     </p:extLst>
   </p:cSld>

--- a/ros2.pptx
+++ b/ros2.pptx
@@ -3729,29 +3729,19 @@
               <a:rPr lang="en-US" dirty="0">
                 <a:hlinkClick r:id="rId2"/>
               </a:rPr>
-              <a:t>https://github.com/ros2/examples</a:t>
-            </a:r>
-            <a:r>
-              <a:rPr lang="en-US" dirty="0"/>
+              <a:t>https://github.com/ros2/</a:t>
+            </a:r>
+            <a:r>
+              <a:rPr lang="en-US">
+                <a:hlinkClick r:id="rId2"/>
+              </a:rPr>
+              <a:t>examples</a:t>
+            </a:r>
+            <a:r>
+              <a:rPr lang="en-US"/>
               <a:t> </a:t>
             </a:r>
-          </a:p>
-          <a:p>
-            <a:r>
-              <a:rPr lang="en-US" dirty="0"/>
-              <a:t>Step1: cd </a:t>
-            </a:r>
-            <a:r>
-              <a:rPr lang="en-US" dirty="0" err="1"/>
-              <a:t>src</a:t>
-            </a:r>
             <a:endParaRPr lang="en-US" dirty="0"/>
-          </a:p>
-          <a:p>
-            <a:r>
-              <a:rPr lang="en-US" dirty="0"/>
-              <a:t>Step2:</a:t>
-            </a:r>
           </a:p>
         </p:txBody>
       </p:sp>

--- a/ros2.pptx
+++ b/ros2.pptx
@@ -3729,19 +3729,12 @@
               <a:rPr lang="en-US" dirty="0">
                 <a:hlinkClick r:id="rId2"/>
               </a:rPr>
-              <a:t>https://github.com/ros2/</a:t>
-            </a:r>
-            <a:r>
-              <a:rPr lang="en-US">
-                <a:hlinkClick r:id="rId2"/>
-              </a:rPr>
-              <a:t>examples</a:t>
-            </a:r>
-            <a:r>
-              <a:rPr lang="en-US"/>
+              <a:t>https://github.com/ros2/examples</a:t>
+            </a:r>
+            <a:r>
+              <a:rPr lang="en-US" dirty="0"/>
               <a:t> </a:t>
             </a:r>
-            <a:endParaRPr lang="en-US" dirty="0"/>
           </a:p>
         </p:txBody>
       </p:sp>
@@ -3833,7 +3826,7 @@
           <a:p>
             <a:r>
               <a:rPr lang="en-US" b="1" dirty="0"/>
-              <a:t>Build an example</a:t>
+              <a:t>Build an example from ros2</a:t>
             </a:r>
           </a:p>
         </p:txBody>
@@ -3856,8 +3849,8 @@
         </p:nvSpPr>
         <p:spPr>
           <a:xfrm>
-            <a:off x="0" y="1253331"/>
-            <a:ext cx="11790217" cy="4351338"/>
+            <a:off x="467591" y="1253331"/>
+            <a:ext cx="11256818" cy="4351338"/>
           </a:xfrm>
         </p:spPr>
         <p:txBody>
@@ -3962,19 +3955,7 @@
               <a:rPr lang="en-US" dirty="0">
                 <a:latin typeface=".VnTime" panose="020B7200000000000000" pitchFamily="34" charset="0"/>
               </a:rPr>
-              <a:t> list | grep “</a:t>
-            </a:r>
-            <a:r>
-              <a:rPr lang="en-US" dirty="0" err="1">
-                <a:latin typeface=".VnTime" panose="020B7200000000000000" pitchFamily="34" charset="0"/>
-              </a:rPr>
-              <a:t>xamples</a:t>
-            </a:r>
-            <a:r>
-              <a:rPr lang="en-US" dirty="0">
-                <a:latin typeface=".VnTime" panose="020B7200000000000000" pitchFamily="34" charset="0"/>
-              </a:rPr>
-              <a:t>”</a:t>
+              <a:t> list | grep “examples”</a:t>
             </a:r>
           </a:p>
           <a:p>
@@ -4075,6 +4056,9 @@
               <a:t>minimal_client</a:t>
             </a:r>
             <a:endParaRPr lang="en-US" sz="2400" dirty="0">
+              <a:solidFill>
+                <a:srgbClr val="000000"/>
+              </a:solidFill>
               <a:latin typeface=".VnTime" panose="020B7200000000000000" pitchFamily="34" charset="0"/>
             </a:endParaRPr>
           </a:p>
@@ -4083,8 +4067,40 @@
               <a:buNone/>
             </a:pPr>
             <a:r>
+              <a:rPr lang="en-US" b="1" dirty="0">
+                <a:latin typeface=".VnTime" panose="020B7200000000000000" pitchFamily="34" charset="0"/>
+              </a:rPr>
+              <a:t>Step6</a:t>
+            </a:r>
+            <a:r>
+              <a:rPr lang="en-US" sz="2400" dirty="0">
+                <a:solidFill>
+                  <a:srgbClr val="000000"/>
+                </a:solidFill>
+                <a:latin typeface=".VnTime" panose="020B7200000000000000" pitchFamily="34" charset="0"/>
+              </a:rPr>
+              <a:t>:  . ~/ros2_galactic/install/</a:t>
+            </a:r>
+            <a:r>
+              <a:rPr lang="en-US" sz="2400" dirty="0" err="1">
+                <a:solidFill>
+                  <a:srgbClr val="000000"/>
+                </a:solidFill>
+                <a:latin typeface=".VnTime" panose="020B7200000000000000" pitchFamily="34" charset="0"/>
+              </a:rPr>
+              <a:t>local_setup.bash</a:t>
+            </a:r>
+            <a:endParaRPr lang="en-US" sz="2400" dirty="0">
+              <a:latin typeface=".VnTime" panose="020B7200000000000000" pitchFamily="34" charset="0"/>
+            </a:endParaRPr>
+          </a:p>
+          <a:p>
+            <a:pPr marL="0" indent="0">
+              <a:buNone/>
+            </a:pPr>
+            <a:r>
               <a:rPr lang="en-US" b="1" dirty="0"/>
-              <a:t>Step6: </a:t>
+              <a:t>Step7: </a:t>
             </a:r>
             <a:r>
               <a:rPr lang="en-US" dirty="0"/>
@@ -4357,8 +4373,8 @@
         </p:nvSpPr>
         <p:spPr>
           <a:xfrm>
-            <a:off x="2427769" y="1262811"/>
-            <a:ext cx="7963786" cy="5970865"/>
+            <a:off x="665018" y="856357"/>
+            <a:ext cx="8922327" cy="6001643"/>
           </a:xfrm>
           <a:prstGeom prst="rect">
             <a:avLst/>
@@ -4375,8 +4391,8 @@
               <a:buAutoNum type="arabicPeriod"/>
             </a:pPr>
             <a:r>
-              <a:rPr lang="en-US" sz="2000" dirty="0"/>
-              <a:t>Install ros2 foxy</a:t>
+              <a:rPr lang="en-US" sz="2000" b="1" dirty="0"/>
+              <a:t>Install ros2  </a:t>
             </a:r>
           </a:p>
           <a:p>
@@ -4461,47 +4477,15 @@
               <a:t>   </a:t>
             </a:r>
             <a:r>
-              <a:rPr lang="en-US" i="1" dirty="0" err="1"/>
-              <a:t>sudo</a:t>
-            </a:r>
-            <a:r>
-              <a:rPr lang="en-US" i="1" dirty="0"/>
-              <a:t> apt install </a:t>
-            </a:r>
-            <a:r>
-              <a:rPr lang="en-US" i="1" dirty="0" err="1"/>
-              <a:t>ros</a:t>
-            </a:r>
-            <a:r>
-              <a:rPr lang="en-US" i="1" dirty="0"/>
-              <a:t>-galactic-desktop</a:t>
-            </a:r>
-          </a:p>
-          <a:p>
-            <a:pPr algn="l"/>
-            <a:r>
-              <a:rPr lang="en-US" i="1" dirty="0"/>
-              <a:t>   source /opt/</a:t>
-            </a:r>
-            <a:r>
-              <a:rPr lang="en-US" i="1" dirty="0" err="1"/>
-              <a:t>ros</a:t>
-            </a:r>
-            <a:r>
-              <a:rPr lang="en-US" i="1" dirty="0"/>
-              <a:t>/galactic/</a:t>
-            </a:r>
-            <a:r>
-              <a:rPr lang="en-US" i="1" dirty="0" err="1"/>
-              <a:t>setup.bash</a:t>
-            </a:r>
-            <a:endParaRPr lang="en-US" i="1" dirty="0"/>
-          </a:p>
-          <a:p>
-            <a:r>
               <a:rPr lang="en-US" dirty="0"/>
               <a:t> </a:t>
             </a:r>
+          </a:p>
+          <a:p>
+            <a:endParaRPr lang="en-US" dirty="0"/>
+          </a:p>
+          <a:p>
+            <a:endParaRPr lang="en-US" dirty="0"/>
           </a:p>
           <a:p>
             <a:endParaRPr lang="en-US" dirty="0"/>
@@ -4687,6 +4671,112 @@
           </a:p>
         </p:txBody>
       </p:sp>
+      <p:graphicFrame>
+        <p:nvGraphicFramePr>
+          <p:cNvPr id="2" name="Table 2">
+            <a:extLst>
+              <a:ext uri="{FF2B5EF4-FFF2-40B4-BE49-F238E27FC236}">
+                <a16:creationId xmlns:a16="http://schemas.microsoft.com/office/drawing/2014/main" id="{4FF1138D-D165-484B-802F-1E60039DB904}"/>
+              </a:ext>
+            </a:extLst>
+          </p:cNvPr>
+          <p:cNvGraphicFramePr>
+            <a:graphicFrameLocks noGrp="1"/>
+          </p:cNvGraphicFramePr>
+          <p:nvPr>
+            <p:extLst>
+              <p:ext uri="{D42A27DB-BD31-4B8C-83A1-F6EECF244321}">
+                <p14:modId xmlns:p14="http://schemas.microsoft.com/office/powerpoint/2010/main" val="2474086663"/>
+              </p:ext>
+            </p:extLst>
+          </p:nvPr>
+        </p:nvGraphicFramePr>
+        <p:xfrm>
+          <a:off x="1812422" y="2971800"/>
+          <a:ext cx="6929796" cy="914400"/>
+        </p:xfrm>
+        <a:graphic>
+          <a:graphicData uri="http://schemas.openxmlformats.org/drawingml/2006/table">
+            <a:tbl>
+              <a:tblPr firstRow="1" bandRow="1">
+                <a:tableStyleId>{5C22544A-7EE6-4342-B048-85BDC9FD1C3A}</a:tableStyleId>
+              </a:tblPr>
+              <a:tblGrid>
+                <a:gridCol w="6929796">
+                  <a:extLst>
+                    <a:ext uri="{9D8B030D-6E8A-4147-A177-3AD203B41FA5}">
+                      <a16:colId xmlns:a16="http://schemas.microsoft.com/office/drawing/2014/main" val="3409151604"/>
+                    </a:ext>
+                  </a:extLst>
+                </a:gridCol>
+              </a:tblGrid>
+              <a:tr h="284018">
+                <a:tc>
+                  <a:txBody>
+                    <a:bodyPr/>
+                    <a:lstStyle/>
+                    <a:p>
+                      <a:pPr algn="l"/>
+                      <a:r>
+                        <a:rPr lang="en-US" i="1" dirty="0"/>
+                        <a:t>  </a:t>
+                      </a:r>
+                      <a:r>
+                        <a:rPr lang="en-US" i="1" dirty="0" err="1"/>
+                        <a:t>sudo</a:t>
+                      </a:r>
+                      <a:r>
+                        <a:rPr lang="en-US" i="1" dirty="0"/>
+                        <a:t> apt install </a:t>
+                      </a:r>
+                      <a:r>
+                        <a:rPr lang="en-US" i="1" dirty="0" err="1"/>
+                        <a:t>ros</a:t>
+                      </a:r>
+                      <a:r>
+                        <a:rPr lang="en-US" i="1" dirty="0"/>
+                        <a:t>-galactic-desktop</a:t>
+                      </a:r>
+                    </a:p>
+                    <a:p>
+                      <a:pPr algn="l"/>
+                      <a:r>
+                        <a:rPr lang="en-US" i="1" dirty="0"/>
+                        <a:t>   source /opt/</a:t>
+                      </a:r>
+                      <a:r>
+                        <a:rPr lang="en-US" i="1" dirty="0" err="1"/>
+                        <a:t>ros</a:t>
+                      </a:r>
+                      <a:r>
+                        <a:rPr lang="en-US" i="1" dirty="0"/>
+                        <a:t>/galactic/</a:t>
+                      </a:r>
+                      <a:r>
+                        <a:rPr lang="en-US" i="1" dirty="0" err="1"/>
+                        <a:t>setup.bash</a:t>
+                      </a:r>
+                      <a:endParaRPr lang="en-US" i="1" dirty="0"/>
+                    </a:p>
+                    <a:p>
+                      <a:r>
+                        <a:rPr lang="en-US" dirty="0"/>
+                        <a:t> </a:t>
+                      </a:r>
+                    </a:p>
+                  </a:txBody>
+                  <a:tcPr/>
+                </a:tc>
+                <a:extLst>
+                  <a:ext uri="{0D108BD9-81ED-4DB2-BD59-A6C34878D82A}">
+                    <a16:rowId xmlns:a16="http://schemas.microsoft.com/office/drawing/2014/main" val="2415435169"/>
+                  </a:ext>
+                </a:extLst>
+              </a:tr>
+            </a:tbl>
+          </a:graphicData>
+        </a:graphic>
+      </p:graphicFrame>
     </p:spTree>
     <p:extLst>
       <p:ext uri="{BB962C8B-B14F-4D97-AF65-F5344CB8AC3E}">
@@ -5104,7 +5194,7 @@
         <p:spPr>
           <a:xfrm>
             <a:off x="423530" y="1329069"/>
-            <a:ext cx="10515600" cy="4167963"/>
+            <a:ext cx="10515600" cy="5280764"/>
           </a:xfrm>
         </p:spPr>
         <p:txBody>
@@ -5124,20 +5214,29 @@
             </a:br>
             <a:br>
               <a:rPr lang="en-US" sz="1600" dirty="0">
+                <a:latin typeface=".VnTime" panose="020B7200000000000000" pitchFamily="34" charset="0"/>
                 <a:hlinkClick r:id="rId2"/>
               </a:rPr>
             </a:br>
             <a:r>
-              <a:rPr lang="en-US" sz="1600" dirty="0">
+              <a:rPr lang="en-US" sz="2200" dirty="0">
+                <a:latin typeface="Times New Roman" panose="02020603050405020304" pitchFamily="18" charset="0"/>
+                <a:cs typeface="Times New Roman" panose="02020603050405020304" pitchFamily="18" charset="0"/>
                 <a:hlinkClick r:id="rId2"/>
               </a:rPr>
               <a:t>https://docs.ros.org/en/galactic/Tutorials/Writing-A-Simple-Cpp-Service-And-Client.html</a:t>
             </a:r>
             <a:br>
-              <a:rPr lang="en-US" sz="1600" dirty="0"/>
+              <a:rPr lang="en-US" sz="2200" dirty="0">
+                <a:latin typeface="Times New Roman" panose="02020603050405020304" pitchFamily="18" charset="0"/>
+                <a:cs typeface="Times New Roman" panose="02020603050405020304" pitchFamily="18" charset="0"/>
+              </a:rPr>
             </a:br>
             <a:br>
-              <a:rPr lang="en-US" sz="1600" dirty="0"/>
+              <a:rPr lang="en-US" sz="2200" dirty="0">
+                <a:latin typeface="Times New Roman" panose="02020603050405020304" pitchFamily="18" charset="0"/>
+                <a:cs typeface="Times New Roman" panose="02020603050405020304" pitchFamily="18" charset="0"/>
+              </a:rPr>
             </a:br>
             <a:r>
               <a:rPr lang="en-US" sz="2200" b="0" i="0" dirty="0">
@@ -5145,135 +5244,226 @@
                   <a:srgbClr val="333333"/>
                 </a:solidFill>
                 <a:effectLst/>
-                <a:latin typeface="Helvetica Neue"/>
-              </a:rPr>
-              <a:t> installing system dependencies.</a:t>
+                <a:latin typeface="Times New Roman" panose="02020603050405020304" pitchFamily="18" charset="0"/>
+                <a:cs typeface="Times New Roman" panose="02020603050405020304" pitchFamily="18" charset="0"/>
+              </a:rPr>
+              <a:t> </a:t>
+            </a:r>
+            <a:r>
+              <a:rPr lang="en-US" sz="2200" b="1" i="0" dirty="0">
+                <a:solidFill>
+                  <a:srgbClr val="333333"/>
+                </a:solidFill>
+                <a:effectLst/>
+                <a:latin typeface="Times New Roman" panose="02020603050405020304" pitchFamily="18" charset="0"/>
+                <a:cs typeface="Times New Roman" panose="02020603050405020304" pitchFamily="18" charset="0"/>
+              </a:rPr>
+              <a:t>installing system dependencies</a:t>
+            </a:r>
+            <a:r>
+              <a:rPr lang="en-US" sz="2200" b="0" i="0" dirty="0">
+                <a:solidFill>
+                  <a:srgbClr val="333333"/>
+                </a:solidFill>
+                <a:effectLst/>
+                <a:latin typeface="Times New Roman" panose="02020603050405020304" pitchFamily="18" charset="0"/>
+                <a:cs typeface="Times New Roman" panose="02020603050405020304" pitchFamily="18" charset="0"/>
+              </a:rPr>
+              <a:t>.</a:t>
             </a:r>
             <a:br>
-              <a:rPr lang="en-US" sz="1600" dirty="0"/>
+              <a:rPr lang="en-US" sz="2200" dirty="0">
+                <a:latin typeface="Times New Roman" panose="02020603050405020304" pitchFamily="18" charset="0"/>
+                <a:cs typeface="Times New Roman" panose="02020603050405020304" pitchFamily="18" charset="0"/>
+              </a:rPr>
             </a:br>
             <a:r>
-              <a:rPr lang="en-US" sz="1600" dirty="0"/>
+              <a:rPr lang="en-US" sz="2200" dirty="0">
+                <a:latin typeface="Times New Roman" panose="02020603050405020304" pitchFamily="18" charset="0"/>
+                <a:cs typeface="Times New Roman" panose="02020603050405020304" pitchFamily="18" charset="0"/>
+              </a:rPr>
               <a:t>      </a:t>
             </a:r>
             <a:r>
-              <a:rPr lang="en-US" sz="1600" dirty="0">
+              <a:rPr lang="en-US" sz="2200" dirty="0">
+                <a:latin typeface="Times New Roman" panose="02020603050405020304" pitchFamily="18" charset="0"/>
+                <a:cs typeface="Times New Roman" panose="02020603050405020304" pitchFamily="18" charset="0"/>
                 <a:hlinkClick r:id="rId3"/>
               </a:rPr>
               <a:t>http://wiki.ros.org/rosdep</a:t>
             </a:r>
             <a:br>
-              <a:rPr lang="en-US" sz="1600" dirty="0"/>
+              <a:rPr lang="en-US" sz="2200" dirty="0">
+                <a:latin typeface="Times New Roman" panose="02020603050405020304" pitchFamily="18" charset="0"/>
+                <a:cs typeface="Times New Roman" panose="02020603050405020304" pitchFamily="18" charset="0"/>
+              </a:rPr>
             </a:br>
             <a:r>
-              <a:rPr lang="en-US" sz="1600" dirty="0"/>
+              <a:rPr lang="en-US" sz="2200" dirty="0">
+                <a:latin typeface="Times New Roman" panose="02020603050405020304" pitchFamily="18" charset="0"/>
+                <a:cs typeface="Times New Roman" panose="02020603050405020304" pitchFamily="18" charset="0"/>
+              </a:rPr>
               <a:t>      </a:t>
             </a:r>
             <a:r>
-              <a:rPr lang="en-US" sz="1600" dirty="0">
+              <a:rPr lang="en-US" sz="2200" dirty="0">
+                <a:latin typeface="Times New Roman" panose="02020603050405020304" pitchFamily="18" charset="0"/>
+                <a:cs typeface="Times New Roman" panose="02020603050405020304" pitchFamily="18" charset="0"/>
                 <a:hlinkClick r:id="rId4"/>
               </a:rPr>
               <a:t>http://wiki.ros.org/rosdep/Tutorials/How%20to%20add%20a%20system%20dependency</a:t>
             </a:r>
             <a:br>
-              <a:rPr lang="en-US" sz="1600" dirty="0"/>
+              <a:rPr lang="en-US" sz="2200" dirty="0">
+                <a:latin typeface="Times New Roman" panose="02020603050405020304" pitchFamily="18" charset="0"/>
+                <a:cs typeface="Times New Roman" panose="02020603050405020304" pitchFamily="18" charset="0"/>
+              </a:rPr>
             </a:br>
             <a:br>
-              <a:rPr lang="en-US" sz="1600" dirty="0"/>
+              <a:rPr lang="en-US" sz="2200" dirty="0">
+                <a:latin typeface="Times New Roman" panose="02020603050405020304" pitchFamily="18" charset="0"/>
+                <a:cs typeface="Times New Roman" panose="02020603050405020304" pitchFamily="18" charset="0"/>
+              </a:rPr>
+            </a:br>
+            <a:r>
+              <a:rPr lang="en-US" sz="2200" dirty="0">
+                <a:latin typeface="Times New Roman" panose="02020603050405020304" pitchFamily="18" charset="0"/>
+                <a:cs typeface="Times New Roman" panose="02020603050405020304" pitchFamily="18" charset="0"/>
+                <a:hlinkClick r:id="rId5"/>
+              </a:rPr>
+              <a:t>https://colcon.readthedocs.io/en/released/</a:t>
+            </a:r>
+            <a:r>
+              <a:rPr lang="en-US" sz="2200" dirty="0">
+                <a:latin typeface="Times New Roman" panose="02020603050405020304" pitchFamily="18" charset="0"/>
+                <a:cs typeface="Times New Roman" panose="02020603050405020304" pitchFamily="18" charset="0"/>
+              </a:rPr>
+              <a:t> </a:t>
+            </a:r>
+            <a:br>
+              <a:rPr lang="en-US" sz="2200" dirty="0">
+                <a:latin typeface="Times New Roman" panose="02020603050405020304" pitchFamily="18" charset="0"/>
+                <a:cs typeface="Times New Roman" panose="02020603050405020304" pitchFamily="18" charset="0"/>
+              </a:rPr>
             </a:br>
             <a:br>
-              <a:rPr lang="en-US" sz="1600" dirty="0"/>
+              <a:rPr lang="en-US" sz="2200" dirty="0">
+                <a:latin typeface="Times New Roman" panose="02020603050405020304" pitchFamily="18" charset="0"/>
+                <a:cs typeface="Times New Roman" panose="02020603050405020304" pitchFamily="18" charset="0"/>
+              </a:rPr>
             </a:br>
             <a:r>
-              <a:rPr lang="en-US" sz="1600" dirty="0">
-                <a:hlinkClick r:id="rId5"/>
-              </a:rPr>
-              <a:t>https://colcon.readthedocs.io/en/released/</a:t>
-            </a:r>
-            <a:r>
-              <a:rPr lang="en-US" sz="1600" dirty="0"/>
-              <a:t> </a:t>
+              <a:rPr lang="en-US" sz="2200" b="1" dirty="0">
+                <a:latin typeface="Times New Roman" panose="02020603050405020304" pitchFamily="18" charset="0"/>
+                <a:cs typeface="Times New Roman" panose="02020603050405020304" pitchFamily="18" charset="0"/>
+              </a:rPr>
+              <a:t>ROS 2 package and packets in </a:t>
+            </a:r>
+            <a:r>
+              <a:rPr lang="en-US" sz="2200" b="1" dirty="0" err="1">
+                <a:latin typeface="Times New Roman" panose="02020603050405020304" pitchFamily="18" charset="0"/>
+                <a:cs typeface="Times New Roman" panose="02020603050405020304" pitchFamily="18" charset="0"/>
+              </a:rPr>
+              <a:t>workpaces</a:t>
             </a:r>
             <a:br>
-              <a:rPr lang="en-US" sz="1600" dirty="0"/>
+              <a:rPr lang="en-US" sz="2200" dirty="0">
+                <a:latin typeface="Times New Roman" panose="02020603050405020304" pitchFamily="18" charset="0"/>
+                <a:cs typeface="Times New Roman" panose="02020603050405020304" pitchFamily="18" charset="0"/>
+              </a:rPr>
             </a:br>
             <a:br>
-              <a:rPr lang="en-US" sz="1600" dirty="0"/>
+              <a:rPr lang="en-US" sz="2200" dirty="0">
+                <a:latin typeface="Times New Roman" panose="02020603050405020304" pitchFamily="18" charset="0"/>
+                <a:cs typeface="Times New Roman" panose="02020603050405020304" pitchFamily="18" charset="0"/>
+              </a:rPr>
             </a:br>
             <a:r>
-              <a:rPr lang="en-US" sz="1800" b="1" dirty="0"/>
-              <a:t>ROS 2 package and packets in </a:t>
-            </a:r>
-            <a:r>
-              <a:rPr lang="en-US" sz="1800" b="1" dirty="0" err="1"/>
-              <a:t>workpaces</a:t>
+              <a:rPr lang="en-US" sz="2200" dirty="0">
+                <a:latin typeface="Times New Roman" panose="02020603050405020304" pitchFamily="18" charset="0"/>
+                <a:cs typeface="Times New Roman" panose="02020603050405020304" pitchFamily="18" charset="0"/>
+              </a:rPr>
+              <a:t>       </a:t>
+            </a:r>
+            <a:r>
+              <a:rPr lang="en-US" sz="2200" dirty="0">
+                <a:latin typeface="Times New Roman" panose="02020603050405020304" pitchFamily="18" charset="0"/>
+                <a:cs typeface="Times New Roman" panose="02020603050405020304" pitchFamily="18" charset="0"/>
+                <a:hlinkClick r:id="rId6"/>
+              </a:rPr>
+              <a:t>https://docs.ros.org/en/foxy/Tutorials/Creating-Your-First-ROS2-Package.html</a:t>
             </a:r>
             <a:br>
-              <a:rPr lang="en-US" sz="1600" dirty="0"/>
+              <a:rPr lang="en-US" sz="2200" dirty="0">
+                <a:latin typeface="Times New Roman" panose="02020603050405020304" pitchFamily="18" charset="0"/>
+                <a:cs typeface="Times New Roman" panose="02020603050405020304" pitchFamily="18" charset="0"/>
+              </a:rPr>
             </a:br>
             <a:br>
-              <a:rPr lang="en-US" sz="1600" dirty="0"/>
+              <a:rPr lang="en-US" sz="2200" dirty="0">
+                <a:latin typeface="Times New Roman" panose="02020603050405020304" pitchFamily="18" charset="0"/>
+                <a:cs typeface="Times New Roman" panose="02020603050405020304" pitchFamily="18" charset="0"/>
+              </a:rPr>
             </a:br>
             <a:r>
-              <a:rPr lang="en-US" sz="1600" dirty="0"/>
-              <a:t>       </a:t>
-            </a:r>
-            <a:r>
-              <a:rPr lang="en-US" sz="1600" dirty="0">
-                <a:hlinkClick r:id="rId6"/>
-              </a:rPr>
-              <a:t>https://docs.ros.org/en/foxy/Tutorials/Creating-Your-First-ROS2-Package.html</a:t>
+              <a:rPr lang="en-US" sz="2200" b="1" dirty="0">
+                <a:latin typeface="Times New Roman" panose="02020603050405020304" pitchFamily="18" charset="0"/>
+                <a:cs typeface="Times New Roman" panose="02020603050405020304" pitchFamily="18" charset="0"/>
+              </a:rPr>
+              <a:t>Example at </a:t>
             </a:r>
             <a:br>
-              <a:rPr lang="en-US" sz="1600" dirty="0"/>
+              <a:rPr lang="en-US" sz="2200" b="1" dirty="0">
+                <a:latin typeface="Times New Roman" panose="02020603050405020304" pitchFamily="18" charset="0"/>
+                <a:cs typeface="Times New Roman" panose="02020603050405020304" pitchFamily="18" charset="0"/>
+              </a:rPr>
             </a:br>
             <a:br>
-              <a:rPr lang="en-US" sz="1600" dirty="0"/>
+              <a:rPr lang="en-US" sz="2200" dirty="0">
+                <a:latin typeface="Times New Roman" panose="02020603050405020304" pitchFamily="18" charset="0"/>
+                <a:cs typeface="Times New Roman" panose="02020603050405020304" pitchFamily="18" charset="0"/>
+              </a:rPr>
             </a:br>
+            <a:r>
+              <a:rPr lang="en-US" sz="2200" dirty="0">
+                <a:latin typeface="Times New Roman" panose="02020603050405020304" pitchFamily="18" charset="0"/>
+                <a:cs typeface="Times New Roman" panose="02020603050405020304" pitchFamily="18" charset="0"/>
+                <a:hlinkClick r:id="rId7"/>
+              </a:rPr>
+              <a:t>https://github.com/ros2/examples/tree/master/rclcpp</a:t>
+            </a:r>
+            <a:r>
+              <a:rPr lang="en-US" sz="2200" dirty="0">
+                <a:latin typeface="Times New Roman" panose="02020603050405020304" pitchFamily="18" charset="0"/>
+                <a:cs typeface="Times New Roman" panose="02020603050405020304" pitchFamily="18" charset="0"/>
+              </a:rPr>
+              <a:t> </a:t>
+            </a:r>
             <a:br>
-              <a:rPr lang="en-US" sz="1600" dirty="0"/>
+              <a:rPr lang="en-US" sz="2200" dirty="0">
+                <a:latin typeface="Times New Roman" panose="02020603050405020304" pitchFamily="18" charset="0"/>
+                <a:cs typeface="Times New Roman" panose="02020603050405020304" pitchFamily="18" charset="0"/>
+              </a:rPr>
             </a:br>
             <a:r>
-              <a:rPr lang="en-US" sz="1800" b="1" dirty="0"/>
-              <a:t>Example at </a:t>
+              <a:rPr lang="en-US" sz="2200" dirty="0">
+                <a:latin typeface="Times New Roman" panose="02020603050405020304" pitchFamily="18" charset="0"/>
+                <a:cs typeface="Times New Roman" panose="02020603050405020304" pitchFamily="18" charset="0"/>
+                <a:hlinkClick r:id="rId8"/>
+              </a:rPr>
+              <a:t>https://roboticsbackend.com/create-a-ros2-cpp-package/</a:t>
+            </a:r>
+            <a:r>
+              <a:rPr lang="en-US" sz="2200" dirty="0">
+                <a:latin typeface="Times New Roman" panose="02020603050405020304" pitchFamily="18" charset="0"/>
+                <a:cs typeface="Times New Roman" panose="02020603050405020304" pitchFamily="18" charset="0"/>
+              </a:rPr>
+              <a:t> </a:t>
             </a:r>
             <a:br>
-              <a:rPr lang="en-US" sz="1800" b="1" dirty="0"/>
-            </a:br>
-            <a:br>
-              <a:rPr lang="en-US" sz="1600" dirty="0"/>
-            </a:br>
-            <a:r>
               <a:rPr lang="en-US" sz="1600" dirty="0">
-                <a:hlinkClick r:id="rId7"/>
-              </a:rPr>
-              <a:t>https://github.com/ros2/examples/tree/master/rclcpp</a:t>
-            </a:r>
-            <a:r>
-              <a:rPr lang="en-US" sz="1600" dirty="0"/>
-              <a:t> </a:t>
-            </a:r>
-            <a:br>
-              <a:rPr lang="en-US" sz="1600" dirty="0"/>
-            </a:br>
-            <a:br>
-              <a:rPr lang="en-US" sz="1600" dirty="0"/>
-            </a:br>
-            <a:br>
-              <a:rPr lang="en-US" sz="1600" dirty="0"/>
-            </a:br>
-            <a:r>
-              <a:rPr lang="en-US" sz="1600" dirty="0">
-                <a:hlinkClick r:id="rId8"/>
-              </a:rPr>
-              <a:t>https://roboticsbackend.com/create-a-ros2-cpp-package/</a:t>
-            </a:r>
-            <a:r>
-              <a:rPr lang="en-US" sz="1600" dirty="0"/>
-              <a:t> </a:t>
-            </a:r>
-            <a:br>
-              <a:rPr lang="en-US" sz="1600" dirty="0"/>
+                <a:latin typeface=".VnTime" panose="020B7200000000000000" pitchFamily="34" charset="0"/>
+              </a:rPr>
             </a:br>
             <a:br>
               <a:rPr lang="en-US" sz="1600" dirty="0"/>

--- a/ros2.pptx
+++ b/ros2.pptx
@@ -16,6 +16,7 @@
     <p:sldId id="264" r:id="rId10"/>
     <p:sldId id="265" r:id="rId11"/>
     <p:sldId id="266" r:id="rId12"/>
+    <p:sldId id="267" r:id="rId13"/>
   </p:sldIdLst>
   <p:sldSz cx="12192000" cy="6858000"/>
   <p:notesSz cx="6858000" cy="9144000"/>
@@ -4146,6 +4147,200 @@
 </p:sld>
 </file>
 
+<file path=ppt/slides/slide12.xml><?xml version="1.0" encoding="utf-8"?>
+<p:sld xmlns:a="http://schemas.openxmlformats.org/drawingml/2006/main" xmlns:r="http://schemas.openxmlformats.org/officeDocument/2006/relationships" xmlns:p="http://schemas.openxmlformats.org/presentationml/2006/main">
+  <p:cSld>
+    <p:spTree>
+      <p:nvGrpSpPr>
+        <p:cNvPr id="1" name=""/>
+        <p:cNvGrpSpPr/>
+        <p:nvPr/>
+      </p:nvGrpSpPr>
+      <p:grpSpPr>
+        <a:xfrm>
+          <a:off x="0" y="0"/>
+          <a:ext cx="0" cy="0"/>
+          <a:chOff x="0" y="0"/>
+          <a:chExt cx="0" cy="0"/>
+        </a:xfrm>
+      </p:grpSpPr>
+      <p:sp>
+        <p:nvSpPr>
+          <p:cNvPr id="2" name="Title 1">
+            <a:extLst>
+              <a:ext uri="{FF2B5EF4-FFF2-40B4-BE49-F238E27FC236}">
+                <a16:creationId xmlns:a16="http://schemas.microsoft.com/office/drawing/2014/main" id="{AC713B3E-D7D5-4F33-9679-482DD3C67FDE}"/>
+              </a:ext>
+            </a:extLst>
+          </p:cNvPr>
+          <p:cNvSpPr>
+            <a:spLocks noGrp="1"/>
+          </p:cNvSpPr>
+          <p:nvPr>
+            <p:ph type="title"/>
+          </p:nvPr>
+        </p:nvSpPr>
+        <p:spPr>
+          <a:xfrm>
+            <a:off x="616527" y="162213"/>
+            <a:ext cx="10515600" cy="815975"/>
+          </a:xfrm>
+        </p:spPr>
+        <p:txBody>
+          <a:bodyPr/>
+          <a:lstStyle/>
+          <a:p>
+            <a:r>
+              <a:rPr lang="en-US" b="1" dirty="0"/>
+              <a:t>Build an example from ros2</a:t>
+            </a:r>
+          </a:p>
+        </p:txBody>
+      </p:sp>
+      <p:pic>
+        <p:nvPicPr>
+          <p:cNvPr id="7" name="Content Placeholder 6">
+            <a:extLst>
+              <a:ext uri="{FF2B5EF4-FFF2-40B4-BE49-F238E27FC236}">
+                <a16:creationId xmlns:a16="http://schemas.microsoft.com/office/drawing/2014/main" id="{538815F1-EE86-4F65-80DF-68214198A86C}"/>
+              </a:ext>
+            </a:extLst>
+          </p:cNvPr>
+          <p:cNvPicPr>
+            <a:picLocks noGrp="1" noChangeAspect="1"/>
+          </p:cNvPicPr>
+          <p:nvPr>
+            <p:ph idx="1"/>
+          </p:nvPr>
+        </p:nvPicPr>
+        <p:blipFill>
+          <a:blip r:embed="rId2"/>
+          <a:stretch>
+            <a:fillRect/>
+          </a:stretch>
+        </p:blipFill>
+        <p:spPr>
+          <a:xfrm>
+            <a:off x="1059873" y="844941"/>
+            <a:ext cx="7859947" cy="2417806"/>
+          </a:xfrm>
+        </p:spPr>
+      </p:pic>
+      <p:pic>
+        <p:nvPicPr>
+          <p:cNvPr id="9" name="Picture 8">
+            <a:extLst>
+              <a:ext uri="{FF2B5EF4-FFF2-40B4-BE49-F238E27FC236}">
+                <a16:creationId xmlns:a16="http://schemas.microsoft.com/office/drawing/2014/main" id="{1948FF7D-8D78-4527-935F-9DF3FD6FD9BA}"/>
+              </a:ext>
+            </a:extLst>
+          </p:cNvPr>
+          <p:cNvPicPr>
+            <a:picLocks noChangeAspect="1"/>
+          </p:cNvPicPr>
+          <p:nvPr/>
+        </p:nvPicPr>
+        <p:blipFill>
+          <a:blip r:embed="rId3"/>
+          <a:stretch>
+            <a:fillRect/>
+          </a:stretch>
+        </p:blipFill>
+        <p:spPr>
+          <a:xfrm>
+            <a:off x="1059873" y="2877860"/>
+            <a:ext cx="9256164" cy="2135229"/>
+          </a:xfrm>
+          <a:prstGeom prst="rect">
+            <a:avLst/>
+          </a:prstGeom>
+        </p:spPr>
+      </p:pic>
+      <p:sp>
+        <p:nvSpPr>
+          <p:cNvPr id="11" name="TextBox 10">
+            <a:extLst>
+              <a:ext uri="{FF2B5EF4-FFF2-40B4-BE49-F238E27FC236}">
+                <a16:creationId xmlns:a16="http://schemas.microsoft.com/office/drawing/2014/main" id="{0394EFA5-B3F4-40E2-88E1-17FDD48DD828}"/>
+              </a:ext>
+            </a:extLst>
+          </p:cNvPr>
+          <p:cNvSpPr txBox="1"/>
+          <p:nvPr/>
+        </p:nvSpPr>
+        <p:spPr>
+          <a:xfrm>
+            <a:off x="1161275" y="5412894"/>
+            <a:ext cx="7758545" cy="1200329"/>
+          </a:xfrm>
+          <a:prstGeom prst="rect">
+            <a:avLst/>
+          </a:prstGeom>
+          <a:noFill/>
+        </p:spPr>
+        <p:txBody>
+          <a:bodyPr wrap="square">
+            <a:spAutoFit/>
+          </a:bodyPr>
+          <a:lstStyle/>
+          <a:p>
+            <a:r>
+              <a:rPr lang="en-US" sz="2400" dirty="0" err="1"/>
+              <a:t>colcon</a:t>
+            </a:r>
+            <a:r>
+              <a:rPr lang="en-US" sz="2400" dirty="0"/>
+              <a:t> build --packages-select   </a:t>
+            </a:r>
+            <a:r>
+              <a:rPr lang="en-US" sz="2400" dirty="0" err="1"/>
+              <a:t>demo_nodes_cpp</a:t>
+            </a:r>
+            <a:r>
+              <a:rPr lang="en-US" sz="2400" dirty="0"/>
+              <a:t> </a:t>
+            </a:r>
+          </a:p>
+          <a:p>
+            <a:r>
+              <a:rPr lang="en-US" sz="2400" dirty="0"/>
+              <a:t>. ~/ros2_galactic/install/</a:t>
+            </a:r>
+            <a:r>
+              <a:rPr lang="en-US" sz="2400" dirty="0" err="1"/>
+              <a:t>local_setup.bash</a:t>
+            </a:r>
+            <a:endParaRPr lang="en-US" sz="2400" dirty="0"/>
+          </a:p>
+          <a:p>
+            <a:r>
+              <a:rPr lang="en-US" sz="2400" dirty="0"/>
+              <a:t>  ros2 run </a:t>
+            </a:r>
+            <a:r>
+              <a:rPr lang="en-US" sz="2400" dirty="0" err="1"/>
+              <a:t>demo_nodes_cpp</a:t>
+            </a:r>
+            <a:r>
+              <a:rPr lang="en-US" sz="2400" dirty="0"/>
+              <a:t> talker</a:t>
+            </a:r>
+          </a:p>
+        </p:txBody>
+      </p:sp>
+    </p:spTree>
+    <p:extLst>
+      <p:ext uri="{BB962C8B-B14F-4D97-AF65-F5344CB8AC3E}">
+        <p14:creationId xmlns:p14="http://schemas.microsoft.com/office/powerpoint/2010/main" val="4110193287"/>
+      </p:ext>
+    </p:extLst>
+  </p:cSld>
+  <p:clrMapOvr>
+    <a:masterClrMapping/>
+  </p:clrMapOvr>
+</p:sld>
+</file>
+
 <file path=ppt/slides/slide2.xml><?xml version="1.0" encoding="utf-8"?>
 <p:sld xmlns:a="http://schemas.openxmlformats.org/drawingml/2006/main" xmlns:r="http://schemas.openxmlformats.org/officeDocument/2006/relationships" xmlns:p="http://schemas.openxmlformats.org/presentationml/2006/main">
   <p:cSld>
@@ -4888,7 +5083,7 @@
           <a:p>
             <a:r>
               <a:rPr lang="en-US" dirty="0"/>
-              <a:t>node info &lt;</a:t>
+              <a:t>ros2  node info &lt;</a:t>
             </a:r>
             <a:r>
               <a:rPr lang="en-US" dirty="0" err="1"/>

--- a/ros2.pptx
+++ b/ros2.pptx
@@ -17,6 +17,7 @@
     <p:sldId id="265" r:id="rId11"/>
     <p:sldId id="266" r:id="rId12"/>
     <p:sldId id="267" r:id="rId13"/>
+    <p:sldId id="268" r:id="rId14"/>
   </p:sldIdLst>
   <p:sldSz cx="12192000" cy="6858000"/>
   <p:notesSz cx="6858000" cy="9144000"/>
@@ -3897,66 +3898,53 @@
               <a:rPr lang="en-US" dirty="0">
                 <a:latin typeface=".VnTime" panose="020B7200000000000000" pitchFamily="34" charset="0"/>
               </a:rPr>
-              <a:t>: git clone  </a:t>
+              <a:t>: git clone  git clone https://github.com/letrthong/ros2 thong_ros2 </a:t>
+            </a:r>
+          </a:p>
+          <a:p>
+            <a:pPr marL="0" indent="0">
+              <a:buNone/>
+            </a:pPr>
+            <a:r>
+              <a:rPr lang="en-US" b="1" dirty="0">
+                <a:latin typeface=".VnTime" panose="020B7200000000000000" pitchFamily="34" charset="0"/>
+              </a:rPr>
+              <a:t>Step3</a:t>
             </a:r>
             <a:r>
               <a:rPr lang="en-US" dirty="0">
                 <a:latin typeface=".VnTime" panose="020B7200000000000000" pitchFamily="34" charset="0"/>
-                <a:hlinkClick r:id="rId2"/>
-              </a:rPr>
-              <a:t>https://github.com/ros2/examples</a:t>
+              </a:rPr>
+              <a:t>: cd ..</a:t>
+            </a:r>
+          </a:p>
+          <a:p>
+            <a:pPr marL="0" indent="0">
+              <a:buNone/>
+            </a:pPr>
+            <a:r>
+              <a:rPr lang="en-US" b="1" dirty="0">
+                <a:latin typeface=".VnTime" panose="020B7200000000000000" pitchFamily="34" charset="0"/>
+              </a:rPr>
+              <a:t>Step4</a:t>
             </a:r>
             <a:r>
               <a:rPr lang="en-US" dirty="0">
                 <a:latin typeface=".VnTime" panose="020B7200000000000000" pitchFamily="34" charset="0"/>
               </a:rPr>
-              <a:t> </a:t>
-            </a:r>
-          </a:p>
-          <a:p>
-            <a:pPr marL="0" indent="0">
-              <a:buNone/>
-            </a:pPr>
-            <a:r>
-              <a:rPr lang="en-US" b="1" dirty="0">
+              <a:t>: </a:t>
+            </a:r>
+            <a:r>
+              <a:rPr lang="en-US" dirty="0" err="1">
                 <a:latin typeface=".VnTime" panose="020B7200000000000000" pitchFamily="34" charset="0"/>
               </a:rPr>
-              <a:t>Step3</a:t>
+              <a:t>colcon</a:t>
             </a:r>
             <a:r>
               <a:rPr lang="en-US" dirty="0">
                 <a:latin typeface=".VnTime" panose="020B7200000000000000" pitchFamily="34" charset="0"/>
               </a:rPr>
-              <a:t>: cd ..</a:t>
-            </a:r>
-          </a:p>
-          <a:p>
-            <a:pPr marL="0" indent="0">
-              <a:buNone/>
-            </a:pPr>
-            <a:r>
-              <a:rPr lang="en-US" b="1" dirty="0">
-                <a:latin typeface=".VnTime" panose="020B7200000000000000" pitchFamily="34" charset="0"/>
-              </a:rPr>
-              <a:t>Step4</a:t>
-            </a:r>
-            <a:r>
-              <a:rPr lang="en-US" dirty="0">
-                <a:latin typeface=".VnTime" panose="020B7200000000000000" pitchFamily="34" charset="0"/>
-              </a:rPr>
-              <a:t>: </a:t>
-            </a:r>
-            <a:r>
-              <a:rPr lang="en-US" dirty="0" err="1">
-                <a:latin typeface=".VnTime" panose="020B7200000000000000" pitchFamily="34" charset="0"/>
-              </a:rPr>
-              <a:t>colcon</a:t>
-            </a:r>
-            <a:r>
-              <a:rPr lang="en-US" dirty="0">
-                <a:latin typeface=".VnTime" panose="020B7200000000000000" pitchFamily="34" charset="0"/>
-              </a:rPr>
-              <a:t> list | grep “examples”</a:t>
+              <a:t> list | grep “thong”</a:t>
             </a:r>
           </a:p>
           <a:p>
@@ -4009,52 +3997,16 @@
                 </a:solidFill>
                 <a:latin typeface=".VnTime" panose="020B7200000000000000" pitchFamily="34" charset="0"/>
               </a:rPr>
-              <a:t>  </a:t>
-            </a:r>
-            <a:r>
-              <a:rPr lang="en-US" sz="2400" dirty="0" err="1">
+              <a:t> </a:t>
+            </a:r>
+            <a:r>
+              <a:rPr lang="en-US" sz="1800">
                 <a:solidFill>
                   <a:srgbClr val="000000"/>
                 </a:solidFill>
-                <a:latin typeface=".VnTime" panose="020B7200000000000000" pitchFamily="34" charset="0"/>
-              </a:rPr>
-              <a:t>src</a:t>
-            </a:r>
-            <a:r>
-              <a:rPr lang="en-US" sz="2400" dirty="0">
-                <a:solidFill>
-                  <a:srgbClr val="000000"/>
-                </a:solidFill>
-                <a:latin typeface=".VnTime" panose="020B7200000000000000" pitchFamily="34" charset="0"/>
-              </a:rPr>
-              <a:t>/ros2/examples/</a:t>
-            </a:r>
-            <a:r>
-              <a:rPr lang="en-US" sz="2400" dirty="0" err="1">
-                <a:solidFill>
-                  <a:srgbClr val="000000"/>
-                </a:solidFill>
-                <a:latin typeface=".VnTime" panose="020B7200000000000000" pitchFamily="34" charset="0"/>
-              </a:rPr>
-              <a:t>rclcpp</a:t>
-            </a:r>
-            <a:r>
-              <a:rPr lang="en-US" sz="2400" dirty="0">
-                <a:solidFill>
-                  <a:srgbClr val="000000"/>
-                </a:solidFill>
-                <a:latin typeface=".VnTime" panose="020B7200000000000000" pitchFamily="34" charset="0"/>
-              </a:rPr>
-              <a:t>/services/</a:t>
-            </a:r>
-            <a:r>
-              <a:rPr lang="en-US" sz="2400" dirty="0" err="1">
-                <a:solidFill>
-                  <a:srgbClr val="000000"/>
-                </a:solidFill>
-                <a:latin typeface=".VnTime" panose="020B7200000000000000" pitchFamily="34" charset="0"/>
-              </a:rPr>
-              <a:t>minimal_client</a:t>
+                <a:latin typeface="Consolas" panose="020B0609020204030204" pitchFamily="49" charset="0"/>
+              </a:rPr>
+              <a:t>thong_ipc</a:t>
             </a:r>
             <a:endParaRPr lang="en-US" sz="2400" dirty="0">
               <a:solidFill>
@@ -4108,21 +4060,31 @@
               <a:t> ros2 run </a:t>
             </a:r>
             <a:r>
-              <a:rPr lang="en-US" dirty="0" err="1"/>
-              <a:t>demo_nodes_cpp</a:t>
-            </a:r>
-            <a:r>
-              <a:rPr lang="en-US" dirty="0"/>
-              <a:t> </a:t>
-            </a:r>
-            <a:r>
               <a:rPr lang="en-US" sz="2800" dirty="0" err="1">
                 <a:solidFill>
                   <a:srgbClr val="000000"/>
                 </a:solidFill>
                 <a:latin typeface=".VnTime" panose="020B7200000000000000" pitchFamily="34" charset="0"/>
               </a:rPr>
-              <a:t>minimal_client</a:t>
+              <a:t>ipc</a:t>
+            </a:r>
+            <a:r>
+              <a:rPr lang="en-US" sz="2800" dirty="0">
+                <a:solidFill>
+                  <a:srgbClr val="000000"/>
+                </a:solidFill>
+                <a:latin typeface=".VnTime" panose="020B7200000000000000" pitchFamily="34" charset="0"/>
+              </a:rPr>
+              <a:t>  </a:t>
+            </a:r>
+            <a:r>
+              <a:rPr lang="en-US" sz="2800" dirty="0" err="1">
+                <a:solidFill>
+                  <a:srgbClr val="000000"/>
+                </a:solidFill>
+                <a:latin typeface=".VnTime" panose="020B7200000000000000" pitchFamily="34" charset="0"/>
+              </a:rPr>
+              <a:t>demo.out</a:t>
             </a:r>
             <a:endParaRPr lang="en-US" dirty="0"/>
           </a:p>
@@ -4197,6 +4159,168 @@
           </a:p>
         </p:txBody>
       </p:sp>
+      <p:sp>
+        <p:nvSpPr>
+          <p:cNvPr id="11" name="TextBox 10">
+            <a:extLst>
+              <a:ext uri="{FF2B5EF4-FFF2-40B4-BE49-F238E27FC236}">
+                <a16:creationId xmlns:a16="http://schemas.microsoft.com/office/drawing/2014/main" id="{0394EFA5-B3F4-40E2-88E1-17FDD48DD828}"/>
+              </a:ext>
+            </a:extLst>
+          </p:cNvPr>
+          <p:cNvSpPr txBox="1"/>
+          <p:nvPr/>
+        </p:nvSpPr>
+        <p:spPr>
+          <a:xfrm>
+            <a:off x="995871" y="4426622"/>
+            <a:ext cx="10728497" cy="1200329"/>
+          </a:xfrm>
+          <a:prstGeom prst="rect">
+            <a:avLst/>
+          </a:prstGeom>
+          <a:noFill/>
+        </p:spPr>
+        <p:txBody>
+          <a:bodyPr wrap="square">
+            <a:spAutoFit/>
+          </a:bodyPr>
+          <a:lstStyle/>
+          <a:p>
+            <a:r>
+              <a:rPr lang="en-US" sz="2400" dirty="0" err="1"/>
+              <a:t>colcon</a:t>
+            </a:r>
+            <a:r>
+              <a:rPr lang="en-US" sz="2400" dirty="0"/>
+              <a:t> build --packages-select   </a:t>
+            </a:r>
+            <a:r>
+              <a:rPr lang="fr-FR" sz="2400" dirty="0" err="1"/>
+              <a:t>examples_rclcpp_minimal_action_client</a:t>
+            </a:r>
+            <a:endParaRPr lang="en-US" sz="2400" dirty="0"/>
+          </a:p>
+          <a:p>
+            <a:r>
+              <a:rPr lang="en-US" sz="2400" dirty="0"/>
+              <a:t>. ~/ros2_galactic/install/</a:t>
+            </a:r>
+            <a:r>
+              <a:rPr lang="en-US" sz="2400" dirty="0" err="1"/>
+              <a:t>local_setup.bash</a:t>
+            </a:r>
+            <a:endParaRPr lang="en-US" sz="2400" dirty="0"/>
+          </a:p>
+          <a:p>
+            <a:r>
+              <a:rPr lang="en-US" sz="2400" dirty="0"/>
+              <a:t>  ros2 run </a:t>
+            </a:r>
+            <a:r>
+              <a:rPr lang="en-US" sz="2400" dirty="0" err="1"/>
+              <a:t>demo_nodes_cpp</a:t>
+            </a:r>
+            <a:r>
+              <a:rPr lang="en-US" sz="2400" dirty="0"/>
+              <a:t> talker</a:t>
+            </a:r>
+          </a:p>
+        </p:txBody>
+      </p:sp>
+      <p:pic>
+        <p:nvPicPr>
+          <p:cNvPr id="17" name="Picture 16">
+            <a:extLst>
+              <a:ext uri="{FF2B5EF4-FFF2-40B4-BE49-F238E27FC236}">
+                <a16:creationId xmlns:a16="http://schemas.microsoft.com/office/drawing/2014/main" id="{1E4BE7A0-60EC-420F-A94F-C9533493C250}"/>
+              </a:ext>
+            </a:extLst>
+          </p:cNvPr>
+          <p:cNvPicPr>
+            <a:picLocks noChangeAspect="1"/>
+          </p:cNvPicPr>
+          <p:nvPr/>
+        </p:nvPicPr>
+        <p:blipFill>
+          <a:blip r:embed="rId2"/>
+          <a:stretch>
+            <a:fillRect/>
+          </a:stretch>
+        </p:blipFill>
+        <p:spPr>
+          <a:xfrm>
+            <a:off x="981261" y="1415510"/>
+            <a:ext cx="9786131" cy="1848597"/>
+          </a:xfrm>
+          <a:prstGeom prst="rect">
+            <a:avLst/>
+          </a:prstGeom>
+        </p:spPr>
+      </p:pic>
+    </p:spTree>
+    <p:extLst>
+      <p:ext uri="{BB962C8B-B14F-4D97-AF65-F5344CB8AC3E}">
+        <p14:creationId xmlns:p14="http://schemas.microsoft.com/office/powerpoint/2010/main" val="4110193287"/>
+      </p:ext>
+    </p:extLst>
+  </p:cSld>
+  <p:clrMapOvr>
+    <a:masterClrMapping/>
+  </p:clrMapOvr>
+</p:sld>
+</file>
+
+<file path=ppt/slides/slide13.xml><?xml version="1.0" encoding="utf-8"?>
+<p:sld xmlns:a="http://schemas.openxmlformats.org/drawingml/2006/main" xmlns:r="http://schemas.openxmlformats.org/officeDocument/2006/relationships" xmlns:p="http://schemas.openxmlformats.org/presentationml/2006/main">
+  <p:cSld>
+    <p:spTree>
+      <p:nvGrpSpPr>
+        <p:cNvPr id="1" name=""/>
+        <p:cNvGrpSpPr/>
+        <p:nvPr/>
+      </p:nvGrpSpPr>
+      <p:grpSpPr>
+        <a:xfrm>
+          <a:off x="0" y="0"/>
+          <a:ext cx="0" cy="0"/>
+          <a:chOff x="0" y="0"/>
+          <a:chExt cx="0" cy="0"/>
+        </a:xfrm>
+      </p:grpSpPr>
+      <p:sp>
+        <p:nvSpPr>
+          <p:cNvPr id="2" name="Title 1">
+            <a:extLst>
+              <a:ext uri="{FF2B5EF4-FFF2-40B4-BE49-F238E27FC236}">
+                <a16:creationId xmlns:a16="http://schemas.microsoft.com/office/drawing/2014/main" id="{AC713B3E-D7D5-4F33-9679-482DD3C67FDE}"/>
+              </a:ext>
+            </a:extLst>
+          </p:cNvPr>
+          <p:cNvSpPr>
+            <a:spLocks noGrp="1"/>
+          </p:cNvSpPr>
+          <p:nvPr>
+            <p:ph type="title"/>
+          </p:nvPr>
+        </p:nvSpPr>
+        <p:spPr>
+          <a:xfrm>
+            <a:off x="616527" y="162213"/>
+            <a:ext cx="10515600" cy="815975"/>
+          </a:xfrm>
+        </p:spPr>
+        <p:txBody>
+          <a:bodyPr/>
+          <a:lstStyle/>
+          <a:p>
+            <a:r>
+              <a:rPr lang="en-US" b="1" dirty="0"/>
+              <a:t>Build an example from ros2</a:t>
+            </a:r>
+          </a:p>
+        </p:txBody>
+      </p:sp>
       <p:pic>
         <p:nvPicPr>
           <p:cNvPr id="7" name="Content Placeholder 6">
@@ -4331,7 +4455,7 @@
     </p:spTree>
     <p:extLst>
       <p:ext uri="{BB962C8B-B14F-4D97-AF65-F5344CB8AC3E}">
-        <p14:creationId xmlns:p14="http://schemas.microsoft.com/office/powerpoint/2010/main" val="4110193287"/>
+        <p14:creationId xmlns:p14="http://schemas.microsoft.com/office/powerpoint/2010/main" val="2417329983"/>
       </p:ext>
     </p:extLst>
   </p:cSld>
@@ -5805,7 +5929,12 @@
             <p:ph idx="1"/>
           </p:nvPr>
         </p:nvSpPr>
-        <p:spPr/>
+        <p:spPr>
+          <a:xfrm>
+            <a:off x="699654" y="1253331"/>
+            <a:ext cx="10515600" cy="4351338"/>
+          </a:xfrm>
+        </p:spPr>
         <p:txBody>
           <a:bodyPr/>
           <a:lstStyle/>
@@ -5851,7 +5980,7 @@
         </p:blipFill>
         <p:spPr>
           <a:xfrm>
-            <a:off x="962251" y="2610806"/>
+            <a:off x="838200" y="2195170"/>
             <a:ext cx="9947050" cy="3235957"/>
           </a:xfrm>
           <a:prstGeom prst="rect">

--- a/ros2.pptx
+++ b/ros2.pptx
@@ -3979,10 +3979,19 @@
                 </a:solidFill>
                 <a:latin typeface=".VnTime" panose="020B7200000000000000" pitchFamily="34" charset="0"/>
               </a:rPr>
-              <a:t> build --packages-</a:t>
-            </a:r>
-            <a:r>
-              <a:rPr lang="en-US" sz="2400" dirty="0">
+              <a:t> build --</a:t>
+            </a:r>
+            <a:r>
+              <a:rPr lang="en-US" sz="2400">
+                <a:solidFill>
+                  <a:srgbClr val="000000"/>
+                </a:solidFill>
+                <a:latin typeface=".VnTime" panose="020B7200000000000000" pitchFamily="34" charset="0"/>
+              </a:rPr>
+              <a:t>packages-</a:t>
+            </a:r>
+            <a:r>
+              <a:rPr lang="en-US" sz="2400">
                 <a:solidFill>
                   <a:srgbClr val="0000FF"/>
                 </a:solidFill>
@@ -3991,13 +4000,13 @@
               <a:t>select</a:t>
             </a:r>
             <a:r>
-              <a:rPr lang="en-US" sz="2400" dirty="0">
+              <a:rPr lang="en-US" sz="2400">
                 <a:solidFill>
                   <a:srgbClr val="000000"/>
                 </a:solidFill>
                 <a:latin typeface=".VnTime" panose="020B7200000000000000" pitchFamily="34" charset="0"/>
               </a:rPr>
-              <a:t> </a:t>
+              <a:t> --allow-overriding  </a:t>
             </a:r>
             <a:r>
               <a:rPr lang="en-US" sz="1800">
@@ -4006,7 +4015,16 @@
                 </a:solidFill>
                 <a:latin typeface="Consolas" panose="020B0609020204030204" pitchFamily="49" charset="0"/>
               </a:rPr>
-              <a:t>thong_ipc</a:t>
+              <a:t>thong</a:t>
+            </a:r>
+            <a:r>
+              <a:rPr lang="en-US" sz="1800" dirty="0" err="1">
+                <a:solidFill>
+                  <a:srgbClr val="000000"/>
+                </a:solidFill>
+                <a:latin typeface="Consolas" panose="020B0609020204030204" pitchFamily="49" charset="0"/>
+              </a:rPr>
+              <a:t>_ipc</a:t>
             </a:r>
             <a:endParaRPr lang="en-US" sz="2400" dirty="0">
               <a:solidFill>

--- a/ros2.pptx
+++ b/ros2.pptx
@@ -3979,43 +3979,25 @@
                 </a:solidFill>
                 <a:latin typeface=".VnTime" panose="020B7200000000000000" pitchFamily="34" charset="0"/>
               </a:rPr>
-              <a:t> build --</a:t>
-            </a:r>
-            <a:r>
-              <a:rPr lang="en-US" sz="2400">
+              <a:t> build --packages-</a:t>
+            </a:r>
+            <a:r>
+              <a:rPr lang="en-US" sz="2400" dirty="0">
+                <a:solidFill>
+                  <a:srgbClr val="0000FF"/>
+                </a:solidFill>
+                <a:latin typeface=".VnTime" panose="020B7200000000000000" pitchFamily="34" charset="0"/>
+              </a:rPr>
+              <a:t>select</a:t>
+            </a:r>
+            <a:r>
+              <a:rPr lang="en-US" sz="2400" dirty="0">
                 <a:solidFill>
                   <a:srgbClr val="000000"/>
                 </a:solidFill>
                 <a:latin typeface=".VnTime" panose="020B7200000000000000" pitchFamily="34" charset="0"/>
               </a:rPr>
-              <a:t>packages-</a:t>
-            </a:r>
-            <a:r>
-              <a:rPr lang="en-US" sz="2400">
-                <a:solidFill>
-                  <a:srgbClr val="0000FF"/>
-                </a:solidFill>
-                <a:latin typeface=".VnTime" panose="020B7200000000000000" pitchFamily="34" charset="0"/>
-              </a:rPr>
-              <a:t>select</a:t>
-            </a:r>
-            <a:r>
-              <a:rPr lang="en-US" sz="2400">
-                <a:solidFill>
-                  <a:srgbClr val="000000"/>
-                </a:solidFill>
-                <a:latin typeface=".VnTime" panose="020B7200000000000000" pitchFamily="34" charset="0"/>
-              </a:rPr>
               <a:t> --allow-overriding  </a:t>
-            </a:r>
-            <a:r>
-              <a:rPr lang="en-US" sz="1800">
-                <a:solidFill>
-                  <a:srgbClr val="000000"/>
-                </a:solidFill>
-                <a:latin typeface="Consolas" panose="020B0609020204030204" pitchFamily="49" charset="0"/>
-              </a:rPr>
-              <a:t>thong</a:t>
             </a:r>
             <a:r>
               <a:rPr lang="en-US" sz="1800" dirty="0" err="1">
@@ -4024,7 +4006,7 @@
                 </a:solidFill>
                 <a:latin typeface="Consolas" panose="020B0609020204030204" pitchFamily="49" charset="0"/>
               </a:rPr>
-              <a:t>_ipc</a:t>
+              <a:t>thong_ipc</a:t>
             </a:r>
             <a:endParaRPr lang="en-US" sz="2400" dirty="0">
               <a:solidFill>
@@ -4172,76 +4154,7 @@
           <a:p>
             <a:r>
               <a:rPr lang="en-US" b="1" dirty="0"/>
-              <a:t>Build an example from ros2</a:t>
-            </a:r>
-          </a:p>
-        </p:txBody>
-      </p:sp>
-      <p:sp>
-        <p:nvSpPr>
-          <p:cNvPr id="11" name="TextBox 10">
-            <a:extLst>
-              <a:ext uri="{FF2B5EF4-FFF2-40B4-BE49-F238E27FC236}">
-                <a16:creationId xmlns:a16="http://schemas.microsoft.com/office/drawing/2014/main" id="{0394EFA5-B3F4-40E2-88E1-17FDD48DD828}"/>
-              </a:ext>
-            </a:extLst>
-          </p:cNvPr>
-          <p:cNvSpPr txBox="1"/>
-          <p:nvPr/>
-        </p:nvSpPr>
-        <p:spPr>
-          <a:xfrm>
-            <a:off x="995871" y="4426622"/>
-            <a:ext cx="10728497" cy="1200329"/>
-          </a:xfrm>
-          <a:prstGeom prst="rect">
-            <a:avLst/>
-          </a:prstGeom>
-          <a:noFill/>
-        </p:spPr>
-        <p:txBody>
-          <a:bodyPr wrap="square">
-            <a:spAutoFit/>
-          </a:bodyPr>
-          <a:lstStyle/>
-          <a:p>
-            <a:r>
-              <a:rPr lang="en-US" sz="2400" dirty="0" err="1"/>
-              <a:t>colcon</a:t>
-            </a:r>
-            <a:r>
-              <a:rPr lang="en-US" sz="2400" dirty="0"/>
-              <a:t> build --packages-select   </a:t>
-            </a:r>
-            <a:r>
-              <a:rPr lang="fr-FR" sz="2400" dirty="0" err="1"/>
-              <a:t>examples_rclcpp_minimal_action_client</a:t>
-            </a:r>
-            <a:endParaRPr lang="en-US" sz="2400" dirty="0"/>
-          </a:p>
-          <a:p>
-            <a:r>
-              <a:rPr lang="en-US" sz="2400" dirty="0"/>
-              <a:t>. ~/ros2_galactic/install/</a:t>
-            </a:r>
-            <a:r>
-              <a:rPr lang="en-US" sz="2400" dirty="0" err="1"/>
-              <a:t>local_setup.bash</a:t>
-            </a:r>
-            <a:endParaRPr lang="en-US" sz="2400" dirty="0"/>
-          </a:p>
-          <a:p>
-            <a:r>
-              <a:rPr lang="en-US" sz="2400" dirty="0"/>
-              <a:t>  ros2 run </a:t>
-            </a:r>
-            <a:r>
-              <a:rPr lang="en-US" sz="2400" dirty="0" err="1"/>
-              <a:t>demo_nodes_cpp</a:t>
-            </a:r>
-            <a:r>
-              <a:rPr lang="en-US" sz="2400" dirty="0"/>
-              <a:t> talker</a:t>
+              <a:t>Build  source from ros2</a:t>
             </a:r>
           </a:p>
         </p:txBody>
@@ -4268,7 +4181,7 @@
         </p:blipFill>
         <p:spPr>
           <a:xfrm>
-            <a:off x="981261" y="1415510"/>
+            <a:off x="981261" y="978188"/>
             <a:ext cx="9786131" cy="1848597"/>
           </a:xfrm>
           <a:prstGeom prst="rect">
@@ -4276,6 +4189,86 @@
           </a:prstGeom>
         </p:spPr>
       </p:pic>
+      <p:pic>
+        <p:nvPicPr>
+          <p:cNvPr id="18" name="Picture 17">
+            <a:extLst>
+              <a:ext uri="{FF2B5EF4-FFF2-40B4-BE49-F238E27FC236}">
+                <a16:creationId xmlns:a16="http://schemas.microsoft.com/office/drawing/2014/main" id="{B751DC41-0ECE-420F-B73D-1DB650531A7C}"/>
+              </a:ext>
+            </a:extLst>
+          </p:cNvPr>
+          <p:cNvPicPr>
+            <a:picLocks noChangeAspect="1"/>
+          </p:cNvPicPr>
+          <p:nvPr/>
+        </p:nvPicPr>
+        <p:blipFill>
+          <a:blip r:embed="rId3"/>
+          <a:stretch>
+            <a:fillRect/>
+          </a:stretch>
+        </p:blipFill>
+        <p:spPr>
+          <a:xfrm>
+            <a:off x="981261" y="3255111"/>
+            <a:ext cx="8244639" cy="1734710"/>
+          </a:xfrm>
+          <a:prstGeom prst="rect">
+            <a:avLst/>
+          </a:prstGeom>
+        </p:spPr>
+      </p:pic>
+      <p:sp>
+        <p:nvSpPr>
+          <p:cNvPr id="19" name="TextBox 18">
+            <a:extLst>
+              <a:ext uri="{FF2B5EF4-FFF2-40B4-BE49-F238E27FC236}">
+                <a16:creationId xmlns:a16="http://schemas.microsoft.com/office/drawing/2014/main" id="{5FB7E77D-8F24-4C85-8C50-7D968D1391F5}"/>
+              </a:ext>
+            </a:extLst>
+          </p:cNvPr>
+          <p:cNvSpPr txBox="1"/>
+          <p:nvPr/>
+        </p:nvSpPr>
+        <p:spPr>
+          <a:xfrm>
+            <a:off x="981261" y="5418147"/>
+            <a:ext cx="9140734" cy="923330"/>
+          </a:xfrm>
+          <a:prstGeom prst="rect">
+            <a:avLst/>
+          </a:prstGeom>
+          <a:noFill/>
+        </p:spPr>
+        <p:txBody>
+          <a:bodyPr wrap="square">
+            <a:spAutoFit/>
+          </a:bodyPr>
+          <a:lstStyle/>
+          <a:p>
+            <a:r>
+              <a:rPr lang="en-US" dirty="0">
+                <a:hlinkClick r:id="rId4"/>
+              </a:rPr>
+              <a:t>https://github.com/letrthong/ros2/tree/master/demo/galactic/02.server#readme</a:t>
+            </a:r>
+            <a:endParaRPr lang="en-US" dirty="0"/>
+          </a:p>
+          <a:p>
+            <a:r>
+              <a:rPr lang="en-US" dirty="0">
+                <a:hlinkClick r:id="rId5"/>
+              </a:rPr>
+              <a:t>https://github.com/letrthong/ros2/tree/master/demo/galactic/02.server</a:t>
+            </a:r>
+            <a:endParaRPr lang="en-US" dirty="0"/>
+          </a:p>
+          <a:p>
+            <a:endParaRPr lang="en-US" dirty="0"/>
+          </a:p>
+        </p:txBody>
+      </p:sp>
     </p:spTree>
     <p:extLst>
       <p:ext uri="{BB962C8B-B14F-4D97-AF65-F5344CB8AC3E}">
@@ -4334,7 +4327,7 @@
           <a:p>
             <a:r>
               <a:rPr lang="en-US" b="1" dirty="0"/>
-              <a:t>Build an example from ros2</a:t>
+              <a:t>Build an example from os2_galactic</a:t>
             </a:r>
           </a:p>
         </p:txBody>

--- a/ros2.pptx
+++ b/ros2.pptx
@@ -3356,8 +3356,8 @@
         </p:nvSpPr>
         <p:spPr>
           <a:xfrm>
-            <a:off x="1258186" y="601368"/>
-            <a:ext cx="9144000" cy="1269963"/>
+            <a:off x="1140620" y="50438"/>
+            <a:ext cx="9144000" cy="988653"/>
           </a:xfrm>
         </p:spPr>
         <p:txBody>
@@ -3396,7 +3396,7 @@
         </p:nvSpPr>
         <p:spPr>
           <a:xfrm>
-            <a:off x="8771607" y="5844495"/>
+            <a:off x="112516" y="6065721"/>
             <a:ext cx="2342707" cy="512762"/>
           </a:xfrm>
         </p:spPr>
@@ -3427,8 +3427,8 @@
         </p:nvSpPr>
         <p:spPr>
           <a:xfrm>
-            <a:off x="1258186" y="2601119"/>
-            <a:ext cx="9144000" cy="3243376"/>
+            <a:off x="277681" y="1039091"/>
+            <a:ext cx="9144000" cy="889438"/>
           </a:xfrm>
           <a:prstGeom prst="rect">
             <a:avLst/>
@@ -3436,7 +3436,7 @@
         </p:spPr>
         <p:txBody>
           <a:bodyPr vert="horz" lIns="91440" tIns="45720" rIns="91440" bIns="45720" rtlCol="0">
-            <a:normAutofit/>
+            <a:normAutofit fontScale="62500" lnSpcReduction="20000"/>
           </a:bodyPr>
           <a:lstStyle>
             <a:lvl1pPr marL="0" indent="0" algn="ctr" defTabSz="914400" rtl="0" eaLnBrk="1" latinLnBrk="0" hangingPunct="1">
@@ -3628,6 +3628,36 @@
           </a:p>
         </p:txBody>
       </p:sp>
+      <p:pic>
+        <p:nvPicPr>
+          <p:cNvPr id="6" name="Picture 5">
+            <a:extLst>
+              <a:ext uri="{FF2B5EF4-FFF2-40B4-BE49-F238E27FC236}">
+                <a16:creationId xmlns:a16="http://schemas.microsoft.com/office/drawing/2014/main" id="{7A6EF08C-0F99-48A9-9633-676B7735483F}"/>
+              </a:ext>
+            </a:extLst>
+          </p:cNvPr>
+          <p:cNvPicPr>
+            <a:picLocks noChangeAspect="1"/>
+          </p:cNvPicPr>
+          <p:nvPr/>
+        </p:nvPicPr>
+        <p:blipFill>
+          <a:blip r:embed="rId3"/>
+          <a:stretch>
+            <a:fillRect/>
+          </a:stretch>
+        </p:blipFill>
+        <p:spPr>
+          <a:xfrm>
+            <a:off x="3048000" y="1483810"/>
+            <a:ext cx="9144000" cy="5143500"/>
+          </a:xfrm>
+          <a:prstGeom prst="rect">
+            <a:avLst/>
+          </a:prstGeom>
+        </p:spPr>
+      </p:pic>
     </p:spTree>
     <p:extLst>
       <p:ext uri="{BB962C8B-B14F-4D97-AF65-F5344CB8AC3E}">

--- a/ros2.pptx
+++ b/ros2.pptx
@@ -5717,14 +5717,7 @@
                 <a:latin typeface="Times New Roman" panose="02020603050405020304" pitchFamily="18" charset="0"/>
                 <a:cs typeface="Times New Roman" panose="02020603050405020304" pitchFamily="18" charset="0"/>
               </a:rPr>
-              <a:t>ROS 2 package and packets in </a:t>
-            </a:r>
-            <a:r>
-              <a:rPr lang="en-US" sz="2200" b="1" dirty="0" err="1">
-                <a:latin typeface="Times New Roman" panose="02020603050405020304" pitchFamily="18" charset="0"/>
-                <a:cs typeface="Times New Roman" panose="02020603050405020304" pitchFamily="18" charset="0"/>
-              </a:rPr>
-              <a:t>workpaces</a:t>
+              <a:t>ROS 2 package and packets in workspaces</a:t>
             </a:r>
             <a:br>
               <a:rPr lang="en-US" sz="2200" dirty="0">

--- a/ros2.pptx
+++ b/ros2.pptx
@@ -5553,8 +5553,8 @@
         </p:nvSpPr>
         <p:spPr>
           <a:xfrm>
-            <a:off x="423530" y="1329069"/>
-            <a:ext cx="10515600" cy="5280764"/>
+            <a:off x="423530" y="1482435"/>
+            <a:ext cx="10515600" cy="5127397"/>
           </a:xfrm>
         </p:spPr>
         <p:txBody>
@@ -5771,6 +5771,29 @@
                 <a:cs typeface="Times New Roman" panose="02020603050405020304" pitchFamily="18" charset="0"/>
               </a:rPr>
             </a:br>
+            <a:r>
+              <a:rPr lang="en-US" sz="2200" b="1" dirty="0">
+                <a:latin typeface="Times New Roman" panose="02020603050405020304" pitchFamily="18" charset="0"/>
+                <a:cs typeface="Times New Roman" panose="02020603050405020304" pitchFamily="18" charset="0"/>
+              </a:rPr>
+              <a:t>	</a:t>
+            </a:r>
+            <a:r>
+              <a:rPr lang="en-US" sz="2200" dirty="0">
+                <a:latin typeface="Times New Roman" panose="02020603050405020304" pitchFamily="18" charset="0"/>
+                <a:cs typeface="Times New Roman" panose="02020603050405020304" pitchFamily="18" charset="0"/>
+                <a:hlinkClick r:id="rId7"/>
+              </a:rPr>
+              <a:t>https://docs.ros.org/en/galactic/Features</a:t>
+            </a:r>
+            <a:r>
+              <a:rPr lang="en-US" sz="2200">
+                <a:latin typeface="Times New Roman" panose="02020603050405020304" pitchFamily="18" charset="0"/>
+                <a:cs typeface="Times New Roman" panose="02020603050405020304" pitchFamily="18" charset="0"/>
+                <a:hlinkClick r:id="rId7"/>
+              </a:rPr>
+              <a:t>.html</a:t>
+            </a:r>
             <a:br>
               <a:rPr lang="en-US" sz="2200" dirty="0">
                 <a:latin typeface="Times New Roman" panose="02020603050405020304" pitchFamily="18" charset="0"/>
@@ -5781,7 +5804,14 @@
               <a:rPr lang="en-US" sz="2200" dirty="0">
                 <a:latin typeface="Times New Roman" panose="02020603050405020304" pitchFamily="18" charset="0"/>
                 <a:cs typeface="Times New Roman" panose="02020603050405020304" pitchFamily="18" charset="0"/>
-                <a:hlinkClick r:id="rId7"/>
+              </a:rPr>
+              <a:t>	</a:t>
+            </a:r>
+            <a:r>
+              <a:rPr lang="en-US" sz="2200" dirty="0">
+                <a:latin typeface="Times New Roman" panose="02020603050405020304" pitchFamily="18" charset="0"/>
+                <a:cs typeface="Times New Roman" panose="02020603050405020304" pitchFamily="18" charset="0"/>
+                <a:hlinkClick r:id="rId8"/>
               </a:rPr>
               <a:t>https://github.com/ros2/examples/tree/master/rclcpp</a:t>
             </a:r>
@@ -5802,7 +5832,14 @@
               <a:rPr lang="en-US" sz="2200" dirty="0">
                 <a:latin typeface="Times New Roman" panose="02020603050405020304" pitchFamily="18" charset="0"/>
                 <a:cs typeface="Times New Roman" panose="02020603050405020304" pitchFamily="18" charset="0"/>
-                <a:hlinkClick r:id="rId8"/>
+              </a:rPr>
+              <a:t>	</a:t>
+            </a:r>
+            <a:r>
+              <a:rPr lang="en-US" sz="2200" dirty="0">
+                <a:latin typeface="Times New Roman" panose="02020603050405020304" pitchFamily="18" charset="0"/>
+                <a:cs typeface="Times New Roman" panose="02020603050405020304" pitchFamily="18" charset="0"/>
+                <a:hlinkClick r:id="rId9"/>
               </a:rPr>
               <a:t>https://roboticsbackend.com/create-a-ros2-cpp-package/</a:t>
             </a:r>

--- a/ros2.pptx
+++ b/ros2.pptx
@@ -3650,8 +3650,8 @@
         </p:blipFill>
         <p:spPr>
           <a:xfrm>
-            <a:off x="3048000" y="1483810"/>
-            <a:ext cx="9144000" cy="5143500"/>
+            <a:off x="3601592" y="1928529"/>
+            <a:ext cx="8312727" cy="4675909"/>
           </a:xfrm>
           <a:prstGeom prst="rect">
             <a:avLst/>
@@ -5784,15 +5784,7 @@
                 <a:cs typeface="Times New Roman" panose="02020603050405020304" pitchFamily="18" charset="0"/>
                 <a:hlinkClick r:id="rId7"/>
               </a:rPr>
-              <a:t>https://docs.ros.org/en/galactic/Features</a:t>
-            </a:r>
-            <a:r>
-              <a:rPr lang="en-US" sz="2200">
-                <a:latin typeface="Times New Roman" panose="02020603050405020304" pitchFamily="18" charset="0"/>
-                <a:cs typeface="Times New Roman" panose="02020603050405020304" pitchFamily="18" charset="0"/>
-                <a:hlinkClick r:id="rId7"/>
-              </a:rPr>
-              <a:t>.html</a:t>
+              <a:t>https://docs.ros.org/en/galactic/Features.html</a:t>
             </a:r>
             <a:br>
               <a:rPr lang="en-US" sz="2200" dirty="0">

--- a/ros2.pptx
+++ b/ros2.pptx
@@ -4734,7 +4734,7 @@
         <p:spPr>
           <a:xfrm>
             <a:off x="665018" y="856357"/>
-            <a:ext cx="8922327" cy="6001643"/>
+            <a:ext cx="10363200" cy="6001643"/>
           </a:xfrm>
           <a:prstGeom prst="rect">
             <a:avLst/>
@@ -4764,7 +4764,7 @@
           <a:p>
             <a:r>
               <a:rPr lang="en-US" dirty="0"/>
-              <a:t>    -</a:t>
+              <a:t>    </a:t>
             </a:r>
             <a:r>
               <a:rPr lang="en-US" b="1" dirty="0">
@@ -4781,6 +4781,10 @@
           </a:p>
           <a:p>
             <a:r>
+              <a:rPr lang="en-US" dirty="0"/>
+              <a:t>	</a:t>
+            </a:r>
+            <a:r>
               <a:rPr lang="en-US" dirty="0">
                 <a:hlinkClick r:id="rId2"/>
               </a:rPr>
@@ -4798,7 +4802,7 @@
             <a:pPr algn="l"/>
             <a:r>
               <a:rPr lang="en-US" dirty="0"/>
-              <a:t>   -</a:t>
+              <a:t>   </a:t>
             </a:r>
             <a:r>
               <a:rPr lang="en-US" b="1" dirty="0">
@@ -4813,7 +4817,7 @@
             <a:pPr algn="l"/>
             <a:r>
               <a:rPr lang="en-US" dirty="0"/>
-              <a:t>  </a:t>
+              <a:t> 	 </a:t>
             </a:r>
             <a:r>
               <a:rPr lang="en-US" dirty="0">

--- a/ros2.pptx
+++ b/ros2.pptx
@@ -271,7 +271,7 @@
           <a:p>
             <a:fld id="{7397F4E0-E812-4AC8-A1B8-ACDCB635DAAF}" type="datetimeFigureOut">
               <a:rPr lang="en-US" smtClean="0"/>
-              <a:t>12/29/2021</a:t>
+              <a:t>12/31/2021</a:t>
             </a:fld>
             <a:endParaRPr lang="en-US"/>
           </a:p>
@@ -469,7 +469,7 @@
           <a:p>
             <a:fld id="{7397F4E0-E812-4AC8-A1B8-ACDCB635DAAF}" type="datetimeFigureOut">
               <a:rPr lang="en-US" smtClean="0"/>
-              <a:t>12/29/2021</a:t>
+              <a:t>12/31/2021</a:t>
             </a:fld>
             <a:endParaRPr lang="en-US"/>
           </a:p>
@@ -677,7 +677,7 @@
           <a:p>
             <a:fld id="{7397F4E0-E812-4AC8-A1B8-ACDCB635DAAF}" type="datetimeFigureOut">
               <a:rPr lang="en-US" smtClean="0"/>
-              <a:t>12/29/2021</a:t>
+              <a:t>12/31/2021</a:t>
             </a:fld>
             <a:endParaRPr lang="en-US"/>
           </a:p>
@@ -875,7 +875,7 @@
           <a:p>
             <a:fld id="{7397F4E0-E812-4AC8-A1B8-ACDCB635DAAF}" type="datetimeFigureOut">
               <a:rPr lang="en-US" smtClean="0"/>
-              <a:t>12/29/2021</a:t>
+              <a:t>12/31/2021</a:t>
             </a:fld>
             <a:endParaRPr lang="en-US"/>
           </a:p>
@@ -1150,7 +1150,7 @@
           <a:p>
             <a:fld id="{7397F4E0-E812-4AC8-A1B8-ACDCB635DAAF}" type="datetimeFigureOut">
               <a:rPr lang="en-US" smtClean="0"/>
-              <a:t>12/29/2021</a:t>
+              <a:t>12/31/2021</a:t>
             </a:fld>
             <a:endParaRPr lang="en-US"/>
           </a:p>
@@ -1415,7 +1415,7 @@
           <a:p>
             <a:fld id="{7397F4E0-E812-4AC8-A1B8-ACDCB635DAAF}" type="datetimeFigureOut">
               <a:rPr lang="en-US" smtClean="0"/>
-              <a:t>12/29/2021</a:t>
+              <a:t>12/31/2021</a:t>
             </a:fld>
             <a:endParaRPr lang="en-US"/>
           </a:p>
@@ -1827,7 +1827,7 @@
           <a:p>
             <a:fld id="{7397F4E0-E812-4AC8-A1B8-ACDCB635DAAF}" type="datetimeFigureOut">
               <a:rPr lang="en-US" smtClean="0"/>
-              <a:t>12/29/2021</a:t>
+              <a:t>12/31/2021</a:t>
             </a:fld>
             <a:endParaRPr lang="en-US"/>
           </a:p>
@@ -1968,7 +1968,7 @@
           <a:p>
             <a:fld id="{7397F4E0-E812-4AC8-A1B8-ACDCB635DAAF}" type="datetimeFigureOut">
               <a:rPr lang="en-US" smtClean="0"/>
-              <a:t>12/29/2021</a:t>
+              <a:t>12/31/2021</a:t>
             </a:fld>
             <a:endParaRPr lang="en-US"/>
           </a:p>
@@ -2081,7 +2081,7 @@
           <a:p>
             <a:fld id="{7397F4E0-E812-4AC8-A1B8-ACDCB635DAAF}" type="datetimeFigureOut">
               <a:rPr lang="en-US" smtClean="0"/>
-              <a:t>12/29/2021</a:t>
+              <a:t>12/31/2021</a:t>
             </a:fld>
             <a:endParaRPr lang="en-US"/>
           </a:p>
@@ -2392,7 +2392,7 @@
           <a:p>
             <a:fld id="{7397F4E0-E812-4AC8-A1B8-ACDCB635DAAF}" type="datetimeFigureOut">
               <a:rPr lang="en-US" smtClean="0"/>
-              <a:t>12/29/2021</a:t>
+              <a:t>12/31/2021</a:t>
             </a:fld>
             <a:endParaRPr lang="en-US"/>
           </a:p>
@@ -2680,7 +2680,7 @@
           <a:p>
             <a:fld id="{7397F4E0-E812-4AC8-A1B8-ACDCB635DAAF}" type="datetimeFigureOut">
               <a:rPr lang="en-US" smtClean="0"/>
-              <a:t>12/29/2021</a:t>
+              <a:t>12/31/2021</a:t>
             </a:fld>
             <a:endParaRPr lang="en-US"/>
           </a:p>
@@ -2921,7 +2921,7 @@
           <a:p>
             <a:fld id="{7397F4E0-E812-4AC8-A1B8-ACDCB635DAAF}" type="datetimeFigureOut">
               <a:rPr lang="en-US" smtClean="0"/>
-              <a:t>12/29/2021</a:t>
+              <a:t>12/31/2021</a:t>
             </a:fld>
             <a:endParaRPr lang="en-US"/>
           </a:p>
@@ -4645,7 +4645,7 @@
         <p:spPr>
           <a:xfrm>
             <a:off x="1432737" y="660622"/>
-            <a:ext cx="6097772" cy="1754326"/>
+            <a:ext cx="3734686" cy="1754326"/>
           </a:xfrm>
           <a:prstGeom prst="rect">
             <a:avLst/>
@@ -4686,6 +4686,139 @@
           </a:p>
           <a:p>
             <a:endParaRPr lang="en-US" b="1" dirty="0"/>
+          </a:p>
+        </p:txBody>
+      </p:sp>
+      <p:sp>
+        <p:nvSpPr>
+          <p:cNvPr id="2" name="AutoShape 2" descr="Understanding ROS 2 actions — ROS 2 Documentation: Foxy documentation">
+            <a:extLst>
+              <a:ext uri="{FF2B5EF4-FFF2-40B4-BE49-F238E27FC236}">
+                <a16:creationId xmlns:a16="http://schemas.microsoft.com/office/drawing/2014/main" id="{6363C0D5-242C-42F4-A40D-E78F34493C4B}"/>
+              </a:ext>
+            </a:extLst>
+          </p:cNvPr>
+          <p:cNvSpPr>
+            <a:spLocks noChangeAspect="1" noChangeArrowheads="1"/>
+          </p:cNvSpPr>
+          <p:nvPr/>
+        </p:nvSpPr>
+        <p:spPr bwMode="auto">
+          <a:xfrm>
+            <a:off x="5943600" y="3276600"/>
+            <a:ext cx="304800" cy="304800"/>
+          </a:xfrm>
+          <a:prstGeom prst="rect">
+            <a:avLst/>
+          </a:prstGeom>
+          <a:noFill/>
+          <a:extLst>
+            <a:ext uri="{909E8E84-426E-40DD-AFC4-6F175D3DCCD1}">
+              <a14:hiddenFill xmlns:a14="http://schemas.microsoft.com/office/drawing/2010/main">
+                <a:solidFill>
+                  <a:srgbClr val="FFFFFF"/>
+                </a:solidFill>
+              </a14:hiddenFill>
+            </a:ext>
+          </a:extLst>
+        </p:spPr>
+        <p:txBody>
+          <a:bodyPr vert="horz" wrap="square" lIns="91440" tIns="45720" rIns="91440" bIns="45720" numCol="1" anchor="t" anchorCtr="0" compatLnSpc="1">
+            <a:prstTxWarp prst="textNoShape">
+              <a:avLst/>
+            </a:prstTxWarp>
+          </a:bodyPr>
+          <a:lstStyle/>
+          <a:p>
+            <a:endParaRPr lang="en-US"/>
+          </a:p>
+        </p:txBody>
+      </p:sp>
+      <p:pic>
+        <p:nvPicPr>
+          <p:cNvPr id="1028" name="Picture 4">
+            <a:extLst>
+              <a:ext uri="{FF2B5EF4-FFF2-40B4-BE49-F238E27FC236}">
+                <a16:creationId xmlns:a16="http://schemas.microsoft.com/office/drawing/2014/main" id="{747A0361-DE50-4E27-A918-5C1697581B55}"/>
+              </a:ext>
+            </a:extLst>
+          </p:cNvPr>
+          <p:cNvPicPr>
+            <a:picLocks noChangeAspect="1" noChangeArrowheads="1" noCrop="1"/>
+          </p:cNvPicPr>
+          <p:nvPr/>
+        </p:nvPicPr>
+        <p:blipFill>
+          <a:blip r:embed="rId2">
+            <a:extLst>
+              <a:ext uri="{28A0092B-C50C-407E-A947-70E740481C1C}">
+                <a14:useLocalDpi xmlns:a14="http://schemas.microsoft.com/office/drawing/2010/main" val="0"/>
+              </a:ext>
+            </a:extLst>
+          </a:blip>
+          <a:srcRect/>
+          <a:stretch>
+            <a:fillRect/>
+          </a:stretch>
+        </p:blipFill>
+        <p:spPr bwMode="auto">
+          <a:xfrm>
+            <a:off x="4053280" y="1594884"/>
+            <a:ext cx="7375169" cy="4145294"/>
+          </a:xfrm>
+          <a:prstGeom prst="rect">
+            <a:avLst/>
+          </a:prstGeom>
+          <a:noFill/>
+          <a:extLst>
+            <a:ext uri="{909E8E84-426E-40DD-AFC4-6F175D3DCCD1}">
+              <a14:hiddenFill xmlns:a14="http://schemas.microsoft.com/office/drawing/2010/main">
+                <a:solidFill>
+                  <a:srgbClr val="FFFFFF"/>
+                </a:solidFill>
+              </a14:hiddenFill>
+            </a:ext>
+          </a:extLst>
+        </p:spPr>
+      </p:pic>
+      <p:sp>
+        <p:nvSpPr>
+          <p:cNvPr id="6" name="TextBox 5">
+            <a:extLst>
+              <a:ext uri="{FF2B5EF4-FFF2-40B4-BE49-F238E27FC236}">
+                <a16:creationId xmlns:a16="http://schemas.microsoft.com/office/drawing/2014/main" id="{67A7958B-C7AB-4824-8BD8-EC67FF565339}"/>
+              </a:ext>
+            </a:extLst>
+          </p:cNvPr>
+          <p:cNvSpPr txBox="1"/>
+          <p:nvPr/>
+        </p:nvSpPr>
+        <p:spPr>
+          <a:xfrm>
+            <a:off x="797442" y="5874212"/>
+            <a:ext cx="8306686" cy="646331"/>
+          </a:xfrm>
+          <a:prstGeom prst="rect">
+            <a:avLst/>
+          </a:prstGeom>
+          <a:noFill/>
+        </p:spPr>
+        <p:txBody>
+          <a:bodyPr wrap="square">
+            <a:spAutoFit/>
+          </a:bodyPr>
+          <a:lstStyle/>
+          <a:p>
+            <a:r>
+              <a:rPr lang="en-US" dirty="0">
+                <a:hlinkClick r:id="rId3"/>
+              </a:rPr>
+              <a:t>https://docs.ros.org/en/foxy/Tutorials/Understanding-ROS2-Actions.html</a:t>
+            </a:r>
+            <a:endParaRPr lang="en-US" dirty="0"/>
+          </a:p>
+          <a:p>
+            <a:endParaRPr lang="en-US" dirty="0"/>
           </a:p>
         </p:txBody>
       </p:sp>

--- a/ros2.pptx
+++ b/ros2.pptx
@@ -8,16 +8,17 @@
     <p:sldId id="256" r:id="rId2"/>
     <p:sldId id="257" r:id="rId3"/>
     <p:sldId id="260" r:id="rId4"/>
-    <p:sldId id="258" r:id="rId5"/>
-    <p:sldId id="259" r:id="rId6"/>
-    <p:sldId id="262" r:id="rId7"/>
-    <p:sldId id="261" r:id="rId8"/>
-    <p:sldId id="263" r:id="rId9"/>
-    <p:sldId id="264" r:id="rId10"/>
-    <p:sldId id="265" r:id="rId11"/>
-    <p:sldId id="266" r:id="rId12"/>
-    <p:sldId id="267" r:id="rId13"/>
-    <p:sldId id="268" r:id="rId14"/>
+    <p:sldId id="269" r:id="rId5"/>
+    <p:sldId id="258" r:id="rId6"/>
+    <p:sldId id="259" r:id="rId7"/>
+    <p:sldId id="262" r:id="rId8"/>
+    <p:sldId id="261" r:id="rId9"/>
+    <p:sldId id="263" r:id="rId10"/>
+    <p:sldId id="264" r:id="rId11"/>
+    <p:sldId id="265" r:id="rId12"/>
+    <p:sldId id="266" r:id="rId13"/>
+    <p:sldId id="267" r:id="rId14"/>
+    <p:sldId id="268" r:id="rId15"/>
   </p:sldIdLst>
   <p:sldSz cx="12192000" cy="6858000"/>
   <p:notesSz cx="6858000" cy="9144000"/>
@@ -3715,6 +3716,145 @@
           <a:lstStyle/>
           <a:p>
             <a:r>
+              <a:rPr lang="en-US" b="1" dirty="0" err="1"/>
+              <a:t>colcon</a:t>
+            </a:r>
+            <a:endParaRPr lang="en-US" b="1" dirty="0"/>
+          </a:p>
+        </p:txBody>
+      </p:sp>
+      <p:sp>
+        <p:nvSpPr>
+          <p:cNvPr id="3" name="Content Placeholder 2">
+            <a:extLst>
+              <a:ext uri="{FF2B5EF4-FFF2-40B4-BE49-F238E27FC236}">
+                <a16:creationId xmlns:a16="http://schemas.microsoft.com/office/drawing/2014/main" id="{051D8B0C-DE3A-479F-8090-F1AA07833A7C}"/>
+              </a:ext>
+            </a:extLst>
+          </p:cNvPr>
+          <p:cNvSpPr>
+            <a:spLocks noGrp="1"/>
+          </p:cNvSpPr>
+          <p:nvPr>
+            <p:ph idx="1"/>
+          </p:nvPr>
+        </p:nvSpPr>
+        <p:spPr>
+          <a:xfrm>
+            <a:off x="699654" y="1253331"/>
+            <a:ext cx="10515600" cy="4351338"/>
+          </a:xfrm>
+        </p:spPr>
+        <p:txBody>
+          <a:bodyPr/>
+          <a:lstStyle/>
+          <a:p>
+            <a:r>
+              <a:rPr lang="en-US" dirty="0">
+                <a:hlinkClick r:id="rId2"/>
+              </a:rPr>
+              <a:t>https://colcon.readthedocs.io/en/released/user/quick-start.html</a:t>
+            </a:r>
+            <a:r>
+              <a:rPr lang="en-US" dirty="0"/>
+              <a:t> </a:t>
+            </a:r>
+          </a:p>
+          <a:p>
+            <a:endParaRPr lang="en-US" dirty="0"/>
+          </a:p>
+          <a:p>
+            <a:endParaRPr lang="en-US" dirty="0"/>
+          </a:p>
+        </p:txBody>
+      </p:sp>
+      <p:pic>
+        <p:nvPicPr>
+          <p:cNvPr id="7" name="Picture 6">
+            <a:extLst>
+              <a:ext uri="{FF2B5EF4-FFF2-40B4-BE49-F238E27FC236}">
+                <a16:creationId xmlns:a16="http://schemas.microsoft.com/office/drawing/2014/main" id="{EEAAC07E-A0D8-4AD9-89B0-023C05BE0F0E}"/>
+              </a:ext>
+            </a:extLst>
+          </p:cNvPr>
+          <p:cNvPicPr>
+            <a:picLocks noChangeAspect="1"/>
+          </p:cNvPicPr>
+          <p:nvPr/>
+        </p:nvPicPr>
+        <p:blipFill>
+          <a:blip r:embed="rId3"/>
+          <a:stretch>
+            <a:fillRect/>
+          </a:stretch>
+        </p:blipFill>
+        <p:spPr>
+          <a:xfrm>
+            <a:off x="838200" y="2195170"/>
+            <a:ext cx="9947050" cy="3235957"/>
+          </a:xfrm>
+          <a:prstGeom prst="rect">
+            <a:avLst/>
+          </a:prstGeom>
+        </p:spPr>
+      </p:pic>
+    </p:spTree>
+    <p:extLst>
+      <p:ext uri="{BB962C8B-B14F-4D97-AF65-F5344CB8AC3E}">
+        <p14:creationId xmlns:p14="http://schemas.microsoft.com/office/powerpoint/2010/main" val="3612132310"/>
+      </p:ext>
+    </p:extLst>
+  </p:cSld>
+  <p:clrMapOvr>
+    <a:masterClrMapping/>
+  </p:clrMapOvr>
+</p:sld>
+</file>
+
+<file path=ppt/slides/slide11.xml><?xml version="1.0" encoding="utf-8"?>
+<p:sld xmlns:a="http://schemas.openxmlformats.org/drawingml/2006/main" xmlns:r="http://schemas.openxmlformats.org/officeDocument/2006/relationships" xmlns:p="http://schemas.openxmlformats.org/presentationml/2006/main">
+  <p:cSld>
+    <p:spTree>
+      <p:nvGrpSpPr>
+        <p:cNvPr id="1" name=""/>
+        <p:cNvGrpSpPr/>
+        <p:nvPr/>
+      </p:nvGrpSpPr>
+      <p:grpSpPr>
+        <a:xfrm>
+          <a:off x="0" y="0"/>
+          <a:ext cx="0" cy="0"/>
+          <a:chOff x="0" y="0"/>
+          <a:chExt cx="0" cy="0"/>
+        </a:xfrm>
+      </p:grpSpPr>
+      <p:sp>
+        <p:nvSpPr>
+          <p:cNvPr id="2" name="Title 1">
+            <a:extLst>
+              <a:ext uri="{FF2B5EF4-FFF2-40B4-BE49-F238E27FC236}">
+                <a16:creationId xmlns:a16="http://schemas.microsoft.com/office/drawing/2014/main" id="{AC713B3E-D7D5-4F33-9679-482DD3C67FDE}"/>
+              </a:ext>
+            </a:extLst>
+          </p:cNvPr>
+          <p:cNvSpPr>
+            <a:spLocks noGrp="1"/>
+          </p:cNvSpPr>
+          <p:nvPr>
+            <p:ph type="title"/>
+          </p:nvPr>
+        </p:nvSpPr>
+        <p:spPr>
+          <a:xfrm>
+            <a:off x="838200" y="195262"/>
+            <a:ext cx="10515600" cy="815975"/>
+          </a:xfrm>
+        </p:spPr>
+        <p:txBody>
+          <a:bodyPr/>
+          <a:lstStyle/>
+          <a:p>
+            <a:r>
               <a:rPr lang="en-US" b="1" dirty="0"/>
               <a:t>Build an example</a:t>
             </a:r>
@@ -3813,7 +3953,7 @@
 </p:sld>
 </file>
 
-<file path=ppt/slides/slide11.xml><?xml version="1.0" encoding="utf-8"?>
+<file path=ppt/slides/slide12.xml><?xml version="1.0" encoding="utf-8"?>
 <p:sld xmlns:a="http://schemas.openxmlformats.org/drawingml/2006/main" xmlns:r="http://schemas.openxmlformats.org/officeDocument/2006/relationships" xmlns:p="http://schemas.openxmlformats.org/presentationml/2006/main">
   <p:cSld>
     <p:spTree>
@@ -4139,7 +4279,7 @@
 </p:sld>
 </file>
 
-<file path=ppt/slides/slide12.xml><?xml version="1.0" encoding="utf-8"?>
+<file path=ppt/slides/slide13.xml><?xml version="1.0" encoding="utf-8"?>
 <p:sld xmlns:a="http://schemas.openxmlformats.org/drawingml/2006/main" xmlns:r="http://schemas.openxmlformats.org/officeDocument/2006/relationships" xmlns:p="http://schemas.openxmlformats.org/presentationml/2006/main">
   <p:cSld>
     <p:spTree>
@@ -4312,7 +4452,7 @@
 </p:sld>
 </file>
 
-<file path=ppt/slides/slide13.xml><?xml version="1.0" encoding="utf-8"?>
+<file path=ppt/slides/slide14.xml><?xml version="1.0" encoding="utf-8"?>
 <p:sld xmlns:a="http://schemas.openxmlformats.org/drawingml/2006/main" xmlns:r="http://schemas.openxmlformats.org/officeDocument/2006/relationships" xmlns:p="http://schemas.openxmlformats.org/presentationml/2006/main">
   <p:cSld>
     <p:spTree>
@@ -4836,6 +4976,211 @@
 </file>
 
 <file path=ppt/slides/slide4.xml><?xml version="1.0" encoding="utf-8"?>
+<p:sld xmlns:a="http://schemas.openxmlformats.org/drawingml/2006/main" xmlns:r="http://schemas.openxmlformats.org/officeDocument/2006/relationships" xmlns:p="http://schemas.openxmlformats.org/presentationml/2006/main">
+  <p:cSld>
+    <p:spTree>
+      <p:nvGrpSpPr>
+        <p:cNvPr id="1" name=""/>
+        <p:cNvGrpSpPr/>
+        <p:nvPr/>
+      </p:nvGrpSpPr>
+      <p:grpSpPr>
+        <a:xfrm>
+          <a:off x="0" y="0"/>
+          <a:ext cx="0" cy="0"/>
+          <a:chOff x="0" y="0"/>
+          <a:chExt cx="0" cy="0"/>
+        </a:xfrm>
+      </p:grpSpPr>
+      <p:sp>
+        <p:nvSpPr>
+          <p:cNvPr id="5" name="TextBox 4">
+            <a:extLst>
+              <a:ext uri="{FF2B5EF4-FFF2-40B4-BE49-F238E27FC236}">
+                <a16:creationId xmlns:a16="http://schemas.microsoft.com/office/drawing/2014/main" id="{780FF4E9-E0D8-4897-AF42-75212942A34F}"/>
+              </a:ext>
+            </a:extLst>
+          </p:cNvPr>
+          <p:cNvSpPr txBox="1"/>
+          <p:nvPr/>
+        </p:nvSpPr>
+        <p:spPr>
+          <a:xfrm>
+            <a:off x="1432737" y="660622"/>
+            <a:ext cx="3734686" cy="1754326"/>
+          </a:xfrm>
+          <a:prstGeom prst="rect">
+            <a:avLst/>
+          </a:prstGeom>
+          <a:noFill/>
+        </p:spPr>
+        <p:txBody>
+          <a:bodyPr wrap="square">
+            <a:spAutoFit/>
+          </a:bodyPr>
+          <a:lstStyle/>
+          <a:p>
+            <a:r>
+              <a:rPr lang="en-US" b="1" dirty="0"/>
+              <a:t>Nodes </a:t>
+            </a:r>
+          </a:p>
+          <a:p>
+            <a:endParaRPr lang="en-US" b="1" dirty="0"/>
+          </a:p>
+          <a:p>
+            <a:r>
+              <a:rPr lang="en-US" b="1" dirty="0"/>
+              <a:t>Topics</a:t>
+            </a:r>
+          </a:p>
+          <a:p>
+            <a:r>
+              <a:rPr lang="en-US" b="1" dirty="0"/>
+              <a:t>Services</a:t>
+            </a:r>
+          </a:p>
+          <a:p>
+            <a:r>
+              <a:rPr lang="en-US" b="1" dirty="0"/>
+              <a:t>Parameter server</a:t>
+            </a:r>
+          </a:p>
+          <a:p>
+            <a:endParaRPr lang="en-US" b="1" dirty="0"/>
+          </a:p>
+        </p:txBody>
+      </p:sp>
+      <p:sp>
+        <p:nvSpPr>
+          <p:cNvPr id="2" name="AutoShape 2" descr="Understanding ROS 2 actions — ROS 2 Documentation: Foxy documentation">
+            <a:extLst>
+              <a:ext uri="{FF2B5EF4-FFF2-40B4-BE49-F238E27FC236}">
+                <a16:creationId xmlns:a16="http://schemas.microsoft.com/office/drawing/2014/main" id="{6363C0D5-242C-42F4-A40D-E78F34493C4B}"/>
+              </a:ext>
+            </a:extLst>
+          </p:cNvPr>
+          <p:cNvSpPr>
+            <a:spLocks noChangeAspect="1" noChangeArrowheads="1"/>
+          </p:cNvSpPr>
+          <p:nvPr/>
+        </p:nvSpPr>
+        <p:spPr bwMode="auto">
+          <a:xfrm>
+            <a:off x="5943600" y="3276600"/>
+            <a:ext cx="304800" cy="304800"/>
+          </a:xfrm>
+          <a:prstGeom prst="rect">
+            <a:avLst/>
+          </a:prstGeom>
+          <a:noFill/>
+          <a:extLst>
+            <a:ext uri="{909E8E84-426E-40DD-AFC4-6F175D3DCCD1}">
+              <a14:hiddenFill xmlns:a14="http://schemas.microsoft.com/office/drawing/2010/main">
+                <a:solidFill>
+                  <a:srgbClr val="FFFFFF"/>
+                </a:solidFill>
+              </a14:hiddenFill>
+            </a:ext>
+          </a:extLst>
+        </p:spPr>
+        <p:txBody>
+          <a:bodyPr vert="horz" wrap="square" lIns="91440" tIns="45720" rIns="91440" bIns="45720" numCol="1" anchor="t" anchorCtr="0" compatLnSpc="1">
+            <a:prstTxWarp prst="textNoShape">
+              <a:avLst/>
+            </a:prstTxWarp>
+          </a:bodyPr>
+          <a:lstStyle/>
+          <a:p>
+            <a:endParaRPr lang="en-US"/>
+          </a:p>
+        </p:txBody>
+      </p:sp>
+      <p:pic>
+        <p:nvPicPr>
+          <p:cNvPr id="8" name="Picture 7">
+            <a:extLst>
+              <a:ext uri="{FF2B5EF4-FFF2-40B4-BE49-F238E27FC236}">
+                <a16:creationId xmlns:a16="http://schemas.microsoft.com/office/drawing/2014/main" id="{4DA50EDC-156A-4A50-BD85-2880B1AD2016}"/>
+              </a:ext>
+            </a:extLst>
+          </p:cNvPr>
+          <p:cNvPicPr>
+            <a:picLocks noChangeAspect="1"/>
+          </p:cNvPicPr>
+          <p:nvPr/>
+        </p:nvPicPr>
+        <p:blipFill>
+          <a:blip r:embed="rId2"/>
+          <a:stretch>
+            <a:fillRect/>
+          </a:stretch>
+        </p:blipFill>
+        <p:spPr>
+          <a:xfrm>
+            <a:off x="4541303" y="0"/>
+            <a:ext cx="7069451" cy="6138994"/>
+          </a:xfrm>
+          <a:prstGeom prst="rect">
+            <a:avLst/>
+          </a:prstGeom>
+        </p:spPr>
+      </p:pic>
+      <p:sp>
+        <p:nvSpPr>
+          <p:cNvPr id="11" name="TextBox 10">
+            <a:extLst>
+              <a:ext uri="{FF2B5EF4-FFF2-40B4-BE49-F238E27FC236}">
+                <a16:creationId xmlns:a16="http://schemas.microsoft.com/office/drawing/2014/main" id="{7AF2FCE3-A081-402D-B4BC-4C1751D8FA64}"/>
+              </a:ext>
+            </a:extLst>
+          </p:cNvPr>
+          <p:cNvSpPr txBox="1"/>
+          <p:nvPr/>
+        </p:nvSpPr>
+        <p:spPr>
+          <a:xfrm>
+            <a:off x="1184201" y="6374494"/>
+            <a:ext cx="7966444" cy="369332"/>
+          </a:xfrm>
+          <a:prstGeom prst="rect">
+            <a:avLst/>
+          </a:prstGeom>
+          <a:noFill/>
+        </p:spPr>
+        <p:txBody>
+          <a:bodyPr wrap="square">
+            <a:spAutoFit/>
+          </a:bodyPr>
+          <a:lstStyle/>
+          <a:p>
+            <a:r>
+              <a:rPr lang="en-US" dirty="0">
+                <a:hlinkClick r:id="rId3"/>
+              </a:rPr>
+              <a:t>https://www.reddit.com/r/ROS/comments/nrzk9d/ros2_basics_for_python/</a:t>
+            </a:r>
+            <a:r>
+              <a:rPr lang="en-US" dirty="0"/>
+              <a:t> </a:t>
+            </a:r>
+          </a:p>
+        </p:txBody>
+      </p:sp>
+    </p:spTree>
+    <p:extLst>
+      <p:ext uri="{BB962C8B-B14F-4D97-AF65-F5344CB8AC3E}">
+        <p14:creationId xmlns:p14="http://schemas.microsoft.com/office/powerpoint/2010/main" val="2363002818"/>
+      </p:ext>
+    </p:extLst>
+  </p:cSld>
+  <p:clrMapOvr>
+    <a:masterClrMapping/>
+  </p:clrMapOvr>
+</p:sld>
+</file>
+
+<file path=ppt/slides/slide5.xml><?xml version="1.0" encoding="utf-8"?>
 <p:sld xmlns:a="http://schemas.openxmlformats.org/drawingml/2006/main" xmlns:r="http://schemas.openxmlformats.org/officeDocument/2006/relationships" xmlns:p="http://schemas.openxmlformats.org/presentationml/2006/main">
   <p:cSld>
     <p:spTree>
@@ -5287,7 +5632,7 @@
 </p:sld>
 </file>
 
-<file path=ppt/slides/slide5.xml><?xml version="1.0" encoding="utf-8"?>
+<file path=ppt/slides/slide6.xml><?xml version="1.0" encoding="utf-8"?>
 <p:sld xmlns:a="http://schemas.openxmlformats.org/drawingml/2006/main" xmlns:r="http://schemas.openxmlformats.org/officeDocument/2006/relationships" xmlns:p="http://schemas.openxmlformats.org/presentationml/2006/main">
   <p:cSld>
     <p:spTree>
@@ -5441,7 +5786,7 @@
 </p:sld>
 </file>
 
-<file path=ppt/slides/slide6.xml><?xml version="1.0" encoding="utf-8"?>
+<file path=ppt/slides/slide7.xml><?xml version="1.0" encoding="utf-8"?>
 <p:sld xmlns:a="http://schemas.openxmlformats.org/drawingml/2006/main" xmlns:r="http://schemas.openxmlformats.org/officeDocument/2006/relationships" xmlns:p="http://schemas.openxmlformats.org/presentationml/2006/main">
   <p:cSld>
     <p:spTree>
@@ -5542,119 +5887,6 @@
 </p:sld>
 </file>
 
-<file path=ppt/slides/slide7.xml><?xml version="1.0" encoding="utf-8"?>
-<p:sld xmlns:a="http://schemas.openxmlformats.org/drawingml/2006/main" xmlns:r="http://schemas.openxmlformats.org/officeDocument/2006/relationships" xmlns:p="http://schemas.openxmlformats.org/presentationml/2006/main">
-  <p:cSld>
-    <p:spTree>
-      <p:nvGrpSpPr>
-        <p:cNvPr id="1" name=""/>
-        <p:cNvGrpSpPr/>
-        <p:nvPr/>
-      </p:nvGrpSpPr>
-      <p:grpSpPr>
-        <a:xfrm>
-          <a:off x="0" y="0"/>
-          <a:ext cx="0" cy="0"/>
-          <a:chOff x="0" y="0"/>
-          <a:chExt cx="0" cy="0"/>
-        </a:xfrm>
-      </p:grpSpPr>
-      <p:sp>
-        <p:nvSpPr>
-          <p:cNvPr id="2" name="Title 1">
-            <a:extLst>
-              <a:ext uri="{FF2B5EF4-FFF2-40B4-BE49-F238E27FC236}">
-                <a16:creationId xmlns:a16="http://schemas.microsoft.com/office/drawing/2014/main" id="{6220992B-E5C1-487B-B7D8-224826037B92}"/>
-              </a:ext>
-            </a:extLst>
-          </p:cNvPr>
-          <p:cNvSpPr>
-            <a:spLocks noGrp="1"/>
-          </p:cNvSpPr>
-          <p:nvPr>
-            <p:ph type="title"/>
-          </p:nvPr>
-        </p:nvSpPr>
-        <p:spPr>
-          <a:xfrm>
-            <a:off x="721242" y="248167"/>
-            <a:ext cx="10515600" cy="591805"/>
-          </a:xfrm>
-        </p:spPr>
-        <p:txBody>
-          <a:bodyPr>
-            <a:normAutofit fontScale="90000"/>
-          </a:bodyPr>
-          <a:lstStyle/>
-          <a:p>
-            <a:r>
-              <a:rPr lang="en-US" dirty="0" err="1"/>
-              <a:t>rclcpp</a:t>
-            </a:r>
-            <a:endParaRPr lang="en-US" dirty="0"/>
-          </a:p>
-        </p:txBody>
-      </p:sp>
-      <p:sp>
-        <p:nvSpPr>
-          <p:cNvPr id="3" name="Content Placeholder 2">
-            <a:extLst>
-              <a:ext uri="{FF2B5EF4-FFF2-40B4-BE49-F238E27FC236}">
-                <a16:creationId xmlns:a16="http://schemas.microsoft.com/office/drawing/2014/main" id="{6474F1FB-5C8A-45FF-99E0-BFC41ED09A2C}"/>
-              </a:ext>
-            </a:extLst>
-          </p:cNvPr>
-          <p:cNvSpPr>
-            <a:spLocks noGrp="1"/>
-          </p:cNvSpPr>
-          <p:nvPr>
-            <p:ph idx="1"/>
-          </p:nvPr>
-        </p:nvSpPr>
-        <p:spPr>
-          <a:xfrm>
-            <a:off x="533992" y="947801"/>
-            <a:ext cx="10515600" cy="4351338"/>
-          </a:xfrm>
-        </p:spPr>
-        <p:txBody>
-          <a:bodyPr/>
-          <a:lstStyle/>
-          <a:p>
-            <a:r>
-              <a:rPr lang="en-US" dirty="0"/>
-              <a:t>ros2 node list </a:t>
-            </a:r>
-          </a:p>
-          <a:p>
-            <a:r>
-              <a:rPr lang="en-US" dirty="0"/>
-              <a:t>ros2 node info &lt;</a:t>
-            </a:r>
-            <a:r>
-              <a:rPr lang="en-US" dirty="0" err="1"/>
-              <a:t>node_name</a:t>
-            </a:r>
-            <a:r>
-              <a:rPr lang="en-US" dirty="0"/>
-              <a:t>&gt; </a:t>
-            </a:r>
-          </a:p>
-        </p:txBody>
-      </p:sp>
-    </p:spTree>
-    <p:extLst>
-      <p:ext uri="{BB962C8B-B14F-4D97-AF65-F5344CB8AC3E}">
-        <p14:creationId xmlns:p14="http://schemas.microsoft.com/office/powerpoint/2010/main" val="1273957954"/>
-      </p:ext>
-    </p:extLst>
-  </p:cSld>
-  <p:clrMapOvr>
-    <a:masterClrMapping/>
-  </p:clrMapOvr>
-</p:sld>
-</file>
-
 <file path=ppt/slides/slide8.xml><?xml version="1.0" encoding="utf-8"?>
 <p:sld xmlns:a="http://schemas.openxmlformats.org/drawingml/2006/main" xmlns:r="http://schemas.openxmlformats.org/officeDocument/2006/relationships" xmlns:p="http://schemas.openxmlformats.org/presentationml/2006/main">
   <p:cSld>
@@ -5677,7 +5909,7 @@
           <p:cNvPr id="2" name="Title 1">
             <a:extLst>
               <a:ext uri="{FF2B5EF4-FFF2-40B4-BE49-F238E27FC236}">
-                <a16:creationId xmlns:a16="http://schemas.microsoft.com/office/drawing/2014/main" id="{D1BAF1D0-A268-4741-8602-2C063B55C7D2}"/>
+                <a16:creationId xmlns:a16="http://schemas.microsoft.com/office/drawing/2014/main" id="{6220992B-E5C1-487B-B7D8-224826037B92}"/>
               </a:ext>
             </a:extLst>
           </p:cNvPr>
@@ -5687,372 +5919,78 @@
           <p:nvPr>
             <p:ph type="title"/>
           </p:nvPr>
-        </p:nvSpPr>
-        <p:spPr>
-          <a:xfrm>
-            <a:off x="423530" y="1482435"/>
-            <a:ext cx="10515600" cy="5127397"/>
-          </a:xfrm>
-        </p:spPr>
-        <p:txBody>
-          <a:bodyPr>
-            <a:normAutofit fontScale="90000"/>
-          </a:bodyPr>
-          <a:lstStyle/>
-          <a:p>
-            <a:r>
-              <a:rPr lang="en-US" sz="2700" dirty="0"/>
-              <a:t>How to create an example </a:t>
-            </a:r>
-            <a:br>
-              <a:rPr lang="en-US" sz="2700" dirty="0">
-                <a:hlinkClick r:id="rId2"/>
-              </a:rPr>
-            </a:br>
-            <a:br>
-              <a:rPr lang="en-US" sz="1600" dirty="0">
-                <a:latin typeface=".VnTime" panose="020B7200000000000000" pitchFamily="34" charset="0"/>
-                <a:hlinkClick r:id="rId2"/>
-              </a:rPr>
-            </a:br>
-            <a:r>
-              <a:rPr lang="en-US" sz="2200" dirty="0">
-                <a:latin typeface="Times New Roman" panose="02020603050405020304" pitchFamily="18" charset="0"/>
-                <a:cs typeface="Times New Roman" panose="02020603050405020304" pitchFamily="18" charset="0"/>
-                <a:hlinkClick r:id="rId2"/>
-              </a:rPr>
-              <a:t>https://docs.ros.org/en/galactic/Tutorials/Writing-A-Simple-Cpp-Service-And-Client.html</a:t>
-            </a:r>
-            <a:br>
-              <a:rPr lang="en-US" sz="2200" dirty="0">
-                <a:latin typeface="Times New Roman" panose="02020603050405020304" pitchFamily="18" charset="0"/>
-                <a:cs typeface="Times New Roman" panose="02020603050405020304" pitchFamily="18" charset="0"/>
-              </a:rPr>
-            </a:br>
-            <a:br>
-              <a:rPr lang="en-US" sz="2200" dirty="0">
-                <a:latin typeface="Times New Roman" panose="02020603050405020304" pitchFamily="18" charset="0"/>
-                <a:cs typeface="Times New Roman" panose="02020603050405020304" pitchFamily="18" charset="0"/>
-              </a:rPr>
-            </a:br>
-            <a:r>
-              <a:rPr lang="en-US" sz="2200" b="0" i="0" dirty="0">
-                <a:solidFill>
-                  <a:srgbClr val="333333"/>
-                </a:solidFill>
-                <a:effectLst/>
-                <a:latin typeface="Times New Roman" panose="02020603050405020304" pitchFamily="18" charset="0"/>
-                <a:cs typeface="Times New Roman" panose="02020603050405020304" pitchFamily="18" charset="0"/>
-              </a:rPr>
-              <a:t> </a:t>
-            </a:r>
-            <a:r>
-              <a:rPr lang="en-US" sz="2200" b="1" i="0" dirty="0">
-                <a:solidFill>
-                  <a:srgbClr val="333333"/>
-                </a:solidFill>
-                <a:effectLst/>
-                <a:latin typeface="Times New Roman" panose="02020603050405020304" pitchFamily="18" charset="0"/>
-                <a:cs typeface="Times New Roman" panose="02020603050405020304" pitchFamily="18" charset="0"/>
-              </a:rPr>
-              <a:t>installing system dependencies</a:t>
-            </a:r>
-            <a:r>
-              <a:rPr lang="en-US" sz="2200" b="0" i="0" dirty="0">
-                <a:solidFill>
-                  <a:srgbClr val="333333"/>
-                </a:solidFill>
-                <a:effectLst/>
-                <a:latin typeface="Times New Roman" panose="02020603050405020304" pitchFamily="18" charset="0"/>
-                <a:cs typeface="Times New Roman" panose="02020603050405020304" pitchFamily="18" charset="0"/>
-              </a:rPr>
-              <a:t>.</a:t>
-            </a:r>
-            <a:br>
-              <a:rPr lang="en-US" sz="2200" dirty="0">
-                <a:latin typeface="Times New Roman" panose="02020603050405020304" pitchFamily="18" charset="0"/>
-                <a:cs typeface="Times New Roman" panose="02020603050405020304" pitchFamily="18" charset="0"/>
-              </a:rPr>
-            </a:br>
-            <a:r>
-              <a:rPr lang="en-US" sz="2200" dirty="0">
-                <a:latin typeface="Times New Roman" panose="02020603050405020304" pitchFamily="18" charset="0"/>
-                <a:cs typeface="Times New Roman" panose="02020603050405020304" pitchFamily="18" charset="0"/>
-              </a:rPr>
-              <a:t>      </a:t>
-            </a:r>
-            <a:r>
-              <a:rPr lang="en-US" sz="2200" dirty="0">
-                <a:latin typeface="Times New Roman" panose="02020603050405020304" pitchFamily="18" charset="0"/>
-                <a:cs typeface="Times New Roman" panose="02020603050405020304" pitchFamily="18" charset="0"/>
-                <a:hlinkClick r:id="rId3"/>
-              </a:rPr>
-              <a:t>http://wiki.ros.org/rosdep</a:t>
-            </a:r>
-            <a:br>
-              <a:rPr lang="en-US" sz="2200" dirty="0">
-                <a:latin typeface="Times New Roman" panose="02020603050405020304" pitchFamily="18" charset="0"/>
-                <a:cs typeface="Times New Roman" panose="02020603050405020304" pitchFamily="18" charset="0"/>
-              </a:rPr>
-            </a:br>
-            <a:r>
-              <a:rPr lang="en-US" sz="2200" dirty="0">
-                <a:latin typeface="Times New Roman" panose="02020603050405020304" pitchFamily="18" charset="0"/>
-                <a:cs typeface="Times New Roman" panose="02020603050405020304" pitchFamily="18" charset="0"/>
-              </a:rPr>
-              <a:t>      </a:t>
-            </a:r>
-            <a:r>
-              <a:rPr lang="en-US" sz="2200" dirty="0">
-                <a:latin typeface="Times New Roman" panose="02020603050405020304" pitchFamily="18" charset="0"/>
-                <a:cs typeface="Times New Roman" panose="02020603050405020304" pitchFamily="18" charset="0"/>
-                <a:hlinkClick r:id="rId4"/>
-              </a:rPr>
-              <a:t>http://wiki.ros.org/rosdep/Tutorials/How%20to%20add%20a%20system%20dependency</a:t>
-            </a:r>
-            <a:br>
-              <a:rPr lang="en-US" sz="2200" dirty="0">
-                <a:latin typeface="Times New Roman" panose="02020603050405020304" pitchFamily="18" charset="0"/>
-                <a:cs typeface="Times New Roman" panose="02020603050405020304" pitchFamily="18" charset="0"/>
-              </a:rPr>
-            </a:br>
-            <a:br>
-              <a:rPr lang="en-US" sz="2200" dirty="0">
-                <a:latin typeface="Times New Roman" panose="02020603050405020304" pitchFamily="18" charset="0"/>
-                <a:cs typeface="Times New Roman" panose="02020603050405020304" pitchFamily="18" charset="0"/>
-              </a:rPr>
-            </a:br>
-            <a:r>
-              <a:rPr lang="en-US" sz="2200" dirty="0">
-                <a:latin typeface="Times New Roman" panose="02020603050405020304" pitchFamily="18" charset="0"/>
-                <a:cs typeface="Times New Roman" panose="02020603050405020304" pitchFamily="18" charset="0"/>
-                <a:hlinkClick r:id="rId5"/>
-              </a:rPr>
-              <a:t>https://colcon.readthedocs.io/en/released/</a:t>
-            </a:r>
-            <a:r>
-              <a:rPr lang="en-US" sz="2200" dirty="0">
-                <a:latin typeface="Times New Roman" panose="02020603050405020304" pitchFamily="18" charset="0"/>
-                <a:cs typeface="Times New Roman" panose="02020603050405020304" pitchFamily="18" charset="0"/>
-              </a:rPr>
-              <a:t> </a:t>
-            </a:r>
-            <a:br>
-              <a:rPr lang="en-US" sz="2200" dirty="0">
-                <a:latin typeface="Times New Roman" panose="02020603050405020304" pitchFamily="18" charset="0"/>
-                <a:cs typeface="Times New Roman" panose="02020603050405020304" pitchFamily="18" charset="0"/>
-              </a:rPr>
-            </a:br>
-            <a:br>
-              <a:rPr lang="en-US" sz="2200" dirty="0">
-                <a:latin typeface="Times New Roman" panose="02020603050405020304" pitchFamily="18" charset="0"/>
-                <a:cs typeface="Times New Roman" panose="02020603050405020304" pitchFamily="18" charset="0"/>
-              </a:rPr>
-            </a:br>
-            <a:r>
-              <a:rPr lang="en-US" sz="2200" b="1" dirty="0">
-                <a:latin typeface="Times New Roman" panose="02020603050405020304" pitchFamily="18" charset="0"/>
-                <a:cs typeface="Times New Roman" panose="02020603050405020304" pitchFamily="18" charset="0"/>
-              </a:rPr>
-              <a:t>ROS 2 package and packets in workspaces</a:t>
-            </a:r>
-            <a:br>
-              <a:rPr lang="en-US" sz="2200" dirty="0">
-                <a:latin typeface="Times New Roman" panose="02020603050405020304" pitchFamily="18" charset="0"/>
-                <a:cs typeface="Times New Roman" panose="02020603050405020304" pitchFamily="18" charset="0"/>
-              </a:rPr>
-            </a:br>
-            <a:br>
-              <a:rPr lang="en-US" sz="2200" dirty="0">
-                <a:latin typeface="Times New Roman" panose="02020603050405020304" pitchFamily="18" charset="0"/>
-                <a:cs typeface="Times New Roman" panose="02020603050405020304" pitchFamily="18" charset="0"/>
-              </a:rPr>
-            </a:br>
-            <a:r>
-              <a:rPr lang="en-US" sz="2200" dirty="0">
-                <a:latin typeface="Times New Roman" panose="02020603050405020304" pitchFamily="18" charset="0"/>
-                <a:cs typeface="Times New Roman" panose="02020603050405020304" pitchFamily="18" charset="0"/>
-              </a:rPr>
-              <a:t>       </a:t>
-            </a:r>
-            <a:r>
-              <a:rPr lang="en-US" sz="2200" dirty="0">
-                <a:latin typeface="Times New Roman" panose="02020603050405020304" pitchFamily="18" charset="0"/>
-                <a:cs typeface="Times New Roman" panose="02020603050405020304" pitchFamily="18" charset="0"/>
-                <a:hlinkClick r:id="rId6"/>
-              </a:rPr>
-              <a:t>https://docs.ros.org/en/foxy/Tutorials/Creating-Your-First-ROS2-Package.html</a:t>
-            </a:r>
-            <a:br>
-              <a:rPr lang="en-US" sz="2200" dirty="0">
-                <a:latin typeface="Times New Roman" panose="02020603050405020304" pitchFamily="18" charset="0"/>
-                <a:cs typeface="Times New Roman" panose="02020603050405020304" pitchFamily="18" charset="0"/>
-              </a:rPr>
-            </a:br>
-            <a:br>
-              <a:rPr lang="en-US" sz="2200" dirty="0">
-                <a:latin typeface="Times New Roman" panose="02020603050405020304" pitchFamily="18" charset="0"/>
-                <a:cs typeface="Times New Roman" panose="02020603050405020304" pitchFamily="18" charset="0"/>
-              </a:rPr>
-            </a:br>
-            <a:r>
-              <a:rPr lang="en-US" sz="2200" b="1" dirty="0">
-                <a:latin typeface="Times New Roman" panose="02020603050405020304" pitchFamily="18" charset="0"/>
-                <a:cs typeface="Times New Roman" panose="02020603050405020304" pitchFamily="18" charset="0"/>
-              </a:rPr>
-              <a:t>Example at </a:t>
-            </a:r>
-            <a:br>
-              <a:rPr lang="en-US" sz="2200" b="1" dirty="0">
-                <a:latin typeface="Times New Roman" panose="02020603050405020304" pitchFamily="18" charset="0"/>
-                <a:cs typeface="Times New Roman" panose="02020603050405020304" pitchFamily="18" charset="0"/>
-              </a:rPr>
-            </a:br>
-            <a:r>
-              <a:rPr lang="en-US" sz="2200" b="1" dirty="0">
-                <a:latin typeface="Times New Roman" panose="02020603050405020304" pitchFamily="18" charset="0"/>
-                <a:cs typeface="Times New Roman" panose="02020603050405020304" pitchFamily="18" charset="0"/>
-              </a:rPr>
-              <a:t>	</a:t>
-            </a:r>
-            <a:r>
-              <a:rPr lang="en-US" sz="2200" dirty="0">
-                <a:latin typeface="Times New Roman" panose="02020603050405020304" pitchFamily="18" charset="0"/>
-                <a:cs typeface="Times New Roman" panose="02020603050405020304" pitchFamily="18" charset="0"/>
-                <a:hlinkClick r:id="rId7"/>
-              </a:rPr>
-              <a:t>https://docs.ros.org/en/galactic/Features.html</a:t>
-            </a:r>
-            <a:br>
-              <a:rPr lang="en-US" sz="2200" dirty="0">
-                <a:latin typeface="Times New Roman" panose="02020603050405020304" pitchFamily="18" charset="0"/>
-                <a:cs typeface="Times New Roman" panose="02020603050405020304" pitchFamily="18" charset="0"/>
-              </a:rPr>
-            </a:br>
-            <a:r>
-              <a:rPr lang="en-US" sz="2200" dirty="0">
-                <a:latin typeface="Times New Roman" panose="02020603050405020304" pitchFamily="18" charset="0"/>
-                <a:cs typeface="Times New Roman" panose="02020603050405020304" pitchFamily="18" charset="0"/>
-              </a:rPr>
-              <a:t>	</a:t>
-            </a:r>
-            <a:r>
-              <a:rPr lang="en-US" sz="2200" dirty="0">
-                <a:latin typeface="Times New Roman" panose="02020603050405020304" pitchFamily="18" charset="0"/>
-                <a:cs typeface="Times New Roman" panose="02020603050405020304" pitchFamily="18" charset="0"/>
-                <a:hlinkClick r:id="rId8"/>
-              </a:rPr>
-              <a:t>https://github.com/ros2/examples/tree/master/rclcpp</a:t>
-            </a:r>
-            <a:r>
-              <a:rPr lang="en-US" sz="2200" dirty="0">
-                <a:latin typeface="Times New Roman" panose="02020603050405020304" pitchFamily="18" charset="0"/>
-                <a:cs typeface="Times New Roman" panose="02020603050405020304" pitchFamily="18" charset="0"/>
-              </a:rPr>
-              <a:t> </a:t>
-            </a:r>
-            <a:br>
-              <a:rPr lang="en-US" sz="2200" dirty="0">
-                <a:latin typeface="Times New Roman" panose="02020603050405020304" pitchFamily="18" charset="0"/>
-                <a:cs typeface="Times New Roman" panose="02020603050405020304" pitchFamily="18" charset="0"/>
-              </a:rPr>
-            </a:br>
-            <a:r>
-              <a:rPr lang="en-US" sz="2200" dirty="0">
-                <a:latin typeface="Times New Roman" panose="02020603050405020304" pitchFamily="18" charset="0"/>
-                <a:cs typeface="Times New Roman" panose="02020603050405020304" pitchFamily="18" charset="0"/>
-              </a:rPr>
-              <a:t>	</a:t>
-            </a:r>
-            <a:r>
-              <a:rPr lang="en-US" sz="2200" dirty="0">
-                <a:latin typeface="Times New Roman" panose="02020603050405020304" pitchFamily="18" charset="0"/>
-                <a:cs typeface="Times New Roman" panose="02020603050405020304" pitchFamily="18" charset="0"/>
-                <a:hlinkClick r:id="rId9"/>
-              </a:rPr>
-              <a:t>https://roboticsbackend.com/create-a-ros2-cpp-package/</a:t>
-            </a:r>
-            <a:r>
-              <a:rPr lang="en-US" sz="2200" dirty="0">
-                <a:latin typeface="Times New Roman" panose="02020603050405020304" pitchFamily="18" charset="0"/>
-                <a:cs typeface="Times New Roman" panose="02020603050405020304" pitchFamily="18" charset="0"/>
-              </a:rPr>
-              <a:t> </a:t>
-            </a:r>
-            <a:br>
-              <a:rPr lang="en-US" sz="1600" dirty="0">
-                <a:latin typeface=".VnTime" panose="020B7200000000000000" pitchFamily="34" charset="0"/>
-              </a:rPr>
-            </a:br>
-            <a:br>
-              <a:rPr lang="en-US" sz="1600" dirty="0"/>
-            </a:br>
-            <a:br>
-              <a:rPr lang="en-US" sz="1600" dirty="0"/>
-            </a:br>
-            <a:endParaRPr lang="en-US" sz="1600" dirty="0"/>
-          </a:p>
-        </p:txBody>
-      </p:sp>
-      <p:sp>
-        <p:nvSpPr>
-          <p:cNvPr id="4" name="Title 1">
-            <a:extLst>
-              <a:ext uri="{FF2B5EF4-FFF2-40B4-BE49-F238E27FC236}">
-                <a16:creationId xmlns:a16="http://schemas.microsoft.com/office/drawing/2014/main" id="{263CF1FF-892A-41B4-9264-386751C4EE9D}"/>
-              </a:ext>
-            </a:extLst>
-          </p:cNvPr>
-          <p:cNvSpPr txBox="1">
-            <a:spLocks/>
-          </p:cNvSpPr>
-          <p:nvPr/>
         </p:nvSpPr>
         <p:spPr>
           <a:xfrm>
             <a:off x="721242" y="248167"/>
             <a:ext cx="10515600" cy="591805"/>
           </a:xfrm>
-          <a:prstGeom prst="rect">
-            <a:avLst/>
-          </a:prstGeom>
         </p:spPr>
         <p:txBody>
-          <a:bodyPr vert="horz" lIns="91440" tIns="45720" rIns="91440" bIns="45720" rtlCol="0" anchor="ctr">
-            <a:normAutofit fontScale="90000" lnSpcReduction="10000"/>
+          <a:bodyPr>
+            <a:normAutofit fontScale="90000"/>
           </a:bodyPr>
-          <a:lstStyle>
-            <a:lvl1pPr algn="l" defTabSz="914400" rtl="0" eaLnBrk="1" latinLnBrk="0" hangingPunct="1">
-              <a:lnSpc>
-                <a:spcPct val="90000"/>
-              </a:lnSpc>
-              <a:spcBef>
-                <a:spcPct val="0"/>
-              </a:spcBef>
-              <a:buNone/>
-              <a:defRPr sz="4400" kern="1200">
-                <a:solidFill>
-                  <a:schemeClr val="tx1"/>
-                </a:solidFill>
-                <a:latin typeface="+mj-lt"/>
-                <a:ea typeface="+mj-ea"/>
-                <a:cs typeface="+mj-cs"/>
-              </a:defRPr>
-            </a:lvl1pPr>
-          </a:lstStyle>
+          <a:lstStyle/>
           <a:p>
             <a:r>
               <a:rPr lang="en-US" dirty="0" err="1"/>
               <a:t>rclcpp</a:t>
             </a:r>
             <a:endParaRPr lang="en-US" dirty="0"/>
+          </a:p>
+        </p:txBody>
+      </p:sp>
+      <p:sp>
+        <p:nvSpPr>
+          <p:cNvPr id="3" name="Content Placeholder 2">
+            <a:extLst>
+              <a:ext uri="{FF2B5EF4-FFF2-40B4-BE49-F238E27FC236}">
+                <a16:creationId xmlns:a16="http://schemas.microsoft.com/office/drawing/2014/main" id="{6474F1FB-5C8A-45FF-99E0-BFC41ED09A2C}"/>
+              </a:ext>
+            </a:extLst>
+          </p:cNvPr>
+          <p:cNvSpPr>
+            <a:spLocks noGrp="1"/>
+          </p:cNvSpPr>
+          <p:nvPr>
+            <p:ph idx="1"/>
+          </p:nvPr>
+        </p:nvSpPr>
+        <p:spPr>
+          <a:xfrm>
+            <a:off x="533992" y="947801"/>
+            <a:ext cx="10515600" cy="4351338"/>
+          </a:xfrm>
+        </p:spPr>
+        <p:txBody>
+          <a:bodyPr/>
+          <a:lstStyle/>
+          <a:p>
+            <a:r>
+              <a:rPr lang="en-US" dirty="0"/>
+              <a:t>ros2 node list </a:t>
+            </a:r>
+          </a:p>
+          <a:p>
+            <a:r>
+              <a:rPr lang="en-US" dirty="0"/>
+              <a:t>ros2 node info &lt;</a:t>
+            </a:r>
+            <a:r>
+              <a:rPr lang="en-US" dirty="0" err="1"/>
+              <a:t>node_name</a:t>
+            </a:r>
+            <a:r>
+              <a:rPr lang="en-US" dirty="0"/>
+              <a:t>&gt; </a:t>
+            </a:r>
           </a:p>
         </p:txBody>
       </p:sp>
     </p:spTree>
     <p:extLst>
       <p:ext uri="{BB962C8B-B14F-4D97-AF65-F5344CB8AC3E}">
-        <p14:creationId xmlns:p14="http://schemas.microsoft.com/office/powerpoint/2010/main" val="178426610"/>
+        <p14:creationId xmlns:p14="http://schemas.microsoft.com/office/powerpoint/2010/main" val="1273957954"/>
       </p:ext>
     </p:extLst>
   </p:cSld>
@@ -6084,7 +6022,7 @@
           <p:cNvPr id="2" name="Title 1">
             <a:extLst>
               <a:ext uri="{FF2B5EF4-FFF2-40B4-BE49-F238E27FC236}">
-                <a16:creationId xmlns:a16="http://schemas.microsoft.com/office/drawing/2014/main" id="{AC713B3E-D7D5-4F33-9679-482DD3C67FDE}"/>
+                <a16:creationId xmlns:a16="http://schemas.microsoft.com/office/drawing/2014/main" id="{D1BAF1D0-A268-4741-8602-2C063B55C7D2}"/>
               </a:ext>
             </a:extLst>
           </p:cNvPr>
@@ -6097,101 +6035,369 @@
         </p:nvSpPr>
         <p:spPr>
           <a:xfrm>
-            <a:off x="838200" y="195262"/>
-            <a:ext cx="10515600" cy="815975"/>
+            <a:off x="423530" y="1482435"/>
+            <a:ext cx="10515600" cy="5127397"/>
           </a:xfrm>
         </p:spPr>
         <p:txBody>
-          <a:bodyPr/>
-          <a:lstStyle/>
-          <a:p>
-            <a:r>
-              <a:rPr lang="en-US" b="1" dirty="0" err="1"/>
-              <a:t>colcon</a:t>
-            </a:r>
-            <a:endParaRPr lang="en-US" b="1" dirty="0"/>
-          </a:p>
-        </p:txBody>
-      </p:sp>
-      <p:sp>
-        <p:nvSpPr>
-          <p:cNvPr id="3" name="Content Placeholder 2">
-            <a:extLst>
-              <a:ext uri="{FF2B5EF4-FFF2-40B4-BE49-F238E27FC236}">
-                <a16:creationId xmlns:a16="http://schemas.microsoft.com/office/drawing/2014/main" id="{051D8B0C-DE3A-479F-8090-F1AA07833A7C}"/>
-              </a:ext>
-            </a:extLst>
-          </p:cNvPr>
-          <p:cNvSpPr>
-            <a:spLocks noGrp="1"/>
-          </p:cNvSpPr>
-          <p:nvPr>
-            <p:ph idx="1"/>
-          </p:nvPr>
+          <a:bodyPr>
+            <a:normAutofit fontScale="90000"/>
+          </a:bodyPr>
+          <a:lstStyle/>
+          <a:p>
+            <a:r>
+              <a:rPr lang="en-US" sz="2700" dirty="0"/>
+              <a:t>How to create an example </a:t>
+            </a:r>
+            <a:br>
+              <a:rPr lang="en-US" sz="2700" dirty="0">
+                <a:hlinkClick r:id="rId2"/>
+              </a:rPr>
+            </a:br>
+            <a:br>
+              <a:rPr lang="en-US" sz="1600" dirty="0">
+                <a:latin typeface=".VnTime" panose="020B7200000000000000" pitchFamily="34" charset="0"/>
+                <a:hlinkClick r:id="rId2"/>
+              </a:rPr>
+            </a:br>
+            <a:r>
+              <a:rPr lang="en-US" sz="2200" dirty="0">
+                <a:latin typeface="Times New Roman" panose="02020603050405020304" pitchFamily="18" charset="0"/>
+                <a:cs typeface="Times New Roman" panose="02020603050405020304" pitchFamily="18" charset="0"/>
+                <a:hlinkClick r:id="rId2"/>
+              </a:rPr>
+              <a:t>https://docs.ros.org/en/galactic/Tutorials/Writing-A-Simple-Cpp-Service-And-Client.html</a:t>
+            </a:r>
+            <a:br>
+              <a:rPr lang="en-US" sz="2200" dirty="0">
+                <a:latin typeface="Times New Roman" panose="02020603050405020304" pitchFamily="18" charset="0"/>
+                <a:cs typeface="Times New Roman" panose="02020603050405020304" pitchFamily="18" charset="0"/>
+              </a:rPr>
+            </a:br>
+            <a:br>
+              <a:rPr lang="en-US" sz="2200" dirty="0">
+                <a:latin typeface="Times New Roman" panose="02020603050405020304" pitchFamily="18" charset="0"/>
+                <a:cs typeface="Times New Roman" panose="02020603050405020304" pitchFamily="18" charset="0"/>
+              </a:rPr>
+            </a:br>
+            <a:r>
+              <a:rPr lang="en-US" sz="2200" b="0" i="0" dirty="0">
+                <a:solidFill>
+                  <a:srgbClr val="333333"/>
+                </a:solidFill>
+                <a:effectLst/>
+                <a:latin typeface="Times New Roman" panose="02020603050405020304" pitchFamily="18" charset="0"/>
+                <a:cs typeface="Times New Roman" panose="02020603050405020304" pitchFamily="18" charset="0"/>
+              </a:rPr>
+              <a:t> </a:t>
+            </a:r>
+            <a:r>
+              <a:rPr lang="en-US" sz="2200" b="1" i="0" dirty="0">
+                <a:solidFill>
+                  <a:srgbClr val="333333"/>
+                </a:solidFill>
+                <a:effectLst/>
+                <a:latin typeface="Times New Roman" panose="02020603050405020304" pitchFamily="18" charset="0"/>
+                <a:cs typeface="Times New Roman" panose="02020603050405020304" pitchFamily="18" charset="0"/>
+              </a:rPr>
+              <a:t>installing system dependencies</a:t>
+            </a:r>
+            <a:r>
+              <a:rPr lang="en-US" sz="2200" b="0" i="0" dirty="0">
+                <a:solidFill>
+                  <a:srgbClr val="333333"/>
+                </a:solidFill>
+                <a:effectLst/>
+                <a:latin typeface="Times New Roman" panose="02020603050405020304" pitchFamily="18" charset="0"/>
+                <a:cs typeface="Times New Roman" panose="02020603050405020304" pitchFamily="18" charset="0"/>
+              </a:rPr>
+              <a:t>.</a:t>
+            </a:r>
+            <a:br>
+              <a:rPr lang="en-US" sz="2200" dirty="0">
+                <a:latin typeface="Times New Roman" panose="02020603050405020304" pitchFamily="18" charset="0"/>
+                <a:cs typeface="Times New Roman" panose="02020603050405020304" pitchFamily="18" charset="0"/>
+              </a:rPr>
+            </a:br>
+            <a:r>
+              <a:rPr lang="en-US" sz="2200" dirty="0">
+                <a:latin typeface="Times New Roman" panose="02020603050405020304" pitchFamily="18" charset="0"/>
+                <a:cs typeface="Times New Roman" panose="02020603050405020304" pitchFamily="18" charset="0"/>
+              </a:rPr>
+              <a:t>      </a:t>
+            </a:r>
+            <a:r>
+              <a:rPr lang="en-US" sz="2200" dirty="0">
+                <a:latin typeface="Times New Roman" panose="02020603050405020304" pitchFamily="18" charset="0"/>
+                <a:cs typeface="Times New Roman" panose="02020603050405020304" pitchFamily="18" charset="0"/>
+                <a:hlinkClick r:id="rId3"/>
+              </a:rPr>
+              <a:t>http://wiki.ros.org/rosdep</a:t>
+            </a:r>
+            <a:br>
+              <a:rPr lang="en-US" sz="2200" dirty="0">
+                <a:latin typeface="Times New Roman" panose="02020603050405020304" pitchFamily="18" charset="0"/>
+                <a:cs typeface="Times New Roman" panose="02020603050405020304" pitchFamily="18" charset="0"/>
+              </a:rPr>
+            </a:br>
+            <a:r>
+              <a:rPr lang="en-US" sz="2200" dirty="0">
+                <a:latin typeface="Times New Roman" panose="02020603050405020304" pitchFamily="18" charset="0"/>
+                <a:cs typeface="Times New Roman" panose="02020603050405020304" pitchFamily="18" charset="0"/>
+              </a:rPr>
+              <a:t>      </a:t>
+            </a:r>
+            <a:r>
+              <a:rPr lang="en-US" sz="2200" dirty="0">
+                <a:latin typeface="Times New Roman" panose="02020603050405020304" pitchFamily="18" charset="0"/>
+                <a:cs typeface="Times New Roman" panose="02020603050405020304" pitchFamily="18" charset="0"/>
+                <a:hlinkClick r:id="rId4"/>
+              </a:rPr>
+              <a:t>http://wiki.ros.org/rosdep/Tutorials/How%20to%20add%20a%20system%20dependency</a:t>
+            </a:r>
+            <a:br>
+              <a:rPr lang="en-US" sz="2200" dirty="0">
+                <a:latin typeface="Times New Roman" panose="02020603050405020304" pitchFamily="18" charset="0"/>
+                <a:cs typeface="Times New Roman" panose="02020603050405020304" pitchFamily="18" charset="0"/>
+              </a:rPr>
+            </a:br>
+            <a:br>
+              <a:rPr lang="en-US" sz="2200" dirty="0">
+                <a:latin typeface="Times New Roman" panose="02020603050405020304" pitchFamily="18" charset="0"/>
+                <a:cs typeface="Times New Roman" panose="02020603050405020304" pitchFamily="18" charset="0"/>
+              </a:rPr>
+            </a:br>
+            <a:r>
+              <a:rPr lang="en-US" sz="2200" dirty="0">
+                <a:latin typeface="Times New Roman" panose="02020603050405020304" pitchFamily="18" charset="0"/>
+                <a:cs typeface="Times New Roman" panose="02020603050405020304" pitchFamily="18" charset="0"/>
+                <a:hlinkClick r:id="rId5"/>
+              </a:rPr>
+              <a:t>https://colcon.readthedocs.io/en/released/</a:t>
+            </a:r>
+            <a:r>
+              <a:rPr lang="en-US" sz="2200" dirty="0">
+                <a:latin typeface="Times New Roman" panose="02020603050405020304" pitchFamily="18" charset="0"/>
+                <a:cs typeface="Times New Roman" panose="02020603050405020304" pitchFamily="18" charset="0"/>
+              </a:rPr>
+              <a:t> </a:t>
+            </a:r>
+            <a:br>
+              <a:rPr lang="en-US" sz="2200" dirty="0">
+                <a:latin typeface="Times New Roman" panose="02020603050405020304" pitchFamily="18" charset="0"/>
+                <a:cs typeface="Times New Roman" panose="02020603050405020304" pitchFamily="18" charset="0"/>
+              </a:rPr>
+            </a:br>
+            <a:br>
+              <a:rPr lang="en-US" sz="2200" dirty="0">
+                <a:latin typeface="Times New Roman" panose="02020603050405020304" pitchFamily="18" charset="0"/>
+                <a:cs typeface="Times New Roman" panose="02020603050405020304" pitchFamily="18" charset="0"/>
+              </a:rPr>
+            </a:br>
+            <a:r>
+              <a:rPr lang="en-US" sz="2200" b="1" dirty="0">
+                <a:latin typeface="Times New Roman" panose="02020603050405020304" pitchFamily="18" charset="0"/>
+                <a:cs typeface="Times New Roman" panose="02020603050405020304" pitchFamily="18" charset="0"/>
+              </a:rPr>
+              <a:t>ROS 2 package and packets in workspaces</a:t>
+            </a:r>
+            <a:br>
+              <a:rPr lang="en-US" sz="2200" dirty="0">
+                <a:latin typeface="Times New Roman" panose="02020603050405020304" pitchFamily="18" charset="0"/>
+                <a:cs typeface="Times New Roman" panose="02020603050405020304" pitchFamily="18" charset="0"/>
+              </a:rPr>
+            </a:br>
+            <a:br>
+              <a:rPr lang="en-US" sz="2200" dirty="0">
+                <a:latin typeface="Times New Roman" panose="02020603050405020304" pitchFamily="18" charset="0"/>
+                <a:cs typeface="Times New Roman" panose="02020603050405020304" pitchFamily="18" charset="0"/>
+              </a:rPr>
+            </a:br>
+            <a:r>
+              <a:rPr lang="en-US" sz="2200" dirty="0">
+                <a:latin typeface="Times New Roman" panose="02020603050405020304" pitchFamily="18" charset="0"/>
+                <a:cs typeface="Times New Roman" panose="02020603050405020304" pitchFamily="18" charset="0"/>
+              </a:rPr>
+              <a:t>       </a:t>
+            </a:r>
+            <a:r>
+              <a:rPr lang="en-US" sz="2200" dirty="0">
+                <a:latin typeface="Times New Roman" panose="02020603050405020304" pitchFamily="18" charset="0"/>
+                <a:cs typeface="Times New Roman" panose="02020603050405020304" pitchFamily="18" charset="0"/>
+                <a:hlinkClick r:id="rId6"/>
+              </a:rPr>
+              <a:t>https://docs.ros.org/en/foxy/Tutorials/Creating-Your-First-ROS2-Package.html</a:t>
+            </a:r>
+            <a:br>
+              <a:rPr lang="en-US" sz="2200" dirty="0">
+                <a:latin typeface="Times New Roman" panose="02020603050405020304" pitchFamily="18" charset="0"/>
+                <a:cs typeface="Times New Roman" panose="02020603050405020304" pitchFamily="18" charset="0"/>
+              </a:rPr>
+            </a:br>
+            <a:br>
+              <a:rPr lang="en-US" sz="2200" dirty="0">
+                <a:latin typeface="Times New Roman" panose="02020603050405020304" pitchFamily="18" charset="0"/>
+                <a:cs typeface="Times New Roman" panose="02020603050405020304" pitchFamily="18" charset="0"/>
+              </a:rPr>
+            </a:br>
+            <a:r>
+              <a:rPr lang="en-US" sz="2200" b="1" dirty="0">
+                <a:latin typeface="Times New Roman" panose="02020603050405020304" pitchFamily="18" charset="0"/>
+                <a:cs typeface="Times New Roman" panose="02020603050405020304" pitchFamily="18" charset="0"/>
+              </a:rPr>
+              <a:t>Example at </a:t>
+            </a:r>
+            <a:br>
+              <a:rPr lang="en-US" sz="2200" b="1" dirty="0">
+                <a:latin typeface="Times New Roman" panose="02020603050405020304" pitchFamily="18" charset="0"/>
+                <a:cs typeface="Times New Roman" panose="02020603050405020304" pitchFamily="18" charset="0"/>
+              </a:rPr>
+            </a:br>
+            <a:r>
+              <a:rPr lang="en-US" sz="2200" b="1" dirty="0">
+                <a:latin typeface="Times New Roman" panose="02020603050405020304" pitchFamily="18" charset="0"/>
+                <a:cs typeface="Times New Roman" panose="02020603050405020304" pitchFamily="18" charset="0"/>
+              </a:rPr>
+              <a:t>	</a:t>
+            </a:r>
+            <a:r>
+              <a:rPr lang="en-US" sz="2200" dirty="0">
+                <a:latin typeface="Times New Roman" panose="02020603050405020304" pitchFamily="18" charset="0"/>
+                <a:cs typeface="Times New Roman" panose="02020603050405020304" pitchFamily="18" charset="0"/>
+                <a:hlinkClick r:id="rId7"/>
+              </a:rPr>
+              <a:t>https://docs.ros.org/en/galactic/Features.html</a:t>
+            </a:r>
+            <a:br>
+              <a:rPr lang="en-US" sz="2200" dirty="0">
+                <a:latin typeface="Times New Roman" panose="02020603050405020304" pitchFamily="18" charset="0"/>
+                <a:cs typeface="Times New Roman" panose="02020603050405020304" pitchFamily="18" charset="0"/>
+              </a:rPr>
+            </a:br>
+            <a:r>
+              <a:rPr lang="en-US" sz="2200" dirty="0">
+                <a:latin typeface="Times New Roman" panose="02020603050405020304" pitchFamily="18" charset="0"/>
+                <a:cs typeface="Times New Roman" panose="02020603050405020304" pitchFamily="18" charset="0"/>
+              </a:rPr>
+              <a:t>	</a:t>
+            </a:r>
+            <a:r>
+              <a:rPr lang="en-US" sz="2200" dirty="0">
+                <a:latin typeface="Times New Roman" panose="02020603050405020304" pitchFamily="18" charset="0"/>
+                <a:cs typeface="Times New Roman" panose="02020603050405020304" pitchFamily="18" charset="0"/>
+                <a:hlinkClick r:id="rId8"/>
+              </a:rPr>
+              <a:t>https://github.com/ros2/examples/tree/master/rclcpp</a:t>
+            </a:r>
+            <a:r>
+              <a:rPr lang="en-US" sz="2200" dirty="0">
+                <a:latin typeface="Times New Roman" panose="02020603050405020304" pitchFamily="18" charset="0"/>
+                <a:cs typeface="Times New Roman" panose="02020603050405020304" pitchFamily="18" charset="0"/>
+              </a:rPr>
+              <a:t> </a:t>
+            </a:r>
+            <a:br>
+              <a:rPr lang="en-US" sz="2200" dirty="0">
+                <a:latin typeface="Times New Roman" panose="02020603050405020304" pitchFamily="18" charset="0"/>
+                <a:cs typeface="Times New Roman" panose="02020603050405020304" pitchFamily="18" charset="0"/>
+              </a:rPr>
+            </a:br>
+            <a:r>
+              <a:rPr lang="en-US" sz="2200" dirty="0">
+                <a:latin typeface="Times New Roman" panose="02020603050405020304" pitchFamily="18" charset="0"/>
+                <a:cs typeface="Times New Roman" panose="02020603050405020304" pitchFamily="18" charset="0"/>
+              </a:rPr>
+              <a:t>	</a:t>
+            </a:r>
+            <a:r>
+              <a:rPr lang="en-US" sz="2200" dirty="0">
+                <a:latin typeface="Times New Roman" panose="02020603050405020304" pitchFamily="18" charset="0"/>
+                <a:cs typeface="Times New Roman" panose="02020603050405020304" pitchFamily="18" charset="0"/>
+                <a:hlinkClick r:id="rId9"/>
+              </a:rPr>
+              <a:t>https://roboticsbackend.com/create-a-ros2-cpp-package/</a:t>
+            </a:r>
+            <a:r>
+              <a:rPr lang="en-US" sz="2200" dirty="0">
+                <a:latin typeface="Times New Roman" panose="02020603050405020304" pitchFamily="18" charset="0"/>
+                <a:cs typeface="Times New Roman" panose="02020603050405020304" pitchFamily="18" charset="0"/>
+              </a:rPr>
+              <a:t> </a:t>
+            </a:r>
+            <a:br>
+              <a:rPr lang="en-US" sz="1600" dirty="0">
+                <a:latin typeface=".VnTime" panose="020B7200000000000000" pitchFamily="34" charset="0"/>
+              </a:rPr>
+            </a:br>
+            <a:br>
+              <a:rPr lang="en-US" sz="1600" dirty="0"/>
+            </a:br>
+            <a:br>
+              <a:rPr lang="en-US" sz="1600" dirty="0"/>
+            </a:br>
+            <a:endParaRPr lang="en-US" sz="1600" dirty="0"/>
+          </a:p>
+        </p:txBody>
+      </p:sp>
+      <p:sp>
+        <p:nvSpPr>
+          <p:cNvPr id="4" name="Title 1">
+            <a:extLst>
+              <a:ext uri="{FF2B5EF4-FFF2-40B4-BE49-F238E27FC236}">
+                <a16:creationId xmlns:a16="http://schemas.microsoft.com/office/drawing/2014/main" id="{263CF1FF-892A-41B4-9264-386751C4EE9D}"/>
+              </a:ext>
+            </a:extLst>
+          </p:cNvPr>
+          <p:cNvSpPr txBox="1">
+            <a:spLocks/>
+          </p:cNvSpPr>
+          <p:nvPr/>
         </p:nvSpPr>
         <p:spPr>
           <a:xfrm>
-            <a:off x="699654" y="1253331"/>
-            <a:ext cx="10515600" cy="4351338"/>
-          </a:xfrm>
-        </p:spPr>
-        <p:txBody>
-          <a:bodyPr/>
-          <a:lstStyle/>
-          <a:p>
-            <a:r>
-              <a:rPr lang="en-US" dirty="0">
-                <a:hlinkClick r:id="rId2"/>
-              </a:rPr>
-              <a:t>https://colcon.readthedocs.io/en/released/user/quick-start.html</a:t>
-            </a:r>
-            <a:r>
-              <a:rPr lang="en-US" dirty="0"/>
-              <a:t> </a:t>
-            </a:r>
-          </a:p>
-          <a:p>
-            <a:endParaRPr lang="en-US" dirty="0"/>
-          </a:p>
-          <a:p>
-            <a:endParaRPr lang="en-US" dirty="0"/>
-          </a:p>
-        </p:txBody>
-      </p:sp>
-      <p:pic>
-        <p:nvPicPr>
-          <p:cNvPr id="7" name="Picture 6">
-            <a:extLst>
-              <a:ext uri="{FF2B5EF4-FFF2-40B4-BE49-F238E27FC236}">
-                <a16:creationId xmlns:a16="http://schemas.microsoft.com/office/drawing/2014/main" id="{EEAAC07E-A0D8-4AD9-89B0-023C05BE0F0E}"/>
-              </a:ext>
-            </a:extLst>
-          </p:cNvPr>
-          <p:cNvPicPr>
-            <a:picLocks noChangeAspect="1"/>
-          </p:cNvPicPr>
-          <p:nvPr/>
-        </p:nvPicPr>
-        <p:blipFill>
-          <a:blip r:embed="rId3"/>
-          <a:stretch>
-            <a:fillRect/>
-          </a:stretch>
-        </p:blipFill>
-        <p:spPr>
-          <a:xfrm>
-            <a:off x="838200" y="2195170"/>
-            <a:ext cx="9947050" cy="3235957"/>
+            <a:off x="721242" y="248167"/>
+            <a:ext cx="10515600" cy="591805"/>
           </a:xfrm>
           <a:prstGeom prst="rect">
             <a:avLst/>
           </a:prstGeom>
         </p:spPr>
-      </p:pic>
+        <p:txBody>
+          <a:bodyPr vert="horz" lIns="91440" tIns="45720" rIns="91440" bIns="45720" rtlCol="0" anchor="ctr">
+            <a:normAutofit fontScale="90000" lnSpcReduction="10000"/>
+          </a:bodyPr>
+          <a:lstStyle>
+            <a:lvl1pPr algn="l" defTabSz="914400" rtl="0" eaLnBrk="1" latinLnBrk="0" hangingPunct="1">
+              <a:lnSpc>
+                <a:spcPct val="90000"/>
+              </a:lnSpc>
+              <a:spcBef>
+                <a:spcPct val="0"/>
+              </a:spcBef>
+              <a:buNone/>
+              <a:defRPr sz="4400" kern="1200">
+                <a:solidFill>
+                  <a:schemeClr val="tx1"/>
+                </a:solidFill>
+                <a:latin typeface="+mj-lt"/>
+                <a:ea typeface="+mj-ea"/>
+                <a:cs typeface="+mj-cs"/>
+              </a:defRPr>
+            </a:lvl1pPr>
+          </a:lstStyle>
+          <a:p>
+            <a:r>
+              <a:rPr lang="en-US" dirty="0" err="1"/>
+              <a:t>rclcpp</a:t>
+            </a:r>
+            <a:endParaRPr lang="en-US" dirty="0"/>
+          </a:p>
+        </p:txBody>
+      </p:sp>
     </p:spTree>
     <p:extLst>
       <p:ext uri="{BB962C8B-B14F-4D97-AF65-F5344CB8AC3E}">
-        <p14:creationId xmlns:p14="http://schemas.microsoft.com/office/powerpoint/2010/main" val="3612132310"/>
+        <p14:creationId xmlns:p14="http://schemas.microsoft.com/office/powerpoint/2010/main" val="178426610"/>
       </p:ext>
     </p:extLst>
   </p:cSld>

--- a/ros2.pptx
+++ b/ros2.pptx
@@ -9,16 +9,17 @@
     <p:sldId id="257" r:id="rId3"/>
     <p:sldId id="260" r:id="rId4"/>
     <p:sldId id="269" r:id="rId5"/>
-    <p:sldId id="258" r:id="rId6"/>
-    <p:sldId id="259" r:id="rId7"/>
-    <p:sldId id="262" r:id="rId8"/>
-    <p:sldId id="261" r:id="rId9"/>
-    <p:sldId id="263" r:id="rId10"/>
-    <p:sldId id="264" r:id="rId11"/>
-    <p:sldId id="265" r:id="rId12"/>
-    <p:sldId id="266" r:id="rId13"/>
-    <p:sldId id="267" r:id="rId14"/>
-    <p:sldId id="268" r:id="rId15"/>
+    <p:sldId id="270" r:id="rId6"/>
+    <p:sldId id="258" r:id="rId7"/>
+    <p:sldId id="259" r:id="rId8"/>
+    <p:sldId id="262" r:id="rId9"/>
+    <p:sldId id="261" r:id="rId10"/>
+    <p:sldId id="263" r:id="rId11"/>
+    <p:sldId id="264" r:id="rId12"/>
+    <p:sldId id="265" r:id="rId13"/>
+    <p:sldId id="266" r:id="rId14"/>
+    <p:sldId id="267" r:id="rId15"/>
+    <p:sldId id="268" r:id="rId16"/>
   </p:sldIdLst>
   <p:sldSz cx="12192000" cy="6858000"/>
   <p:notesSz cx="6858000" cy="9144000"/>
@@ -3694,6 +3695,413 @@
           <p:cNvPr id="2" name="Title 1">
             <a:extLst>
               <a:ext uri="{FF2B5EF4-FFF2-40B4-BE49-F238E27FC236}">
+                <a16:creationId xmlns:a16="http://schemas.microsoft.com/office/drawing/2014/main" id="{D1BAF1D0-A268-4741-8602-2C063B55C7D2}"/>
+              </a:ext>
+            </a:extLst>
+          </p:cNvPr>
+          <p:cNvSpPr>
+            <a:spLocks noGrp="1"/>
+          </p:cNvSpPr>
+          <p:nvPr>
+            <p:ph type="title"/>
+          </p:nvPr>
+        </p:nvSpPr>
+        <p:spPr>
+          <a:xfrm>
+            <a:off x="423530" y="1482435"/>
+            <a:ext cx="10515600" cy="5127397"/>
+          </a:xfrm>
+        </p:spPr>
+        <p:txBody>
+          <a:bodyPr>
+            <a:normAutofit fontScale="90000"/>
+          </a:bodyPr>
+          <a:lstStyle/>
+          <a:p>
+            <a:r>
+              <a:rPr lang="en-US" sz="2700" dirty="0"/>
+              <a:t>How to create an example </a:t>
+            </a:r>
+            <a:br>
+              <a:rPr lang="en-US" sz="2700" dirty="0">
+                <a:hlinkClick r:id="rId2"/>
+              </a:rPr>
+            </a:br>
+            <a:br>
+              <a:rPr lang="en-US" sz="1600" dirty="0">
+                <a:latin typeface=".VnTime" panose="020B7200000000000000" pitchFamily="34" charset="0"/>
+                <a:hlinkClick r:id="rId2"/>
+              </a:rPr>
+            </a:br>
+            <a:r>
+              <a:rPr lang="en-US" sz="2200" dirty="0">
+                <a:latin typeface="Times New Roman" panose="02020603050405020304" pitchFamily="18" charset="0"/>
+                <a:cs typeface="Times New Roman" panose="02020603050405020304" pitchFamily="18" charset="0"/>
+                <a:hlinkClick r:id="rId2"/>
+              </a:rPr>
+              <a:t>https://docs.ros.org/en/galactic/Tutorials/Writing-A-Simple-Cpp-Service-And-Client.html</a:t>
+            </a:r>
+            <a:br>
+              <a:rPr lang="en-US" sz="2200" dirty="0">
+                <a:latin typeface="Times New Roman" panose="02020603050405020304" pitchFamily="18" charset="0"/>
+                <a:cs typeface="Times New Roman" panose="02020603050405020304" pitchFamily="18" charset="0"/>
+              </a:rPr>
+            </a:br>
+            <a:br>
+              <a:rPr lang="en-US" sz="2200" dirty="0">
+                <a:latin typeface="Times New Roman" panose="02020603050405020304" pitchFamily="18" charset="0"/>
+                <a:cs typeface="Times New Roman" panose="02020603050405020304" pitchFamily="18" charset="0"/>
+              </a:rPr>
+            </a:br>
+            <a:r>
+              <a:rPr lang="en-US" sz="2200" b="0" i="0" dirty="0">
+                <a:solidFill>
+                  <a:srgbClr val="333333"/>
+                </a:solidFill>
+                <a:effectLst/>
+                <a:latin typeface="Times New Roman" panose="02020603050405020304" pitchFamily="18" charset="0"/>
+                <a:cs typeface="Times New Roman" panose="02020603050405020304" pitchFamily="18" charset="0"/>
+              </a:rPr>
+              <a:t> </a:t>
+            </a:r>
+            <a:r>
+              <a:rPr lang="en-US" sz="2200" b="1" i="0" dirty="0">
+                <a:solidFill>
+                  <a:srgbClr val="333333"/>
+                </a:solidFill>
+                <a:effectLst/>
+                <a:latin typeface="Times New Roman" panose="02020603050405020304" pitchFamily="18" charset="0"/>
+                <a:cs typeface="Times New Roman" panose="02020603050405020304" pitchFamily="18" charset="0"/>
+              </a:rPr>
+              <a:t>installing system dependencies</a:t>
+            </a:r>
+            <a:r>
+              <a:rPr lang="en-US" sz="2200" b="0" i="0" dirty="0">
+                <a:solidFill>
+                  <a:srgbClr val="333333"/>
+                </a:solidFill>
+                <a:effectLst/>
+                <a:latin typeface="Times New Roman" panose="02020603050405020304" pitchFamily="18" charset="0"/>
+                <a:cs typeface="Times New Roman" panose="02020603050405020304" pitchFamily="18" charset="0"/>
+              </a:rPr>
+              <a:t>.</a:t>
+            </a:r>
+            <a:br>
+              <a:rPr lang="en-US" sz="2200" dirty="0">
+                <a:latin typeface="Times New Roman" panose="02020603050405020304" pitchFamily="18" charset="0"/>
+                <a:cs typeface="Times New Roman" panose="02020603050405020304" pitchFamily="18" charset="0"/>
+              </a:rPr>
+            </a:br>
+            <a:r>
+              <a:rPr lang="en-US" sz="2200" dirty="0">
+                <a:latin typeface="Times New Roman" panose="02020603050405020304" pitchFamily="18" charset="0"/>
+                <a:cs typeface="Times New Roman" panose="02020603050405020304" pitchFamily="18" charset="0"/>
+              </a:rPr>
+              <a:t>      </a:t>
+            </a:r>
+            <a:r>
+              <a:rPr lang="en-US" sz="2200" dirty="0">
+                <a:latin typeface="Times New Roman" panose="02020603050405020304" pitchFamily="18" charset="0"/>
+                <a:cs typeface="Times New Roman" panose="02020603050405020304" pitchFamily="18" charset="0"/>
+                <a:hlinkClick r:id="rId3"/>
+              </a:rPr>
+              <a:t>http://wiki.ros.org/rosdep</a:t>
+            </a:r>
+            <a:br>
+              <a:rPr lang="en-US" sz="2200" dirty="0">
+                <a:latin typeface="Times New Roman" panose="02020603050405020304" pitchFamily="18" charset="0"/>
+                <a:cs typeface="Times New Roman" panose="02020603050405020304" pitchFamily="18" charset="0"/>
+              </a:rPr>
+            </a:br>
+            <a:r>
+              <a:rPr lang="en-US" sz="2200" dirty="0">
+                <a:latin typeface="Times New Roman" panose="02020603050405020304" pitchFamily="18" charset="0"/>
+                <a:cs typeface="Times New Roman" panose="02020603050405020304" pitchFamily="18" charset="0"/>
+              </a:rPr>
+              <a:t>      </a:t>
+            </a:r>
+            <a:r>
+              <a:rPr lang="en-US" sz="2200" dirty="0">
+                <a:latin typeface="Times New Roman" panose="02020603050405020304" pitchFamily="18" charset="0"/>
+                <a:cs typeface="Times New Roman" panose="02020603050405020304" pitchFamily="18" charset="0"/>
+                <a:hlinkClick r:id="rId4"/>
+              </a:rPr>
+              <a:t>http://wiki.ros.org/rosdep/Tutorials/How%20to%20add%20a%20system%20dependency</a:t>
+            </a:r>
+            <a:br>
+              <a:rPr lang="en-US" sz="2200" dirty="0">
+                <a:latin typeface="Times New Roman" panose="02020603050405020304" pitchFamily="18" charset="0"/>
+                <a:cs typeface="Times New Roman" panose="02020603050405020304" pitchFamily="18" charset="0"/>
+              </a:rPr>
+            </a:br>
+            <a:br>
+              <a:rPr lang="en-US" sz="2200" dirty="0">
+                <a:latin typeface="Times New Roman" panose="02020603050405020304" pitchFamily="18" charset="0"/>
+                <a:cs typeface="Times New Roman" panose="02020603050405020304" pitchFamily="18" charset="0"/>
+              </a:rPr>
+            </a:br>
+            <a:r>
+              <a:rPr lang="en-US" sz="2200" dirty="0">
+                <a:latin typeface="Times New Roman" panose="02020603050405020304" pitchFamily="18" charset="0"/>
+                <a:cs typeface="Times New Roman" panose="02020603050405020304" pitchFamily="18" charset="0"/>
+                <a:hlinkClick r:id="rId5"/>
+              </a:rPr>
+              <a:t>https://colcon.readthedocs.io/en/released/</a:t>
+            </a:r>
+            <a:r>
+              <a:rPr lang="en-US" sz="2200" dirty="0">
+                <a:latin typeface="Times New Roman" panose="02020603050405020304" pitchFamily="18" charset="0"/>
+                <a:cs typeface="Times New Roman" panose="02020603050405020304" pitchFamily="18" charset="0"/>
+              </a:rPr>
+              <a:t> </a:t>
+            </a:r>
+            <a:br>
+              <a:rPr lang="en-US" sz="2200" dirty="0">
+                <a:latin typeface="Times New Roman" panose="02020603050405020304" pitchFamily="18" charset="0"/>
+                <a:cs typeface="Times New Roman" panose="02020603050405020304" pitchFamily="18" charset="0"/>
+              </a:rPr>
+            </a:br>
+            <a:br>
+              <a:rPr lang="en-US" sz="2200" dirty="0">
+                <a:latin typeface="Times New Roman" panose="02020603050405020304" pitchFamily="18" charset="0"/>
+                <a:cs typeface="Times New Roman" panose="02020603050405020304" pitchFamily="18" charset="0"/>
+              </a:rPr>
+            </a:br>
+            <a:r>
+              <a:rPr lang="en-US" sz="2200" b="1" dirty="0">
+                <a:latin typeface="Times New Roman" panose="02020603050405020304" pitchFamily="18" charset="0"/>
+                <a:cs typeface="Times New Roman" panose="02020603050405020304" pitchFamily="18" charset="0"/>
+              </a:rPr>
+              <a:t>ROS 2 package and packets in workspaces</a:t>
+            </a:r>
+            <a:br>
+              <a:rPr lang="en-US" sz="2200" dirty="0">
+                <a:latin typeface="Times New Roman" panose="02020603050405020304" pitchFamily="18" charset="0"/>
+                <a:cs typeface="Times New Roman" panose="02020603050405020304" pitchFamily="18" charset="0"/>
+              </a:rPr>
+            </a:br>
+            <a:br>
+              <a:rPr lang="en-US" sz="2200" dirty="0">
+                <a:latin typeface="Times New Roman" panose="02020603050405020304" pitchFamily="18" charset="0"/>
+                <a:cs typeface="Times New Roman" panose="02020603050405020304" pitchFamily="18" charset="0"/>
+              </a:rPr>
+            </a:br>
+            <a:r>
+              <a:rPr lang="en-US" sz="2200" dirty="0">
+                <a:latin typeface="Times New Roman" panose="02020603050405020304" pitchFamily="18" charset="0"/>
+                <a:cs typeface="Times New Roman" panose="02020603050405020304" pitchFamily="18" charset="0"/>
+              </a:rPr>
+              <a:t>       </a:t>
+            </a:r>
+            <a:r>
+              <a:rPr lang="en-US" sz="2200" dirty="0">
+                <a:latin typeface="Times New Roman" panose="02020603050405020304" pitchFamily="18" charset="0"/>
+                <a:cs typeface="Times New Roman" panose="02020603050405020304" pitchFamily="18" charset="0"/>
+                <a:hlinkClick r:id="rId6"/>
+              </a:rPr>
+              <a:t>https://docs.ros.org/en/foxy/Tutorials/Creating-Your-First-ROS2-Package.html</a:t>
+            </a:r>
+            <a:br>
+              <a:rPr lang="en-US" sz="2200" dirty="0">
+                <a:latin typeface="Times New Roman" panose="02020603050405020304" pitchFamily="18" charset="0"/>
+                <a:cs typeface="Times New Roman" panose="02020603050405020304" pitchFamily="18" charset="0"/>
+              </a:rPr>
+            </a:br>
+            <a:br>
+              <a:rPr lang="en-US" sz="2200" dirty="0">
+                <a:latin typeface="Times New Roman" panose="02020603050405020304" pitchFamily="18" charset="0"/>
+                <a:cs typeface="Times New Roman" panose="02020603050405020304" pitchFamily="18" charset="0"/>
+              </a:rPr>
+            </a:br>
+            <a:r>
+              <a:rPr lang="en-US" sz="2200" b="1" dirty="0">
+                <a:latin typeface="Times New Roman" panose="02020603050405020304" pitchFamily="18" charset="0"/>
+                <a:cs typeface="Times New Roman" panose="02020603050405020304" pitchFamily="18" charset="0"/>
+              </a:rPr>
+              <a:t>Example at </a:t>
+            </a:r>
+            <a:br>
+              <a:rPr lang="en-US" sz="2200" b="1" dirty="0">
+                <a:latin typeface="Times New Roman" panose="02020603050405020304" pitchFamily="18" charset="0"/>
+                <a:cs typeface="Times New Roman" panose="02020603050405020304" pitchFamily="18" charset="0"/>
+              </a:rPr>
+            </a:br>
+            <a:r>
+              <a:rPr lang="en-US" sz="2200" b="1" dirty="0">
+                <a:latin typeface="Times New Roman" panose="02020603050405020304" pitchFamily="18" charset="0"/>
+                <a:cs typeface="Times New Roman" panose="02020603050405020304" pitchFamily="18" charset="0"/>
+              </a:rPr>
+              <a:t>	</a:t>
+            </a:r>
+            <a:r>
+              <a:rPr lang="en-US" sz="2200" dirty="0">
+                <a:latin typeface="Times New Roman" panose="02020603050405020304" pitchFamily="18" charset="0"/>
+                <a:cs typeface="Times New Roman" panose="02020603050405020304" pitchFamily="18" charset="0"/>
+                <a:hlinkClick r:id="rId7"/>
+              </a:rPr>
+              <a:t>https://docs.ros.org/en/galactic/Features.html</a:t>
+            </a:r>
+            <a:br>
+              <a:rPr lang="en-US" sz="2200" dirty="0">
+                <a:latin typeface="Times New Roman" panose="02020603050405020304" pitchFamily="18" charset="0"/>
+                <a:cs typeface="Times New Roman" panose="02020603050405020304" pitchFamily="18" charset="0"/>
+              </a:rPr>
+            </a:br>
+            <a:r>
+              <a:rPr lang="en-US" sz="2200" dirty="0">
+                <a:latin typeface="Times New Roman" panose="02020603050405020304" pitchFamily="18" charset="0"/>
+                <a:cs typeface="Times New Roman" panose="02020603050405020304" pitchFamily="18" charset="0"/>
+              </a:rPr>
+              <a:t>	</a:t>
+            </a:r>
+            <a:r>
+              <a:rPr lang="en-US" sz="2200" dirty="0">
+                <a:latin typeface="Times New Roman" panose="02020603050405020304" pitchFamily="18" charset="0"/>
+                <a:cs typeface="Times New Roman" panose="02020603050405020304" pitchFamily="18" charset="0"/>
+                <a:hlinkClick r:id="rId8"/>
+              </a:rPr>
+              <a:t>https://github.com/ros2/examples/tree/master/rclcpp</a:t>
+            </a:r>
+            <a:r>
+              <a:rPr lang="en-US" sz="2200" dirty="0">
+                <a:latin typeface="Times New Roman" panose="02020603050405020304" pitchFamily="18" charset="0"/>
+                <a:cs typeface="Times New Roman" panose="02020603050405020304" pitchFamily="18" charset="0"/>
+              </a:rPr>
+              <a:t> </a:t>
+            </a:r>
+            <a:br>
+              <a:rPr lang="en-US" sz="2200" dirty="0">
+                <a:latin typeface="Times New Roman" panose="02020603050405020304" pitchFamily="18" charset="0"/>
+                <a:cs typeface="Times New Roman" panose="02020603050405020304" pitchFamily="18" charset="0"/>
+              </a:rPr>
+            </a:br>
+            <a:r>
+              <a:rPr lang="en-US" sz="2200" dirty="0">
+                <a:latin typeface="Times New Roman" panose="02020603050405020304" pitchFamily="18" charset="0"/>
+                <a:cs typeface="Times New Roman" panose="02020603050405020304" pitchFamily="18" charset="0"/>
+              </a:rPr>
+              <a:t>	</a:t>
+            </a:r>
+            <a:r>
+              <a:rPr lang="en-US" sz="2200" dirty="0">
+                <a:latin typeface="Times New Roman" panose="02020603050405020304" pitchFamily="18" charset="0"/>
+                <a:cs typeface="Times New Roman" panose="02020603050405020304" pitchFamily="18" charset="0"/>
+                <a:hlinkClick r:id="rId9"/>
+              </a:rPr>
+              <a:t>https://roboticsbackend.com/create-a-ros2-cpp-package/</a:t>
+            </a:r>
+            <a:r>
+              <a:rPr lang="en-US" sz="2200" dirty="0">
+                <a:latin typeface="Times New Roman" panose="02020603050405020304" pitchFamily="18" charset="0"/>
+                <a:cs typeface="Times New Roman" panose="02020603050405020304" pitchFamily="18" charset="0"/>
+              </a:rPr>
+              <a:t> </a:t>
+            </a:r>
+            <a:br>
+              <a:rPr lang="en-US" sz="1600" dirty="0">
+                <a:latin typeface=".VnTime" panose="020B7200000000000000" pitchFamily="34" charset="0"/>
+              </a:rPr>
+            </a:br>
+            <a:br>
+              <a:rPr lang="en-US" sz="1600" dirty="0"/>
+            </a:br>
+            <a:br>
+              <a:rPr lang="en-US" sz="1600" dirty="0"/>
+            </a:br>
+            <a:endParaRPr lang="en-US" sz="1600" dirty="0"/>
+          </a:p>
+        </p:txBody>
+      </p:sp>
+      <p:sp>
+        <p:nvSpPr>
+          <p:cNvPr id="4" name="Title 1">
+            <a:extLst>
+              <a:ext uri="{FF2B5EF4-FFF2-40B4-BE49-F238E27FC236}">
+                <a16:creationId xmlns:a16="http://schemas.microsoft.com/office/drawing/2014/main" id="{263CF1FF-892A-41B4-9264-386751C4EE9D}"/>
+              </a:ext>
+            </a:extLst>
+          </p:cNvPr>
+          <p:cNvSpPr txBox="1">
+            <a:spLocks/>
+          </p:cNvSpPr>
+          <p:nvPr/>
+        </p:nvSpPr>
+        <p:spPr>
+          <a:xfrm>
+            <a:off x="721242" y="248167"/>
+            <a:ext cx="10515600" cy="591805"/>
+          </a:xfrm>
+          <a:prstGeom prst="rect">
+            <a:avLst/>
+          </a:prstGeom>
+        </p:spPr>
+        <p:txBody>
+          <a:bodyPr vert="horz" lIns="91440" tIns="45720" rIns="91440" bIns="45720" rtlCol="0" anchor="ctr">
+            <a:normAutofit fontScale="90000" lnSpcReduction="10000"/>
+          </a:bodyPr>
+          <a:lstStyle>
+            <a:lvl1pPr algn="l" defTabSz="914400" rtl="0" eaLnBrk="1" latinLnBrk="0" hangingPunct="1">
+              <a:lnSpc>
+                <a:spcPct val="90000"/>
+              </a:lnSpc>
+              <a:spcBef>
+                <a:spcPct val="0"/>
+              </a:spcBef>
+              <a:buNone/>
+              <a:defRPr sz="4400" kern="1200">
+                <a:solidFill>
+                  <a:schemeClr val="tx1"/>
+                </a:solidFill>
+                <a:latin typeface="+mj-lt"/>
+                <a:ea typeface="+mj-ea"/>
+                <a:cs typeface="+mj-cs"/>
+              </a:defRPr>
+            </a:lvl1pPr>
+          </a:lstStyle>
+          <a:p>
+            <a:r>
+              <a:rPr lang="en-US" dirty="0" err="1"/>
+              <a:t>rclcpp</a:t>
+            </a:r>
+            <a:endParaRPr lang="en-US" dirty="0"/>
+          </a:p>
+        </p:txBody>
+      </p:sp>
+    </p:spTree>
+    <p:extLst>
+      <p:ext uri="{BB962C8B-B14F-4D97-AF65-F5344CB8AC3E}">
+        <p14:creationId xmlns:p14="http://schemas.microsoft.com/office/powerpoint/2010/main" val="178426610"/>
+      </p:ext>
+    </p:extLst>
+  </p:cSld>
+  <p:clrMapOvr>
+    <a:masterClrMapping/>
+  </p:clrMapOvr>
+</p:sld>
+</file>
+
+<file path=ppt/slides/slide11.xml><?xml version="1.0" encoding="utf-8"?>
+<p:sld xmlns:a="http://schemas.openxmlformats.org/drawingml/2006/main" xmlns:r="http://schemas.openxmlformats.org/officeDocument/2006/relationships" xmlns:p="http://schemas.openxmlformats.org/presentationml/2006/main">
+  <p:cSld>
+    <p:spTree>
+      <p:nvGrpSpPr>
+        <p:cNvPr id="1" name=""/>
+        <p:cNvGrpSpPr/>
+        <p:nvPr/>
+      </p:nvGrpSpPr>
+      <p:grpSpPr>
+        <a:xfrm>
+          <a:off x="0" y="0"/>
+          <a:ext cx="0" cy="0"/>
+          <a:chOff x="0" y="0"/>
+          <a:chExt cx="0" cy="0"/>
+        </a:xfrm>
+      </p:grpSpPr>
+      <p:sp>
+        <p:nvSpPr>
+          <p:cNvPr id="2" name="Title 1">
+            <a:extLst>
+              <a:ext uri="{FF2B5EF4-FFF2-40B4-BE49-F238E27FC236}">
                 <a16:creationId xmlns:a16="http://schemas.microsoft.com/office/drawing/2014/main" id="{AC713B3E-D7D5-4F33-9679-482DD3C67FDE}"/>
               </a:ext>
             </a:extLst>
@@ -3811,7 +4219,7 @@
 </p:sld>
 </file>
 
-<file path=ppt/slides/slide11.xml><?xml version="1.0" encoding="utf-8"?>
+<file path=ppt/slides/slide12.xml><?xml version="1.0" encoding="utf-8"?>
 <p:sld xmlns:a="http://schemas.openxmlformats.org/drawingml/2006/main" xmlns:r="http://schemas.openxmlformats.org/officeDocument/2006/relationships" xmlns:p="http://schemas.openxmlformats.org/presentationml/2006/main">
   <p:cSld>
     <p:spTree>
@@ -3953,7 +4361,7 @@
 </p:sld>
 </file>
 
-<file path=ppt/slides/slide12.xml><?xml version="1.0" encoding="utf-8"?>
+<file path=ppt/slides/slide13.xml><?xml version="1.0" encoding="utf-8"?>
 <p:sld xmlns:a="http://schemas.openxmlformats.org/drawingml/2006/main" xmlns:r="http://schemas.openxmlformats.org/officeDocument/2006/relationships" xmlns:p="http://schemas.openxmlformats.org/presentationml/2006/main">
   <p:cSld>
     <p:spTree>
@@ -4279,7 +4687,7 @@
 </p:sld>
 </file>
 
-<file path=ppt/slides/slide13.xml><?xml version="1.0" encoding="utf-8"?>
+<file path=ppt/slides/slide14.xml><?xml version="1.0" encoding="utf-8"?>
 <p:sld xmlns:a="http://schemas.openxmlformats.org/drawingml/2006/main" xmlns:r="http://schemas.openxmlformats.org/officeDocument/2006/relationships" xmlns:p="http://schemas.openxmlformats.org/presentationml/2006/main">
   <p:cSld>
     <p:spTree>
@@ -4452,7 +4860,7 @@
 </p:sld>
 </file>
 
-<file path=ppt/slides/slide14.xml><?xml version="1.0" encoding="utf-8"?>
+<file path=ppt/slides/slide15.xml><?xml version="1.0" encoding="utf-8"?>
 <p:sld xmlns:a="http://schemas.openxmlformats.org/drawingml/2006/main" xmlns:r="http://schemas.openxmlformats.org/officeDocument/2006/relationships" xmlns:p="http://schemas.openxmlformats.org/presentationml/2006/main">
   <p:cSld>
     <p:spTree>
@@ -5119,7 +5527,7 @@
         <p:spPr>
           <a:xfrm>
             <a:off x="4541303" y="0"/>
-            <a:ext cx="7069451" cy="6138994"/>
+            <a:ext cx="5942399" cy="5160281"/>
           </a:xfrm>
           <a:prstGeom prst="rect">
             <a:avLst/>
@@ -5140,7 +5548,7 @@
         </p:nvSpPr>
         <p:spPr>
           <a:xfrm>
-            <a:off x="1184201" y="6374494"/>
+            <a:off x="1432737" y="5451571"/>
             <a:ext cx="7966444" cy="369332"/>
           </a:xfrm>
           <a:prstGeom prst="rect">
@@ -5160,10 +5568,7 @@
               </a:rPr>
               <a:t>https://www.reddit.com/r/ROS/comments/nrzk9d/ros2_basics_for_python/</a:t>
             </a:r>
-            <a:r>
-              <a:rPr lang="en-US" dirty="0"/>
-              <a:t> </a:t>
-            </a:r>
+            <a:endParaRPr lang="en-US" dirty="0"/>
           </a:p>
         </p:txBody>
       </p:sp>
@@ -5181,6 +5586,152 @@
 </file>
 
 <file path=ppt/slides/slide5.xml><?xml version="1.0" encoding="utf-8"?>
+<p:sld xmlns:a="http://schemas.openxmlformats.org/drawingml/2006/main" xmlns:r="http://schemas.openxmlformats.org/officeDocument/2006/relationships" xmlns:p="http://schemas.openxmlformats.org/presentationml/2006/main">
+  <p:cSld>
+    <p:spTree>
+      <p:nvGrpSpPr>
+        <p:cNvPr id="1" name=""/>
+        <p:cNvGrpSpPr/>
+        <p:nvPr/>
+      </p:nvGrpSpPr>
+      <p:grpSpPr>
+        <a:xfrm>
+          <a:off x="0" y="0"/>
+          <a:ext cx="0" cy="0"/>
+          <a:chOff x="0" y="0"/>
+          <a:chExt cx="0" cy="0"/>
+        </a:xfrm>
+      </p:grpSpPr>
+      <p:sp>
+        <p:nvSpPr>
+          <p:cNvPr id="2" name="AutoShape 2" descr="Understanding ROS 2 actions — ROS 2 Documentation: Foxy documentation">
+            <a:extLst>
+              <a:ext uri="{FF2B5EF4-FFF2-40B4-BE49-F238E27FC236}">
+                <a16:creationId xmlns:a16="http://schemas.microsoft.com/office/drawing/2014/main" id="{6363C0D5-242C-42F4-A40D-E78F34493C4B}"/>
+              </a:ext>
+            </a:extLst>
+          </p:cNvPr>
+          <p:cNvSpPr>
+            <a:spLocks noChangeAspect="1" noChangeArrowheads="1"/>
+          </p:cNvSpPr>
+          <p:nvPr/>
+        </p:nvSpPr>
+        <p:spPr bwMode="auto">
+          <a:xfrm>
+            <a:off x="5943600" y="3276600"/>
+            <a:ext cx="304800" cy="304800"/>
+          </a:xfrm>
+          <a:prstGeom prst="rect">
+            <a:avLst/>
+          </a:prstGeom>
+          <a:noFill/>
+          <a:extLst>
+            <a:ext uri="{909E8E84-426E-40DD-AFC4-6F175D3DCCD1}">
+              <a14:hiddenFill xmlns:a14="http://schemas.microsoft.com/office/drawing/2010/main">
+                <a:solidFill>
+                  <a:srgbClr val="FFFFFF"/>
+                </a:solidFill>
+              </a14:hiddenFill>
+            </a:ext>
+          </a:extLst>
+        </p:spPr>
+        <p:txBody>
+          <a:bodyPr vert="horz" wrap="square" lIns="91440" tIns="45720" rIns="91440" bIns="45720" numCol="1" anchor="t" anchorCtr="0" compatLnSpc="1">
+            <a:prstTxWarp prst="textNoShape">
+              <a:avLst/>
+            </a:prstTxWarp>
+          </a:bodyPr>
+          <a:lstStyle/>
+          <a:p>
+            <a:endParaRPr lang="en-US"/>
+          </a:p>
+        </p:txBody>
+      </p:sp>
+      <p:sp>
+        <p:nvSpPr>
+          <p:cNvPr id="11" name="TextBox 10">
+            <a:extLst>
+              <a:ext uri="{FF2B5EF4-FFF2-40B4-BE49-F238E27FC236}">
+                <a16:creationId xmlns:a16="http://schemas.microsoft.com/office/drawing/2014/main" id="{7AF2FCE3-A081-402D-B4BC-4C1751D8FA64}"/>
+              </a:ext>
+            </a:extLst>
+          </p:cNvPr>
+          <p:cNvSpPr txBox="1"/>
+          <p:nvPr/>
+        </p:nvSpPr>
+        <p:spPr>
+          <a:xfrm>
+            <a:off x="2773453" y="6201120"/>
+            <a:ext cx="7966444" cy="369332"/>
+          </a:xfrm>
+          <a:prstGeom prst="rect">
+            <a:avLst/>
+          </a:prstGeom>
+          <a:noFill/>
+        </p:spPr>
+        <p:txBody>
+          <a:bodyPr wrap="square">
+            <a:spAutoFit/>
+          </a:bodyPr>
+          <a:lstStyle/>
+          <a:p>
+            <a:r>
+              <a:rPr lang="en-US" dirty="0">
+                <a:hlinkClick r:id="rId2"/>
+              </a:rPr>
+              <a:t>https://www.theconstructsim.com/ros-5-mins-034-ros-action/</a:t>
+            </a:r>
+            <a:r>
+              <a:rPr lang="en-US" dirty="0"/>
+              <a:t> </a:t>
+            </a:r>
+          </a:p>
+        </p:txBody>
+      </p:sp>
+      <p:pic>
+        <p:nvPicPr>
+          <p:cNvPr id="4" name="Picture 3">
+            <a:extLst>
+              <a:ext uri="{FF2B5EF4-FFF2-40B4-BE49-F238E27FC236}">
+                <a16:creationId xmlns:a16="http://schemas.microsoft.com/office/drawing/2014/main" id="{67E73065-D2FF-41C6-80AB-6C0ED4FA39FE}"/>
+              </a:ext>
+            </a:extLst>
+          </p:cNvPr>
+          <p:cNvPicPr>
+            <a:picLocks noChangeAspect="1"/>
+          </p:cNvPicPr>
+          <p:nvPr/>
+        </p:nvPicPr>
+        <p:blipFill>
+          <a:blip r:embed="rId3"/>
+          <a:stretch>
+            <a:fillRect/>
+          </a:stretch>
+        </p:blipFill>
+        <p:spPr>
+          <a:xfrm>
+            <a:off x="1876531" y="472214"/>
+            <a:ext cx="8403766" cy="5021306"/>
+          </a:xfrm>
+          <a:prstGeom prst="rect">
+            <a:avLst/>
+          </a:prstGeom>
+        </p:spPr>
+      </p:pic>
+    </p:spTree>
+    <p:extLst>
+      <p:ext uri="{BB962C8B-B14F-4D97-AF65-F5344CB8AC3E}">
+        <p14:creationId xmlns:p14="http://schemas.microsoft.com/office/powerpoint/2010/main" val="1066122851"/>
+      </p:ext>
+    </p:extLst>
+  </p:cSld>
+  <p:clrMapOvr>
+    <a:masterClrMapping/>
+  </p:clrMapOvr>
+</p:sld>
+</file>
+
+<file path=ppt/slides/slide6.xml><?xml version="1.0" encoding="utf-8"?>
 <p:sld xmlns:a="http://schemas.openxmlformats.org/drawingml/2006/main" xmlns:r="http://schemas.openxmlformats.org/officeDocument/2006/relationships" xmlns:p="http://schemas.openxmlformats.org/presentationml/2006/main">
   <p:cSld>
     <p:spTree>
@@ -5632,7 +6183,7 @@
 </p:sld>
 </file>
 
-<file path=ppt/slides/slide6.xml><?xml version="1.0" encoding="utf-8"?>
+<file path=ppt/slides/slide7.xml><?xml version="1.0" encoding="utf-8"?>
 <p:sld xmlns:a="http://schemas.openxmlformats.org/drawingml/2006/main" xmlns:r="http://schemas.openxmlformats.org/officeDocument/2006/relationships" xmlns:p="http://schemas.openxmlformats.org/presentationml/2006/main">
   <p:cSld>
     <p:spTree>
@@ -5786,7 +6337,7 @@
 </p:sld>
 </file>
 
-<file path=ppt/slides/slide7.xml><?xml version="1.0" encoding="utf-8"?>
+<file path=ppt/slides/slide8.xml><?xml version="1.0" encoding="utf-8"?>
 <p:sld xmlns:a="http://schemas.openxmlformats.org/drawingml/2006/main" xmlns:r="http://schemas.openxmlformats.org/officeDocument/2006/relationships" xmlns:p="http://schemas.openxmlformats.org/presentationml/2006/main">
   <p:cSld>
     <p:spTree>
@@ -5887,119 +6438,6 @@
 </p:sld>
 </file>
 
-<file path=ppt/slides/slide8.xml><?xml version="1.0" encoding="utf-8"?>
-<p:sld xmlns:a="http://schemas.openxmlformats.org/drawingml/2006/main" xmlns:r="http://schemas.openxmlformats.org/officeDocument/2006/relationships" xmlns:p="http://schemas.openxmlformats.org/presentationml/2006/main">
-  <p:cSld>
-    <p:spTree>
-      <p:nvGrpSpPr>
-        <p:cNvPr id="1" name=""/>
-        <p:cNvGrpSpPr/>
-        <p:nvPr/>
-      </p:nvGrpSpPr>
-      <p:grpSpPr>
-        <a:xfrm>
-          <a:off x="0" y="0"/>
-          <a:ext cx="0" cy="0"/>
-          <a:chOff x="0" y="0"/>
-          <a:chExt cx="0" cy="0"/>
-        </a:xfrm>
-      </p:grpSpPr>
-      <p:sp>
-        <p:nvSpPr>
-          <p:cNvPr id="2" name="Title 1">
-            <a:extLst>
-              <a:ext uri="{FF2B5EF4-FFF2-40B4-BE49-F238E27FC236}">
-                <a16:creationId xmlns:a16="http://schemas.microsoft.com/office/drawing/2014/main" id="{6220992B-E5C1-487B-B7D8-224826037B92}"/>
-              </a:ext>
-            </a:extLst>
-          </p:cNvPr>
-          <p:cNvSpPr>
-            <a:spLocks noGrp="1"/>
-          </p:cNvSpPr>
-          <p:nvPr>
-            <p:ph type="title"/>
-          </p:nvPr>
-        </p:nvSpPr>
-        <p:spPr>
-          <a:xfrm>
-            <a:off x="721242" y="248167"/>
-            <a:ext cx="10515600" cy="591805"/>
-          </a:xfrm>
-        </p:spPr>
-        <p:txBody>
-          <a:bodyPr>
-            <a:normAutofit fontScale="90000"/>
-          </a:bodyPr>
-          <a:lstStyle/>
-          <a:p>
-            <a:r>
-              <a:rPr lang="en-US" dirty="0" err="1"/>
-              <a:t>rclcpp</a:t>
-            </a:r>
-            <a:endParaRPr lang="en-US" dirty="0"/>
-          </a:p>
-        </p:txBody>
-      </p:sp>
-      <p:sp>
-        <p:nvSpPr>
-          <p:cNvPr id="3" name="Content Placeholder 2">
-            <a:extLst>
-              <a:ext uri="{FF2B5EF4-FFF2-40B4-BE49-F238E27FC236}">
-                <a16:creationId xmlns:a16="http://schemas.microsoft.com/office/drawing/2014/main" id="{6474F1FB-5C8A-45FF-99E0-BFC41ED09A2C}"/>
-              </a:ext>
-            </a:extLst>
-          </p:cNvPr>
-          <p:cNvSpPr>
-            <a:spLocks noGrp="1"/>
-          </p:cNvSpPr>
-          <p:nvPr>
-            <p:ph idx="1"/>
-          </p:nvPr>
-        </p:nvSpPr>
-        <p:spPr>
-          <a:xfrm>
-            <a:off x="533992" y="947801"/>
-            <a:ext cx="10515600" cy="4351338"/>
-          </a:xfrm>
-        </p:spPr>
-        <p:txBody>
-          <a:bodyPr/>
-          <a:lstStyle/>
-          <a:p>
-            <a:r>
-              <a:rPr lang="en-US" dirty="0"/>
-              <a:t>ros2 node list </a:t>
-            </a:r>
-          </a:p>
-          <a:p>
-            <a:r>
-              <a:rPr lang="en-US" dirty="0"/>
-              <a:t>ros2 node info &lt;</a:t>
-            </a:r>
-            <a:r>
-              <a:rPr lang="en-US" dirty="0" err="1"/>
-              <a:t>node_name</a:t>
-            </a:r>
-            <a:r>
-              <a:rPr lang="en-US" dirty="0"/>
-              <a:t>&gt; </a:t>
-            </a:r>
-          </a:p>
-        </p:txBody>
-      </p:sp>
-    </p:spTree>
-    <p:extLst>
-      <p:ext uri="{BB962C8B-B14F-4D97-AF65-F5344CB8AC3E}">
-        <p14:creationId xmlns:p14="http://schemas.microsoft.com/office/powerpoint/2010/main" val="1273957954"/>
-      </p:ext>
-    </p:extLst>
-  </p:cSld>
-  <p:clrMapOvr>
-    <a:masterClrMapping/>
-  </p:clrMapOvr>
-</p:sld>
-</file>
-
 <file path=ppt/slides/slide9.xml><?xml version="1.0" encoding="utf-8"?>
 <p:sld xmlns:a="http://schemas.openxmlformats.org/drawingml/2006/main" xmlns:r="http://schemas.openxmlformats.org/officeDocument/2006/relationships" xmlns:p="http://schemas.openxmlformats.org/presentationml/2006/main">
   <p:cSld>
@@ -6022,7 +6460,7 @@
           <p:cNvPr id="2" name="Title 1">
             <a:extLst>
               <a:ext uri="{FF2B5EF4-FFF2-40B4-BE49-F238E27FC236}">
-                <a16:creationId xmlns:a16="http://schemas.microsoft.com/office/drawing/2014/main" id="{D1BAF1D0-A268-4741-8602-2C063B55C7D2}"/>
+                <a16:creationId xmlns:a16="http://schemas.microsoft.com/office/drawing/2014/main" id="{6220992B-E5C1-487B-B7D8-224826037B92}"/>
               </a:ext>
             </a:extLst>
           </p:cNvPr>
@@ -6032,372 +6470,78 @@
           <p:nvPr>
             <p:ph type="title"/>
           </p:nvPr>
-        </p:nvSpPr>
-        <p:spPr>
-          <a:xfrm>
-            <a:off x="423530" y="1482435"/>
-            <a:ext cx="10515600" cy="5127397"/>
-          </a:xfrm>
-        </p:spPr>
-        <p:txBody>
-          <a:bodyPr>
-            <a:normAutofit fontScale="90000"/>
-          </a:bodyPr>
-          <a:lstStyle/>
-          <a:p>
-            <a:r>
-              <a:rPr lang="en-US" sz="2700" dirty="0"/>
-              <a:t>How to create an example </a:t>
-            </a:r>
-            <a:br>
-              <a:rPr lang="en-US" sz="2700" dirty="0">
-                <a:hlinkClick r:id="rId2"/>
-              </a:rPr>
-            </a:br>
-            <a:br>
-              <a:rPr lang="en-US" sz="1600" dirty="0">
-                <a:latin typeface=".VnTime" panose="020B7200000000000000" pitchFamily="34" charset="0"/>
-                <a:hlinkClick r:id="rId2"/>
-              </a:rPr>
-            </a:br>
-            <a:r>
-              <a:rPr lang="en-US" sz="2200" dirty="0">
-                <a:latin typeface="Times New Roman" panose="02020603050405020304" pitchFamily="18" charset="0"/>
-                <a:cs typeface="Times New Roman" panose="02020603050405020304" pitchFamily="18" charset="0"/>
-                <a:hlinkClick r:id="rId2"/>
-              </a:rPr>
-              <a:t>https://docs.ros.org/en/galactic/Tutorials/Writing-A-Simple-Cpp-Service-And-Client.html</a:t>
-            </a:r>
-            <a:br>
-              <a:rPr lang="en-US" sz="2200" dirty="0">
-                <a:latin typeface="Times New Roman" panose="02020603050405020304" pitchFamily="18" charset="0"/>
-                <a:cs typeface="Times New Roman" panose="02020603050405020304" pitchFamily="18" charset="0"/>
-              </a:rPr>
-            </a:br>
-            <a:br>
-              <a:rPr lang="en-US" sz="2200" dirty="0">
-                <a:latin typeface="Times New Roman" panose="02020603050405020304" pitchFamily="18" charset="0"/>
-                <a:cs typeface="Times New Roman" panose="02020603050405020304" pitchFamily="18" charset="0"/>
-              </a:rPr>
-            </a:br>
-            <a:r>
-              <a:rPr lang="en-US" sz="2200" b="0" i="0" dirty="0">
-                <a:solidFill>
-                  <a:srgbClr val="333333"/>
-                </a:solidFill>
-                <a:effectLst/>
-                <a:latin typeface="Times New Roman" panose="02020603050405020304" pitchFamily="18" charset="0"/>
-                <a:cs typeface="Times New Roman" panose="02020603050405020304" pitchFamily="18" charset="0"/>
-              </a:rPr>
-              <a:t> </a:t>
-            </a:r>
-            <a:r>
-              <a:rPr lang="en-US" sz="2200" b="1" i="0" dirty="0">
-                <a:solidFill>
-                  <a:srgbClr val="333333"/>
-                </a:solidFill>
-                <a:effectLst/>
-                <a:latin typeface="Times New Roman" panose="02020603050405020304" pitchFamily="18" charset="0"/>
-                <a:cs typeface="Times New Roman" panose="02020603050405020304" pitchFamily="18" charset="0"/>
-              </a:rPr>
-              <a:t>installing system dependencies</a:t>
-            </a:r>
-            <a:r>
-              <a:rPr lang="en-US" sz="2200" b="0" i="0" dirty="0">
-                <a:solidFill>
-                  <a:srgbClr val="333333"/>
-                </a:solidFill>
-                <a:effectLst/>
-                <a:latin typeface="Times New Roman" panose="02020603050405020304" pitchFamily="18" charset="0"/>
-                <a:cs typeface="Times New Roman" panose="02020603050405020304" pitchFamily="18" charset="0"/>
-              </a:rPr>
-              <a:t>.</a:t>
-            </a:r>
-            <a:br>
-              <a:rPr lang="en-US" sz="2200" dirty="0">
-                <a:latin typeface="Times New Roman" panose="02020603050405020304" pitchFamily="18" charset="0"/>
-                <a:cs typeface="Times New Roman" panose="02020603050405020304" pitchFamily="18" charset="0"/>
-              </a:rPr>
-            </a:br>
-            <a:r>
-              <a:rPr lang="en-US" sz="2200" dirty="0">
-                <a:latin typeface="Times New Roman" panose="02020603050405020304" pitchFamily="18" charset="0"/>
-                <a:cs typeface="Times New Roman" panose="02020603050405020304" pitchFamily="18" charset="0"/>
-              </a:rPr>
-              <a:t>      </a:t>
-            </a:r>
-            <a:r>
-              <a:rPr lang="en-US" sz="2200" dirty="0">
-                <a:latin typeface="Times New Roman" panose="02020603050405020304" pitchFamily="18" charset="0"/>
-                <a:cs typeface="Times New Roman" panose="02020603050405020304" pitchFamily="18" charset="0"/>
-                <a:hlinkClick r:id="rId3"/>
-              </a:rPr>
-              <a:t>http://wiki.ros.org/rosdep</a:t>
-            </a:r>
-            <a:br>
-              <a:rPr lang="en-US" sz="2200" dirty="0">
-                <a:latin typeface="Times New Roman" panose="02020603050405020304" pitchFamily="18" charset="0"/>
-                <a:cs typeface="Times New Roman" panose="02020603050405020304" pitchFamily="18" charset="0"/>
-              </a:rPr>
-            </a:br>
-            <a:r>
-              <a:rPr lang="en-US" sz="2200" dirty="0">
-                <a:latin typeface="Times New Roman" panose="02020603050405020304" pitchFamily="18" charset="0"/>
-                <a:cs typeface="Times New Roman" panose="02020603050405020304" pitchFamily="18" charset="0"/>
-              </a:rPr>
-              <a:t>      </a:t>
-            </a:r>
-            <a:r>
-              <a:rPr lang="en-US" sz="2200" dirty="0">
-                <a:latin typeface="Times New Roman" panose="02020603050405020304" pitchFamily="18" charset="0"/>
-                <a:cs typeface="Times New Roman" panose="02020603050405020304" pitchFamily="18" charset="0"/>
-                <a:hlinkClick r:id="rId4"/>
-              </a:rPr>
-              <a:t>http://wiki.ros.org/rosdep/Tutorials/How%20to%20add%20a%20system%20dependency</a:t>
-            </a:r>
-            <a:br>
-              <a:rPr lang="en-US" sz="2200" dirty="0">
-                <a:latin typeface="Times New Roman" panose="02020603050405020304" pitchFamily="18" charset="0"/>
-                <a:cs typeface="Times New Roman" panose="02020603050405020304" pitchFamily="18" charset="0"/>
-              </a:rPr>
-            </a:br>
-            <a:br>
-              <a:rPr lang="en-US" sz="2200" dirty="0">
-                <a:latin typeface="Times New Roman" panose="02020603050405020304" pitchFamily="18" charset="0"/>
-                <a:cs typeface="Times New Roman" panose="02020603050405020304" pitchFamily="18" charset="0"/>
-              </a:rPr>
-            </a:br>
-            <a:r>
-              <a:rPr lang="en-US" sz="2200" dirty="0">
-                <a:latin typeface="Times New Roman" panose="02020603050405020304" pitchFamily="18" charset="0"/>
-                <a:cs typeface="Times New Roman" panose="02020603050405020304" pitchFamily="18" charset="0"/>
-                <a:hlinkClick r:id="rId5"/>
-              </a:rPr>
-              <a:t>https://colcon.readthedocs.io/en/released/</a:t>
-            </a:r>
-            <a:r>
-              <a:rPr lang="en-US" sz="2200" dirty="0">
-                <a:latin typeface="Times New Roman" panose="02020603050405020304" pitchFamily="18" charset="0"/>
-                <a:cs typeface="Times New Roman" panose="02020603050405020304" pitchFamily="18" charset="0"/>
-              </a:rPr>
-              <a:t> </a:t>
-            </a:r>
-            <a:br>
-              <a:rPr lang="en-US" sz="2200" dirty="0">
-                <a:latin typeface="Times New Roman" panose="02020603050405020304" pitchFamily="18" charset="0"/>
-                <a:cs typeface="Times New Roman" panose="02020603050405020304" pitchFamily="18" charset="0"/>
-              </a:rPr>
-            </a:br>
-            <a:br>
-              <a:rPr lang="en-US" sz="2200" dirty="0">
-                <a:latin typeface="Times New Roman" panose="02020603050405020304" pitchFamily="18" charset="0"/>
-                <a:cs typeface="Times New Roman" panose="02020603050405020304" pitchFamily="18" charset="0"/>
-              </a:rPr>
-            </a:br>
-            <a:r>
-              <a:rPr lang="en-US" sz="2200" b="1" dirty="0">
-                <a:latin typeface="Times New Roman" panose="02020603050405020304" pitchFamily="18" charset="0"/>
-                <a:cs typeface="Times New Roman" panose="02020603050405020304" pitchFamily="18" charset="0"/>
-              </a:rPr>
-              <a:t>ROS 2 package and packets in workspaces</a:t>
-            </a:r>
-            <a:br>
-              <a:rPr lang="en-US" sz="2200" dirty="0">
-                <a:latin typeface="Times New Roman" panose="02020603050405020304" pitchFamily="18" charset="0"/>
-                <a:cs typeface="Times New Roman" panose="02020603050405020304" pitchFamily="18" charset="0"/>
-              </a:rPr>
-            </a:br>
-            <a:br>
-              <a:rPr lang="en-US" sz="2200" dirty="0">
-                <a:latin typeface="Times New Roman" panose="02020603050405020304" pitchFamily="18" charset="0"/>
-                <a:cs typeface="Times New Roman" panose="02020603050405020304" pitchFamily="18" charset="0"/>
-              </a:rPr>
-            </a:br>
-            <a:r>
-              <a:rPr lang="en-US" sz="2200" dirty="0">
-                <a:latin typeface="Times New Roman" panose="02020603050405020304" pitchFamily="18" charset="0"/>
-                <a:cs typeface="Times New Roman" panose="02020603050405020304" pitchFamily="18" charset="0"/>
-              </a:rPr>
-              <a:t>       </a:t>
-            </a:r>
-            <a:r>
-              <a:rPr lang="en-US" sz="2200" dirty="0">
-                <a:latin typeface="Times New Roman" panose="02020603050405020304" pitchFamily="18" charset="0"/>
-                <a:cs typeface="Times New Roman" panose="02020603050405020304" pitchFamily="18" charset="0"/>
-                <a:hlinkClick r:id="rId6"/>
-              </a:rPr>
-              <a:t>https://docs.ros.org/en/foxy/Tutorials/Creating-Your-First-ROS2-Package.html</a:t>
-            </a:r>
-            <a:br>
-              <a:rPr lang="en-US" sz="2200" dirty="0">
-                <a:latin typeface="Times New Roman" panose="02020603050405020304" pitchFamily="18" charset="0"/>
-                <a:cs typeface="Times New Roman" panose="02020603050405020304" pitchFamily="18" charset="0"/>
-              </a:rPr>
-            </a:br>
-            <a:br>
-              <a:rPr lang="en-US" sz="2200" dirty="0">
-                <a:latin typeface="Times New Roman" panose="02020603050405020304" pitchFamily="18" charset="0"/>
-                <a:cs typeface="Times New Roman" panose="02020603050405020304" pitchFamily="18" charset="0"/>
-              </a:rPr>
-            </a:br>
-            <a:r>
-              <a:rPr lang="en-US" sz="2200" b="1" dirty="0">
-                <a:latin typeface="Times New Roman" panose="02020603050405020304" pitchFamily="18" charset="0"/>
-                <a:cs typeface="Times New Roman" panose="02020603050405020304" pitchFamily="18" charset="0"/>
-              </a:rPr>
-              <a:t>Example at </a:t>
-            </a:r>
-            <a:br>
-              <a:rPr lang="en-US" sz="2200" b="1" dirty="0">
-                <a:latin typeface="Times New Roman" panose="02020603050405020304" pitchFamily="18" charset="0"/>
-                <a:cs typeface="Times New Roman" panose="02020603050405020304" pitchFamily="18" charset="0"/>
-              </a:rPr>
-            </a:br>
-            <a:r>
-              <a:rPr lang="en-US" sz="2200" b="1" dirty="0">
-                <a:latin typeface="Times New Roman" panose="02020603050405020304" pitchFamily="18" charset="0"/>
-                <a:cs typeface="Times New Roman" panose="02020603050405020304" pitchFamily="18" charset="0"/>
-              </a:rPr>
-              <a:t>	</a:t>
-            </a:r>
-            <a:r>
-              <a:rPr lang="en-US" sz="2200" dirty="0">
-                <a:latin typeface="Times New Roman" panose="02020603050405020304" pitchFamily="18" charset="0"/>
-                <a:cs typeface="Times New Roman" panose="02020603050405020304" pitchFamily="18" charset="0"/>
-                <a:hlinkClick r:id="rId7"/>
-              </a:rPr>
-              <a:t>https://docs.ros.org/en/galactic/Features.html</a:t>
-            </a:r>
-            <a:br>
-              <a:rPr lang="en-US" sz="2200" dirty="0">
-                <a:latin typeface="Times New Roman" panose="02020603050405020304" pitchFamily="18" charset="0"/>
-                <a:cs typeface="Times New Roman" panose="02020603050405020304" pitchFamily="18" charset="0"/>
-              </a:rPr>
-            </a:br>
-            <a:r>
-              <a:rPr lang="en-US" sz="2200" dirty="0">
-                <a:latin typeface="Times New Roman" panose="02020603050405020304" pitchFamily="18" charset="0"/>
-                <a:cs typeface="Times New Roman" panose="02020603050405020304" pitchFamily="18" charset="0"/>
-              </a:rPr>
-              <a:t>	</a:t>
-            </a:r>
-            <a:r>
-              <a:rPr lang="en-US" sz="2200" dirty="0">
-                <a:latin typeface="Times New Roman" panose="02020603050405020304" pitchFamily="18" charset="0"/>
-                <a:cs typeface="Times New Roman" panose="02020603050405020304" pitchFamily="18" charset="0"/>
-                <a:hlinkClick r:id="rId8"/>
-              </a:rPr>
-              <a:t>https://github.com/ros2/examples/tree/master/rclcpp</a:t>
-            </a:r>
-            <a:r>
-              <a:rPr lang="en-US" sz="2200" dirty="0">
-                <a:latin typeface="Times New Roman" panose="02020603050405020304" pitchFamily="18" charset="0"/>
-                <a:cs typeface="Times New Roman" panose="02020603050405020304" pitchFamily="18" charset="0"/>
-              </a:rPr>
-              <a:t> </a:t>
-            </a:r>
-            <a:br>
-              <a:rPr lang="en-US" sz="2200" dirty="0">
-                <a:latin typeface="Times New Roman" panose="02020603050405020304" pitchFamily="18" charset="0"/>
-                <a:cs typeface="Times New Roman" panose="02020603050405020304" pitchFamily="18" charset="0"/>
-              </a:rPr>
-            </a:br>
-            <a:r>
-              <a:rPr lang="en-US" sz="2200" dirty="0">
-                <a:latin typeface="Times New Roman" panose="02020603050405020304" pitchFamily="18" charset="0"/>
-                <a:cs typeface="Times New Roman" panose="02020603050405020304" pitchFamily="18" charset="0"/>
-              </a:rPr>
-              <a:t>	</a:t>
-            </a:r>
-            <a:r>
-              <a:rPr lang="en-US" sz="2200" dirty="0">
-                <a:latin typeface="Times New Roman" panose="02020603050405020304" pitchFamily="18" charset="0"/>
-                <a:cs typeface="Times New Roman" panose="02020603050405020304" pitchFamily="18" charset="0"/>
-                <a:hlinkClick r:id="rId9"/>
-              </a:rPr>
-              <a:t>https://roboticsbackend.com/create-a-ros2-cpp-package/</a:t>
-            </a:r>
-            <a:r>
-              <a:rPr lang="en-US" sz="2200" dirty="0">
-                <a:latin typeface="Times New Roman" panose="02020603050405020304" pitchFamily="18" charset="0"/>
-                <a:cs typeface="Times New Roman" panose="02020603050405020304" pitchFamily="18" charset="0"/>
-              </a:rPr>
-              <a:t> </a:t>
-            </a:r>
-            <a:br>
-              <a:rPr lang="en-US" sz="1600" dirty="0">
-                <a:latin typeface=".VnTime" panose="020B7200000000000000" pitchFamily="34" charset="0"/>
-              </a:rPr>
-            </a:br>
-            <a:br>
-              <a:rPr lang="en-US" sz="1600" dirty="0"/>
-            </a:br>
-            <a:br>
-              <a:rPr lang="en-US" sz="1600" dirty="0"/>
-            </a:br>
-            <a:endParaRPr lang="en-US" sz="1600" dirty="0"/>
-          </a:p>
-        </p:txBody>
-      </p:sp>
-      <p:sp>
-        <p:nvSpPr>
-          <p:cNvPr id="4" name="Title 1">
-            <a:extLst>
-              <a:ext uri="{FF2B5EF4-FFF2-40B4-BE49-F238E27FC236}">
-                <a16:creationId xmlns:a16="http://schemas.microsoft.com/office/drawing/2014/main" id="{263CF1FF-892A-41B4-9264-386751C4EE9D}"/>
-              </a:ext>
-            </a:extLst>
-          </p:cNvPr>
-          <p:cNvSpPr txBox="1">
-            <a:spLocks/>
-          </p:cNvSpPr>
-          <p:nvPr/>
         </p:nvSpPr>
         <p:spPr>
           <a:xfrm>
             <a:off x="721242" y="248167"/>
             <a:ext cx="10515600" cy="591805"/>
           </a:xfrm>
-          <a:prstGeom prst="rect">
-            <a:avLst/>
-          </a:prstGeom>
         </p:spPr>
         <p:txBody>
-          <a:bodyPr vert="horz" lIns="91440" tIns="45720" rIns="91440" bIns="45720" rtlCol="0" anchor="ctr">
-            <a:normAutofit fontScale="90000" lnSpcReduction="10000"/>
+          <a:bodyPr>
+            <a:normAutofit fontScale="90000"/>
           </a:bodyPr>
-          <a:lstStyle>
-            <a:lvl1pPr algn="l" defTabSz="914400" rtl="0" eaLnBrk="1" latinLnBrk="0" hangingPunct="1">
-              <a:lnSpc>
-                <a:spcPct val="90000"/>
-              </a:lnSpc>
-              <a:spcBef>
-                <a:spcPct val="0"/>
-              </a:spcBef>
-              <a:buNone/>
-              <a:defRPr sz="4400" kern="1200">
-                <a:solidFill>
-                  <a:schemeClr val="tx1"/>
-                </a:solidFill>
-                <a:latin typeface="+mj-lt"/>
-                <a:ea typeface="+mj-ea"/>
-                <a:cs typeface="+mj-cs"/>
-              </a:defRPr>
-            </a:lvl1pPr>
-          </a:lstStyle>
+          <a:lstStyle/>
           <a:p>
             <a:r>
               <a:rPr lang="en-US" dirty="0" err="1"/>
               <a:t>rclcpp</a:t>
             </a:r>
             <a:endParaRPr lang="en-US" dirty="0"/>
+          </a:p>
+        </p:txBody>
+      </p:sp>
+      <p:sp>
+        <p:nvSpPr>
+          <p:cNvPr id="3" name="Content Placeholder 2">
+            <a:extLst>
+              <a:ext uri="{FF2B5EF4-FFF2-40B4-BE49-F238E27FC236}">
+                <a16:creationId xmlns:a16="http://schemas.microsoft.com/office/drawing/2014/main" id="{6474F1FB-5C8A-45FF-99E0-BFC41ED09A2C}"/>
+              </a:ext>
+            </a:extLst>
+          </p:cNvPr>
+          <p:cNvSpPr>
+            <a:spLocks noGrp="1"/>
+          </p:cNvSpPr>
+          <p:nvPr>
+            <p:ph idx="1"/>
+          </p:nvPr>
+        </p:nvSpPr>
+        <p:spPr>
+          <a:xfrm>
+            <a:off x="533992" y="947801"/>
+            <a:ext cx="10515600" cy="4351338"/>
+          </a:xfrm>
+        </p:spPr>
+        <p:txBody>
+          <a:bodyPr/>
+          <a:lstStyle/>
+          <a:p>
+            <a:r>
+              <a:rPr lang="en-US" dirty="0"/>
+              <a:t>ros2 node list </a:t>
+            </a:r>
+          </a:p>
+          <a:p>
+            <a:r>
+              <a:rPr lang="en-US" dirty="0"/>
+              <a:t>ros2 node info &lt;</a:t>
+            </a:r>
+            <a:r>
+              <a:rPr lang="en-US" dirty="0" err="1"/>
+              <a:t>node_name</a:t>
+            </a:r>
+            <a:r>
+              <a:rPr lang="en-US" dirty="0"/>
+              <a:t>&gt; </a:t>
+            </a:r>
           </a:p>
         </p:txBody>
       </p:sp>
     </p:spTree>
     <p:extLst>
       <p:ext uri="{BB962C8B-B14F-4D97-AF65-F5344CB8AC3E}">
-        <p14:creationId xmlns:p14="http://schemas.microsoft.com/office/powerpoint/2010/main" val="178426610"/>
+        <p14:creationId xmlns:p14="http://schemas.microsoft.com/office/powerpoint/2010/main" val="1273957954"/>
       </p:ext>
     </p:extLst>
   </p:cSld>

--- a/ros2.pptx
+++ b/ros2.pptx
@@ -5193,7 +5193,7 @@
         <p:spPr>
           <a:xfrm>
             <a:off x="1432737" y="660622"/>
-            <a:ext cx="3734686" cy="1754326"/>
+            <a:ext cx="7158370" cy="1754326"/>
           </a:xfrm>
           <a:prstGeom prst="rect">
             <a:avLst/>
@@ -5209,6 +5209,16 @@
             <a:r>
               <a:rPr lang="en-US" b="1" dirty="0"/>
               <a:t>Nodes </a:t>
+            </a:r>
+            <a:r>
+              <a:rPr lang="en-US" b="1" dirty="0">
+                <a:hlinkClick r:id="rId2"/>
+              </a:rPr>
+              <a:t>https://github.com/ros2/examples/tree/master/rclcpp/</a:t>
+            </a:r>
+            <a:r>
+              <a:rPr lang="en-US" b="1" dirty="0"/>
+              <a:t> </a:t>
             </a:r>
           </a:p>
           <a:p>
@@ -5297,7 +5307,7 @@
           <p:nvPr/>
         </p:nvPicPr>
         <p:blipFill>
-          <a:blip r:embed="rId2">
+          <a:blip r:embed="rId3">
             <a:extLst>
               <a:ext uri="{28A0092B-C50C-407E-A947-70E740481C1C}">
                 <a14:useLocalDpi xmlns:a14="http://schemas.microsoft.com/office/drawing/2010/main" val="0"/>
@@ -5359,7 +5369,7 @@
           <a:p>
             <a:r>
               <a:rPr lang="en-US" dirty="0">
-                <a:hlinkClick r:id="rId3"/>
+                <a:hlinkClick r:id="rId4"/>
               </a:rPr>
               <a:t>https://docs.ros.org/en/foxy/Tutorials/Understanding-ROS2-Actions.html</a:t>
             </a:r>

--- a/ros2.pptx
+++ b/ros2.pptx
@@ -5425,7 +5425,7 @@
         <p:spPr>
           <a:xfrm>
             <a:off x="1432737" y="660622"/>
-            <a:ext cx="3734686" cy="1754326"/>
+            <a:ext cx="2331189" cy="1754326"/>
           </a:xfrm>
           <a:prstGeom prst="rect">
             <a:avLst/>

--- a/ros2.pptx
+++ b/ros2.pptx
@@ -7,19 +7,20 @@
   <p:sldIdLst>
     <p:sldId id="256" r:id="rId2"/>
     <p:sldId id="257" r:id="rId3"/>
-    <p:sldId id="260" r:id="rId4"/>
-    <p:sldId id="269" r:id="rId5"/>
-    <p:sldId id="270" r:id="rId6"/>
-    <p:sldId id="258" r:id="rId7"/>
-    <p:sldId id="259" r:id="rId8"/>
-    <p:sldId id="262" r:id="rId9"/>
-    <p:sldId id="261" r:id="rId10"/>
-    <p:sldId id="263" r:id="rId11"/>
-    <p:sldId id="264" r:id="rId12"/>
-    <p:sldId id="265" r:id="rId13"/>
-    <p:sldId id="266" r:id="rId14"/>
-    <p:sldId id="267" r:id="rId15"/>
-    <p:sldId id="268" r:id="rId16"/>
+    <p:sldId id="271" r:id="rId4"/>
+    <p:sldId id="260" r:id="rId5"/>
+    <p:sldId id="269" r:id="rId6"/>
+    <p:sldId id="270" r:id="rId7"/>
+    <p:sldId id="258" r:id="rId8"/>
+    <p:sldId id="259" r:id="rId9"/>
+    <p:sldId id="262" r:id="rId10"/>
+    <p:sldId id="261" r:id="rId11"/>
+    <p:sldId id="263" r:id="rId12"/>
+    <p:sldId id="264" r:id="rId13"/>
+    <p:sldId id="265" r:id="rId14"/>
+    <p:sldId id="266" r:id="rId15"/>
+    <p:sldId id="267" r:id="rId16"/>
+    <p:sldId id="268" r:id="rId17"/>
   </p:sldIdLst>
   <p:sldSz cx="12192000" cy="6858000"/>
   <p:notesSz cx="6858000" cy="9144000"/>
@@ -3695,7 +3696,7 @@
           <p:cNvPr id="2" name="Title 1">
             <a:extLst>
               <a:ext uri="{FF2B5EF4-FFF2-40B4-BE49-F238E27FC236}">
-                <a16:creationId xmlns:a16="http://schemas.microsoft.com/office/drawing/2014/main" id="{D1BAF1D0-A268-4741-8602-2C063B55C7D2}"/>
+                <a16:creationId xmlns:a16="http://schemas.microsoft.com/office/drawing/2014/main" id="{6220992B-E5C1-487B-B7D8-224826037B92}"/>
               </a:ext>
             </a:extLst>
           </p:cNvPr>
@@ -3708,8 +3709,8 @@
         </p:nvSpPr>
         <p:spPr>
           <a:xfrm>
-            <a:off x="423530" y="1482435"/>
-            <a:ext cx="10515600" cy="5127397"/>
+            <a:off x="721242" y="248167"/>
+            <a:ext cx="10515600" cy="591805"/>
           </a:xfrm>
         </p:spPr>
         <p:txBody>
@@ -3719,358 +3720,64 @@
           <a:lstStyle/>
           <a:p>
             <a:r>
-              <a:rPr lang="en-US" sz="2700" dirty="0"/>
-              <a:t>How to create an example </a:t>
-            </a:r>
-            <a:br>
-              <a:rPr lang="en-US" sz="2700" dirty="0">
-                <a:hlinkClick r:id="rId2"/>
-              </a:rPr>
-            </a:br>
-            <a:br>
-              <a:rPr lang="en-US" sz="1600" dirty="0">
-                <a:latin typeface=".VnTime" panose="020B7200000000000000" pitchFamily="34" charset="0"/>
-                <a:hlinkClick r:id="rId2"/>
-              </a:rPr>
-            </a:br>
-            <a:r>
-              <a:rPr lang="en-US" sz="2200" dirty="0">
-                <a:latin typeface="Times New Roman" panose="02020603050405020304" pitchFamily="18" charset="0"/>
-                <a:cs typeface="Times New Roman" panose="02020603050405020304" pitchFamily="18" charset="0"/>
-                <a:hlinkClick r:id="rId2"/>
-              </a:rPr>
-              <a:t>https://docs.ros.org/en/galactic/Tutorials/Writing-A-Simple-Cpp-Service-And-Client.html</a:t>
-            </a:r>
-            <a:br>
-              <a:rPr lang="en-US" sz="2200" dirty="0">
-                <a:latin typeface="Times New Roman" panose="02020603050405020304" pitchFamily="18" charset="0"/>
-                <a:cs typeface="Times New Roman" panose="02020603050405020304" pitchFamily="18" charset="0"/>
-              </a:rPr>
-            </a:br>
-            <a:br>
-              <a:rPr lang="en-US" sz="2200" dirty="0">
-                <a:latin typeface="Times New Roman" panose="02020603050405020304" pitchFamily="18" charset="0"/>
-                <a:cs typeface="Times New Roman" panose="02020603050405020304" pitchFamily="18" charset="0"/>
-              </a:rPr>
-            </a:br>
-            <a:r>
-              <a:rPr lang="en-US" sz="2200" b="0" i="0" dirty="0">
-                <a:solidFill>
-                  <a:srgbClr val="333333"/>
-                </a:solidFill>
-                <a:effectLst/>
-                <a:latin typeface="Times New Roman" panose="02020603050405020304" pitchFamily="18" charset="0"/>
-                <a:cs typeface="Times New Roman" panose="02020603050405020304" pitchFamily="18" charset="0"/>
-              </a:rPr>
-              <a:t> </a:t>
-            </a:r>
-            <a:r>
-              <a:rPr lang="en-US" sz="2200" b="1" i="0" dirty="0">
-                <a:solidFill>
-                  <a:srgbClr val="333333"/>
-                </a:solidFill>
-                <a:effectLst/>
-                <a:latin typeface="Times New Roman" panose="02020603050405020304" pitchFamily="18" charset="0"/>
-                <a:cs typeface="Times New Roman" panose="02020603050405020304" pitchFamily="18" charset="0"/>
-              </a:rPr>
-              <a:t>installing system dependencies</a:t>
-            </a:r>
-            <a:r>
-              <a:rPr lang="en-US" sz="2200" b="0" i="0" dirty="0">
-                <a:solidFill>
-                  <a:srgbClr val="333333"/>
-                </a:solidFill>
-                <a:effectLst/>
-                <a:latin typeface="Times New Roman" panose="02020603050405020304" pitchFamily="18" charset="0"/>
-                <a:cs typeface="Times New Roman" panose="02020603050405020304" pitchFamily="18" charset="0"/>
-              </a:rPr>
-              <a:t>.</a:t>
-            </a:r>
-            <a:br>
-              <a:rPr lang="en-US" sz="2200" dirty="0">
-                <a:latin typeface="Times New Roman" panose="02020603050405020304" pitchFamily="18" charset="0"/>
-                <a:cs typeface="Times New Roman" panose="02020603050405020304" pitchFamily="18" charset="0"/>
-              </a:rPr>
-            </a:br>
-            <a:r>
-              <a:rPr lang="en-US" sz="2200" dirty="0">
-                <a:latin typeface="Times New Roman" panose="02020603050405020304" pitchFamily="18" charset="0"/>
-                <a:cs typeface="Times New Roman" panose="02020603050405020304" pitchFamily="18" charset="0"/>
-              </a:rPr>
-              <a:t>      </a:t>
-            </a:r>
-            <a:r>
-              <a:rPr lang="en-US" sz="2200" dirty="0">
-                <a:latin typeface="Times New Roman" panose="02020603050405020304" pitchFamily="18" charset="0"/>
-                <a:cs typeface="Times New Roman" panose="02020603050405020304" pitchFamily="18" charset="0"/>
-                <a:hlinkClick r:id="rId3"/>
-              </a:rPr>
-              <a:t>http://wiki.ros.org/rosdep</a:t>
-            </a:r>
-            <a:br>
-              <a:rPr lang="en-US" sz="2200" dirty="0">
-                <a:latin typeface="Times New Roman" panose="02020603050405020304" pitchFamily="18" charset="0"/>
-                <a:cs typeface="Times New Roman" panose="02020603050405020304" pitchFamily="18" charset="0"/>
-              </a:rPr>
-            </a:br>
-            <a:r>
-              <a:rPr lang="en-US" sz="2200" dirty="0">
-                <a:latin typeface="Times New Roman" panose="02020603050405020304" pitchFamily="18" charset="0"/>
-                <a:cs typeface="Times New Roman" panose="02020603050405020304" pitchFamily="18" charset="0"/>
-              </a:rPr>
-              <a:t>      </a:t>
-            </a:r>
-            <a:r>
-              <a:rPr lang="en-US" sz="2200" dirty="0">
-                <a:latin typeface="Times New Roman" panose="02020603050405020304" pitchFamily="18" charset="0"/>
-                <a:cs typeface="Times New Roman" panose="02020603050405020304" pitchFamily="18" charset="0"/>
-                <a:hlinkClick r:id="rId4"/>
-              </a:rPr>
-              <a:t>http://wiki.ros.org/rosdep/Tutorials/How%20to%20add%20a%20system%20dependency</a:t>
-            </a:r>
-            <a:br>
-              <a:rPr lang="en-US" sz="2200" dirty="0">
-                <a:latin typeface="Times New Roman" panose="02020603050405020304" pitchFamily="18" charset="0"/>
-                <a:cs typeface="Times New Roman" panose="02020603050405020304" pitchFamily="18" charset="0"/>
-              </a:rPr>
-            </a:br>
-            <a:br>
-              <a:rPr lang="en-US" sz="2200" dirty="0">
-                <a:latin typeface="Times New Roman" panose="02020603050405020304" pitchFamily="18" charset="0"/>
-                <a:cs typeface="Times New Roman" panose="02020603050405020304" pitchFamily="18" charset="0"/>
-              </a:rPr>
-            </a:br>
-            <a:r>
-              <a:rPr lang="en-US" sz="2200" dirty="0">
-                <a:latin typeface="Times New Roman" panose="02020603050405020304" pitchFamily="18" charset="0"/>
-                <a:cs typeface="Times New Roman" panose="02020603050405020304" pitchFamily="18" charset="0"/>
-                <a:hlinkClick r:id="rId5"/>
-              </a:rPr>
-              <a:t>https://colcon.readthedocs.io/en/released/</a:t>
-            </a:r>
-            <a:r>
-              <a:rPr lang="en-US" sz="2200" dirty="0">
-                <a:latin typeface="Times New Roman" panose="02020603050405020304" pitchFamily="18" charset="0"/>
-                <a:cs typeface="Times New Roman" panose="02020603050405020304" pitchFamily="18" charset="0"/>
-              </a:rPr>
-              <a:t> </a:t>
-            </a:r>
-            <a:br>
-              <a:rPr lang="en-US" sz="2200" dirty="0">
-                <a:latin typeface="Times New Roman" panose="02020603050405020304" pitchFamily="18" charset="0"/>
-                <a:cs typeface="Times New Roman" panose="02020603050405020304" pitchFamily="18" charset="0"/>
-              </a:rPr>
-            </a:br>
-            <a:br>
-              <a:rPr lang="en-US" sz="2200" dirty="0">
-                <a:latin typeface="Times New Roman" panose="02020603050405020304" pitchFamily="18" charset="0"/>
-                <a:cs typeface="Times New Roman" panose="02020603050405020304" pitchFamily="18" charset="0"/>
-              </a:rPr>
-            </a:br>
-            <a:r>
-              <a:rPr lang="en-US" sz="2200" b="1" dirty="0">
-                <a:latin typeface="Times New Roman" panose="02020603050405020304" pitchFamily="18" charset="0"/>
-                <a:cs typeface="Times New Roman" panose="02020603050405020304" pitchFamily="18" charset="0"/>
-              </a:rPr>
-              <a:t>ROS 2 package and packets in workspaces</a:t>
-            </a:r>
-            <a:br>
-              <a:rPr lang="en-US" sz="2200" dirty="0">
-                <a:latin typeface="Times New Roman" panose="02020603050405020304" pitchFamily="18" charset="0"/>
-                <a:cs typeface="Times New Roman" panose="02020603050405020304" pitchFamily="18" charset="0"/>
-              </a:rPr>
-            </a:br>
-            <a:br>
-              <a:rPr lang="en-US" sz="2200" dirty="0">
-                <a:latin typeface="Times New Roman" panose="02020603050405020304" pitchFamily="18" charset="0"/>
-                <a:cs typeface="Times New Roman" panose="02020603050405020304" pitchFamily="18" charset="0"/>
-              </a:rPr>
-            </a:br>
-            <a:r>
-              <a:rPr lang="en-US" sz="2200" dirty="0">
-                <a:latin typeface="Times New Roman" panose="02020603050405020304" pitchFamily="18" charset="0"/>
-                <a:cs typeface="Times New Roman" panose="02020603050405020304" pitchFamily="18" charset="0"/>
-              </a:rPr>
-              <a:t>       </a:t>
-            </a:r>
-            <a:r>
-              <a:rPr lang="en-US" sz="2200" dirty="0">
-                <a:latin typeface="Times New Roman" panose="02020603050405020304" pitchFamily="18" charset="0"/>
-                <a:cs typeface="Times New Roman" panose="02020603050405020304" pitchFamily="18" charset="0"/>
-                <a:hlinkClick r:id="rId6"/>
-              </a:rPr>
-              <a:t>https://docs.ros.org/en/foxy/Tutorials/Creating-Your-First-ROS2-Package.html</a:t>
-            </a:r>
-            <a:br>
-              <a:rPr lang="en-US" sz="2200" dirty="0">
-                <a:latin typeface="Times New Roman" panose="02020603050405020304" pitchFamily="18" charset="0"/>
-                <a:cs typeface="Times New Roman" panose="02020603050405020304" pitchFamily="18" charset="0"/>
-              </a:rPr>
-            </a:br>
-            <a:br>
-              <a:rPr lang="en-US" sz="2200" dirty="0">
-                <a:latin typeface="Times New Roman" panose="02020603050405020304" pitchFamily="18" charset="0"/>
-                <a:cs typeface="Times New Roman" panose="02020603050405020304" pitchFamily="18" charset="0"/>
-              </a:rPr>
-            </a:br>
-            <a:r>
-              <a:rPr lang="en-US" sz="2200" b="1" dirty="0">
-                <a:latin typeface="Times New Roman" panose="02020603050405020304" pitchFamily="18" charset="0"/>
-                <a:cs typeface="Times New Roman" panose="02020603050405020304" pitchFamily="18" charset="0"/>
-              </a:rPr>
-              <a:t>Example at </a:t>
-            </a:r>
-            <a:br>
-              <a:rPr lang="en-US" sz="2200" b="1" dirty="0">
-                <a:latin typeface="Times New Roman" panose="02020603050405020304" pitchFamily="18" charset="0"/>
-                <a:cs typeface="Times New Roman" panose="02020603050405020304" pitchFamily="18" charset="0"/>
-              </a:rPr>
-            </a:br>
-            <a:r>
-              <a:rPr lang="en-US" sz="2200" b="1" dirty="0">
-                <a:latin typeface="Times New Roman" panose="02020603050405020304" pitchFamily="18" charset="0"/>
-                <a:cs typeface="Times New Roman" panose="02020603050405020304" pitchFamily="18" charset="0"/>
-              </a:rPr>
-              <a:t>	</a:t>
-            </a:r>
-            <a:r>
-              <a:rPr lang="en-US" sz="2200" dirty="0">
-                <a:latin typeface="Times New Roman" panose="02020603050405020304" pitchFamily="18" charset="0"/>
-                <a:cs typeface="Times New Roman" panose="02020603050405020304" pitchFamily="18" charset="0"/>
-                <a:hlinkClick r:id="rId7"/>
-              </a:rPr>
-              <a:t>https://docs.ros.org/en/galactic/Features.html</a:t>
-            </a:r>
-            <a:br>
-              <a:rPr lang="en-US" sz="2200" dirty="0">
-                <a:latin typeface="Times New Roman" panose="02020603050405020304" pitchFamily="18" charset="0"/>
-                <a:cs typeface="Times New Roman" panose="02020603050405020304" pitchFamily="18" charset="0"/>
-              </a:rPr>
-            </a:br>
-            <a:r>
-              <a:rPr lang="en-US" sz="2200" dirty="0">
-                <a:latin typeface="Times New Roman" panose="02020603050405020304" pitchFamily="18" charset="0"/>
-                <a:cs typeface="Times New Roman" panose="02020603050405020304" pitchFamily="18" charset="0"/>
-              </a:rPr>
-              <a:t>	</a:t>
-            </a:r>
-            <a:r>
-              <a:rPr lang="en-US" sz="2200" dirty="0">
-                <a:latin typeface="Times New Roman" panose="02020603050405020304" pitchFamily="18" charset="0"/>
-                <a:cs typeface="Times New Roman" panose="02020603050405020304" pitchFamily="18" charset="0"/>
-                <a:hlinkClick r:id="rId8"/>
-              </a:rPr>
-              <a:t>https://github.com/ros2/examples/tree/master/rclcpp</a:t>
-            </a:r>
-            <a:r>
-              <a:rPr lang="en-US" sz="2200" dirty="0">
-                <a:latin typeface="Times New Roman" panose="02020603050405020304" pitchFamily="18" charset="0"/>
-                <a:cs typeface="Times New Roman" panose="02020603050405020304" pitchFamily="18" charset="0"/>
-              </a:rPr>
-              <a:t> </a:t>
-            </a:r>
-            <a:br>
-              <a:rPr lang="en-US" sz="2200" dirty="0">
-                <a:latin typeface="Times New Roman" panose="02020603050405020304" pitchFamily="18" charset="0"/>
-                <a:cs typeface="Times New Roman" panose="02020603050405020304" pitchFamily="18" charset="0"/>
-              </a:rPr>
-            </a:br>
-            <a:r>
-              <a:rPr lang="en-US" sz="2200" dirty="0">
-                <a:latin typeface="Times New Roman" panose="02020603050405020304" pitchFamily="18" charset="0"/>
-                <a:cs typeface="Times New Roman" panose="02020603050405020304" pitchFamily="18" charset="0"/>
-              </a:rPr>
-              <a:t>	</a:t>
-            </a:r>
-            <a:r>
-              <a:rPr lang="en-US" sz="2200" dirty="0">
-                <a:latin typeface="Times New Roman" panose="02020603050405020304" pitchFamily="18" charset="0"/>
-                <a:cs typeface="Times New Roman" panose="02020603050405020304" pitchFamily="18" charset="0"/>
-                <a:hlinkClick r:id="rId9"/>
-              </a:rPr>
-              <a:t>https://roboticsbackend.com/create-a-ros2-cpp-package/</a:t>
-            </a:r>
-            <a:r>
-              <a:rPr lang="en-US" sz="2200" dirty="0">
-                <a:latin typeface="Times New Roman" panose="02020603050405020304" pitchFamily="18" charset="0"/>
-                <a:cs typeface="Times New Roman" panose="02020603050405020304" pitchFamily="18" charset="0"/>
-              </a:rPr>
-              <a:t> </a:t>
-            </a:r>
-            <a:br>
-              <a:rPr lang="en-US" sz="1600" dirty="0">
-                <a:latin typeface=".VnTime" panose="020B7200000000000000" pitchFamily="34" charset="0"/>
-              </a:rPr>
-            </a:br>
-            <a:br>
-              <a:rPr lang="en-US" sz="1600" dirty="0"/>
-            </a:br>
-            <a:br>
-              <a:rPr lang="en-US" sz="1600" dirty="0"/>
-            </a:br>
-            <a:endParaRPr lang="en-US" sz="1600" dirty="0"/>
-          </a:p>
-        </p:txBody>
-      </p:sp>
-      <p:sp>
-        <p:nvSpPr>
-          <p:cNvPr id="4" name="Title 1">
-            <a:extLst>
-              <a:ext uri="{FF2B5EF4-FFF2-40B4-BE49-F238E27FC236}">
-                <a16:creationId xmlns:a16="http://schemas.microsoft.com/office/drawing/2014/main" id="{263CF1FF-892A-41B4-9264-386751C4EE9D}"/>
-              </a:ext>
-            </a:extLst>
-          </p:cNvPr>
-          <p:cNvSpPr txBox="1">
-            <a:spLocks/>
-          </p:cNvSpPr>
-          <p:nvPr/>
-        </p:nvSpPr>
-        <p:spPr>
-          <a:xfrm>
-            <a:off x="721242" y="248167"/>
-            <a:ext cx="10515600" cy="591805"/>
-          </a:xfrm>
-          <a:prstGeom prst="rect">
-            <a:avLst/>
-          </a:prstGeom>
-        </p:spPr>
-        <p:txBody>
-          <a:bodyPr vert="horz" lIns="91440" tIns="45720" rIns="91440" bIns="45720" rtlCol="0" anchor="ctr">
-            <a:normAutofit fontScale="90000" lnSpcReduction="10000"/>
-          </a:bodyPr>
-          <a:lstStyle>
-            <a:lvl1pPr algn="l" defTabSz="914400" rtl="0" eaLnBrk="1" latinLnBrk="0" hangingPunct="1">
-              <a:lnSpc>
-                <a:spcPct val="90000"/>
-              </a:lnSpc>
-              <a:spcBef>
-                <a:spcPct val="0"/>
-              </a:spcBef>
-              <a:buNone/>
-              <a:defRPr sz="4400" kern="1200">
-                <a:solidFill>
-                  <a:schemeClr val="tx1"/>
-                </a:solidFill>
-                <a:latin typeface="+mj-lt"/>
-                <a:ea typeface="+mj-ea"/>
-                <a:cs typeface="+mj-cs"/>
-              </a:defRPr>
-            </a:lvl1pPr>
-          </a:lstStyle>
-          <a:p>
-            <a:r>
               <a:rPr lang="en-US" dirty="0" err="1"/>
               <a:t>rclcpp</a:t>
             </a:r>
             <a:endParaRPr lang="en-US" dirty="0"/>
+          </a:p>
+        </p:txBody>
+      </p:sp>
+      <p:sp>
+        <p:nvSpPr>
+          <p:cNvPr id="3" name="Content Placeholder 2">
+            <a:extLst>
+              <a:ext uri="{FF2B5EF4-FFF2-40B4-BE49-F238E27FC236}">
+                <a16:creationId xmlns:a16="http://schemas.microsoft.com/office/drawing/2014/main" id="{6474F1FB-5C8A-45FF-99E0-BFC41ED09A2C}"/>
+              </a:ext>
+            </a:extLst>
+          </p:cNvPr>
+          <p:cNvSpPr>
+            <a:spLocks noGrp="1"/>
+          </p:cNvSpPr>
+          <p:nvPr>
+            <p:ph idx="1"/>
+          </p:nvPr>
+        </p:nvSpPr>
+        <p:spPr>
+          <a:xfrm>
+            <a:off x="533992" y="947801"/>
+            <a:ext cx="10515600" cy="4351338"/>
+          </a:xfrm>
+        </p:spPr>
+        <p:txBody>
+          <a:bodyPr/>
+          <a:lstStyle/>
+          <a:p>
+            <a:r>
+              <a:rPr lang="en-US" dirty="0"/>
+              <a:t>ros2 node list </a:t>
+            </a:r>
+          </a:p>
+          <a:p>
+            <a:r>
+              <a:rPr lang="en-US" dirty="0"/>
+              <a:t>ros2 node info &lt;</a:t>
+            </a:r>
+            <a:r>
+              <a:rPr lang="en-US" dirty="0" err="1"/>
+              <a:t>node_name</a:t>
+            </a:r>
+            <a:r>
+              <a:rPr lang="en-US" dirty="0"/>
+              <a:t>&gt; </a:t>
+            </a:r>
           </a:p>
         </p:txBody>
       </p:sp>
     </p:spTree>
     <p:extLst>
       <p:ext uri="{BB962C8B-B14F-4D97-AF65-F5344CB8AC3E}">
-        <p14:creationId xmlns:p14="http://schemas.microsoft.com/office/powerpoint/2010/main" val="178426610"/>
+        <p14:creationId xmlns:p14="http://schemas.microsoft.com/office/powerpoint/2010/main" val="1273957954"/>
       </p:ext>
     </p:extLst>
   </p:cSld>
@@ -4102,7 +3809,7 @@
           <p:cNvPr id="2" name="Title 1">
             <a:extLst>
               <a:ext uri="{FF2B5EF4-FFF2-40B4-BE49-F238E27FC236}">
-                <a16:creationId xmlns:a16="http://schemas.microsoft.com/office/drawing/2014/main" id="{AC713B3E-D7D5-4F33-9679-482DD3C67FDE}"/>
+                <a16:creationId xmlns:a16="http://schemas.microsoft.com/office/drawing/2014/main" id="{D1BAF1D0-A268-4741-8602-2C063B55C7D2}"/>
               </a:ext>
             </a:extLst>
           </p:cNvPr>
@@ -4115,101 +3822,369 @@
         </p:nvSpPr>
         <p:spPr>
           <a:xfrm>
-            <a:off x="838200" y="195262"/>
-            <a:ext cx="10515600" cy="815975"/>
-          </a:xfrm>
-        </p:spPr>
-        <p:txBody>
-          <a:bodyPr/>
-          <a:lstStyle/>
-          <a:p>
-            <a:r>
-              <a:rPr lang="en-US" b="1" dirty="0" err="1"/>
-              <a:t>colcon</a:t>
-            </a:r>
-            <a:endParaRPr lang="en-US" b="1" dirty="0"/>
-          </a:p>
-        </p:txBody>
-      </p:sp>
-      <p:sp>
-        <p:nvSpPr>
-          <p:cNvPr id="3" name="Content Placeholder 2">
-            <a:extLst>
-              <a:ext uri="{FF2B5EF4-FFF2-40B4-BE49-F238E27FC236}">
-                <a16:creationId xmlns:a16="http://schemas.microsoft.com/office/drawing/2014/main" id="{051D8B0C-DE3A-479F-8090-F1AA07833A7C}"/>
-              </a:ext>
-            </a:extLst>
-          </p:cNvPr>
-          <p:cNvSpPr>
-            <a:spLocks noGrp="1"/>
-          </p:cNvSpPr>
-          <p:nvPr>
-            <p:ph idx="1"/>
-          </p:nvPr>
-        </p:nvSpPr>
-        <p:spPr>
-          <a:xfrm>
-            <a:off x="699654" y="1253331"/>
-            <a:ext cx="10515600" cy="4351338"/>
-          </a:xfrm>
-        </p:spPr>
-        <p:txBody>
-          <a:bodyPr/>
-          <a:lstStyle/>
-          <a:p>
-            <a:r>
-              <a:rPr lang="en-US" dirty="0">
+            <a:off x="423530" y="1482435"/>
+            <a:ext cx="10515600" cy="5127397"/>
+          </a:xfrm>
+        </p:spPr>
+        <p:txBody>
+          <a:bodyPr>
+            <a:normAutofit fontScale="90000"/>
+          </a:bodyPr>
+          <a:lstStyle/>
+          <a:p>
+            <a:r>
+              <a:rPr lang="en-US" sz="2700" dirty="0"/>
+              <a:t>How to create an example </a:t>
+            </a:r>
+            <a:br>
+              <a:rPr lang="en-US" sz="2700" dirty="0">
                 <a:hlinkClick r:id="rId2"/>
               </a:rPr>
-              <a:t>https://colcon.readthedocs.io/en/released/user/quick-start.html</a:t>
-            </a:r>
-            <a:r>
-              <a:rPr lang="en-US" dirty="0"/>
+            </a:br>
+            <a:br>
+              <a:rPr lang="en-US" sz="1600" dirty="0">
+                <a:latin typeface=".VnTime" panose="020B7200000000000000" pitchFamily="34" charset="0"/>
+                <a:hlinkClick r:id="rId2"/>
+              </a:rPr>
+            </a:br>
+            <a:r>
+              <a:rPr lang="en-US" sz="2200" dirty="0">
+                <a:latin typeface="Times New Roman" panose="02020603050405020304" pitchFamily="18" charset="0"/>
+                <a:cs typeface="Times New Roman" panose="02020603050405020304" pitchFamily="18" charset="0"/>
+                <a:hlinkClick r:id="rId2"/>
+              </a:rPr>
+              <a:t>https://docs.ros.org/en/galactic/Tutorials/Writing-A-Simple-Cpp-Service-And-Client.html</a:t>
+            </a:r>
+            <a:br>
+              <a:rPr lang="en-US" sz="2200" dirty="0">
+                <a:latin typeface="Times New Roman" panose="02020603050405020304" pitchFamily="18" charset="0"/>
+                <a:cs typeface="Times New Roman" panose="02020603050405020304" pitchFamily="18" charset="0"/>
+              </a:rPr>
+            </a:br>
+            <a:br>
+              <a:rPr lang="en-US" sz="2200" dirty="0">
+                <a:latin typeface="Times New Roman" panose="02020603050405020304" pitchFamily="18" charset="0"/>
+                <a:cs typeface="Times New Roman" panose="02020603050405020304" pitchFamily="18" charset="0"/>
+              </a:rPr>
+            </a:br>
+            <a:r>
+              <a:rPr lang="en-US" sz="2200" b="0" i="0" dirty="0">
+                <a:solidFill>
+                  <a:srgbClr val="333333"/>
+                </a:solidFill>
+                <a:effectLst/>
+                <a:latin typeface="Times New Roman" panose="02020603050405020304" pitchFamily="18" charset="0"/>
+                <a:cs typeface="Times New Roman" panose="02020603050405020304" pitchFamily="18" charset="0"/>
+              </a:rPr>
+              <a:t> </a:t>
+            </a:r>
+            <a:r>
+              <a:rPr lang="en-US" sz="2200" b="1" i="0" dirty="0">
+                <a:solidFill>
+                  <a:srgbClr val="333333"/>
+                </a:solidFill>
+                <a:effectLst/>
+                <a:latin typeface="Times New Roman" panose="02020603050405020304" pitchFamily="18" charset="0"/>
+                <a:cs typeface="Times New Roman" panose="02020603050405020304" pitchFamily="18" charset="0"/>
+              </a:rPr>
+              <a:t>installing system dependencies</a:t>
+            </a:r>
+            <a:r>
+              <a:rPr lang="en-US" sz="2200" b="0" i="0" dirty="0">
+                <a:solidFill>
+                  <a:srgbClr val="333333"/>
+                </a:solidFill>
+                <a:effectLst/>
+                <a:latin typeface="Times New Roman" panose="02020603050405020304" pitchFamily="18" charset="0"/>
+                <a:cs typeface="Times New Roman" panose="02020603050405020304" pitchFamily="18" charset="0"/>
+              </a:rPr>
+              <a:t>.</a:t>
+            </a:r>
+            <a:br>
+              <a:rPr lang="en-US" sz="2200" dirty="0">
+                <a:latin typeface="Times New Roman" panose="02020603050405020304" pitchFamily="18" charset="0"/>
+                <a:cs typeface="Times New Roman" panose="02020603050405020304" pitchFamily="18" charset="0"/>
+              </a:rPr>
+            </a:br>
+            <a:r>
+              <a:rPr lang="en-US" sz="2200" dirty="0">
+                <a:latin typeface="Times New Roman" panose="02020603050405020304" pitchFamily="18" charset="0"/>
+                <a:cs typeface="Times New Roman" panose="02020603050405020304" pitchFamily="18" charset="0"/>
+              </a:rPr>
+              <a:t>      </a:t>
+            </a:r>
+            <a:r>
+              <a:rPr lang="en-US" sz="2200" dirty="0">
+                <a:latin typeface="Times New Roman" panose="02020603050405020304" pitchFamily="18" charset="0"/>
+                <a:cs typeface="Times New Roman" panose="02020603050405020304" pitchFamily="18" charset="0"/>
+                <a:hlinkClick r:id="rId3"/>
+              </a:rPr>
+              <a:t>http://wiki.ros.org/rosdep</a:t>
+            </a:r>
+            <a:br>
+              <a:rPr lang="en-US" sz="2200" dirty="0">
+                <a:latin typeface="Times New Roman" panose="02020603050405020304" pitchFamily="18" charset="0"/>
+                <a:cs typeface="Times New Roman" panose="02020603050405020304" pitchFamily="18" charset="0"/>
+              </a:rPr>
+            </a:br>
+            <a:r>
+              <a:rPr lang="en-US" sz="2200" dirty="0">
+                <a:latin typeface="Times New Roman" panose="02020603050405020304" pitchFamily="18" charset="0"/>
+                <a:cs typeface="Times New Roman" panose="02020603050405020304" pitchFamily="18" charset="0"/>
+              </a:rPr>
+              <a:t>      </a:t>
+            </a:r>
+            <a:r>
+              <a:rPr lang="en-US" sz="2200" dirty="0">
+                <a:latin typeface="Times New Roman" panose="02020603050405020304" pitchFamily="18" charset="0"/>
+                <a:cs typeface="Times New Roman" panose="02020603050405020304" pitchFamily="18" charset="0"/>
+                <a:hlinkClick r:id="rId4"/>
+              </a:rPr>
+              <a:t>http://wiki.ros.org/rosdep/Tutorials/How%20to%20add%20a%20system%20dependency</a:t>
+            </a:r>
+            <a:br>
+              <a:rPr lang="en-US" sz="2200" dirty="0">
+                <a:latin typeface="Times New Roman" panose="02020603050405020304" pitchFamily="18" charset="0"/>
+                <a:cs typeface="Times New Roman" panose="02020603050405020304" pitchFamily="18" charset="0"/>
+              </a:rPr>
+            </a:br>
+            <a:br>
+              <a:rPr lang="en-US" sz="2200" dirty="0">
+                <a:latin typeface="Times New Roman" panose="02020603050405020304" pitchFamily="18" charset="0"/>
+                <a:cs typeface="Times New Roman" panose="02020603050405020304" pitchFamily="18" charset="0"/>
+              </a:rPr>
+            </a:br>
+            <a:r>
+              <a:rPr lang="en-US" sz="2200" dirty="0">
+                <a:latin typeface="Times New Roman" panose="02020603050405020304" pitchFamily="18" charset="0"/>
+                <a:cs typeface="Times New Roman" panose="02020603050405020304" pitchFamily="18" charset="0"/>
+                <a:hlinkClick r:id="rId5"/>
+              </a:rPr>
+              <a:t>https://colcon.readthedocs.io/en/released/</a:t>
+            </a:r>
+            <a:r>
+              <a:rPr lang="en-US" sz="2200" dirty="0">
+                <a:latin typeface="Times New Roman" panose="02020603050405020304" pitchFamily="18" charset="0"/>
+                <a:cs typeface="Times New Roman" panose="02020603050405020304" pitchFamily="18" charset="0"/>
+              </a:rPr>
               <a:t> </a:t>
             </a:r>
-          </a:p>
-          <a:p>
-            <a:endParaRPr lang="en-US" dirty="0"/>
-          </a:p>
-          <a:p>
-            <a:endParaRPr lang="en-US" dirty="0"/>
-          </a:p>
-        </p:txBody>
-      </p:sp>
-      <p:pic>
-        <p:nvPicPr>
-          <p:cNvPr id="7" name="Picture 6">
-            <a:extLst>
-              <a:ext uri="{FF2B5EF4-FFF2-40B4-BE49-F238E27FC236}">
-                <a16:creationId xmlns:a16="http://schemas.microsoft.com/office/drawing/2014/main" id="{EEAAC07E-A0D8-4AD9-89B0-023C05BE0F0E}"/>
-              </a:ext>
-            </a:extLst>
-          </p:cNvPr>
-          <p:cNvPicPr>
-            <a:picLocks noChangeAspect="1"/>
-          </p:cNvPicPr>
+            <a:br>
+              <a:rPr lang="en-US" sz="2200" dirty="0">
+                <a:latin typeface="Times New Roman" panose="02020603050405020304" pitchFamily="18" charset="0"/>
+                <a:cs typeface="Times New Roman" panose="02020603050405020304" pitchFamily="18" charset="0"/>
+              </a:rPr>
+            </a:br>
+            <a:br>
+              <a:rPr lang="en-US" sz="2200" dirty="0">
+                <a:latin typeface="Times New Roman" panose="02020603050405020304" pitchFamily="18" charset="0"/>
+                <a:cs typeface="Times New Roman" panose="02020603050405020304" pitchFamily="18" charset="0"/>
+              </a:rPr>
+            </a:br>
+            <a:r>
+              <a:rPr lang="en-US" sz="2200" b="1" dirty="0">
+                <a:latin typeface="Times New Roman" panose="02020603050405020304" pitchFamily="18" charset="0"/>
+                <a:cs typeface="Times New Roman" panose="02020603050405020304" pitchFamily="18" charset="0"/>
+              </a:rPr>
+              <a:t>ROS 2 package and packets in workspaces</a:t>
+            </a:r>
+            <a:br>
+              <a:rPr lang="en-US" sz="2200" dirty="0">
+                <a:latin typeface="Times New Roman" panose="02020603050405020304" pitchFamily="18" charset="0"/>
+                <a:cs typeface="Times New Roman" panose="02020603050405020304" pitchFamily="18" charset="0"/>
+              </a:rPr>
+            </a:br>
+            <a:br>
+              <a:rPr lang="en-US" sz="2200" dirty="0">
+                <a:latin typeface="Times New Roman" panose="02020603050405020304" pitchFamily="18" charset="0"/>
+                <a:cs typeface="Times New Roman" panose="02020603050405020304" pitchFamily="18" charset="0"/>
+              </a:rPr>
+            </a:br>
+            <a:r>
+              <a:rPr lang="en-US" sz="2200" dirty="0">
+                <a:latin typeface="Times New Roman" panose="02020603050405020304" pitchFamily="18" charset="0"/>
+                <a:cs typeface="Times New Roman" panose="02020603050405020304" pitchFamily="18" charset="0"/>
+              </a:rPr>
+              <a:t>       </a:t>
+            </a:r>
+            <a:r>
+              <a:rPr lang="en-US" sz="2200" dirty="0">
+                <a:latin typeface="Times New Roman" panose="02020603050405020304" pitchFamily="18" charset="0"/>
+                <a:cs typeface="Times New Roman" panose="02020603050405020304" pitchFamily="18" charset="0"/>
+                <a:hlinkClick r:id="rId6"/>
+              </a:rPr>
+              <a:t>https://docs.ros.org/en/foxy/Tutorials/Creating-Your-First-ROS2-Package.html</a:t>
+            </a:r>
+            <a:br>
+              <a:rPr lang="en-US" sz="2200" dirty="0">
+                <a:latin typeface="Times New Roman" panose="02020603050405020304" pitchFamily="18" charset="0"/>
+                <a:cs typeface="Times New Roman" panose="02020603050405020304" pitchFamily="18" charset="0"/>
+              </a:rPr>
+            </a:br>
+            <a:br>
+              <a:rPr lang="en-US" sz="2200" dirty="0">
+                <a:latin typeface="Times New Roman" panose="02020603050405020304" pitchFamily="18" charset="0"/>
+                <a:cs typeface="Times New Roman" panose="02020603050405020304" pitchFamily="18" charset="0"/>
+              </a:rPr>
+            </a:br>
+            <a:r>
+              <a:rPr lang="en-US" sz="2200" b="1" dirty="0">
+                <a:latin typeface="Times New Roman" panose="02020603050405020304" pitchFamily="18" charset="0"/>
+                <a:cs typeface="Times New Roman" panose="02020603050405020304" pitchFamily="18" charset="0"/>
+              </a:rPr>
+              <a:t>Example at </a:t>
+            </a:r>
+            <a:br>
+              <a:rPr lang="en-US" sz="2200" b="1" dirty="0">
+                <a:latin typeface="Times New Roman" panose="02020603050405020304" pitchFamily="18" charset="0"/>
+                <a:cs typeface="Times New Roman" panose="02020603050405020304" pitchFamily="18" charset="0"/>
+              </a:rPr>
+            </a:br>
+            <a:r>
+              <a:rPr lang="en-US" sz="2200" b="1" dirty="0">
+                <a:latin typeface="Times New Roman" panose="02020603050405020304" pitchFamily="18" charset="0"/>
+                <a:cs typeface="Times New Roman" panose="02020603050405020304" pitchFamily="18" charset="0"/>
+              </a:rPr>
+              <a:t>	</a:t>
+            </a:r>
+            <a:r>
+              <a:rPr lang="en-US" sz="2200" dirty="0">
+                <a:latin typeface="Times New Roman" panose="02020603050405020304" pitchFamily="18" charset="0"/>
+                <a:cs typeface="Times New Roman" panose="02020603050405020304" pitchFamily="18" charset="0"/>
+                <a:hlinkClick r:id="rId7"/>
+              </a:rPr>
+              <a:t>https://docs.ros.org/en/galactic/Features.html</a:t>
+            </a:r>
+            <a:br>
+              <a:rPr lang="en-US" sz="2200" dirty="0">
+                <a:latin typeface="Times New Roman" panose="02020603050405020304" pitchFamily="18" charset="0"/>
+                <a:cs typeface="Times New Roman" panose="02020603050405020304" pitchFamily="18" charset="0"/>
+              </a:rPr>
+            </a:br>
+            <a:r>
+              <a:rPr lang="en-US" sz="2200" dirty="0">
+                <a:latin typeface="Times New Roman" panose="02020603050405020304" pitchFamily="18" charset="0"/>
+                <a:cs typeface="Times New Roman" panose="02020603050405020304" pitchFamily="18" charset="0"/>
+              </a:rPr>
+              <a:t>	</a:t>
+            </a:r>
+            <a:r>
+              <a:rPr lang="en-US" sz="2200" dirty="0">
+                <a:latin typeface="Times New Roman" panose="02020603050405020304" pitchFamily="18" charset="0"/>
+                <a:cs typeface="Times New Roman" panose="02020603050405020304" pitchFamily="18" charset="0"/>
+                <a:hlinkClick r:id="rId8"/>
+              </a:rPr>
+              <a:t>https://github.com/ros2/examples/tree/master/rclcpp</a:t>
+            </a:r>
+            <a:r>
+              <a:rPr lang="en-US" sz="2200" dirty="0">
+                <a:latin typeface="Times New Roman" panose="02020603050405020304" pitchFamily="18" charset="0"/>
+                <a:cs typeface="Times New Roman" panose="02020603050405020304" pitchFamily="18" charset="0"/>
+              </a:rPr>
+              <a:t> </a:t>
+            </a:r>
+            <a:br>
+              <a:rPr lang="en-US" sz="2200" dirty="0">
+                <a:latin typeface="Times New Roman" panose="02020603050405020304" pitchFamily="18" charset="0"/>
+                <a:cs typeface="Times New Roman" panose="02020603050405020304" pitchFamily="18" charset="0"/>
+              </a:rPr>
+            </a:br>
+            <a:r>
+              <a:rPr lang="en-US" sz="2200" dirty="0">
+                <a:latin typeface="Times New Roman" panose="02020603050405020304" pitchFamily="18" charset="0"/>
+                <a:cs typeface="Times New Roman" panose="02020603050405020304" pitchFamily="18" charset="0"/>
+              </a:rPr>
+              <a:t>	</a:t>
+            </a:r>
+            <a:r>
+              <a:rPr lang="en-US" sz="2200" dirty="0">
+                <a:latin typeface="Times New Roman" panose="02020603050405020304" pitchFamily="18" charset="0"/>
+                <a:cs typeface="Times New Roman" panose="02020603050405020304" pitchFamily="18" charset="0"/>
+                <a:hlinkClick r:id="rId9"/>
+              </a:rPr>
+              <a:t>https://roboticsbackend.com/create-a-ros2-cpp-package/</a:t>
+            </a:r>
+            <a:r>
+              <a:rPr lang="en-US" sz="2200" dirty="0">
+                <a:latin typeface="Times New Roman" panose="02020603050405020304" pitchFamily="18" charset="0"/>
+                <a:cs typeface="Times New Roman" panose="02020603050405020304" pitchFamily="18" charset="0"/>
+              </a:rPr>
+              <a:t> </a:t>
+            </a:r>
+            <a:br>
+              <a:rPr lang="en-US" sz="1600" dirty="0">
+                <a:latin typeface=".VnTime" panose="020B7200000000000000" pitchFamily="34" charset="0"/>
+              </a:rPr>
+            </a:br>
+            <a:br>
+              <a:rPr lang="en-US" sz="1600" dirty="0"/>
+            </a:br>
+            <a:br>
+              <a:rPr lang="en-US" sz="1600" dirty="0"/>
+            </a:br>
+            <a:endParaRPr lang="en-US" sz="1600" dirty="0"/>
+          </a:p>
+        </p:txBody>
+      </p:sp>
+      <p:sp>
+        <p:nvSpPr>
+          <p:cNvPr id="4" name="Title 1">
+            <a:extLst>
+              <a:ext uri="{FF2B5EF4-FFF2-40B4-BE49-F238E27FC236}">
+                <a16:creationId xmlns:a16="http://schemas.microsoft.com/office/drawing/2014/main" id="{263CF1FF-892A-41B4-9264-386751C4EE9D}"/>
+              </a:ext>
+            </a:extLst>
+          </p:cNvPr>
+          <p:cNvSpPr txBox="1">
+            <a:spLocks/>
+          </p:cNvSpPr>
           <p:nvPr/>
-        </p:nvPicPr>
-        <p:blipFill>
-          <a:blip r:embed="rId3"/>
-          <a:stretch>
-            <a:fillRect/>
-          </a:stretch>
-        </p:blipFill>
-        <p:spPr>
-          <a:xfrm>
-            <a:off x="838200" y="2195170"/>
-            <a:ext cx="9947050" cy="3235957"/>
+        </p:nvSpPr>
+        <p:spPr>
+          <a:xfrm>
+            <a:off x="721242" y="248167"/>
+            <a:ext cx="10515600" cy="591805"/>
           </a:xfrm>
           <a:prstGeom prst="rect">
             <a:avLst/>
           </a:prstGeom>
         </p:spPr>
-      </p:pic>
+        <p:txBody>
+          <a:bodyPr vert="horz" lIns="91440" tIns="45720" rIns="91440" bIns="45720" rtlCol="0" anchor="ctr">
+            <a:normAutofit fontScale="90000" lnSpcReduction="10000"/>
+          </a:bodyPr>
+          <a:lstStyle>
+            <a:lvl1pPr algn="l" defTabSz="914400" rtl="0" eaLnBrk="1" latinLnBrk="0" hangingPunct="1">
+              <a:lnSpc>
+                <a:spcPct val="90000"/>
+              </a:lnSpc>
+              <a:spcBef>
+                <a:spcPct val="0"/>
+              </a:spcBef>
+              <a:buNone/>
+              <a:defRPr sz="4400" kern="1200">
+                <a:solidFill>
+                  <a:schemeClr val="tx1"/>
+                </a:solidFill>
+                <a:latin typeface="+mj-lt"/>
+                <a:ea typeface="+mj-ea"/>
+                <a:cs typeface="+mj-cs"/>
+              </a:defRPr>
+            </a:lvl1pPr>
+          </a:lstStyle>
+          <a:p>
+            <a:r>
+              <a:rPr lang="en-US" dirty="0" err="1"/>
+              <a:t>rclcpp</a:t>
+            </a:r>
+            <a:endParaRPr lang="en-US" dirty="0"/>
+          </a:p>
+        </p:txBody>
+      </p:sp>
     </p:spTree>
     <p:extLst>
       <p:ext uri="{BB962C8B-B14F-4D97-AF65-F5344CB8AC3E}">
-        <p14:creationId xmlns:p14="http://schemas.microsoft.com/office/powerpoint/2010/main" val="3612132310"/>
+        <p14:creationId xmlns:p14="http://schemas.microsoft.com/office/powerpoint/2010/main" val="178426610"/>
       </p:ext>
     </p:extLst>
   </p:cSld>
@@ -4263,9 +4238,10 @@
           <a:lstStyle/>
           <a:p>
             <a:r>
-              <a:rPr lang="en-US" b="1" dirty="0"/>
-              <a:t>Build an example</a:t>
-            </a:r>
+              <a:rPr lang="en-US" b="1" dirty="0" err="1"/>
+              <a:t>colcon</a:t>
+            </a:r>
+            <a:endParaRPr lang="en-US" b="1" dirty="0"/>
           </a:p>
         </p:txBody>
       </p:sp>
@@ -4285,45 +4261,41 @@
             <p:ph idx="1"/>
           </p:nvPr>
         </p:nvSpPr>
-        <p:spPr/>
+        <p:spPr>
+          <a:xfrm>
+            <a:off x="699654" y="1253331"/>
+            <a:ext cx="10515600" cy="4351338"/>
+          </a:xfrm>
+        </p:spPr>
         <p:txBody>
           <a:bodyPr/>
           <a:lstStyle/>
-          <a:p>
-            <a:endParaRPr lang="en-US" dirty="0"/>
-          </a:p>
-          <a:p>
-            <a:endParaRPr lang="en-US" dirty="0"/>
-          </a:p>
-          <a:p>
-            <a:endParaRPr lang="en-US" dirty="0"/>
-          </a:p>
-          <a:p>
-            <a:endParaRPr lang="en-US" dirty="0"/>
-          </a:p>
-          <a:p>
-            <a:endParaRPr lang="en-US" dirty="0"/>
-          </a:p>
           <a:p>
             <a:r>
               <a:rPr lang="en-US" dirty="0">
                 <a:hlinkClick r:id="rId2"/>
               </a:rPr>
-              <a:t>https://github.com/ros2/examples</a:t>
+              <a:t>https://colcon.readthedocs.io/en/released/user/quick-start.html</a:t>
             </a:r>
             <a:r>
               <a:rPr lang="en-US" dirty="0"/>
               <a:t> </a:t>
             </a:r>
           </a:p>
+          <a:p>
+            <a:endParaRPr lang="en-US" dirty="0"/>
+          </a:p>
+          <a:p>
+            <a:endParaRPr lang="en-US" dirty="0"/>
+          </a:p>
         </p:txBody>
       </p:sp>
       <p:pic>
         <p:nvPicPr>
-          <p:cNvPr id="8" name="Picture 7">
-            <a:extLst>
-              <a:ext uri="{FF2B5EF4-FFF2-40B4-BE49-F238E27FC236}">
-                <a16:creationId xmlns:a16="http://schemas.microsoft.com/office/drawing/2014/main" id="{19DD9FFB-E2B6-4073-9245-A3C916A0FEB6}"/>
+          <p:cNvPr id="7" name="Picture 6">
+            <a:extLst>
+              <a:ext uri="{FF2B5EF4-FFF2-40B4-BE49-F238E27FC236}">
+                <a16:creationId xmlns:a16="http://schemas.microsoft.com/office/drawing/2014/main" id="{EEAAC07E-A0D8-4AD9-89B0-023C05BE0F0E}"/>
               </a:ext>
             </a:extLst>
           </p:cNvPr>
@@ -4340,8 +4312,8 @@
         </p:blipFill>
         <p:spPr>
           <a:xfrm>
-            <a:off x="838200" y="1666162"/>
-            <a:ext cx="10191626" cy="2448638"/>
+            <a:off x="838200" y="2195170"/>
+            <a:ext cx="9947050" cy="3235957"/>
           </a:xfrm>
           <a:prstGeom prst="rect">
             <a:avLst/>
@@ -4351,7 +4323,7 @@
     </p:spTree>
     <p:extLst>
       <p:ext uri="{BB962C8B-B14F-4D97-AF65-F5344CB8AC3E}">
-        <p14:creationId xmlns:p14="http://schemas.microsoft.com/office/powerpoint/2010/main" val="1170521900"/>
+        <p14:creationId xmlns:p14="http://schemas.microsoft.com/office/powerpoint/2010/main" val="3612132310"/>
       </p:ext>
     </p:extLst>
   </p:cSld>
@@ -4396,7 +4368,7 @@
         </p:nvSpPr>
         <p:spPr>
           <a:xfrm>
-            <a:off x="616527" y="162213"/>
+            <a:off x="838200" y="195262"/>
             <a:ext cx="10515600" cy="815975"/>
           </a:xfrm>
         </p:spPr>
@@ -4406,7 +4378,7 @@
           <a:p>
             <a:r>
               <a:rPr lang="en-US" b="1" dirty="0"/>
-              <a:t>Build an example from ros2</a:t>
+              <a:t>Build an example</a:t>
             </a:r>
           </a:p>
         </p:txBody>
@@ -4427,257 +4399,73 @@
             <p:ph idx="1"/>
           </p:nvPr>
         </p:nvSpPr>
-        <p:spPr>
-          <a:xfrm>
-            <a:off x="467591" y="1253331"/>
-            <a:ext cx="11256818" cy="4351338"/>
-          </a:xfrm>
-        </p:spPr>
+        <p:spPr/>
         <p:txBody>
           <a:bodyPr/>
           <a:lstStyle/>
           <a:p>
-            <a:pPr marL="0" indent="0">
-              <a:buNone/>
-            </a:pPr>
-            <a:r>
-              <a:rPr lang="en-US" b="1" dirty="0">
-                <a:latin typeface=".VnTime" panose="020B7200000000000000" pitchFamily="34" charset="0"/>
-              </a:rPr>
-              <a:t>Step1</a:t>
-            </a:r>
+            <a:endParaRPr lang="en-US" dirty="0"/>
+          </a:p>
+          <a:p>
+            <a:endParaRPr lang="en-US" dirty="0"/>
+          </a:p>
+          <a:p>
+            <a:endParaRPr lang="en-US" dirty="0"/>
+          </a:p>
+          <a:p>
+            <a:endParaRPr lang="en-US" dirty="0"/>
+          </a:p>
+          <a:p>
+            <a:endParaRPr lang="en-US" dirty="0"/>
+          </a:p>
+          <a:p>
             <a:r>
               <a:rPr lang="en-US" dirty="0">
-                <a:latin typeface=".VnTime" panose="020B7200000000000000" pitchFamily="34" charset="0"/>
-              </a:rPr>
-              <a:t>: cd </a:t>
-            </a:r>
-            <a:r>
-              <a:rPr lang="en-US" dirty="0" err="1">
-                <a:latin typeface=".VnTime" panose="020B7200000000000000" pitchFamily="34" charset="0"/>
-              </a:rPr>
-              <a:t>src</a:t>
-            </a:r>
-            <a:endParaRPr lang="en-US" dirty="0">
-              <a:latin typeface=".VnTime" panose="020B7200000000000000" pitchFamily="34" charset="0"/>
-            </a:endParaRPr>
-          </a:p>
-          <a:p>
-            <a:pPr marL="0" indent="0">
-              <a:buNone/>
-            </a:pPr>
-            <a:r>
-              <a:rPr lang="en-US" b="1" dirty="0">
-                <a:latin typeface=".VnTime" panose="020B7200000000000000" pitchFamily="34" charset="0"/>
-              </a:rPr>
-              <a:t>Step2</a:t>
-            </a:r>
-            <a:r>
-              <a:rPr lang="en-US" dirty="0">
-                <a:latin typeface=".VnTime" panose="020B7200000000000000" pitchFamily="34" charset="0"/>
-              </a:rPr>
-              <a:t>: git clone  git clone https://github.com/letrthong/ros2 thong_ros2 </a:t>
-            </a:r>
-          </a:p>
-          <a:p>
-            <a:pPr marL="0" indent="0">
-              <a:buNone/>
-            </a:pPr>
-            <a:r>
-              <a:rPr lang="en-US" b="1" dirty="0">
-                <a:latin typeface=".VnTime" panose="020B7200000000000000" pitchFamily="34" charset="0"/>
-              </a:rPr>
-              <a:t>Step3</a:t>
-            </a:r>
-            <a:r>
-              <a:rPr lang="en-US" dirty="0">
-                <a:latin typeface=".VnTime" panose="020B7200000000000000" pitchFamily="34" charset="0"/>
-              </a:rPr>
-              <a:t>: cd ..</a:t>
-            </a:r>
-          </a:p>
-          <a:p>
-            <a:pPr marL="0" indent="0">
-              <a:buNone/>
-            </a:pPr>
-            <a:r>
-              <a:rPr lang="en-US" b="1" dirty="0">
-                <a:latin typeface=".VnTime" panose="020B7200000000000000" pitchFamily="34" charset="0"/>
-              </a:rPr>
-              <a:t>Step4</a:t>
-            </a:r>
-            <a:r>
-              <a:rPr lang="en-US" dirty="0">
-                <a:latin typeface=".VnTime" panose="020B7200000000000000" pitchFamily="34" charset="0"/>
-              </a:rPr>
-              <a:t>: </a:t>
-            </a:r>
-            <a:r>
-              <a:rPr lang="en-US" dirty="0" err="1">
-                <a:latin typeface=".VnTime" panose="020B7200000000000000" pitchFamily="34" charset="0"/>
-              </a:rPr>
-              <a:t>colcon</a:t>
-            </a:r>
-            <a:r>
-              <a:rPr lang="en-US" dirty="0">
-                <a:latin typeface=".VnTime" panose="020B7200000000000000" pitchFamily="34" charset="0"/>
-              </a:rPr>
-              <a:t> list | grep “thong”</a:t>
-            </a:r>
-          </a:p>
-          <a:p>
-            <a:pPr marL="0" indent="0">
-              <a:buNone/>
-            </a:pPr>
-            <a:r>
-              <a:rPr lang="en-US" b="1" dirty="0">
-                <a:latin typeface=".VnTime" panose="020B7200000000000000" pitchFamily="34" charset="0"/>
-              </a:rPr>
-              <a:t>Step5</a:t>
-            </a:r>
-            <a:r>
-              <a:rPr lang="en-US" dirty="0">
-                <a:latin typeface=".VnTime" panose="020B7200000000000000" pitchFamily="34" charset="0"/>
-              </a:rPr>
-              <a:t>: </a:t>
-            </a:r>
-            <a:r>
-              <a:rPr lang="en-US" sz="2400" dirty="0" err="1">
-                <a:solidFill>
-                  <a:srgbClr val="000000"/>
-                </a:solidFill>
-                <a:latin typeface=".VnTime" panose="020B7200000000000000" pitchFamily="34" charset="0"/>
-              </a:rPr>
-              <a:t>colcon</a:t>
-            </a:r>
-            <a:r>
-              <a:rPr lang="en-US" sz="2400" dirty="0">
-                <a:solidFill>
-                  <a:srgbClr val="000000"/>
-                </a:solidFill>
-                <a:latin typeface=".VnTime" panose="020B7200000000000000" pitchFamily="34" charset="0"/>
-              </a:rPr>
-              <a:t> build --packages-</a:t>
-            </a:r>
-            <a:r>
-              <a:rPr lang="en-US" sz="2400" dirty="0">
-                <a:solidFill>
-                  <a:srgbClr val="0000FF"/>
-                </a:solidFill>
-                <a:latin typeface=".VnTime" panose="020B7200000000000000" pitchFamily="34" charset="0"/>
-              </a:rPr>
-              <a:t>select</a:t>
-            </a:r>
-            <a:r>
-              <a:rPr lang="en-US" sz="2400" dirty="0">
-                <a:solidFill>
-                  <a:srgbClr val="000000"/>
-                </a:solidFill>
-                <a:latin typeface=".VnTime" panose="020B7200000000000000" pitchFamily="34" charset="0"/>
-              </a:rPr>
-              <a:t> --allow-overriding  </a:t>
-            </a:r>
-            <a:r>
-              <a:rPr lang="en-US" sz="1800" dirty="0" err="1">
-                <a:solidFill>
-                  <a:srgbClr val="000000"/>
-                </a:solidFill>
-                <a:latin typeface="Consolas" panose="020B0609020204030204" pitchFamily="49" charset="0"/>
-              </a:rPr>
-              <a:t>thong_ipc</a:t>
-            </a:r>
-            <a:endParaRPr lang="en-US" sz="2400" dirty="0">
-              <a:solidFill>
-                <a:srgbClr val="000000"/>
-              </a:solidFill>
-              <a:latin typeface=".VnTime" panose="020B7200000000000000" pitchFamily="34" charset="0"/>
-            </a:endParaRPr>
-          </a:p>
-          <a:p>
-            <a:pPr marL="0" indent="0">
-              <a:buNone/>
-            </a:pPr>
-            <a:r>
-              <a:rPr lang="en-US" b="1" dirty="0">
-                <a:latin typeface=".VnTime" panose="020B7200000000000000" pitchFamily="34" charset="0"/>
-              </a:rPr>
-              <a:t>Step6</a:t>
-            </a:r>
-            <a:r>
-              <a:rPr lang="en-US" sz="2400" dirty="0">
-                <a:solidFill>
-                  <a:srgbClr val="000000"/>
-                </a:solidFill>
-                <a:latin typeface=".VnTime" panose="020B7200000000000000" pitchFamily="34" charset="0"/>
-              </a:rPr>
-              <a:t>:  . ~/ros2_galactic/install/</a:t>
-            </a:r>
-            <a:r>
-              <a:rPr lang="en-US" sz="2400" dirty="0" err="1">
-                <a:solidFill>
-                  <a:srgbClr val="000000"/>
-                </a:solidFill>
-                <a:latin typeface=".VnTime" panose="020B7200000000000000" pitchFamily="34" charset="0"/>
-              </a:rPr>
-              <a:t>local_setup.bash</a:t>
-            </a:r>
-            <a:endParaRPr lang="en-US" sz="2400" dirty="0">
-              <a:latin typeface=".VnTime" panose="020B7200000000000000" pitchFamily="34" charset="0"/>
-            </a:endParaRPr>
-          </a:p>
-          <a:p>
-            <a:pPr marL="0" indent="0">
-              <a:buNone/>
-            </a:pPr>
-            <a:r>
-              <a:rPr lang="en-US" b="1" dirty="0"/>
-              <a:t>Step7: </a:t>
+                <a:hlinkClick r:id="rId2"/>
+              </a:rPr>
+              <a:t>https://github.com/ros2/examples</a:t>
             </a:r>
             <a:r>
               <a:rPr lang="en-US" dirty="0"/>
-              <a:t> ros2 run </a:t>
-            </a:r>
-            <a:r>
-              <a:rPr lang="en-US" sz="2800" dirty="0" err="1">
-                <a:solidFill>
-                  <a:srgbClr val="000000"/>
-                </a:solidFill>
-                <a:latin typeface=".VnTime" panose="020B7200000000000000" pitchFamily="34" charset="0"/>
-              </a:rPr>
-              <a:t>ipc</a:t>
-            </a:r>
-            <a:r>
-              <a:rPr lang="en-US" sz="2800" dirty="0">
-                <a:solidFill>
-                  <a:srgbClr val="000000"/>
-                </a:solidFill>
-                <a:latin typeface=".VnTime" panose="020B7200000000000000" pitchFamily="34" charset="0"/>
-              </a:rPr>
-              <a:t>  </a:t>
-            </a:r>
-            <a:r>
-              <a:rPr lang="en-US" sz="2800" dirty="0" err="1">
-                <a:solidFill>
-                  <a:srgbClr val="000000"/>
-                </a:solidFill>
-                <a:latin typeface=".VnTime" panose="020B7200000000000000" pitchFamily="34" charset="0"/>
-              </a:rPr>
-              <a:t>demo.out</a:t>
-            </a:r>
-            <a:endParaRPr lang="en-US" dirty="0"/>
-          </a:p>
-          <a:p>
-            <a:endParaRPr lang="en-US" dirty="0"/>
-          </a:p>
-          <a:p>
-            <a:endParaRPr lang="en-US" dirty="0"/>
-          </a:p>
-        </p:txBody>
-      </p:sp>
+              <a:t> </a:t>
+            </a:r>
+          </a:p>
+        </p:txBody>
+      </p:sp>
+      <p:pic>
+        <p:nvPicPr>
+          <p:cNvPr id="8" name="Picture 7">
+            <a:extLst>
+              <a:ext uri="{FF2B5EF4-FFF2-40B4-BE49-F238E27FC236}">
+                <a16:creationId xmlns:a16="http://schemas.microsoft.com/office/drawing/2014/main" id="{19DD9FFB-E2B6-4073-9245-A3C916A0FEB6}"/>
+              </a:ext>
+            </a:extLst>
+          </p:cNvPr>
+          <p:cNvPicPr>
+            <a:picLocks noChangeAspect="1"/>
+          </p:cNvPicPr>
+          <p:nvPr/>
+        </p:nvPicPr>
+        <p:blipFill>
+          <a:blip r:embed="rId3"/>
+          <a:stretch>
+            <a:fillRect/>
+          </a:stretch>
+        </p:blipFill>
+        <p:spPr>
+          <a:xfrm>
+            <a:off x="838200" y="1666162"/>
+            <a:ext cx="10191626" cy="2448638"/>
+          </a:xfrm>
+          <a:prstGeom prst="rect">
+            <a:avLst/>
+          </a:prstGeom>
+        </p:spPr>
+      </p:pic>
     </p:spTree>
     <p:extLst>
       <p:ext uri="{BB962C8B-B14F-4D97-AF65-F5344CB8AC3E}">
-        <p14:creationId xmlns:p14="http://schemas.microsoft.com/office/powerpoint/2010/main" val="773869563"/>
+        <p14:creationId xmlns:p14="http://schemas.microsoft.com/office/powerpoint/2010/main" val="1170521900"/>
       </p:ext>
     </p:extLst>
   </p:cSld>
@@ -4732,6 +4520,332 @@
           <a:p>
             <a:r>
               <a:rPr lang="en-US" b="1" dirty="0"/>
+              <a:t>Build an example from ros2</a:t>
+            </a:r>
+          </a:p>
+        </p:txBody>
+      </p:sp>
+      <p:sp>
+        <p:nvSpPr>
+          <p:cNvPr id="3" name="Content Placeholder 2">
+            <a:extLst>
+              <a:ext uri="{FF2B5EF4-FFF2-40B4-BE49-F238E27FC236}">
+                <a16:creationId xmlns:a16="http://schemas.microsoft.com/office/drawing/2014/main" id="{051D8B0C-DE3A-479F-8090-F1AA07833A7C}"/>
+              </a:ext>
+            </a:extLst>
+          </p:cNvPr>
+          <p:cNvSpPr>
+            <a:spLocks noGrp="1"/>
+          </p:cNvSpPr>
+          <p:nvPr>
+            <p:ph idx="1"/>
+          </p:nvPr>
+        </p:nvSpPr>
+        <p:spPr>
+          <a:xfrm>
+            <a:off x="467591" y="1253331"/>
+            <a:ext cx="11256818" cy="4351338"/>
+          </a:xfrm>
+        </p:spPr>
+        <p:txBody>
+          <a:bodyPr/>
+          <a:lstStyle/>
+          <a:p>
+            <a:pPr marL="0" indent="0">
+              <a:buNone/>
+            </a:pPr>
+            <a:r>
+              <a:rPr lang="en-US" b="1" dirty="0">
+                <a:latin typeface=".VnTime" panose="020B7200000000000000" pitchFamily="34" charset="0"/>
+              </a:rPr>
+              <a:t>Step1</a:t>
+            </a:r>
+            <a:r>
+              <a:rPr lang="en-US" dirty="0">
+                <a:latin typeface=".VnTime" panose="020B7200000000000000" pitchFamily="34" charset="0"/>
+              </a:rPr>
+              <a:t>: cd </a:t>
+            </a:r>
+            <a:r>
+              <a:rPr lang="en-US" dirty="0" err="1">
+                <a:latin typeface=".VnTime" panose="020B7200000000000000" pitchFamily="34" charset="0"/>
+              </a:rPr>
+              <a:t>src</a:t>
+            </a:r>
+            <a:endParaRPr lang="en-US" dirty="0">
+              <a:latin typeface=".VnTime" panose="020B7200000000000000" pitchFamily="34" charset="0"/>
+            </a:endParaRPr>
+          </a:p>
+          <a:p>
+            <a:pPr marL="0" indent="0">
+              <a:buNone/>
+            </a:pPr>
+            <a:r>
+              <a:rPr lang="en-US" b="1" dirty="0">
+                <a:latin typeface=".VnTime" panose="020B7200000000000000" pitchFamily="34" charset="0"/>
+              </a:rPr>
+              <a:t>Step2</a:t>
+            </a:r>
+            <a:r>
+              <a:rPr lang="en-US" dirty="0">
+                <a:latin typeface=".VnTime" panose="020B7200000000000000" pitchFamily="34" charset="0"/>
+              </a:rPr>
+              <a:t>: git clone  git clone https://github.com/letrthong/ros2 thong_ros2 </a:t>
+            </a:r>
+          </a:p>
+          <a:p>
+            <a:pPr marL="0" indent="0">
+              <a:buNone/>
+            </a:pPr>
+            <a:r>
+              <a:rPr lang="en-US" b="1" dirty="0">
+                <a:latin typeface=".VnTime" panose="020B7200000000000000" pitchFamily="34" charset="0"/>
+              </a:rPr>
+              <a:t>Step3</a:t>
+            </a:r>
+            <a:r>
+              <a:rPr lang="en-US" dirty="0">
+                <a:latin typeface=".VnTime" panose="020B7200000000000000" pitchFamily="34" charset="0"/>
+              </a:rPr>
+              <a:t>: cd ..</a:t>
+            </a:r>
+          </a:p>
+          <a:p>
+            <a:pPr marL="0" indent="0">
+              <a:buNone/>
+            </a:pPr>
+            <a:r>
+              <a:rPr lang="en-US" b="1" dirty="0">
+                <a:latin typeface=".VnTime" panose="020B7200000000000000" pitchFamily="34" charset="0"/>
+              </a:rPr>
+              <a:t>Step4</a:t>
+            </a:r>
+            <a:r>
+              <a:rPr lang="en-US" dirty="0">
+                <a:latin typeface=".VnTime" panose="020B7200000000000000" pitchFamily="34" charset="0"/>
+              </a:rPr>
+              <a:t>: </a:t>
+            </a:r>
+            <a:r>
+              <a:rPr lang="en-US" dirty="0" err="1">
+                <a:latin typeface=".VnTime" panose="020B7200000000000000" pitchFamily="34" charset="0"/>
+              </a:rPr>
+              <a:t>colcon</a:t>
+            </a:r>
+            <a:r>
+              <a:rPr lang="en-US" dirty="0">
+                <a:latin typeface=".VnTime" panose="020B7200000000000000" pitchFamily="34" charset="0"/>
+              </a:rPr>
+              <a:t> list | grep “thong”</a:t>
+            </a:r>
+          </a:p>
+          <a:p>
+            <a:pPr marL="0" indent="0">
+              <a:buNone/>
+            </a:pPr>
+            <a:r>
+              <a:rPr lang="en-US" b="1" dirty="0">
+                <a:latin typeface=".VnTime" panose="020B7200000000000000" pitchFamily="34" charset="0"/>
+              </a:rPr>
+              <a:t>Step5</a:t>
+            </a:r>
+            <a:r>
+              <a:rPr lang="en-US" dirty="0">
+                <a:latin typeface=".VnTime" panose="020B7200000000000000" pitchFamily="34" charset="0"/>
+              </a:rPr>
+              <a:t>: </a:t>
+            </a:r>
+            <a:r>
+              <a:rPr lang="en-US" sz="2400" dirty="0" err="1">
+                <a:solidFill>
+                  <a:srgbClr val="000000"/>
+                </a:solidFill>
+                <a:latin typeface=".VnTime" panose="020B7200000000000000" pitchFamily="34" charset="0"/>
+              </a:rPr>
+              <a:t>colcon</a:t>
+            </a:r>
+            <a:r>
+              <a:rPr lang="en-US" sz="2400" dirty="0">
+                <a:solidFill>
+                  <a:srgbClr val="000000"/>
+                </a:solidFill>
+                <a:latin typeface=".VnTime" panose="020B7200000000000000" pitchFamily="34" charset="0"/>
+              </a:rPr>
+              <a:t> build --packages-</a:t>
+            </a:r>
+            <a:r>
+              <a:rPr lang="en-US" sz="2400" dirty="0">
+                <a:solidFill>
+                  <a:srgbClr val="0000FF"/>
+                </a:solidFill>
+                <a:latin typeface=".VnTime" panose="020B7200000000000000" pitchFamily="34" charset="0"/>
+              </a:rPr>
+              <a:t>select</a:t>
+            </a:r>
+            <a:r>
+              <a:rPr lang="en-US" sz="2400" dirty="0">
+                <a:solidFill>
+                  <a:srgbClr val="000000"/>
+                </a:solidFill>
+                <a:latin typeface=".VnTime" panose="020B7200000000000000" pitchFamily="34" charset="0"/>
+              </a:rPr>
+              <a:t> --allow-overriding  </a:t>
+            </a:r>
+            <a:r>
+              <a:rPr lang="en-US" sz="1800" dirty="0" err="1">
+                <a:solidFill>
+                  <a:srgbClr val="000000"/>
+                </a:solidFill>
+                <a:latin typeface="Consolas" panose="020B0609020204030204" pitchFamily="49" charset="0"/>
+              </a:rPr>
+              <a:t>thong_ipc</a:t>
+            </a:r>
+            <a:endParaRPr lang="en-US" sz="2400" dirty="0">
+              <a:solidFill>
+                <a:srgbClr val="000000"/>
+              </a:solidFill>
+              <a:latin typeface=".VnTime" panose="020B7200000000000000" pitchFamily="34" charset="0"/>
+            </a:endParaRPr>
+          </a:p>
+          <a:p>
+            <a:pPr marL="0" indent="0">
+              <a:buNone/>
+            </a:pPr>
+            <a:r>
+              <a:rPr lang="en-US" b="1" dirty="0">
+                <a:latin typeface=".VnTime" panose="020B7200000000000000" pitchFamily="34" charset="0"/>
+              </a:rPr>
+              <a:t>Step6</a:t>
+            </a:r>
+            <a:r>
+              <a:rPr lang="en-US" sz="2400" dirty="0">
+                <a:solidFill>
+                  <a:srgbClr val="000000"/>
+                </a:solidFill>
+                <a:latin typeface=".VnTime" panose="020B7200000000000000" pitchFamily="34" charset="0"/>
+              </a:rPr>
+              <a:t>:  . ~/ros2_galactic/install/</a:t>
+            </a:r>
+            <a:r>
+              <a:rPr lang="en-US" sz="2400" dirty="0" err="1">
+                <a:solidFill>
+                  <a:srgbClr val="000000"/>
+                </a:solidFill>
+                <a:latin typeface=".VnTime" panose="020B7200000000000000" pitchFamily="34" charset="0"/>
+              </a:rPr>
+              <a:t>local_setup.bash</a:t>
+            </a:r>
+            <a:endParaRPr lang="en-US" sz="2400" dirty="0">
+              <a:latin typeface=".VnTime" panose="020B7200000000000000" pitchFamily="34" charset="0"/>
+            </a:endParaRPr>
+          </a:p>
+          <a:p>
+            <a:pPr marL="0" indent="0">
+              <a:buNone/>
+            </a:pPr>
+            <a:r>
+              <a:rPr lang="en-US" b="1" dirty="0"/>
+              <a:t>Step7: </a:t>
+            </a:r>
+            <a:r>
+              <a:rPr lang="en-US" dirty="0"/>
+              <a:t> ros2 run </a:t>
+            </a:r>
+            <a:r>
+              <a:rPr lang="en-US" sz="2800" dirty="0" err="1">
+                <a:solidFill>
+                  <a:srgbClr val="000000"/>
+                </a:solidFill>
+                <a:latin typeface=".VnTime" panose="020B7200000000000000" pitchFamily="34" charset="0"/>
+              </a:rPr>
+              <a:t>ipc</a:t>
+            </a:r>
+            <a:r>
+              <a:rPr lang="en-US" sz="2800" dirty="0">
+                <a:solidFill>
+                  <a:srgbClr val="000000"/>
+                </a:solidFill>
+                <a:latin typeface=".VnTime" panose="020B7200000000000000" pitchFamily="34" charset="0"/>
+              </a:rPr>
+              <a:t>  </a:t>
+            </a:r>
+            <a:r>
+              <a:rPr lang="en-US" sz="2800" dirty="0" err="1">
+                <a:solidFill>
+                  <a:srgbClr val="000000"/>
+                </a:solidFill>
+                <a:latin typeface=".VnTime" panose="020B7200000000000000" pitchFamily="34" charset="0"/>
+              </a:rPr>
+              <a:t>demo.out</a:t>
+            </a:r>
+            <a:endParaRPr lang="en-US" dirty="0"/>
+          </a:p>
+          <a:p>
+            <a:endParaRPr lang="en-US" dirty="0"/>
+          </a:p>
+          <a:p>
+            <a:endParaRPr lang="en-US" dirty="0"/>
+          </a:p>
+        </p:txBody>
+      </p:sp>
+    </p:spTree>
+    <p:extLst>
+      <p:ext uri="{BB962C8B-B14F-4D97-AF65-F5344CB8AC3E}">
+        <p14:creationId xmlns:p14="http://schemas.microsoft.com/office/powerpoint/2010/main" val="773869563"/>
+      </p:ext>
+    </p:extLst>
+  </p:cSld>
+  <p:clrMapOvr>
+    <a:masterClrMapping/>
+  </p:clrMapOvr>
+</p:sld>
+</file>
+
+<file path=ppt/slides/slide15.xml><?xml version="1.0" encoding="utf-8"?>
+<p:sld xmlns:a="http://schemas.openxmlformats.org/drawingml/2006/main" xmlns:r="http://schemas.openxmlformats.org/officeDocument/2006/relationships" xmlns:p="http://schemas.openxmlformats.org/presentationml/2006/main">
+  <p:cSld>
+    <p:spTree>
+      <p:nvGrpSpPr>
+        <p:cNvPr id="1" name=""/>
+        <p:cNvGrpSpPr/>
+        <p:nvPr/>
+      </p:nvGrpSpPr>
+      <p:grpSpPr>
+        <a:xfrm>
+          <a:off x="0" y="0"/>
+          <a:ext cx="0" cy="0"/>
+          <a:chOff x="0" y="0"/>
+          <a:chExt cx="0" cy="0"/>
+        </a:xfrm>
+      </p:grpSpPr>
+      <p:sp>
+        <p:nvSpPr>
+          <p:cNvPr id="2" name="Title 1">
+            <a:extLst>
+              <a:ext uri="{FF2B5EF4-FFF2-40B4-BE49-F238E27FC236}">
+                <a16:creationId xmlns:a16="http://schemas.microsoft.com/office/drawing/2014/main" id="{AC713B3E-D7D5-4F33-9679-482DD3C67FDE}"/>
+              </a:ext>
+            </a:extLst>
+          </p:cNvPr>
+          <p:cNvSpPr>
+            <a:spLocks noGrp="1"/>
+          </p:cNvSpPr>
+          <p:nvPr>
+            <p:ph type="title"/>
+          </p:nvPr>
+        </p:nvSpPr>
+        <p:spPr>
+          <a:xfrm>
+            <a:off x="616527" y="162213"/>
+            <a:ext cx="10515600" cy="815975"/>
+          </a:xfrm>
+        </p:spPr>
+        <p:txBody>
+          <a:bodyPr/>
+          <a:lstStyle/>
+          <a:p>
+            <a:r>
+              <a:rPr lang="en-US" b="1" dirty="0"/>
               <a:t>Build  source from ros2</a:t>
             </a:r>
           </a:p>
@@ -4860,7 +4974,7 @@
 </p:sld>
 </file>
 
-<file path=ppt/slides/slide15.xml><?xml version="1.0" encoding="utf-8"?>
+<file path=ppt/slides/slide16.xml><?xml version="1.0" encoding="utf-8"?>
 <p:sld xmlns:a="http://schemas.openxmlformats.org/drawingml/2006/main" xmlns:r="http://schemas.openxmlformats.org/officeDocument/2006/relationships" xmlns:p="http://schemas.openxmlformats.org/presentationml/2006/main">
   <p:cSld>
     <p:spTree>
@@ -5180,75 +5294,6 @@
       </p:grpSpPr>
       <p:sp>
         <p:nvSpPr>
-          <p:cNvPr id="5" name="TextBox 4">
-            <a:extLst>
-              <a:ext uri="{FF2B5EF4-FFF2-40B4-BE49-F238E27FC236}">
-                <a16:creationId xmlns:a16="http://schemas.microsoft.com/office/drawing/2014/main" id="{780FF4E9-E0D8-4897-AF42-75212942A34F}"/>
-              </a:ext>
-            </a:extLst>
-          </p:cNvPr>
-          <p:cNvSpPr txBox="1"/>
-          <p:nvPr/>
-        </p:nvSpPr>
-        <p:spPr>
-          <a:xfrm>
-            <a:off x="1432737" y="660622"/>
-            <a:ext cx="7158370" cy="1754326"/>
-          </a:xfrm>
-          <a:prstGeom prst="rect">
-            <a:avLst/>
-          </a:prstGeom>
-          <a:noFill/>
-        </p:spPr>
-        <p:txBody>
-          <a:bodyPr wrap="square">
-            <a:spAutoFit/>
-          </a:bodyPr>
-          <a:lstStyle/>
-          <a:p>
-            <a:r>
-              <a:rPr lang="en-US" b="1" dirty="0"/>
-              <a:t>Nodes </a:t>
-            </a:r>
-            <a:r>
-              <a:rPr lang="en-US" b="1" dirty="0">
-                <a:hlinkClick r:id="rId2"/>
-              </a:rPr>
-              <a:t>https://github.com/ros2/examples/tree/master/rclcpp/</a:t>
-            </a:r>
-            <a:r>
-              <a:rPr lang="en-US" b="1" dirty="0"/>
-              <a:t> </a:t>
-            </a:r>
-          </a:p>
-          <a:p>
-            <a:endParaRPr lang="en-US" b="1" dirty="0"/>
-          </a:p>
-          <a:p>
-            <a:r>
-              <a:rPr lang="en-US" b="1" dirty="0"/>
-              <a:t>Topics</a:t>
-            </a:r>
-          </a:p>
-          <a:p>
-            <a:r>
-              <a:rPr lang="en-US" b="1" dirty="0"/>
-              <a:t>Services</a:t>
-            </a:r>
-          </a:p>
-          <a:p>
-            <a:r>
-              <a:rPr lang="en-US" b="1" dirty="0"/>
-              <a:t>Parameter server</a:t>
-            </a:r>
-          </a:p>
-          <a:p>
-            <a:endParaRPr lang="en-US" b="1" dirty="0"/>
-          </a:p>
-        </p:txBody>
-      </p:sp>
-      <p:sp>
-        <p:nvSpPr>
           <p:cNvPr id="2" name="AutoShape 2" descr="Understanding ROS 2 actions — ROS 2 Documentation: Foxy documentation">
             <a:extLst>
               <a:ext uri="{FF2B5EF4-FFF2-40B4-BE49-F238E27FC236}">
@@ -5292,59 +5337,137 @@
           </a:p>
         </p:txBody>
       </p:sp>
-      <p:pic>
-        <p:nvPicPr>
-          <p:cNvPr id="1028" name="Picture 4">
-            <a:extLst>
-              <a:ext uri="{FF2B5EF4-FFF2-40B4-BE49-F238E27FC236}">
-                <a16:creationId xmlns:a16="http://schemas.microsoft.com/office/drawing/2014/main" id="{747A0361-DE50-4E27-A918-5C1697581B55}"/>
-              </a:ext>
-            </a:extLst>
-          </p:cNvPr>
-          <p:cNvPicPr>
-            <a:picLocks noChangeAspect="1" noChangeArrowheads="1" noCrop="1"/>
-          </p:cNvPicPr>
+      <p:sp>
+        <p:nvSpPr>
+          <p:cNvPr id="3" name="Rectangle 2">
+            <a:extLst>
+              <a:ext uri="{FF2B5EF4-FFF2-40B4-BE49-F238E27FC236}">
+                <a16:creationId xmlns:a16="http://schemas.microsoft.com/office/drawing/2014/main" id="{B0A798AE-663D-4158-B471-06DAFFCAE51B}"/>
+              </a:ext>
+            </a:extLst>
+          </p:cNvPr>
+          <p:cNvSpPr/>
           <p:nvPr/>
-        </p:nvPicPr>
-        <p:blipFill>
-          <a:blip r:embed="rId3">
-            <a:extLst>
-              <a:ext uri="{28A0092B-C50C-407E-A947-70E740481C1C}">
-                <a14:useLocalDpi xmlns:a14="http://schemas.microsoft.com/office/drawing/2010/main" val="0"/>
-              </a:ext>
-            </a:extLst>
-          </a:blip>
-          <a:srcRect/>
-          <a:stretch>
-            <a:fillRect/>
-          </a:stretch>
-        </p:blipFill>
-        <p:spPr bwMode="auto">
-          <a:xfrm>
-            <a:off x="4053280" y="1594884"/>
-            <a:ext cx="7375169" cy="4145294"/>
+        </p:nvSpPr>
+        <p:spPr>
+          <a:xfrm>
+            <a:off x="1679944" y="1158950"/>
+            <a:ext cx="7740503" cy="1254641"/>
+          </a:xfrm>
+          <a:prstGeom prst="rect">
+            <a:avLst/>
+          </a:prstGeom>
+        </p:spPr>
+        <p:style>
+          <a:lnRef idx="1">
+            <a:schemeClr val="accent6"/>
+          </a:lnRef>
+          <a:fillRef idx="2">
+            <a:schemeClr val="accent6"/>
+          </a:fillRef>
+          <a:effectRef idx="1">
+            <a:schemeClr val="accent6"/>
+          </a:effectRef>
+          <a:fontRef idx="minor">
+            <a:schemeClr val="dk1"/>
+          </a:fontRef>
+        </p:style>
+        <p:txBody>
+          <a:bodyPr rtlCol="0" anchor="ctr"/>
+          <a:lstStyle/>
+          <a:p>
+            <a:pPr algn="ctr"/>
+            <a:endParaRPr lang="en-US"/>
+          </a:p>
+        </p:txBody>
+      </p:sp>
+      <p:sp>
+        <p:nvSpPr>
+          <p:cNvPr id="5" name="Rectangle 4">
+            <a:extLst>
+              <a:ext uri="{FF2B5EF4-FFF2-40B4-BE49-F238E27FC236}">
+                <a16:creationId xmlns:a16="http://schemas.microsoft.com/office/drawing/2014/main" id="{3E163C3D-58B9-4A40-A308-6A0A448CE2C8}"/>
+              </a:ext>
+            </a:extLst>
+          </p:cNvPr>
+          <p:cNvSpPr/>
+          <p:nvPr/>
+        </p:nvSpPr>
+        <p:spPr>
+          <a:xfrm>
+            <a:off x="1679944" y="4157330"/>
+            <a:ext cx="7910623" cy="1726386"/>
+          </a:xfrm>
+          <a:prstGeom prst="rect">
+            <a:avLst/>
+          </a:prstGeom>
+        </p:spPr>
+        <p:style>
+          <a:lnRef idx="2">
+            <a:schemeClr val="accent1">
+              <a:shade val="50000"/>
+            </a:schemeClr>
+          </a:lnRef>
+          <a:fillRef idx="1">
+            <a:schemeClr val="accent1"/>
+          </a:fillRef>
+          <a:effectRef idx="0">
+            <a:schemeClr val="accent1"/>
+          </a:effectRef>
+          <a:fontRef idx="minor">
+            <a:schemeClr val="lt1"/>
+          </a:fontRef>
+        </p:style>
+        <p:txBody>
+          <a:bodyPr rtlCol="0" anchor="ctr"/>
+          <a:lstStyle/>
+          <a:p>
+            <a:pPr algn="ctr"/>
+            <a:endParaRPr lang="en-US"/>
+          </a:p>
+        </p:txBody>
+      </p:sp>
+      <p:sp>
+        <p:nvSpPr>
+          <p:cNvPr id="6" name="TextBox 5">
+            <a:extLst>
+              <a:ext uri="{FF2B5EF4-FFF2-40B4-BE49-F238E27FC236}">
+                <a16:creationId xmlns:a16="http://schemas.microsoft.com/office/drawing/2014/main" id="{E6C2518D-B6E6-48EC-B1F4-DA4832DBA025}"/>
+              </a:ext>
+            </a:extLst>
+          </p:cNvPr>
+          <p:cNvSpPr txBox="1"/>
+          <p:nvPr/>
+        </p:nvSpPr>
+        <p:spPr>
+          <a:xfrm>
+            <a:off x="1740195" y="1250753"/>
+            <a:ext cx="765544" cy="369332"/>
           </a:xfrm>
           <a:prstGeom prst="rect">
             <a:avLst/>
           </a:prstGeom>
           <a:noFill/>
-          <a:extLst>
-            <a:ext uri="{909E8E84-426E-40DD-AFC4-6F175D3DCCD1}">
-              <a14:hiddenFill xmlns:a14="http://schemas.microsoft.com/office/drawing/2010/main">
-                <a:solidFill>
-                  <a:srgbClr val="FFFFFF"/>
-                </a:solidFill>
-              </a14:hiddenFill>
-            </a:ext>
-          </a:extLst>
-        </p:spPr>
-      </p:pic>
-      <p:sp>
-        <p:nvSpPr>
-          <p:cNvPr id="6" name="TextBox 5">
-            <a:extLst>
-              <a:ext uri="{FF2B5EF4-FFF2-40B4-BE49-F238E27FC236}">
-                <a16:creationId xmlns:a16="http://schemas.microsoft.com/office/drawing/2014/main" id="{67A7958B-C7AB-4824-8BD8-EC67FF565339}"/>
+        </p:spPr>
+        <p:txBody>
+          <a:bodyPr wrap="square" rtlCol="0">
+            <a:spAutoFit/>
+          </a:bodyPr>
+          <a:lstStyle/>
+          <a:p>
+            <a:r>
+              <a:rPr lang="en-US" dirty="0"/>
+              <a:t>Client</a:t>
+            </a:r>
+          </a:p>
+        </p:txBody>
+      </p:sp>
+      <p:sp>
+        <p:nvSpPr>
+          <p:cNvPr id="7" name="TextBox 6">
+            <a:extLst>
+              <a:ext uri="{FF2B5EF4-FFF2-40B4-BE49-F238E27FC236}">
+                <a16:creationId xmlns:a16="http://schemas.microsoft.com/office/drawing/2014/main" id="{63F3476F-FD38-42E5-9158-E60B9609345B}"/>
               </a:ext>
             </a:extLst>
           </p:cNvPr>
@@ -5353,8 +5476,8 @@
         </p:nvSpPr>
         <p:spPr>
           <a:xfrm>
-            <a:off x="797442" y="5874212"/>
-            <a:ext cx="8306686" cy="646331"/>
+            <a:off x="1782725" y="4150632"/>
+            <a:ext cx="1148316" cy="369332"/>
           </a:xfrm>
           <a:prstGeom prst="rect">
             <a:avLst/>
@@ -5362,28 +5485,1120 @@
           <a:noFill/>
         </p:spPr>
         <p:txBody>
+          <a:bodyPr wrap="square" rtlCol="0">
+            <a:spAutoFit/>
+          </a:bodyPr>
+          <a:lstStyle/>
+          <a:p>
+            <a:r>
+              <a:rPr lang="en-US" dirty="0"/>
+              <a:t>Server</a:t>
+            </a:r>
+          </a:p>
+        </p:txBody>
+      </p:sp>
+      <p:sp>
+        <p:nvSpPr>
+          <p:cNvPr id="8" name="Rectangle: Rounded Corners 7">
+            <a:extLst>
+              <a:ext uri="{FF2B5EF4-FFF2-40B4-BE49-F238E27FC236}">
+                <a16:creationId xmlns:a16="http://schemas.microsoft.com/office/drawing/2014/main" id="{528EE51E-1AB8-41C5-BF3A-00C5361262A3}"/>
+              </a:ext>
+            </a:extLst>
+          </p:cNvPr>
+          <p:cNvSpPr/>
+          <p:nvPr/>
+        </p:nvSpPr>
+        <p:spPr>
+          <a:xfrm>
+            <a:off x="2456121" y="1469131"/>
+            <a:ext cx="1711842" cy="603730"/>
+          </a:xfrm>
+          <a:prstGeom prst="roundRect">
+            <a:avLst/>
+          </a:prstGeom>
+        </p:spPr>
+        <p:style>
+          <a:lnRef idx="2">
+            <a:schemeClr val="accent6">
+              <a:shade val="50000"/>
+            </a:schemeClr>
+          </a:lnRef>
+          <a:fillRef idx="1">
+            <a:schemeClr val="accent6"/>
+          </a:fillRef>
+          <a:effectRef idx="0">
+            <a:schemeClr val="accent6"/>
+          </a:effectRef>
+          <a:fontRef idx="minor">
+            <a:schemeClr val="lt1"/>
+          </a:fontRef>
+        </p:style>
+        <p:txBody>
+          <a:bodyPr rtlCol="0" anchor="ctr"/>
+          <a:lstStyle/>
+          <a:p>
+            <a:pPr algn="ctr"/>
+            <a:endParaRPr lang="en-US" b="1" i="0" dirty="0">
+              <a:solidFill>
+                <a:srgbClr val="374759"/>
+              </a:solidFill>
+              <a:effectLst/>
+              <a:latin typeface="Roboto" panose="02000000000000000000" pitchFamily="2" charset="0"/>
+            </a:endParaRPr>
+          </a:p>
+          <a:p>
+            <a:pPr algn="ctr"/>
+            <a:r>
+              <a:rPr lang="en-US" b="1" dirty="0">
+                <a:solidFill>
+                  <a:srgbClr val="374759"/>
+                </a:solidFill>
+                <a:latin typeface="Roboto" panose="02000000000000000000" pitchFamily="2" charset="0"/>
+              </a:rPr>
+              <a:t>B</a:t>
+            </a:r>
+            <a:r>
+              <a:rPr lang="en-US" b="1" i="0" dirty="0">
+                <a:solidFill>
+                  <a:srgbClr val="374759"/>
+                </a:solidFill>
+                <a:effectLst/>
+                <a:latin typeface="Roboto" panose="02000000000000000000" pitchFamily="2" charset="0"/>
+              </a:rPr>
+              <a:t>locking </a:t>
+            </a:r>
+            <a:endParaRPr lang="en-US" b="0" i="0" dirty="0">
+              <a:solidFill>
+                <a:srgbClr val="374759"/>
+              </a:solidFill>
+              <a:effectLst/>
+              <a:latin typeface="Roboto" panose="02000000000000000000" pitchFamily="2" charset="0"/>
+            </a:endParaRPr>
+          </a:p>
+          <a:p>
+            <a:pPr algn="ctr"/>
+            <a:endParaRPr lang="en-US" dirty="0"/>
+          </a:p>
+        </p:txBody>
+      </p:sp>
+      <p:sp>
+        <p:nvSpPr>
+          <p:cNvPr id="10" name="Rectangle: Rounded Corners 9">
+            <a:extLst>
+              <a:ext uri="{FF2B5EF4-FFF2-40B4-BE49-F238E27FC236}">
+                <a16:creationId xmlns:a16="http://schemas.microsoft.com/office/drawing/2014/main" id="{20B1AC00-1DFD-4513-977B-BF17B128F4A6}"/>
+              </a:ext>
+            </a:extLst>
+          </p:cNvPr>
+          <p:cNvSpPr/>
+          <p:nvPr/>
+        </p:nvSpPr>
+        <p:spPr>
+          <a:xfrm>
+            <a:off x="4862624" y="1473025"/>
+            <a:ext cx="1711842" cy="603730"/>
+          </a:xfrm>
+          <a:prstGeom prst="roundRect">
+            <a:avLst/>
+          </a:prstGeom>
+        </p:spPr>
+        <p:style>
+          <a:lnRef idx="2">
+            <a:schemeClr val="accent6">
+              <a:shade val="50000"/>
+            </a:schemeClr>
+          </a:lnRef>
+          <a:fillRef idx="1">
+            <a:schemeClr val="accent6"/>
+          </a:fillRef>
+          <a:effectRef idx="0">
+            <a:schemeClr val="accent6"/>
+          </a:effectRef>
+          <a:fontRef idx="minor">
+            <a:schemeClr val="lt1"/>
+          </a:fontRef>
+        </p:style>
+        <p:txBody>
+          <a:bodyPr rtlCol="0" anchor="ctr"/>
+          <a:lstStyle/>
+          <a:p>
+            <a:pPr algn="ctr"/>
+            <a:endParaRPr lang="en-US" b="1" i="0" dirty="0">
+              <a:solidFill>
+                <a:srgbClr val="374759"/>
+              </a:solidFill>
+              <a:effectLst/>
+              <a:latin typeface="Roboto" panose="02000000000000000000" pitchFamily="2" charset="0"/>
+            </a:endParaRPr>
+          </a:p>
+          <a:p>
+            <a:pPr algn="ctr"/>
+            <a:r>
+              <a:rPr lang="en-US" b="1" dirty="0">
+                <a:solidFill>
+                  <a:srgbClr val="374759"/>
+                </a:solidFill>
+                <a:latin typeface="Roboto" panose="02000000000000000000" pitchFamily="2" charset="0"/>
+              </a:rPr>
+              <a:t>N</a:t>
+            </a:r>
+            <a:r>
+              <a:rPr lang="en-US" b="1" i="0" dirty="0">
+                <a:solidFill>
+                  <a:srgbClr val="374759"/>
+                </a:solidFill>
+                <a:effectLst/>
+                <a:latin typeface="Roboto" panose="02000000000000000000" pitchFamily="2" charset="0"/>
+              </a:rPr>
+              <a:t>on-blocking </a:t>
+            </a:r>
+            <a:endParaRPr lang="en-US" b="0" i="0" dirty="0">
+              <a:solidFill>
+                <a:srgbClr val="374759"/>
+              </a:solidFill>
+              <a:effectLst/>
+              <a:latin typeface="Roboto" panose="02000000000000000000" pitchFamily="2" charset="0"/>
+            </a:endParaRPr>
+          </a:p>
+          <a:p>
+            <a:pPr algn="ctr"/>
+            <a:endParaRPr lang="en-US" dirty="0"/>
+          </a:p>
+        </p:txBody>
+      </p:sp>
+      <p:sp>
+        <p:nvSpPr>
+          <p:cNvPr id="12" name="Rectangle: Rounded Corners 11">
+            <a:extLst>
+              <a:ext uri="{FF2B5EF4-FFF2-40B4-BE49-F238E27FC236}">
+                <a16:creationId xmlns:a16="http://schemas.microsoft.com/office/drawing/2014/main" id="{0DBFD8E9-8184-41BB-9F8C-6D8131502D64}"/>
+              </a:ext>
+            </a:extLst>
+          </p:cNvPr>
+          <p:cNvSpPr/>
+          <p:nvPr/>
+        </p:nvSpPr>
+        <p:spPr>
+          <a:xfrm>
+            <a:off x="7214193" y="1469131"/>
+            <a:ext cx="1711842" cy="603730"/>
+          </a:xfrm>
+          <a:prstGeom prst="roundRect">
+            <a:avLst/>
+          </a:prstGeom>
+        </p:spPr>
+        <p:style>
+          <a:lnRef idx="2">
+            <a:schemeClr val="accent6">
+              <a:shade val="50000"/>
+            </a:schemeClr>
+          </a:lnRef>
+          <a:fillRef idx="1">
+            <a:schemeClr val="accent6"/>
+          </a:fillRef>
+          <a:effectRef idx="0">
+            <a:schemeClr val="accent6"/>
+          </a:effectRef>
+          <a:fontRef idx="minor">
+            <a:schemeClr val="lt1"/>
+          </a:fontRef>
+        </p:style>
+        <p:txBody>
+          <a:bodyPr rtlCol="0" anchor="ctr"/>
+          <a:lstStyle/>
+          <a:p>
+            <a:pPr algn="ctr"/>
+            <a:endParaRPr lang="en-US" b="1" i="0" dirty="0">
+              <a:solidFill>
+                <a:srgbClr val="374759"/>
+              </a:solidFill>
+              <a:effectLst/>
+              <a:latin typeface="Roboto" panose="02000000000000000000" pitchFamily="2" charset="0"/>
+            </a:endParaRPr>
+          </a:p>
+          <a:p>
+            <a:pPr algn="ctr"/>
+            <a:r>
+              <a:rPr lang="en-US" b="1" i="0" dirty="0">
+                <a:solidFill>
+                  <a:srgbClr val="374759"/>
+                </a:solidFill>
+                <a:effectLst/>
+                <a:latin typeface="Roboto" panose="02000000000000000000" pitchFamily="2" charset="0"/>
+              </a:rPr>
+              <a:t>Notification</a:t>
+            </a:r>
+            <a:endParaRPr lang="en-US" b="0" i="0" dirty="0">
+              <a:solidFill>
+                <a:srgbClr val="374759"/>
+              </a:solidFill>
+              <a:effectLst/>
+              <a:latin typeface="Roboto" panose="02000000000000000000" pitchFamily="2" charset="0"/>
+            </a:endParaRPr>
+          </a:p>
+          <a:p>
+            <a:pPr algn="ctr"/>
+            <a:endParaRPr lang="en-US" dirty="0"/>
+          </a:p>
+        </p:txBody>
+      </p:sp>
+      <p:cxnSp>
+        <p:nvCxnSpPr>
+          <p:cNvPr id="16" name="Straight Arrow Connector 15">
+            <a:extLst>
+              <a:ext uri="{FF2B5EF4-FFF2-40B4-BE49-F238E27FC236}">
+                <a16:creationId xmlns:a16="http://schemas.microsoft.com/office/drawing/2014/main" id="{0A1525A4-4BF3-4F69-BAEE-4A5F061A9B15}"/>
+              </a:ext>
+            </a:extLst>
+          </p:cNvPr>
+          <p:cNvCxnSpPr>
+            <a:cxnSpLocks/>
+            <a:stCxn id="14" idx="0"/>
+            <a:endCxn id="12" idx="2"/>
+          </p:cNvCxnSpPr>
+          <p:nvPr/>
+        </p:nvCxnSpPr>
+        <p:spPr>
+          <a:xfrm flipH="1" flipV="1">
+            <a:off x="8070114" y="2072861"/>
+            <a:ext cx="33668" cy="2286487"/>
+          </a:xfrm>
+          <a:prstGeom prst="straightConnector1">
+            <a:avLst/>
+          </a:prstGeom>
+          <a:ln w="9525" cap="flat" cmpd="sng" algn="ctr">
+            <a:solidFill>
+              <a:schemeClr val="accent4"/>
+            </a:solidFill>
+            <a:prstDash val="dash"/>
+            <a:round/>
+            <a:headEnd type="none" w="med" len="med"/>
+            <a:tailEnd type="none" w="med" len="med"/>
+          </a:ln>
+        </p:spPr>
+        <p:style>
+          <a:lnRef idx="0">
+            <a:scrgbClr r="0" g="0" b="0"/>
+          </a:lnRef>
+          <a:fillRef idx="0">
+            <a:scrgbClr r="0" g="0" b="0"/>
+          </a:fillRef>
+          <a:effectRef idx="0">
+            <a:scrgbClr r="0" g="0" b="0"/>
+          </a:effectRef>
+          <a:fontRef idx="minor">
+            <a:schemeClr val="tx1"/>
+          </a:fontRef>
+        </p:style>
+      </p:cxnSp>
+      <p:cxnSp>
+        <p:nvCxnSpPr>
+          <p:cNvPr id="18" name="Straight Arrow Connector 17">
+            <a:extLst>
+              <a:ext uri="{FF2B5EF4-FFF2-40B4-BE49-F238E27FC236}">
+                <a16:creationId xmlns:a16="http://schemas.microsoft.com/office/drawing/2014/main" id="{EF873170-7783-4968-B7B3-4177D996C020}"/>
+              </a:ext>
+            </a:extLst>
+          </p:cNvPr>
+          <p:cNvCxnSpPr>
+            <a:cxnSpLocks/>
+          </p:cNvCxnSpPr>
+          <p:nvPr/>
+        </p:nvCxnSpPr>
+        <p:spPr>
+          <a:xfrm>
+            <a:off x="2987749" y="2030819"/>
+            <a:ext cx="0" cy="2126511"/>
+          </a:xfrm>
+          <a:prstGeom prst="straightConnector1">
+            <a:avLst/>
+          </a:prstGeom>
+          <a:ln>
+            <a:tailEnd type="triangle"/>
+          </a:ln>
+        </p:spPr>
+        <p:style>
+          <a:lnRef idx="1">
+            <a:schemeClr val="accent1"/>
+          </a:lnRef>
+          <a:fillRef idx="0">
+            <a:schemeClr val="accent1"/>
+          </a:fillRef>
+          <a:effectRef idx="0">
+            <a:schemeClr val="accent1"/>
+          </a:effectRef>
+          <a:fontRef idx="minor">
+            <a:schemeClr val="tx1"/>
+          </a:fontRef>
+        </p:style>
+      </p:cxnSp>
+      <p:cxnSp>
+        <p:nvCxnSpPr>
+          <p:cNvPr id="21" name="Straight Arrow Connector 20">
+            <a:extLst>
+              <a:ext uri="{FF2B5EF4-FFF2-40B4-BE49-F238E27FC236}">
+                <a16:creationId xmlns:a16="http://schemas.microsoft.com/office/drawing/2014/main" id="{426229A1-61A4-4B7D-84B4-087BDB2CAD00}"/>
+              </a:ext>
+            </a:extLst>
+          </p:cNvPr>
+          <p:cNvCxnSpPr>
+            <a:endCxn id="8" idx="2"/>
+          </p:cNvCxnSpPr>
+          <p:nvPr/>
+        </p:nvCxnSpPr>
+        <p:spPr>
+          <a:xfrm flipH="1" flipV="1">
+            <a:off x="3312042" y="2072861"/>
+            <a:ext cx="21265" cy="2107572"/>
+          </a:xfrm>
+          <a:prstGeom prst="straightConnector1">
+            <a:avLst/>
+          </a:prstGeom>
+          <a:ln>
+            <a:tailEnd type="triangle"/>
+          </a:ln>
+        </p:spPr>
+        <p:style>
+          <a:lnRef idx="1">
+            <a:schemeClr val="accent1"/>
+          </a:lnRef>
+          <a:fillRef idx="0">
+            <a:schemeClr val="accent1"/>
+          </a:fillRef>
+          <a:effectRef idx="0">
+            <a:schemeClr val="accent1"/>
+          </a:effectRef>
+          <a:fontRef idx="minor">
+            <a:schemeClr val="tx1"/>
+          </a:fontRef>
+        </p:style>
+      </p:cxnSp>
+      <p:cxnSp>
+        <p:nvCxnSpPr>
+          <p:cNvPr id="24" name="Straight Arrow Connector 23">
+            <a:extLst>
+              <a:ext uri="{FF2B5EF4-FFF2-40B4-BE49-F238E27FC236}">
+                <a16:creationId xmlns:a16="http://schemas.microsoft.com/office/drawing/2014/main" id="{894A10B4-A17E-4299-8EC1-0A7A31DF50F5}"/>
+              </a:ext>
+            </a:extLst>
+          </p:cNvPr>
+          <p:cNvCxnSpPr>
+            <a:cxnSpLocks/>
+          </p:cNvCxnSpPr>
+          <p:nvPr/>
+        </p:nvCxnSpPr>
+        <p:spPr>
+          <a:xfrm>
+            <a:off x="5277294" y="2030819"/>
+            <a:ext cx="0" cy="2126511"/>
+          </a:xfrm>
+          <a:prstGeom prst="straightConnector1">
+            <a:avLst/>
+          </a:prstGeom>
+          <a:ln>
+            <a:tailEnd type="triangle"/>
+          </a:ln>
+        </p:spPr>
+        <p:style>
+          <a:lnRef idx="1">
+            <a:schemeClr val="accent6"/>
+          </a:lnRef>
+          <a:fillRef idx="0">
+            <a:schemeClr val="accent6"/>
+          </a:fillRef>
+          <a:effectRef idx="0">
+            <a:schemeClr val="accent6"/>
+          </a:effectRef>
+          <a:fontRef idx="minor">
+            <a:schemeClr val="tx1"/>
+          </a:fontRef>
+        </p:style>
+      </p:cxnSp>
+      <p:cxnSp>
+        <p:nvCxnSpPr>
+          <p:cNvPr id="28" name="Straight Arrow Connector 27">
+            <a:extLst>
+              <a:ext uri="{FF2B5EF4-FFF2-40B4-BE49-F238E27FC236}">
+                <a16:creationId xmlns:a16="http://schemas.microsoft.com/office/drawing/2014/main" id="{93FE7EED-2E1E-4C6E-91E2-250094FE2F85}"/>
+              </a:ext>
+            </a:extLst>
+          </p:cNvPr>
+          <p:cNvCxnSpPr/>
+          <p:nvPr/>
+        </p:nvCxnSpPr>
+        <p:spPr>
+          <a:xfrm flipV="1">
+            <a:off x="6096000" y="2049758"/>
+            <a:ext cx="0" cy="2107572"/>
+          </a:xfrm>
+          <a:prstGeom prst="straightConnector1">
+            <a:avLst/>
+          </a:prstGeom>
+          <a:ln w="9525" cap="flat" cmpd="sng" algn="ctr">
+            <a:solidFill>
+              <a:schemeClr val="accent4"/>
+            </a:solidFill>
+            <a:prstDash val="dash"/>
+            <a:round/>
+            <a:headEnd type="none" w="med" len="med"/>
+            <a:tailEnd type="none" w="med" len="med"/>
+          </a:ln>
+        </p:spPr>
+        <p:style>
+          <a:lnRef idx="0">
+            <a:scrgbClr r="0" g="0" b="0"/>
+          </a:lnRef>
+          <a:fillRef idx="0">
+            <a:scrgbClr r="0" g="0" b="0"/>
+          </a:fillRef>
+          <a:effectRef idx="0">
+            <a:scrgbClr r="0" g="0" b="0"/>
+          </a:effectRef>
+          <a:fontRef idx="minor">
+            <a:schemeClr val="tx1"/>
+          </a:fontRef>
+        </p:style>
+      </p:cxnSp>
+      <p:cxnSp>
+        <p:nvCxnSpPr>
+          <p:cNvPr id="30" name="Straight Arrow Connector 29">
+            <a:extLst>
+              <a:ext uri="{FF2B5EF4-FFF2-40B4-BE49-F238E27FC236}">
+                <a16:creationId xmlns:a16="http://schemas.microsoft.com/office/drawing/2014/main" id="{33FD02C3-EAD0-440E-805D-43A511E7EDCC}"/>
+              </a:ext>
+            </a:extLst>
+          </p:cNvPr>
+          <p:cNvCxnSpPr>
+            <a:cxnSpLocks/>
+          </p:cNvCxnSpPr>
+          <p:nvPr/>
+        </p:nvCxnSpPr>
+        <p:spPr>
+          <a:xfrm flipV="1">
+            <a:off x="6090686" y="2039542"/>
+            <a:ext cx="1" cy="622281"/>
+          </a:xfrm>
+          <a:prstGeom prst="straightConnector1">
+            <a:avLst/>
+          </a:prstGeom>
+          <a:ln>
+            <a:tailEnd type="triangle"/>
+          </a:ln>
+        </p:spPr>
+        <p:style>
+          <a:lnRef idx="1">
+            <a:schemeClr val="accent1"/>
+          </a:lnRef>
+          <a:fillRef idx="0">
+            <a:schemeClr val="accent1"/>
+          </a:fillRef>
+          <a:effectRef idx="0">
+            <a:schemeClr val="accent1"/>
+          </a:effectRef>
+          <a:fontRef idx="minor">
+            <a:schemeClr val="tx1"/>
+          </a:fontRef>
+        </p:style>
+      </p:cxnSp>
+      <p:cxnSp>
+        <p:nvCxnSpPr>
+          <p:cNvPr id="33" name="Straight Arrow Connector 32">
+            <a:extLst>
+              <a:ext uri="{FF2B5EF4-FFF2-40B4-BE49-F238E27FC236}">
+                <a16:creationId xmlns:a16="http://schemas.microsoft.com/office/drawing/2014/main" id="{F090B78F-9A32-44D0-89B2-E0AF455D8437}"/>
+              </a:ext>
+            </a:extLst>
+          </p:cNvPr>
+          <p:cNvCxnSpPr>
+            <a:cxnSpLocks/>
+          </p:cNvCxnSpPr>
+          <p:nvPr/>
+        </p:nvCxnSpPr>
+        <p:spPr>
+          <a:xfrm flipV="1">
+            <a:off x="8093149" y="2076755"/>
+            <a:ext cx="1" cy="622281"/>
+          </a:xfrm>
+          <a:prstGeom prst="straightConnector1">
+            <a:avLst/>
+          </a:prstGeom>
+          <a:ln>
+            <a:tailEnd type="triangle"/>
+          </a:ln>
+        </p:spPr>
+        <p:style>
+          <a:lnRef idx="1">
+            <a:schemeClr val="accent1"/>
+          </a:lnRef>
+          <a:fillRef idx="0">
+            <a:schemeClr val="accent1"/>
+          </a:fillRef>
+          <a:effectRef idx="0">
+            <a:schemeClr val="accent1"/>
+          </a:effectRef>
+          <a:fontRef idx="minor">
+            <a:schemeClr val="tx1"/>
+          </a:fontRef>
+        </p:style>
+      </p:cxnSp>
+      <p:sp>
+        <p:nvSpPr>
+          <p:cNvPr id="34" name="TextBox 33">
+            <a:extLst>
+              <a:ext uri="{FF2B5EF4-FFF2-40B4-BE49-F238E27FC236}">
+                <a16:creationId xmlns:a16="http://schemas.microsoft.com/office/drawing/2014/main" id="{54E30F22-4695-40B5-9C7C-295EA3D69F58}"/>
+              </a:ext>
+            </a:extLst>
+          </p:cNvPr>
+          <p:cNvSpPr txBox="1"/>
+          <p:nvPr/>
+        </p:nvSpPr>
+        <p:spPr>
+          <a:xfrm>
+            <a:off x="6072967" y="3012685"/>
+            <a:ext cx="845287" cy="276999"/>
+          </a:xfrm>
+          <a:prstGeom prst="rect">
+            <a:avLst/>
+          </a:prstGeom>
+          <a:noFill/>
+        </p:spPr>
+        <p:txBody>
+          <a:bodyPr wrap="square" rtlCol="0">
+            <a:spAutoFit/>
+          </a:bodyPr>
+          <a:lstStyle/>
+          <a:p>
+            <a:r>
+              <a:rPr lang="en-US" sz="1200" dirty="0"/>
+              <a:t>Callback</a:t>
+            </a:r>
+          </a:p>
+        </p:txBody>
+      </p:sp>
+      <p:sp>
+        <p:nvSpPr>
+          <p:cNvPr id="35" name="TextBox 34">
+            <a:extLst>
+              <a:ext uri="{FF2B5EF4-FFF2-40B4-BE49-F238E27FC236}">
+                <a16:creationId xmlns:a16="http://schemas.microsoft.com/office/drawing/2014/main" id="{22C999DE-8D73-4BD0-8231-ABECBD017EA4}"/>
+              </a:ext>
+            </a:extLst>
+          </p:cNvPr>
+          <p:cNvSpPr txBox="1"/>
+          <p:nvPr/>
+        </p:nvSpPr>
+        <p:spPr>
+          <a:xfrm>
+            <a:off x="8089604" y="2999601"/>
+            <a:ext cx="845287" cy="276999"/>
+          </a:xfrm>
+          <a:prstGeom prst="rect">
+            <a:avLst/>
+          </a:prstGeom>
+          <a:noFill/>
+        </p:spPr>
+        <p:txBody>
+          <a:bodyPr wrap="square" rtlCol="0">
+            <a:spAutoFit/>
+          </a:bodyPr>
+          <a:lstStyle/>
+          <a:p>
+            <a:r>
+              <a:rPr lang="en-US" sz="1200" dirty="0"/>
+              <a:t>Callback</a:t>
+            </a:r>
+          </a:p>
+        </p:txBody>
+      </p:sp>
+      <p:sp>
+        <p:nvSpPr>
+          <p:cNvPr id="36" name="Title 1">
+            <a:extLst>
+              <a:ext uri="{FF2B5EF4-FFF2-40B4-BE49-F238E27FC236}">
+                <a16:creationId xmlns:a16="http://schemas.microsoft.com/office/drawing/2014/main" id="{1ACF9275-DA96-46D5-BB47-BD1581D54DAA}"/>
+              </a:ext>
+            </a:extLst>
+          </p:cNvPr>
+          <p:cNvSpPr txBox="1">
+            <a:spLocks/>
+          </p:cNvSpPr>
+          <p:nvPr/>
+        </p:nvSpPr>
+        <p:spPr>
+          <a:xfrm>
+            <a:off x="396950" y="181458"/>
+            <a:ext cx="10515600" cy="591805"/>
+          </a:xfrm>
+          <a:prstGeom prst="rect">
+            <a:avLst/>
+          </a:prstGeom>
+        </p:spPr>
+        <p:txBody>
+          <a:bodyPr vert="horz" lIns="91440" tIns="45720" rIns="91440" bIns="45720" rtlCol="0" anchor="b">
+            <a:normAutofit fontScale="67500" lnSpcReduction="20000"/>
+          </a:bodyPr>
+          <a:lstStyle>
+            <a:lvl1pPr algn="ctr" defTabSz="914400" rtl="0" eaLnBrk="1" latinLnBrk="0" hangingPunct="1">
+              <a:lnSpc>
+                <a:spcPct val="90000"/>
+              </a:lnSpc>
+              <a:spcBef>
+                <a:spcPct val="0"/>
+              </a:spcBef>
+              <a:buNone/>
+              <a:defRPr sz="6000" kern="1200">
+                <a:solidFill>
+                  <a:schemeClr val="tx1"/>
+                </a:solidFill>
+                <a:latin typeface="+mj-lt"/>
+                <a:ea typeface="+mj-ea"/>
+                <a:cs typeface="+mj-cs"/>
+              </a:defRPr>
+            </a:lvl1pPr>
+          </a:lstStyle>
+          <a:p>
+            <a:r>
+              <a:rPr lang="en-US" dirty="0"/>
+              <a:t>IPC</a:t>
+            </a:r>
+          </a:p>
+        </p:txBody>
+      </p:sp>
+      <p:sp>
+        <p:nvSpPr>
+          <p:cNvPr id="41" name="Rectangle 40">
+            <a:extLst>
+              <a:ext uri="{FF2B5EF4-FFF2-40B4-BE49-F238E27FC236}">
+                <a16:creationId xmlns:a16="http://schemas.microsoft.com/office/drawing/2014/main" id="{3A41B76B-4710-4CD5-BB96-37F2D672EB48}"/>
+              </a:ext>
+            </a:extLst>
+          </p:cNvPr>
+          <p:cNvSpPr/>
+          <p:nvPr/>
+        </p:nvSpPr>
+        <p:spPr>
+          <a:xfrm>
+            <a:off x="1988288" y="4623263"/>
+            <a:ext cx="2562448" cy="1075787"/>
+          </a:xfrm>
+          <a:prstGeom prst="rect">
+            <a:avLst/>
+          </a:prstGeom>
+        </p:spPr>
+        <p:style>
+          <a:lnRef idx="1">
+            <a:schemeClr val="accent3"/>
+          </a:lnRef>
+          <a:fillRef idx="3">
+            <a:schemeClr val="accent3"/>
+          </a:fillRef>
+          <a:effectRef idx="2">
+            <a:schemeClr val="accent3"/>
+          </a:effectRef>
+          <a:fontRef idx="minor">
+            <a:schemeClr val="lt1"/>
+          </a:fontRef>
+        </p:style>
+        <p:txBody>
+          <a:bodyPr rtlCol="0" anchor="ctr"/>
+          <a:lstStyle/>
+          <a:p>
+            <a:pPr algn="ctr"/>
+            <a:endParaRPr lang="en-US"/>
+          </a:p>
+        </p:txBody>
+      </p:sp>
+      <p:sp>
+        <p:nvSpPr>
+          <p:cNvPr id="9" name="Rectangle: Rounded Corners 8">
+            <a:extLst>
+              <a:ext uri="{FF2B5EF4-FFF2-40B4-BE49-F238E27FC236}">
+                <a16:creationId xmlns:a16="http://schemas.microsoft.com/office/drawing/2014/main" id="{8DB9F0C5-C9B8-4349-8E15-F210E550AA45}"/>
+              </a:ext>
+            </a:extLst>
+          </p:cNvPr>
+          <p:cNvSpPr/>
+          <p:nvPr/>
+        </p:nvSpPr>
+        <p:spPr>
+          <a:xfrm>
+            <a:off x="2498651" y="4348716"/>
+            <a:ext cx="1669312" cy="680484"/>
+          </a:xfrm>
+          <a:prstGeom prst="roundRect">
+            <a:avLst/>
+          </a:prstGeom>
+        </p:spPr>
+        <p:style>
+          <a:lnRef idx="1">
+            <a:schemeClr val="accent3"/>
+          </a:lnRef>
+          <a:fillRef idx="2">
+            <a:schemeClr val="accent3"/>
+          </a:fillRef>
+          <a:effectRef idx="1">
+            <a:schemeClr val="accent3"/>
+          </a:effectRef>
+          <a:fontRef idx="minor">
+            <a:schemeClr val="dk1"/>
+          </a:fontRef>
+        </p:style>
+        <p:txBody>
+          <a:bodyPr rtlCol="0" anchor="ctr"/>
+          <a:lstStyle/>
+          <a:p>
+            <a:pPr algn="ctr"/>
+            <a:r>
+              <a:rPr lang="en-US" dirty="0"/>
+              <a:t>Services</a:t>
+            </a:r>
+          </a:p>
+        </p:txBody>
+      </p:sp>
+      <p:sp>
+        <p:nvSpPr>
+          <p:cNvPr id="40" name="TextBox 39">
+            <a:extLst>
+              <a:ext uri="{FF2B5EF4-FFF2-40B4-BE49-F238E27FC236}">
+                <a16:creationId xmlns:a16="http://schemas.microsoft.com/office/drawing/2014/main" id="{F2354147-F88E-4DD8-B4E7-AE53AF98B76B}"/>
+              </a:ext>
+            </a:extLst>
+          </p:cNvPr>
+          <p:cNvSpPr txBox="1"/>
+          <p:nvPr/>
+        </p:nvSpPr>
+        <p:spPr>
+          <a:xfrm>
+            <a:off x="2505739" y="5124224"/>
+            <a:ext cx="1925379" cy="369332"/>
+          </a:xfrm>
+          <a:prstGeom prst="rect">
+            <a:avLst/>
+          </a:prstGeom>
+          <a:noFill/>
+        </p:spPr>
+        <p:txBody>
           <a:bodyPr wrap="square">
             <a:spAutoFit/>
           </a:bodyPr>
           <a:lstStyle/>
           <a:p>
             <a:r>
-              <a:rPr lang="en-US" dirty="0">
-                <a:hlinkClick r:id="rId4"/>
-              </a:rPr>
-              <a:t>https://docs.ros.org/en/foxy/Tutorials/Understanding-ROS2-Actions.html</a:t>
+              <a:rPr lang="en-US" b="0" i="1" dirty="0">
+                <a:solidFill>
+                  <a:srgbClr val="374759"/>
+                </a:solidFill>
+                <a:effectLst/>
+                <a:latin typeface="Lato" panose="020F0502020204030203" pitchFamily="34" charset="0"/>
+              </a:rPr>
+              <a:t> </a:t>
+            </a:r>
+            <a:r>
+              <a:rPr lang="en-US" b="1" dirty="0">
+                <a:solidFill>
+                  <a:srgbClr val="FF0000"/>
+                </a:solidFill>
+                <a:effectLst/>
+                <a:latin typeface="Lato" panose="020F0502020204030203" pitchFamily="34" charset="0"/>
+              </a:rPr>
+              <a:t>synchronous</a:t>
+            </a:r>
+            <a:r>
+              <a:rPr lang="en-US" b="0" i="1" dirty="0">
+                <a:solidFill>
+                  <a:srgbClr val="374759"/>
+                </a:solidFill>
+                <a:effectLst/>
+                <a:latin typeface="Lato" panose="020F0502020204030203" pitchFamily="34" charset="0"/>
+              </a:rPr>
+              <a:t> </a:t>
             </a:r>
             <a:endParaRPr lang="en-US" dirty="0"/>
           </a:p>
-          <a:p>
+        </p:txBody>
+      </p:sp>
+      <p:sp>
+        <p:nvSpPr>
+          <p:cNvPr id="43" name="Rectangle 42">
+            <a:extLst>
+              <a:ext uri="{FF2B5EF4-FFF2-40B4-BE49-F238E27FC236}">
+                <a16:creationId xmlns:a16="http://schemas.microsoft.com/office/drawing/2014/main" id="{A4F2E998-E560-456C-B486-0D27F8B029E2}"/>
+              </a:ext>
+            </a:extLst>
+          </p:cNvPr>
+          <p:cNvSpPr/>
+          <p:nvPr/>
+        </p:nvSpPr>
+        <p:spPr>
+          <a:xfrm>
+            <a:off x="4862624" y="4623263"/>
+            <a:ext cx="4313274" cy="1075787"/>
+          </a:xfrm>
+          <a:prstGeom prst="rect">
+            <a:avLst/>
+          </a:prstGeom>
+        </p:spPr>
+        <p:style>
+          <a:lnRef idx="1">
+            <a:schemeClr val="accent3"/>
+          </a:lnRef>
+          <a:fillRef idx="3">
+            <a:schemeClr val="accent3"/>
+          </a:fillRef>
+          <a:effectRef idx="2">
+            <a:schemeClr val="accent3"/>
+          </a:effectRef>
+          <a:fontRef idx="minor">
+            <a:schemeClr val="lt1"/>
+          </a:fontRef>
+        </p:style>
+        <p:txBody>
+          <a:bodyPr rtlCol="0" anchor="ctr"/>
+          <a:lstStyle/>
+          <a:p>
+            <a:pPr algn="ctr"/>
+            <a:endParaRPr lang="en-US"/>
+          </a:p>
+        </p:txBody>
+      </p:sp>
+      <p:sp>
+        <p:nvSpPr>
+          <p:cNvPr id="13" name="Rectangle: Rounded Corners 12">
+            <a:extLst>
+              <a:ext uri="{FF2B5EF4-FFF2-40B4-BE49-F238E27FC236}">
+                <a16:creationId xmlns:a16="http://schemas.microsoft.com/office/drawing/2014/main" id="{C3F6D185-F17C-479C-99AB-4185155443F9}"/>
+              </a:ext>
+            </a:extLst>
+          </p:cNvPr>
+          <p:cNvSpPr/>
+          <p:nvPr/>
+        </p:nvSpPr>
+        <p:spPr>
+          <a:xfrm>
+            <a:off x="4905154" y="4359348"/>
+            <a:ext cx="1669312" cy="680484"/>
+          </a:xfrm>
+          <a:prstGeom prst="roundRect">
+            <a:avLst/>
+          </a:prstGeom>
+        </p:spPr>
+        <p:style>
+          <a:lnRef idx="1">
+            <a:schemeClr val="accent3"/>
+          </a:lnRef>
+          <a:fillRef idx="2">
+            <a:schemeClr val="accent3"/>
+          </a:fillRef>
+          <a:effectRef idx="1">
+            <a:schemeClr val="accent3"/>
+          </a:effectRef>
+          <a:fontRef idx="minor">
+            <a:schemeClr val="dk1"/>
+          </a:fontRef>
+        </p:style>
+        <p:txBody>
+          <a:bodyPr rtlCol="0" anchor="ctr"/>
+          <a:lstStyle/>
+          <a:p>
+            <a:pPr algn="ctr"/>
+            <a:r>
+              <a:rPr lang="en-US" dirty="0"/>
+              <a:t>Actions</a:t>
+            </a:r>
+          </a:p>
+        </p:txBody>
+      </p:sp>
+      <p:sp>
+        <p:nvSpPr>
+          <p:cNvPr id="14" name="Rectangle: Rounded Corners 13">
+            <a:extLst>
+              <a:ext uri="{FF2B5EF4-FFF2-40B4-BE49-F238E27FC236}">
+                <a16:creationId xmlns:a16="http://schemas.microsoft.com/office/drawing/2014/main" id="{BD5E4C02-88EC-43AC-BA71-0D96567FDFF1}"/>
+              </a:ext>
+            </a:extLst>
+          </p:cNvPr>
+          <p:cNvSpPr/>
+          <p:nvPr/>
+        </p:nvSpPr>
+        <p:spPr>
+          <a:xfrm>
+            <a:off x="7269126" y="4359348"/>
+            <a:ext cx="1669312" cy="680484"/>
+          </a:xfrm>
+          <a:prstGeom prst="roundRect">
+            <a:avLst/>
+          </a:prstGeom>
+        </p:spPr>
+        <p:style>
+          <a:lnRef idx="1">
+            <a:schemeClr val="accent3"/>
+          </a:lnRef>
+          <a:fillRef idx="2">
+            <a:schemeClr val="accent3"/>
+          </a:fillRef>
+          <a:effectRef idx="1">
+            <a:schemeClr val="accent3"/>
+          </a:effectRef>
+          <a:fontRef idx="minor">
+            <a:schemeClr val="dk1"/>
+          </a:fontRef>
+        </p:style>
+        <p:txBody>
+          <a:bodyPr rtlCol="0" anchor="ctr"/>
+          <a:lstStyle/>
+          <a:p>
+            <a:pPr algn="ctr"/>
+            <a:r>
+              <a:rPr lang="en-US" dirty="0"/>
+              <a:t>Topics</a:t>
+            </a:r>
+          </a:p>
+        </p:txBody>
+      </p:sp>
+      <p:sp>
+        <p:nvSpPr>
+          <p:cNvPr id="38" name="TextBox 37">
+            <a:extLst>
+              <a:ext uri="{FF2B5EF4-FFF2-40B4-BE49-F238E27FC236}">
+                <a16:creationId xmlns:a16="http://schemas.microsoft.com/office/drawing/2014/main" id="{1095D937-97AE-403D-9CA7-810D3FD4753E}"/>
+              </a:ext>
+            </a:extLst>
+          </p:cNvPr>
+          <p:cNvSpPr txBox="1"/>
+          <p:nvPr/>
+        </p:nvSpPr>
+        <p:spPr>
+          <a:xfrm>
+            <a:off x="6165553" y="5140473"/>
+            <a:ext cx="1904561" cy="369332"/>
+          </a:xfrm>
+          <a:prstGeom prst="rect">
+            <a:avLst/>
+          </a:prstGeom>
+          <a:noFill/>
+        </p:spPr>
+        <p:txBody>
+          <a:bodyPr wrap="square">
+            <a:spAutoFit/>
+          </a:bodyPr>
+          <a:lstStyle/>
+          <a:p>
+            <a:r>
+              <a:rPr lang="en-US" b="1" i="1" dirty="0">
+                <a:solidFill>
+                  <a:srgbClr val="FF0000"/>
+                </a:solidFill>
+                <a:effectLst/>
+                <a:latin typeface="Lato" panose="020B0604020202020204" pitchFamily="34" charset="0"/>
+              </a:rPr>
+              <a:t>asynchronous</a:t>
+            </a:r>
+            <a:r>
+              <a:rPr lang="en-US" b="0" i="1" dirty="0">
+                <a:solidFill>
+                  <a:srgbClr val="374759"/>
+                </a:solidFill>
+                <a:effectLst/>
+                <a:latin typeface="Lato" panose="020B0604020202020204" pitchFamily="34" charset="0"/>
+              </a:rPr>
+              <a:t> </a:t>
+            </a:r>
             <a:endParaRPr lang="en-US" dirty="0"/>
           </a:p>
         </p:txBody>
       </p:sp>
+      <p:cxnSp>
+        <p:nvCxnSpPr>
+          <p:cNvPr id="44" name="Straight Arrow Connector 43">
+            <a:extLst>
+              <a:ext uri="{FF2B5EF4-FFF2-40B4-BE49-F238E27FC236}">
+                <a16:creationId xmlns:a16="http://schemas.microsoft.com/office/drawing/2014/main" id="{0FA12F13-7F81-48C8-8388-8B5A1CDC1702}"/>
+              </a:ext>
+            </a:extLst>
+          </p:cNvPr>
+          <p:cNvCxnSpPr/>
+          <p:nvPr/>
+        </p:nvCxnSpPr>
+        <p:spPr>
+          <a:xfrm flipV="1">
+            <a:off x="5922336" y="2066529"/>
+            <a:ext cx="0" cy="2107572"/>
+          </a:xfrm>
+          <a:prstGeom prst="straightConnector1">
+            <a:avLst/>
+          </a:prstGeom>
+          <a:ln w="9525" cap="flat" cmpd="sng" algn="ctr">
+            <a:solidFill>
+              <a:schemeClr val="accent4"/>
+            </a:solidFill>
+            <a:prstDash val="dash"/>
+            <a:round/>
+            <a:headEnd type="none" w="med" len="med"/>
+            <a:tailEnd type="none" w="med" len="med"/>
+          </a:ln>
+        </p:spPr>
+        <p:style>
+          <a:lnRef idx="0">
+            <a:scrgbClr r="0" g="0" b="0"/>
+          </a:lnRef>
+          <a:fillRef idx="0">
+            <a:scrgbClr r="0" g="0" b="0"/>
+          </a:fillRef>
+          <a:effectRef idx="0">
+            <a:scrgbClr r="0" g="0" b="0"/>
+          </a:effectRef>
+          <a:fontRef idx="minor">
+            <a:schemeClr val="tx1"/>
+          </a:fontRef>
+        </p:style>
+      </p:cxnSp>
+      <p:cxnSp>
+        <p:nvCxnSpPr>
+          <p:cNvPr id="45" name="Straight Arrow Connector 44">
+            <a:extLst>
+              <a:ext uri="{FF2B5EF4-FFF2-40B4-BE49-F238E27FC236}">
+                <a16:creationId xmlns:a16="http://schemas.microsoft.com/office/drawing/2014/main" id="{39993C6D-B911-4D25-9DF3-AB39AAE7F424}"/>
+              </a:ext>
+            </a:extLst>
+          </p:cNvPr>
+          <p:cNvCxnSpPr>
+            <a:cxnSpLocks/>
+          </p:cNvCxnSpPr>
+          <p:nvPr/>
+        </p:nvCxnSpPr>
+        <p:spPr>
+          <a:xfrm flipV="1">
+            <a:off x="5917022" y="2056313"/>
+            <a:ext cx="1" cy="622281"/>
+          </a:xfrm>
+          <a:prstGeom prst="straightConnector1">
+            <a:avLst/>
+          </a:prstGeom>
+          <a:ln>
+            <a:tailEnd type="triangle"/>
+          </a:ln>
+        </p:spPr>
+        <p:style>
+          <a:lnRef idx="1">
+            <a:schemeClr val="accent1"/>
+          </a:lnRef>
+          <a:fillRef idx="0">
+            <a:schemeClr val="accent1"/>
+          </a:fillRef>
+          <a:effectRef idx="0">
+            <a:schemeClr val="accent1"/>
+          </a:effectRef>
+          <a:fontRef idx="minor">
+            <a:schemeClr val="tx1"/>
+          </a:fontRef>
+        </p:style>
+      </p:cxnSp>
     </p:spTree>
     <p:extLst>
       <p:ext uri="{BB962C8B-B14F-4D97-AF65-F5344CB8AC3E}">
-        <p14:creationId xmlns:p14="http://schemas.microsoft.com/office/powerpoint/2010/main" val="1320704919"/>
+        <p14:creationId xmlns:p14="http://schemas.microsoft.com/office/powerpoint/2010/main" val="897375786"/>
       </p:ext>
     </p:extLst>
   </p:cSld>
@@ -5425,7 +6640,7 @@
         <p:spPr>
           <a:xfrm>
             <a:off x="1432737" y="660622"/>
-            <a:ext cx="2331189" cy="1754326"/>
+            <a:ext cx="7158370" cy="1754326"/>
           </a:xfrm>
           <a:prstGeom prst="rect">
             <a:avLst/>
@@ -5441,6 +6656,16 @@
             <a:r>
               <a:rPr lang="en-US" b="1" dirty="0"/>
               <a:t>Nodes </a:t>
+            </a:r>
+            <a:r>
+              <a:rPr lang="en-US" b="1" dirty="0">
+                <a:hlinkClick r:id="rId2"/>
+              </a:rPr>
+              <a:t>https://github.com/ros2/examples/tree/master/rclcpp/</a:t>
+            </a:r>
+            <a:r>
+              <a:rPr lang="en-US" b="1" dirty="0"/>
+              <a:t> </a:t>
             </a:r>
           </a:p>
           <a:p>
@@ -5516,55 +6741,72 @@
       </p:sp>
       <p:pic>
         <p:nvPicPr>
-          <p:cNvPr id="8" name="Picture 7">
-            <a:extLst>
-              <a:ext uri="{FF2B5EF4-FFF2-40B4-BE49-F238E27FC236}">
-                <a16:creationId xmlns:a16="http://schemas.microsoft.com/office/drawing/2014/main" id="{4DA50EDC-156A-4A50-BD85-2880B1AD2016}"/>
+          <p:cNvPr id="1028" name="Picture 4">
+            <a:extLst>
+              <a:ext uri="{FF2B5EF4-FFF2-40B4-BE49-F238E27FC236}">
+                <a16:creationId xmlns:a16="http://schemas.microsoft.com/office/drawing/2014/main" id="{747A0361-DE50-4E27-A918-5C1697581B55}"/>
               </a:ext>
             </a:extLst>
           </p:cNvPr>
           <p:cNvPicPr>
-            <a:picLocks noChangeAspect="1"/>
+            <a:picLocks noChangeAspect="1" noChangeArrowheads="1" noCrop="1"/>
           </p:cNvPicPr>
           <p:nvPr/>
         </p:nvPicPr>
         <p:blipFill>
-          <a:blip r:embed="rId2"/>
+          <a:blip r:embed="rId3">
+            <a:extLst>
+              <a:ext uri="{28A0092B-C50C-407E-A947-70E740481C1C}">
+                <a14:useLocalDpi xmlns:a14="http://schemas.microsoft.com/office/drawing/2010/main" val="0"/>
+              </a:ext>
+            </a:extLst>
+          </a:blip>
+          <a:srcRect/>
           <a:stretch>
             <a:fillRect/>
           </a:stretch>
         </p:blipFill>
-        <p:spPr>
-          <a:xfrm>
-            <a:off x="4541303" y="0"/>
-            <a:ext cx="5942399" cy="5160281"/>
-          </a:xfrm>
-          <a:prstGeom prst="rect">
-            <a:avLst/>
-          </a:prstGeom>
-        </p:spPr>
-      </p:pic>
-      <p:sp>
-        <p:nvSpPr>
-          <p:cNvPr id="11" name="TextBox 10">
-            <a:extLst>
-              <a:ext uri="{FF2B5EF4-FFF2-40B4-BE49-F238E27FC236}">
-                <a16:creationId xmlns:a16="http://schemas.microsoft.com/office/drawing/2014/main" id="{7AF2FCE3-A081-402D-B4BC-4C1751D8FA64}"/>
-              </a:ext>
-            </a:extLst>
-          </p:cNvPr>
-          <p:cNvSpPr txBox="1"/>
-          <p:nvPr/>
-        </p:nvSpPr>
-        <p:spPr>
-          <a:xfrm>
-            <a:off x="1432737" y="5451571"/>
-            <a:ext cx="7966444" cy="369332"/>
+        <p:spPr bwMode="auto">
+          <a:xfrm>
+            <a:off x="4053280" y="1594884"/>
+            <a:ext cx="7375169" cy="4145294"/>
           </a:xfrm>
           <a:prstGeom prst="rect">
             <a:avLst/>
           </a:prstGeom>
           <a:noFill/>
+          <a:extLst>
+            <a:ext uri="{909E8E84-426E-40DD-AFC4-6F175D3DCCD1}">
+              <a14:hiddenFill xmlns:a14="http://schemas.microsoft.com/office/drawing/2010/main">
+                <a:solidFill>
+                  <a:srgbClr val="FFFFFF"/>
+                </a:solidFill>
+              </a14:hiddenFill>
+            </a:ext>
+          </a:extLst>
+        </p:spPr>
+      </p:pic>
+      <p:sp>
+        <p:nvSpPr>
+          <p:cNvPr id="6" name="TextBox 5">
+            <a:extLst>
+              <a:ext uri="{FF2B5EF4-FFF2-40B4-BE49-F238E27FC236}">
+                <a16:creationId xmlns:a16="http://schemas.microsoft.com/office/drawing/2014/main" id="{67A7958B-C7AB-4824-8BD8-EC67FF565339}"/>
+              </a:ext>
+            </a:extLst>
+          </p:cNvPr>
+          <p:cNvSpPr txBox="1"/>
+          <p:nvPr/>
+        </p:nvSpPr>
+        <p:spPr>
+          <a:xfrm>
+            <a:off x="797442" y="5874212"/>
+            <a:ext cx="8306686" cy="646331"/>
+          </a:xfrm>
+          <a:prstGeom prst="rect">
+            <a:avLst/>
+          </a:prstGeom>
+          <a:noFill/>
         </p:spPr>
         <p:txBody>
           <a:bodyPr wrap="square">
@@ -5574,10 +6816,13 @@
           <a:p>
             <a:r>
               <a:rPr lang="en-US" dirty="0">
-                <a:hlinkClick r:id="rId3"/>
-              </a:rPr>
-              <a:t>https://www.reddit.com/r/ROS/comments/nrzk9d/ros2_basics_for_python/</a:t>
-            </a:r>
+                <a:hlinkClick r:id="rId4"/>
+              </a:rPr>
+              <a:t>https://docs.ros.org/en/foxy/Tutorials/Understanding-ROS2-Actions.html</a:t>
+            </a:r>
+            <a:endParaRPr lang="en-US" dirty="0"/>
+          </a:p>
+          <a:p>
             <a:endParaRPr lang="en-US" dirty="0"/>
           </a:p>
         </p:txBody>
@@ -5585,7 +6830,7 @@
     </p:spTree>
     <p:extLst>
       <p:ext uri="{BB962C8B-B14F-4D97-AF65-F5344CB8AC3E}">
-        <p14:creationId xmlns:p14="http://schemas.microsoft.com/office/powerpoint/2010/main" val="2363002818"/>
+        <p14:creationId xmlns:p14="http://schemas.microsoft.com/office/powerpoint/2010/main" val="1320704919"/>
       </p:ext>
     </p:extLst>
   </p:cSld>
@@ -5614,6 +6859,65 @@
       </p:grpSpPr>
       <p:sp>
         <p:nvSpPr>
+          <p:cNvPr id="5" name="TextBox 4">
+            <a:extLst>
+              <a:ext uri="{FF2B5EF4-FFF2-40B4-BE49-F238E27FC236}">
+                <a16:creationId xmlns:a16="http://schemas.microsoft.com/office/drawing/2014/main" id="{780FF4E9-E0D8-4897-AF42-75212942A34F}"/>
+              </a:ext>
+            </a:extLst>
+          </p:cNvPr>
+          <p:cNvSpPr txBox="1"/>
+          <p:nvPr/>
+        </p:nvSpPr>
+        <p:spPr>
+          <a:xfrm>
+            <a:off x="1432737" y="660622"/>
+            <a:ext cx="2331189" cy="1754326"/>
+          </a:xfrm>
+          <a:prstGeom prst="rect">
+            <a:avLst/>
+          </a:prstGeom>
+          <a:noFill/>
+        </p:spPr>
+        <p:txBody>
+          <a:bodyPr wrap="square">
+            <a:spAutoFit/>
+          </a:bodyPr>
+          <a:lstStyle/>
+          <a:p>
+            <a:r>
+              <a:rPr lang="en-US" b="1" dirty="0"/>
+              <a:t>Nodes </a:t>
+            </a:r>
+          </a:p>
+          <a:p>
+            <a:endParaRPr lang="en-US" b="1" dirty="0"/>
+          </a:p>
+          <a:p>
+            <a:r>
+              <a:rPr lang="en-US" b="1" dirty="0"/>
+              <a:t>Topics</a:t>
+            </a:r>
+          </a:p>
+          <a:p>
+            <a:r>
+              <a:rPr lang="en-US" b="1" dirty="0"/>
+              <a:t>Services</a:t>
+            </a:r>
+          </a:p>
+          <a:p>
+            <a:r>
+              <a:rPr lang="en-US" b="1" dirty="0"/>
+              <a:t>Parameter server</a:t>
+            </a:r>
+          </a:p>
+          <a:p>
+            <a:endParaRPr lang="en-US" b="1" dirty="0"/>
+          </a:p>
+        </p:txBody>
+      </p:sp>
+      <p:sp>
+        <p:nvSpPr>
           <p:cNvPr id="2" name="AutoShape 2" descr="Understanding ROS 2 actions — ROS 2 Documentation: Foxy documentation">
             <a:extLst>
               <a:ext uri="{FF2B5EF4-FFF2-40B4-BE49-F238E27FC236}">
@@ -5657,53 +6961,12 @@
           </a:p>
         </p:txBody>
       </p:sp>
-      <p:sp>
-        <p:nvSpPr>
-          <p:cNvPr id="11" name="TextBox 10">
-            <a:extLst>
-              <a:ext uri="{FF2B5EF4-FFF2-40B4-BE49-F238E27FC236}">
-                <a16:creationId xmlns:a16="http://schemas.microsoft.com/office/drawing/2014/main" id="{7AF2FCE3-A081-402D-B4BC-4C1751D8FA64}"/>
-              </a:ext>
-            </a:extLst>
-          </p:cNvPr>
-          <p:cNvSpPr txBox="1"/>
-          <p:nvPr/>
-        </p:nvSpPr>
-        <p:spPr>
-          <a:xfrm>
-            <a:off x="2773453" y="6201120"/>
-            <a:ext cx="7966444" cy="369332"/>
-          </a:xfrm>
-          <a:prstGeom prst="rect">
-            <a:avLst/>
-          </a:prstGeom>
-          <a:noFill/>
-        </p:spPr>
-        <p:txBody>
-          <a:bodyPr wrap="square">
-            <a:spAutoFit/>
-          </a:bodyPr>
-          <a:lstStyle/>
-          <a:p>
-            <a:r>
-              <a:rPr lang="en-US" dirty="0">
-                <a:hlinkClick r:id="rId2"/>
-              </a:rPr>
-              <a:t>https://www.theconstructsim.com/ros-5-mins-034-ros-action/</a:t>
-            </a:r>
-            <a:r>
-              <a:rPr lang="en-US" dirty="0"/>
-              <a:t> </a:t>
-            </a:r>
-          </a:p>
-        </p:txBody>
-      </p:sp>
       <p:pic>
         <p:nvPicPr>
-          <p:cNvPr id="4" name="Picture 3">
-            <a:extLst>
-              <a:ext uri="{FF2B5EF4-FFF2-40B4-BE49-F238E27FC236}">
-                <a16:creationId xmlns:a16="http://schemas.microsoft.com/office/drawing/2014/main" id="{67E73065-D2FF-41C6-80AB-6C0ED4FA39FE}"/>
+          <p:cNvPr id="8" name="Picture 7">
+            <a:extLst>
+              <a:ext uri="{FF2B5EF4-FFF2-40B4-BE49-F238E27FC236}">
+                <a16:creationId xmlns:a16="http://schemas.microsoft.com/office/drawing/2014/main" id="{4DA50EDC-156A-4A50-BD85-2880B1AD2016}"/>
               </a:ext>
             </a:extLst>
           </p:cNvPr>
@@ -5713,25 +6976,63 @@
           <p:nvPr/>
         </p:nvPicPr>
         <p:blipFill>
-          <a:blip r:embed="rId3"/>
+          <a:blip r:embed="rId2"/>
           <a:stretch>
             <a:fillRect/>
           </a:stretch>
         </p:blipFill>
         <p:spPr>
           <a:xfrm>
-            <a:off x="1876531" y="472214"/>
-            <a:ext cx="8403766" cy="5021306"/>
+            <a:off x="4541303" y="0"/>
+            <a:ext cx="5942399" cy="5160281"/>
           </a:xfrm>
           <a:prstGeom prst="rect">
             <a:avLst/>
           </a:prstGeom>
         </p:spPr>
       </p:pic>
+      <p:sp>
+        <p:nvSpPr>
+          <p:cNvPr id="11" name="TextBox 10">
+            <a:extLst>
+              <a:ext uri="{FF2B5EF4-FFF2-40B4-BE49-F238E27FC236}">
+                <a16:creationId xmlns:a16="http://schemas.microsoft.com/office/drawing/2014/main" id="{7AF2FCE3-A081-402D-B4BC-4C1751D8FA64}"/>
+              </a:ext>
+            </a:extLst>
+          </p:cNvPr>
+          <p:cNvSpPr txBox="1"/>
+          <p:nvPr/>
+        </p:nvSpPr>
+        <p:spPr>
+          <a:xfrm>
+            <a:off x="805416" y="5506882"/>
+            <a:ext cx="7966444" cy="369332"/>
+          </a:xfrm>
+          <a:prstGeom prst="rect">
+            <a:avLst/>
+          </a:prstGeom>
+          <a:noFill/>
+        </p:spPr>
+        <p:txBody>
+          <a:bodyPr wrap="square">
+            <a:spAutoFit/>
+          </a:bodyPr>
+          <a:lstStyle/>
+          <a:p>
+            <a:r>
+              <a:rPr lang="en-US" dirty="0">
+                <a:hlinkClick r:id="rId3"/>
+              </a:rPr>
+              <a:t>https://www.reddit.com/r/ROS/comments/nrzk9d/ros2_basics_for_python/</a:t>
+            </a:r>
+            <a:endParaRPr lang="en-US" dirty="0"/>
+          </a:p>
+        </p:txBody>
+      </p:sp>
     </p:spTree>
     <p:extLst>
       <p:ext uri="{BB962C8B-B14F-4D97-AF65-F5344CB8AC3E}">
-        <p14:creationId xmlns:p14="http://schemas.microsoft.com/office/powerpoint/2010/main" val="1066122851"/>
+        <p14:creationId xmlns:p14="http://schemas.microsoft.com/office/powerpoint/2010/main" val="2363002818"/>
       </p:ext>
     </p:extLst>
   </p:cSld>
@@ -5760,6 +7061,152 @@
       </p:grpSpPr>
       <p:sp>
         <p:nvSpPr>
+          <p:cNvPr id="2" name="AutoShape 2" descr="Understanding ROS 2 actions — ROS 2 Documentation: Foxy documentation">
+            <a:extLst>
+              <a:ext uri="{FF2B5EF4-FFF2-40B4-BE49-F238E27FC236}">
+                <a16:creationId xmlns:a16="http://schemas.microsoft.com/office/drawing/2014/main" id="{6363C0D5-242C-42F4-A40D-E78F34493C4B}"/>
+              </a:ext>
+            </a:extLst>
+          </p:cNvPr>
+          <p:cNvSpPr>
+            <a:spLocks noChangeAspect="1" noChangeArrowheads="1"/>
+          </p:cNvSpPr>
+          <p:nvPr/>
+        </p:nvSpPr>
+        <p:spPr bwMode="auto">
+          <a:xfrm>
+            <a:off x="5943600" y="3276600"/>
+            <a:ext cx="304800" cy="304800"/>
+          </a:xfrm>
+          <a:prstGeom prst="rect">
+            <a:avLst/>
+          </a:prstGeom>
+          <a:noFill/>
+          <a:extLst>
+            <a:ext uri="{909E8E84-426E-40DD-AFC4-6F175D3DCCD1}">
+              <a14:hiddenFill xmlns:a14="http://schemas.microsoft.com/office/drawing/2010/main">
+                <a:solidFill>
+                  <a:srgbClr val="FFFFFF"/>
+                </a:solidFill>
+              </a14:hiddenFill>
+            </a:ext>
+          </a:extLst>
+        </p:spPr>
+        <p:txBody>
+          <a:bodyPr vert="horz" wrap="square" lIns="91440" tIns="45720" rIns="91440" bIns="45720" numCol="1" anchor="t" anchorCtr="0" compatLnSpc="1">
+            <a:prstTxWarp prst="textNoShape">
+              <a:avLst/>
+            </a:prstTxWarp>
+          </a:bodyPr>
+          <a:lstStyle/>
+          <a:p>
+            <a:endParaRPr lang="en-US"/>
+          </a:p>
+        </p:txBody>
+      </p:sp>
+      <p:sp>
+        <p:nvSpPr>
+          <p:cNvPr id="11" name="TextBox 10">
+            <a:extLst>
+              <a:ext uri="{FF2B5EF4-FFF2-40B4-BE49-F238E27FC236}">
+                <a16:creationId xmlns:a16="http://schemas.microsoft.com/office/drawing/2014/main" id="{7AF2FCE3-A081-402D-B4BC-4C1751D8FA64}"/>
+              </a:ext>
+            </a:extLst>
+          </p:cNvPr>
+          <p:cNvSpPr txBox="1"/>
+          <p:nvPr/>
+        </p:nvSpPr>
+        <p:spPr>
+          <a:xfrm>
+            <a:off x="2805350" y="6201120"/>
+            <a:ext cx="7966444" cy="369332"/>
+          </a:xfrm>
+          <a:prstGeom prst="rect">
+            <a:avLst/>
+          </a:prstGeom>
+          <a:noFill/>
+        </p:spPr>
+        <p:txBody>
+          <a:bodyPr wrap="square">
+            <a:spAutoFit/>
+          </a:bodyPr>
+          <a:lstStyle/>
+          <a:p>
+            <a:r>
+              <a:rPr lang="en-US" dirty="0">
+                <a:hlinkClick r:id="rId2"/>
+              </a:rPr>
+              <a:t>https://www.theconstructsim.com/ros-5-mins-034-ros-action/</a:t>
+            </a:r>
+            <a:r>
+              <a:rPr lang="en-US" dirty="0"/>
+              <a:t> </a:t>
+            </a:r>
+          </a:p>
+        </p:txBody>
+      </p:sp>
+      <p:pic>
+        <p:nvPicPr>
+          <p:cNvPr id="4" name="Picture 3">
+            <a:extLst>
+              <a:ext uri="{FF2B5EF4-FFF2-40B4-BE49-F238E27FC236}">
+                <a16:creationId xmlns:a16="http://schemas.microsoft.com/office/drawing/2014/main" id="{67E73065-D2FF-41C6-80AB-6C0ED4FA39FE}"/>
+              </a:ext>
+            </a:extLst>
+          </p:cNvPr>
+          <p:cNvPicPr>
+            <a:picLocks noChangeAspect="1"/>
+          </p:cNvPicPr>
+          <p:nvPr/>
+        </p:nvPicPr>
+        <p:blipFill>
+          <a:blip r:embed="rId3"/>
+          <a:stretch>
+            <a:fillRect/>
+          </a:stretch>
+        </p:blipFill>
+        <p:spPr>
+          <a:xfrm>
+            <a:off x="1876531" y="472214"/>
+            <a:ext cx="8403766" cy="5021306"/>
+          </a:xfrm>
+          <a:prstGeom prst="rect">
+            <a:avLst/>
+          </a:prstGeom>
+        </p:spPr>
+      </p:pic>
+    </p:spTree>
+    <p:extLst>
+      <p:ext uri="{BB962C8B-B14F-4D97-AF65-F5344CB8AC3E}">
+        <p14:creationId xmlns:p14="http://schemas.microsoft.com/office/powerpoint/2010/main" val="1066122851"/>
+      </p:ext>
+    </p:extLst>
+  </p:cSld>
+  <p:clrMapOvr>
+    <a:masterClrMapping/>
+  </p:clrMapOvr>
+</p:sld>
+</file>
+
+<file path=ppt/slides/slide7.xml><?xml version="1.0" encoding="utf-8"?>
+<p:sld xmlns:a="http://schemas.openxmlformats.org/drawingml/2006/main" xmlns:r="http://schemas.openxmlformats.org/officeDocument/2006/relationships" xmlns:p="http://schemas.openxmlformats.org/presentationml/2006/main">
+  <p:cSld>
+    <p:spTree>
+      <p:nvGrpSpPr>
+        <p:cNvPr id="1" name=""/>
+        <p:cNvGrpSpPr/>
+        <p:nvPr/>
+      </p:nvGrpSpPr>
+      <p:grpSpPr>
+        <a:xfrm>
+          <a:off x="0" y="0"/>
+          <a:ext cx="0" cy="0"/>
+          <a:chOff x="0" y="0"/>
+          <a:chExt cx="0" cy="0"/>
+        </a:xfrm>
+      </p:grpSpPr>
+      <p:sp>
+        <p:nvSpPr>
           <p:cNvPr id="6" name="TextBox 5">
             <a:extLst>
               <a:ext uri="{FF2B5EF4-FFF2-40B4-BE49-F238E27FC236}">
@@ -6067,10 +7514,9 @@
           </a:lstStyle>
           <a:p>
             <a:r>
-              <a:rPr lang="en-US"/>
+              <a:rPr lang="en-US" dirty="0"/>
               <a:t>Install packets</a:t>
             </a:r>
-            <a:endParaRPr lang="en-US" dirty="0"/>
           </a:p>
         </p:txBody>
       </p:sp>
@@ -6193,160 +7639,6 @@
 </p:sld>
 </file>
 
-<file path=ppt/slides/slide7.xml><?xml version="1.0" encoding="utf-8"?>
-<p:sld xmlns:a="http://schemas.openxmlformats.org/drawingml/2006/main" xmlns:r="http://schemas.openxmlformats.org/officeDocument/2006/relationships" xmlns:p="http://schemas.openxmlformats.org/presentationml/2006/main">
-  <p:cSld>
-    <p:spTree>
-      <p:nvGrpSpPr>
-        <p:cNvPr id="1" name=""/>
-        <p:cNvGrpSpPr/>
-        <p:nvPr/>
-      </p:nvGrpSpPr>
-      <p:grpSpPr>
-        <a:xfrm>
-          <a:off x="0" y="0"/>
-          <a:ext cx="0" cy="0"/>
-          <a:chOff x="0" y="0"/>
-          <a:chExt cx="0" cy="0"/>
-        </a:xfrm>
-      </p:grpSpPr>
-      <p:sp>
-        <p:nvSpPr>
-          <p:cNvPr id="2" name="Title 1">
-            <a:extLst>
-              <a:ext uri="{FF2B5EF4-FFF2-40B4-BE49-F238E27FC236}">
-                <a16:creationId xmlns:a16="http://schemas.microsoft.com/office/drawing/2014/main" id="{6220992B-E5C1-487B-B7D8-224826037B92}"/>
-              </a:ext>
-            </a:extLst>
-          </p:cNvPr>
-          <p:cNvSpPr>
-            <a:spLocks noGrp="1"/>
-          </p:cNvSpPr>
-          <p:nvPr>
-            <p:ph type="title"/>
-          </p:nvPr>
-        </p:nvSpPr>
-        <p:spPr>
-          <a:xfrm>
-            <a:off x="721242" y="248167"/>
-            <a:ext cx="10515600" cy="591805"/>
-          </a:xfrm>
-        </p:spPr>
-        <p:txBody>
-          <a:bodyPr>
-            <a:normAutofit fontScale="90000"/>
-          </a:bodyPr>
-          <a:lstStyle/>
-          <a:p>
-            <a:r>
-              <a:rPr lang="en-US" dirty="0" err="1"/>
-              <a:t>Cli</a:t>
-            </a:r>
-            <a:r>
-              <a:rPr lang="en-US" dirty="0"/>
-              <a:t> on </a:t>
-            </a:r>
-            <a:r>
-              <a:rPr lang="en-US" dirty="0" err="1"/>
-              <a:t>ros</a:t>
-            </a:r>
-            <a:r>
-              <a:rPr lang="en-US" dirty="0"/>
-              <a:t> 2</a:t>
-            </a:r>
-          </a:p>
-        </p:txBody>
-      </p:sp>
-      <p:sp>
-        <p:nvSpPr>
-          <p:cNvPr id="3" name="Content Placeholder 2">
-            <a:extLst>
-              <a:ext uri="{FF2B5EF4-FFF2-40B4-BE49-F238E27FC236}">
-                <a16:creationId xmlns:a16="http://schemas.microsoft.com/office/drawing/2014/main" id="{6474F1FB-5C8A-45FF-99E0-BFC41ED09A2C}"/>
-              </a:ext>
-            </a:extLst>
-          </p:cNvPr>
-          <p:cNvSpPr>
-            <a:spLocks noGrp="1"/>
-          </p:cNvSpPr>
-          <p:nvPr>
-            <p:ph idx="1"/>
-          </p:nvPr>
-        </p:nvSpPr>
-        <p:spPr>
-          <a:xfrm>
-            <a:off x="533992" y="947801"/>
-            <a:ext cx="10515600" cy="4351338"/>
-          </a:xfrm>
-        </p:spPr>
-        <p:txBody>
-          <a:bodyPr/>
-          <a:lstStyle/>
-          <a:p>
-            <a:r>
-              <a:rPr lang="en-US" dirty="0"/>
-              <a:t>ros2 node list </a:t>
-            </a:r>
-          </a:p>
-          <a:p>
-            <a:r>
-              <a:rPr lang="en-US" dirty="0"/>
-              <a:t>ros2  node info &lt;</a:t>
-            </a:r>
-            <a:r>
-              <a:rPr lang="en-US" dirty="0" err="1"/>
-              <a:t>node_name</a:t>
-            </a:r>
-            <a:r>
-              <a:rPr lang="en-US" dirty="0"/>
-              <a:t>&gt; </a:t>
-            </a:r>
-          </a:p>
-        </p:txBody>
-      </p:sp>
-      <p:pic>
-        <p:nvPicPr>
-          <p:cNvPr id="8" name="Picture 7">
-            <a:extLst>
-              <a:ext uri="{FF2B5EF4-FFF2-40B4-BE49-F238E27FC236}">
-                <a16:creationId xmlns:a16="http://schemas.microsoft.com/office/drawing/2014/main" id="{4E3FE609-952F-4EE2-8326-845BDDFB8888}"/>
-              </a:ext>
-            </a:extLst>
-          </p:cNvPr>
-          <p:cNvPicPr>
-            <a:picLocks noChangeAspect="1"/>
-          </p:cNvPicPr>
-          <p:nvPr/>
-        </p:nvPicPr>
-        <p:blipFill>
-          <a:blip r:embed="rId2"/>
-          <a:stretch>
-            <a:fillRect/>
-          </a:stretch>
-        </p:blipFill>
-        <p:spPr>
-          <a:xfrm>
-            <a:off x="4485723" y="2039202"/>
-            <a:ext cx="7442033" cy="4469031"/>
-          </a:xfrm>
-          <a:prstGeom prst="rect">
-            <a:avLst/>
-          </a:prstGeom>
-        </p:spPr>
-      </p:pic>
-    </p:spTree>
-    <p:extLst>
-      <p:ext uri="{BB962C8B-B14F-4D97-AF65-F5344CB8AC3E}">
-        <p14:creationId xmlns:p14="http://schemas.microsoft.com/office/powerpoint/2010/main" val="2279653174"/>
-      </p:ext>
-    </p:extLst>
-  </p:cSld>
-  <p:clrMapOvr>
-    <a:masterClrMapping/>
-  </p:clrMapOvr>
-</p:sld>
-</file>
-
 <file path=ppt/slides/slide8.xml><?xml version="1.0" encoding="utf-8"?>
 <p:sld xmlns:a="http://schemas.openxmlformats.org/drawingml/2006/main" xmlns:r="http://schemas.openxmlformats.org/officeDocument/2006/relationships" xmlns:p="http://schemas.openxmlformats.org/presentationml/2006/main">
   <p:cSld>
@@ -6369,7 +7661,7 @@
           <p:cNvPr id="2" name="Title 1">
             <a:extLst>
               <a:ext uri="{FF2B5EF4-FFF2-40B4-BE49-F238E27FC236}">
-                <a16:creationId xmlns:a16="http://schemas.microsoft.com/office/drawing/2014/main" id="{D1BAF1D0-A268-4741-8602-2C063B55C7D2}"/>
+                <a16:creationId xmlns:a16="http://schemas.microsoft.com/office/drawing/2014/main" id="{6220992B-E5C1-487B-B7D8-224826037B92}"/>
               </a:ext>
             </a:extLst>
           </p:cNvPr>
@@ -6382,35 +7674,88 @@
         </p:nvSpPr>
         <p:spPr>
           <a:xfrm>
-            <a:off x="894316" y="5959733"/>
-            <a:ext cx="10515600" cy="613070"/>
+            <a:off x="721242" y="248167"/>
+            <a:ext cx="10515600" cy="591805"/>
           </a:xfrm>
         </p:spPr>
         <p:txBody>
           <a:bodyPr>
-            <a:normAutofit/>
+            <a:normAutofit fontScale="90000"/>
           </a:bodyPr>
           <a:lstStyle/>
           <a:p>
             <a:r>
-              <a:rPr lang="en-US" sz="1600" dirty="0">
-                <a:hlinkClick r:id="rId2"/>
-              </a:rPr>
-              <a:t>https://docs.ros.org/en/galactic/Tutorials/Topics/Understanding-ROS2-Topics.html</a:t>
-            </a:r>
-            <a:r>
-              <a:rPr lang="en-US" sz="1600" dirty="0"/>
-              <a:t> </a:t>
+              <a:rPr lang="en-US" dirty="0" err="1"/>
+              <a:t>Cli</a:t>
+            </a:r>
+            <a:r>
+              <a:rPr lang="en-US" dirty="0"/>
+              <a:t> on </a:t>
+            </a:r>
+            <a:r>
+              <a:rPr lang="en-US" dirty="0" err="1"/>
+              <a:t>ros</a:t>
+            </a:r>
+            <a:r>
+              <a:rPr lang="en-US" dirty="0"/>
+              <a:t> 2</a:t>
+            </a:r>
+          </a:p>
+        </p:txBody>
+      </p:sp>
+      <p:sp>
+        <p:nvSpPr>
+          <p:cNvPr id="3" name="Content Placeholder 2">
+            <a:extLst>
+              <a:ext uri="{FF2B5EF4-FFF2-40B4-BE49-F238E27FC236}">
+                <a16:creationId xmlns:a16="http://schemas.microsoft.com/office/drawing/2014/main" id="{6474F1FB-5C8A-45FF-99E0-BFC41ED09A2C}"/>
+              </a:ext>
+            </a:extLst>
+          </p:cNvPr>
+          <p:cNvSpPr>
+            <a:spLocks noGrp="1"/>
+          </p:cNvSpPr>
+          <p:nvPr>
+            <p:ph idx="1"/>
+          </p:nvPr>
+        </p:nvSpPr>
+        <p:spPr>
+          <a:xfrm>
+            <a:off x="533992" y="947801"/>
+            <a:ext cx="10515600" cy="4351338"/>
+          </a:xfrm>
+        </p:spPr>
+        <p:txBody>
+          <a:bodyPr/>
+          <a:lstStyle/>
+          <a:p>
+            <a:r>
+              <a:rPr lang="en-US" dirty="0"/>
+              <a:t>ros2 node list </a:t>
+            </a:r>
+          </a:p>
+          <a:p>
+            <a:r>
+              <a:rPr lang="en-US" dirty="0"/>
+              <a:t>ros2  node info &lt;</a:t>
+            </a:r>
+            <a:r>
+              <a:rPr lang="en-US" dirty="0" err="1"/>
+              <a:t>node_name</a:t>
+            </a:r>
+            <a:r>
+              <a:rPr lang="en-US" dirty="0"/>
+              <a:t>&gt; </a:t>
             </a:r>
           </a:p>
         </p:txBody>
       </p:sp>
       <p:pic>
         <p:nvPicPr>
-          <p:cNvPr id="5" name="Picture 4">
-            <a:extLst>
-              <a:ext uri="{FF2B5EF4-FFF2-40B4-BE49-F238E27FC236}">
-                <a16:creationId xmlns:a16="http://schemas.microsoft.com/office/drawing/2014/main" id="{D122F729-5DE0-43AC-A6D0-27D8B4EE6FE2}"/>
+          <p:cNvPr id="8" name="Picture 7">
+            <a:extLst>
+              <a:ext uri="{FF2B5EF4-FFF2-40B4-BE49-F238E27FC236}">
+                <a16:creationId xmlns:a16="http://schemas.microsoft.com/office/drawing/2014/main" id="{4E3FE609-952F-4EE2-8326-845BDDFB8888}"/>
               </a:ext>
             </a:extLst>
           </p:cNvPr>
@@ -6420,15 +7765,15 @@
           <p:nvPr/>
         </p:nvPicPr>
         <p:blipFill>
-          <a:blip r:embed="rId3"/>
+          <a:blip r:embed="rId2"/>
           <a:stretch>
             <a:fillRect/>
           </a:stretch>
         </p:blipFill>
         <p:spPr>
           <a:xfrm>
-            <a:off x="894316" y="285197"/>
-            <a:ext cx="7189487" cy="5048803"/>
+            <a:off x="4485723" y="2039202"/>
+            <a:ext cx="7442033" cy="4469031"/>
           </a:xfrm>
           <a:prstGeom prst="rect">
             <a:avLst/>
@@ -6438,7 +7783,7 @@
     </p:spTree>
     <p:extLst>
       <p:ext uri="{BB962C8B-B14F-4D97-AF65-F5344CB8AC3E}">
-        <p14:creationId xmlns:p14="http://schemas.microsoft.com/office/powerpoint/2010/main" val="134423065"/>
+        <p14:creationId xmlns:p14="http://schemas.microsoft.com/office/powerpoint/2010/main" val="2279653174"/>
       </p:ext>
     </p:extLst>
   </p:cSld>
@@ -6470,7 +7815,7 @@
           <p:cNvPr id="2" name="Title 1">
             <a:extLst>
               <a:ext uri="{FF2B5EF4-FFF2-40B4-BE49-F238E27FC236}">
-                <a16:creationId xmlns:a16="http://schemas.microsoft.com/office/drawing/2014/main" id="{6220992B-E5C1-487B-B7D8-224826037B92}"/>
+                <a16:creationId xmlns:a16="http://schemas.microsoft.com/office/drawing/2014/main" id="{D1BAF1D0-A268-4741-8602-2C063B55C7D2}"/>
               </a:ext>
             </a:extLst>
           </p:cNvPr>
@@ -6483,75 +7828,63 @@
         </p:nvSpPr>
         <p:spPr>
           <a:xfrm>
-            <a:off x="721242" y="248167"/>
-            <a:ext cx="10515600" cy="591805"/>
+            <a:off x="894316" y="5959733"/>
+            <a:ext cx="10515600" cy="613070"/>
           </a:xfrm>
         </p:spPr>
         <p:txBody>
           <a:bodyPr>
-            <a:normAutofit fontScale="90000"/>
+            <a:normAutofit/>
           </a:bodyPr>
           <a:lstStyle/>
           <a:p>
             <a:r>
-              <a:rPr lang="en-US" dirty="0" err="1"/>
-              <a:t>rclcpp</a:t>
-            </a:r>
-            <a:endParaRPr lang="en-US" dirty="0"/>
-          </a:p>
-        </p:txBody>
-      </p:sp>
-      <p:sp>
-        <p:nvSpPr>
-          <p:cNvPr id="3" name="Content Placeholder 2">
-            <a:extLst>
-              <a:ext uri="{FF2B5EF4-FFF2-40B4-BE49-F238E27FC236}">
-                <a16:creationId xmlns:a16="http://schemas.microsoft.com/office/drawing/2014/main" id="{6474F1FB-5C8A-45FF-99E0-BFC41ED09A2C}"/>
-              </a:ext>
-            </a:extLst>
-          </p:cNvPr>
-          <p:cNvSpPr>
-            <a:spLocks noGrp="1"/>
-          </p:cNvSpPr>
-          <p:nvPr>
-            <p:ph idx="1"/>
-          </p:nvPr>
-        </p:nvSpPr>
-        <p:spPr>
-          <a:xfrm>
-            <a:off x="533992" y="947801"/>
-            <a:ext cx="10515600" cy="4351338"/>
-          </a:xfrm>
-        </p:spPr>
-        <p:txBody>
-          <a:bodyPr/>
-          <a:lstStyle/>
-          <a:p>
-            <a:r>
-              <a:rPr lang="en-US" dirty="0"/>
-              <a:t>ros2 node list </a:t>
-            </a:r>
-          </a:p>
-          <a:p>
-            <a:r>
-              <a:rPr lang="en-US" dirty="0"/>
-              <a:t>ros2 node info &lt;</a:t>
-            </a:r>
-            <a:r>
-              <a:rPr lang="en-US" dirty="0" err="1"/>
-              <a:t>node_name</a:t>
-            </a:r>
-            <a:r>
-              <a:rPr lang="en-US" dirty="0"/>
-              <a:t>&gt; </a:t>
-            </a:r>
-          </a:p>
-        </p:txBody>
-      </p:sp>
+              <a:rPr lang="en-US" sz="1600" dirty="0">
+                <a:hlinkClick r:id="rId2"/>
+              </a:rPr>
+              <a:t>https://docs.ros.org/en/galactic/Tutorials/Topics/Understanding-ROS2-Topics.html</a:t>
+            </a:r>
+            <a:r>
+              <a:rPr lang="en-US" sz="1600" dirty="0"/>
+              <a:t> </a:t>
+            </a:r>
+          </a:p>
+        </p:txBody>
+      </p:sp>
+      <p:pic>
+        <p:nvPicPr>
+          <p:cNvPr id="5" name="Picture 4">
+            <a:extLst>
+              <a:ext uri="{FF2B5EF4-FFF2-40B4-BE49-F238E27FC236}">
+                <a16:creationId xmlns:a16="http://schemas.microsoft.com/office/drawing/2014/main" id="{D122F729-5DE0-43AC-A6D0-27D8B4EE6FE2}"/>
+              </a:ext>
+            </a:extLst>
+          </p:cNvPr>
+          <p:cNvPicPr>
+            <a:picLocks noChangeAspect="1"/>
+          </p:cNvPicPr>
+          <p:nvPr/>
+        </p:nvPicPr>
+        <p:blipFill>
+          <a:blip r:embed="rId3"/>
+          <a:stretch>
+            <a:fillRect/>
+          </a:stretch>
+        </p:blipFill>
+        <p:spPr>
+          <a:xfrm>
+            <a:off x="894316" y="285197"/>
+            <a:ext cx="7189487" cy="5048803"/>
+          </a:xfrm>
+          <a:prstGeom prst="rect">
+            <a:avLst/>
+          </a:prstGeom>
+        </p:spPr>
+      </p:pic>
     </p:spTree>
     <p:extLst>
       <p:ext uri="{BB962C8B-B14F-4D97-AF65-F5344CB8AC3E}">
-        <p14:creationId xmlns:p14="http://schemas.microsoft.com/office/powerpoint/2010/main" val="1273957954"/>
+        <p14:creationId xmlns:p14="http://schemas.microsoft.com/office/powerpoint/2010/main" val="134423065"/>
       </p:ext>
     </p:extLst>
   </p:cSld>

--- a/ros2.pptx
+++ b/ros2.pptx
@@ -8,12 +8,12 @@
     <p:sldId id="256" r:id="rId2"/>
     <p:sldId id="257" r:id="rId3"/>
     <p:sldId id="271" r:id="rId4"/>
-    <p:sldId id="260" r:id="rId5"/>
-    <p:sldId id="269" r:id="rId6"/>
-    <p:sldId id="270" r:id="rId7"/>
-    <p:sldId id="258" r:id="rId8"/>
-    <p:sldId id="259" r:id="rId9"/>
-    <p:sldId id="262" r:id="rId10"/>
+    <p:sldId id="262" r:id="rId5"/>
+    <p:sldId id="260" r:id="rId6"/>
+    <p:sldId id="269" r:id="rId7"/>
+    <p:sldId id="270" r:id="rId8"/>
+    <p:sldId id="258" r:id="rId9"/>
+    <p:sldId id="259" r:id="rId10"/>
     <p:sldId id="261" r:id="rId11"/>
     <p:sldId id="263" r:id="rId12"/>
     <p:sldId id="264" r:id="rId13"/>
@@ -6627,210 +6627,79 @@
       </p:grpSpPr>
       <p:sp>
         <p:nvSpPr>
-          <p:cNvPr id="5" name="TextBox 4">
-            <a:extLst>
-              <a:ext uri="{FF2B5EF4-FFF2-40B4-BE49-F238E27FC236}">
-                <a16:creationId xmlns:a16="http://schemas.microsoft.com/office/drawing/2014/main" id="{780FF4E9-E0D8-4897-AF42-75212942A34F}"/>
-              </a:ext>
-            </a:extLst>
-          </p:cNvPr>
-          <p:cNvSpPr txBox="1"/>
-          <p:nvPr/>
-        </p:nvSpPr>
-        <p:spPr>
-          <a:xfrm>
-            <a:off x="1432737" y="660622"/>
-            <a:ext cx="7158370" cy="1754326"/>
-          </a:xfrm>
-          <a:prstGeom prst="rect">
-            <a:avLst/>
-          </a:prstGeom>
-          <a:noFill/>
-        </p:spPr>
-        <p:txBody>
-          <a:bodyPr wrap="square">
-            <a:spAutoFit/>
+          <p:cNvPr id="2" name="Title 1">
+            <a:extLst>
+              <a:ext uri="{FF2B5EF4-FFF2-40B4-BE49-F238E27FC236}">
+                <a16:creationId xmlns:a16="http://schemas.microsoft.com/office/drawing/2014/main" id="{D1BAF1D0-A268-4741-8602-2C063B55C7D2}"/>
+              </a:ext>
+            </a:extLst>
+          </p:cNvPr>
+          <p:cNvSpPr>
+            <a:spLocks noGrp="1"/>
+          </p:cNvSpPr>
+          <p:nvPr>
+            <p:ph type="title"/>
+          </p:nvPr>
+        </p:nvSpPr>
+        <p:spPr>
+          <a:xfrm>
+            <a:off x="894316" y="5959733"/>
+            <a:ext cx="10515600" cy="613070"/>
+          </a:xfrm>
+        </p:spPr>
+        <p:txBody>
+          <a:bodyPr>
+            <a:normAutofit/>
           </a:bodyPr>
           <a:lstStyle/>
           <a:p>
             <a:r>
-              <a:rPr lang="en-US" b="1" dirty="0"/>
-              <a:t>Nodes </a:t>
-            </a:r>
-            <a:r>
-              <a:rPr lang="en-US" b="1" dirty="0">
+              <a:rPr lang="en-US" sz="1600" dirty="0">
                 <a:hlinkClick r:id="rId2"/>
               </a:rPr>
-              <a:t>https://github.com/ros2/examples/tree/master/rclcpp/</a:t>
-            </a:r>
-            <a:r>
-              <a:rPr lang="en-US" b="1" dirty="0"/>
+              <a:t>https://docs.ros.org/en/galactic/Tutorials/Topics/Understanding-ROS2-Topics.html</a:t>
+            </a:r>
+            <a:r>
+              <a:rPr lang="en-US" sz="1600" dirty="0"/>
               <a:t> </a:t>
             </a:r>
-          </a:p>
-          <a:p>
-            <a:endParaRPr lang="en-US" b="1" dirty="0"/>
-          </a:p>
-          <a:p>
-            <a:r>
-              <a:rPr lang="en-US" b="1" dirty="0"/>
-              <a:t>Topics</a:t>
-            </a:r>
-          </a:p>
-          <a:p>
-            <a:r>
-              <a:rPr lang="en-US" b="1" dirty="0"/>
-              <a:t>Services</a:t>
-            </a:r>
-          </a:p>
-          <a:p>
-            <a:r>
-              <a:rPr lang="en-US" b="1" dirty="0"/>
-              <a:t>Parameter server</a:t>
-            </a:r>
-          </a:p>
-          <a:p>
-            <a:endParaRPr lang="en-US" b="1" dirty="0"/>
-          </a:p>
-        </p:txBody>
-      </p:sp>
-      <p:sp>
-        <p:nvSpPr>
-          <p:cNvPr id="2" name="AutoShape 2" descr="Understanding ROS 2 actions — ROS 2 Documentation: Foxy documentation">
-            <a:extLst>
-              <a:ext uri="{FF2B5EF4-FFF2-40B4-BE49-F238E27FC236}">
-                <a16:creationId xmlns:a16="http://schemas.microsoft.com/office/drawing/2014/main" id="{6363C0D5-242C-42F4-A40D-E78F34493C4B}"/>
-              </a:ext>
-            </a:extLst>
-          </p:cNvPr>
-          <p:cNvSpPr>
-            <a:spLocks noChangeAspect="1" noChangeArrowheads="1"/>
-          </p:cNvSpPr>
-          <p:nvPr/>
-        </p:nvSpPr>
-        <p:spPr bwMode="auto">
-          <a:xfrm>
-            <a:off x="5943600" y="3276600"/>
-            <a:ext cx="304800" cy="304800"/>
-          </a:xfrm>
-          <a:prstGeom prst="rect">
-            <a:avLst/>
-          </a:prstGeom>
-          <a:noFill/>
-          <a:extLst>
-            <a:ext uri="{909E8E84-426E-40DD-AFC4-6F175D3DCCD1}">
-              <a14:hiddenFill xmlns:a14="http://schemas.microsoft.com/office/drawing/2010/main">
-                <a:solidFill>
-                  <a:srgbClr val="FFFFFF"/>
-                </a:solidFill>
-              </a14:hiddenFill>
-            </a:ext>
-          </a:extLst>
-        </p:spPr>
-        <p:txBody>
-          <a:bodyPr vert="horz" wrap="square" lIns="91440" tIns="45720" rIns="91440" bIns="45720" numCol="1" anchor="t" anchorCtr="0" compatLnSpc="1">
-            <a:prstTxWarp prst="textNoShape">
-              <a:avLst/>
-            </a:prstTxWarp>
-          </a:bodyPr>
-          <a:lstStyle/>
-          <a:p>
-            <a:endParaRPr lang="en-US"/>
           </a:p>
         </p:txBody>
       </p:sp>
       <p:pic>
         <p:nvPicPr>
-          <p:cNvPr id="1028" name="Picture 4">
-            <a:extLst>
-              <a:ext uri="{FF2B5EF4-FFF2-40B4-BE49-F238E27FC236}">
-                <a16:creationId xmlns:a16="http://schemas.microsoft.com/office/drawing/2014/main" id="{747A0361-DE50-4E27-A918-5C1697581B55}"/>
+          <p:cNvPr id="5" name="Picture 4">
+            <a:extLst>
+              <a:ext uri="{FF2B5EF4-FFF2-40B4-BE49-F238E27FC236}">
+                <a16:creationId xmlns:a16="http://schemas.microsoft.com/office/drawing/2014/main" id="{D122F729-5DE0-43AC-A6D0-27D8B4EE6FE2}"/>
               </a:ext>
             </a:extLst>
           </p:cNvPr>
           <p:cNvPicPr>
-            <a:picLocks noChangeAspect="1" noChangeArrowheads="1" noCrop="1"/>
+            <a:picLocks noChangeAspect="1"/>
           </p:cNvPicPr>
           <p:nvPr/>
         </p:nvPicPr>
         <p:blipFill>
-          <a:blip r:embed="rId3">
-            <a:extLst>
-              <a:ext uri="{28A0092B-C50C-407E-A947-70E740481C1C}">
-                <a14:useLocalDpi xmlns:a14="http://schemas.microsoft.com/office/drawing/2010/main" val="0"/>
-              </a:ext>
-            </a:extLst>
-          </a:blip>
-          <a:srcRect/>
+          <a:blip r:embed="rId3"/>
           <a:stretch>
             <a:fillRect/>
           </a:stretch>
         </p:blipFill>
-        <p:spPr bwMode="auto">
-          <a:xfrm>
-            <a:off x="4053280" y="1594884"/>
-            <a:ext cx="7375169" cy="4145294"/>
+        <p:spPr>
+          <a:xfrm>
+            <a:off x="894316" y="285197"/>
+            <a:ext cx="7189487" cy="5048803"/>
           </a:xfrm>
           <a:prstGeom prst="rect">
             <a:avLst/>
           </a:prstGeom>
-          <a:noFill/>
-          <a:extLst>
-            <a:ext uri="{909E8E84-426E-40DD-AFC4-6F175D3DCCD1}">
-              <a14:hiddenFill xmlns:a14="http://schemas.microsoft.com/office/drawing/2010/main">
-                <a:solidFill>
-                  <a:srgbClr val="FFFFFF"/>
-                </a:solidFill>
-              </a14:hiddenFill>
-            </a:ext>
-          </a:extLst>
         </p:spPr>
       </p:pic>
-      <p:sp>
-        <p:nvSpPr>
-          <p:cNvPr id="6" name="TextBox 5">
-            <a:extLst>
-              <a:ext uri="{FF2B5EF4-FFF2-40B4-BE49-F238E27FC236}">
-                <a16:creationId xmlns:a16="http://schemas.microsoft.com/office/drawing/2014/main" id="{67A7958B-C7AB-4824-8BD8-EC67FF565339}"/>
-              </a:ext>
-            </a:extLst>
-          </p:cNvPr>
-          <p:cNvSpPr txBox="1"/>
-          <p:nvPr/>
-        </p:nvSpPr>
-        <p:spPr>
-          <a:xfrm>
-            <a:off x="797442" y="5874212"/>
-            <a:ext cx="8306686" cy="646331"/>
-          </a:xfrm>
-          <a:prstGeom prst="rect">
-            <a:avLst/>
-          </a:prstGeom>
-          <a:noFill/>
-        </p:spPr>
-        <p:txBody>
-          <a:bodyPr wrap="square">
-            <a:spAutoFit/>
-          </a:bodyPr>
-          <a:lstStyle/>
-          <a:p>
-            <a:r>
-              <a:rPr lang="en-US" dirty="0">
-                <a:hlinkClick r:id="rId4"/>
-              </a:rPr>
-              <a:t>https://docs.ros.org/en/foxy/Tutorials/Understanding-ROS2-Actions.html</a:t>
-            </a:r>
-            <a:endParaRPr lang="en-US" dirty="0"/>
-          </a:p>
-          <a:p>
-            <a:endParaRPr lang="en-US" dirty="0"/>
-          </a:p>
-        </p:txBody>
-      </p:sp>
     </p:spTree>
     <p:extLst>
       <p:ext uri="{BB962C8B-B14F-4D97-AF65-F5344CB8AC3E}">
-        <p14:creationId xmlns:p14="http://schemas.microsoft.com/office/powerpoint/2010/main" val="1320704919"/>
+        <p14:creationId xmlns:p14="http://schemas.microsoft.com/office/powerpoint/2010/main" val="134423065"/>
       </p:ext>
     </p:extLst>
   </p:cSld>
@@ -6872,7 +6741,7 @@
         <p:spPr>
           <a:xfrm>
             <a:off x="1432737" y="660622"/>
-            <a:ext cx="2331189" cy="1754326"/>
+            <a:ext cx="7158370" cy="1754326"/>
           </a:xfrm>
           <a:prstGeom prst="rect">
             <a:avLst/>
@@ -6888,6 +6757,16 @@
             <a:r>
               <a:rPr lang="en-US" b="1" dirty="0"/>
               <a:t>Nodes </a:t>
+            </a:r>
+            <a:r>
+              <a:rPr lang="en-US" b="1" dirty="0">
+                <a:hlinkClick r:id="rId2"/>
+              </a:rPr>
+              <a:t>https://github.com/ros2/examples/tree/master/rclcpp/</a:t>
+            </a:r>
+            <a:r>
+              <a:rPr lang="en-US" b="1" dirty="0"/>
+              <a:t> </a:t>
             </a:r>
           </a:p>
           <a:p>
@@ -6963,55 +6842,72 @@
       </p:sp>
       <p:pic>
         <p:nvPicPr>
-          <p:cNvPr id="8" name="Picture 7">
-            <a:extLst>
-              <a:ext uri="{FF2B5EF4-FFF2-40B4-BE49-F238E27FC236}">
-                <a16:creationId xmlns:a16="http://schemas.microsoft.com/office/drawing/2014/main" id="{4DA50EDC-156A-4A50-BD85-2880B1AD2016}"/>
+          <p:cNvPr id="1028" name="Picture 4">
+            <a:extLst>
+              <a:ext uri="{FF2B5EF4-FFF2-40B4-BE49-F238E27FC236}">
+                <a16:creationId xmlns:a16="http://schemas.microsoft.com/office/drawing/2014/main" id="{747A0361-DE50-4E27-A918-5C1697581B55}"/>
               </a:ext>
             </a:extLst>
           </p:cNvPr>
           <p:cNvPicPr>
-            <a:picLocks noChangeAspect="1"/>
+            <a:picLocks noChangeAspect="1" noChangeArrowheads="1" noCrop="1"/>
           </p:cNvPicPr>
           <p:nvPr/>
         </p:nvPicPr>
         <p:blipFill>
-          <a:blip r:embed="rId2"/>
+          <a:blip r:embed="rId3">
+            <a:extLst>
+              <a:ext uri="{28A0092B-C50C-407E-A947-70E740481C1C}">
+                <a14:useLocalDpi xmlns:a14="http://schemas.microsoft.com/office/drawing/2010/main" val="0"/>
+              </a:ext>
+            </a:extLst>
+          </a:blip>
+          <a:srcRect/>
           <a:stretch>
             <a:fillRect/>
           </a:stretch>
         </p:blipFill>
-        <p:spPr>
-          <a:xfrm>
-            <a:off x="4541303" y="0"/>
-            <a:ext cx="5942399" cy="5160281"/>
-          </a:xfrm>
-          <a:prstGeom prst="rect">
-            <a:avLst/>
-          </a:prstGeom>
-        </p:spPr>
-      </p:pic>
-      <p:sp>
-        <p:nvSpPr>
-          <p:cNvPr id="11" name="TextBox 10">
-            <a:extLst>
-              <a:ext uri="{FF2B5EF4-FFF2-40B4-BE49-F238E27FC236}">
-                <a16:creationId xmlns:a16="http://schemas.microsoft.com/office/drawing/2014/main" id="{7AF2FCE3-A081-402D-B4BC-4C1751D8FA64}"/>
-              </a:ext>
-            </a:extLst>
-          </p:cNvPr>
-          <p:cNvSpPr txBox="1"/>
-          <p:nvPr/>
-        </p:nvSpPr>
-        <p:spPr>
-          <a:xfrm>
-            <a:off x="805416" y="5506882"/>
-            <a:ext cx="7966444" cy="369332"/>
+        <p:spPr bwMode="auto">
+          <a:xfrm>
+            <a:off x="4053280" y="1594884"/>
+            <a:ext cx="7375169" cy="4145294"/>
           </a:xfrm>
           <a:prstGeom prst="rect">
             <a:avLst/>
           </a:prstGeom>
           <a:noFill/>
+          <a:extLst>
+            <a:ext uri="{909E8E84-426E-40DD-AFC4-6F175D3DCCD1}">
+              <a14:hiddenFill xmlns:a14="http://schemas.microsoft.com/office/drawing/2010/main">
+                <a:solidFill>
+                  <a:srgbClr val="FFFFFF"/>
+                </a:solidFill>
+              </a14:hiddenFill>
+            </a:ext>
+          </a:extLst>
+        </p:spPr>
+      </p:pic>
+      <p:sp>
+        <p:nvSpPr>
+          <p:cNvPr id="6" name="TextBox 5">
+            <a:extLst>
+              <a:ext uri="{FF2B5EF4-FFF2-40B4-BE49-F238E27FC236}">
+                <a16:creationId xmlns:a16="http://schemas.microsoft.com/office/drawing/2014/main" id="{67A7958B-C7AB-4824-8BD8-EC67FF565339}"/>
+              </a:ext>
+            </a:extLst>
+          </p:cNvPr>
+          <p:cNvSpPr txBox="1"/>
+          <p:nvPr/>
+        </p:nvSpPr>
+        <p:spPr>
+          <a:xfrm>
+            <a:off x="797442" y="5874212"/>
+            <a:ext cx="8306686" cy="646331"/>
+          </a:xfrm>
+          <a:prstGeom prst="rect">
+            <a:avLst/>
+          </a:prstGeom>
+          <a:noFill/>
         </p:spPr>
         <p:txBody>
           <a:bodyPr wrap="square">
@@ -7021,10 +6917,13 @@
           <a:p>
             <a:r>
               <a:rPr lang="en-US" dirty="0">
-                <a:hlinkClick r:id="rId3"/>
-              </a:rPr>
-              <a:t>https://www.reddit.com/r/ROS/comments/nrzk9d/ros2_basics_for_python/</a:t>
-            </a:r>
+                <a:hlinkClick r:id="rId4"/>
+              </a:rPr>
+              <a:t>https://docs.ros.org/en/foxy/Tutorials/Understanding-ROS2-Actions.html</a:t>
+            </a:r>
+            <a:endParaRPr lang="en-US" dirty="0"/>
+          </a:p>
+          <a:p>
             <a:endParaRPr lang="en-US" dirty="0"/>
           </a:p>
         </p:txBody>
@@ -7032,7 +6931,7 @@
     </p:spTree>
     <p:extLst>
       <p:ext uri="{BB962C8B-B14F-4D97-AF65-F5344CB8AC3E}">
-        <p14:creationId xmlns:p14="http://schemas.microsoft.com/office/powerpoint/2010/main" val="2363002818"/>
+        <p14:creationId xmlns:p14="http://schemas.microsoft.com/office/powerpoint/2010/main" val="1320704919"/>
       </p:ext>
     </p:extLst>
   </p:cSld>
@@ -7061,6 +6960,208 @@
       </p:grpSpPr>
       <p:sp>
         <p:nvSpPr>
+          <p:cNvPr id="5" name="TextBox 4">
+            <a:extLst>
+              <a:ext uri="{FF2B5EF4-FFF2-40B4-BE49-F238E27FC236}">
+                <a16:creationId xmlns:a16="http://schemas.microsoft.com/office/drawing/2014/main" id="{780FF4E9-E0D8-4897-AF42-75212942A34F}"/>
+              </a:ext>
+            </a:extLst>
+          </p:cNvPr>
+          <p:cNvSpPr txBox="1"/>
+          <p:nvPr/>
+        </p:nvSpPr>
+        <p:spPr>
+          <a:xfrm>
+            <a:off x="1432737" y="660622"/>
+            <a:ext cx="2331189" cy="1754326"/>
+          </a:xfrm>
+          <a:prstGeom prst="rect">
+            <a:avLst/>
+          </a:prstGeom>
+          <a:noFill/>
+        </p:spPr>
+        <p:txBody>
+          <a:bodyPr wrap="square">
+            <a:spAutoFit/>
+          </a:bodyPr>
+          <a:lstStyle/>
+          <a:p>
+            <a:r>
+              <a:rPr lang="en-US" b="1" dirty="0"/>
+              <a:t>Nodes </a:t>
+            </a:r>
+          </a:p>
+          <a:p>
+            <a:endParaRPr lang="en-US" b="1" dirty="0"/>
+          </a:p>
+          <a:p>
+            <a:r>
+              <a:rPr lang="en-US" b="1" dirty="0"/>
+              <a:t>Topics</a:t>
+            </a:r>
+          </a:p>
+          <a:p>
+            <a:r>
+              <a:rPr lang="en-US" b="1" dirty="0"/>
+              <a:t>Services</a:t>
+            </a:r>
+          </a:p>
+          <a:p>
+            <a:r>
+              <a:rPr lang="en-US" b="1" dirty="0"/>
+              <a:t>Parameter server</a:t>
+            </a:r>
+          </a:p>
+          <a:p>
+            <a:endParaRPr lang="en-US" b="1" dirty="0"/>
+          </a:p>
+        </p:txBody>
+      </p:sp>
+      <p:sp>
+        <p:nvSpPr>
+          <p:cNvPr id="2" name="AutoShape 2" descr="Understanding ROS 2 actions — ROS 2 Documentation: Foxy documentation">
+            <a:extLst>
+              <a:ext uri="{FF2B5EF4-FFF2-40B4-BE49-F238E27FC236}">
+                <a16:creationId xmlns:a16="http://schemas.microsoft.com/office/drawing/2014/main" id="{6363C0D5-242C-42F4-A40D-E78F34493C4B}"/>
+              </a:ext>
+            </a:extLst>
+          </p:cNvPr>
+          <p:cNvSpPr>
+            <a:spLocks noChangeAspect="1" noChangeArrowheads="1"/>
+          </p:cNvSpPr>
+          <p:nvPr/>
+        </p:nvSpPr>
+        <p:spPr bwMode="auto">
+          <a:xfrm>
+            <a:off x="5943600" y="3276600"/>
+            <a:ext cx="304800" cy="304800"/>
+          </a:xfrm>
+          <a:prstGeom prst="rect">
+            <a:avLst/>
+          </a:prstGeom>
+          <a:noFill/>
+          <a:extLst>
+            <a:ext uri="{909E8E84-426E-40DD-AFC4-6F175D3DCCD1}">
+              <a14:hiddenFill xmlns:a14="http://schemas.microsoft.com/office/drawing/2010/main">
+                <a:solidFill>
+                  <a:srgbClr val="FFFFFF"/>
+                </a:solidFill>
+              </a14:hiddenFill>
+            </a:ext>
+          </a:extLst>
+        </p:spPr>
+        <p:txBody>
+          <a:bodyPr vert="horz" wrap="square" lIns="91440" tIns="45720" rIns="91440" bIns="45720" numCol="1" anchor="t" anchorCtr="0" compatLnSpc="1">
+            <a:prstTxWarp prst="textNoShape">
+              <a:avLst/>
+            </a:prstTxWarp>
+          </a:bodyPr>
+          <a:lstStyle/>
+          <a:p>
+            <a:endParaRPr lang="en-US"/>
+          </a:p>
+        </p:txBody>
+      </p:sp>
+      <p:pic>
+        <p:nvPicPr>
+          <p:cNvPr id="8" name="Picture 7">
+            <a:extLst>
+              <a:ext uri="{FF2B5EF4-FFF2-40B4-BE49-F238E27FC236}">
+                <a16:creationId xmlns:a16="http://schemas.microsoft.com/office/drawing/2014/main" id="{4DA50EDC-156A-4A50-BD85-2880B1AD2016}"/>
+              </a:ext>
+            </a:extLst>
+          </p:cNvPr>
+          <p:cNvPicPr>
+            <a:picLocks noChangeAspect="1"/>
+          </p:cNvPicPr>
+          <p:nvPr/>
+        </p:nvPicPr>
+        <p:blipFill>
+          <a:blip r:embed="rId2"/>
+          <a:stretch>
+            <a:fillRect/>
+          </a:stretch>
+        </p:blipFill>
+        <p:spPr>
+          <a:xfrm>
+            <a:off x="4541303" y="0"/>
+            <a:ext cx="5942399" cy="5160281"/>
+          </a:xfrm>
+          <a:prstGeom prst="rect">
+            <a:avLst/>
+          </a:prstGeom>
+        </p:spPr>
+      </p:pic>
+      <p:sp>
+        <p:nvSpPr>
+          <p:cNvPr id="11" name="TextBox 10">
+            <a:extLst>
+              <a:ext uri="{FF2B5EF4-FFF2-40B4-BE49-F238E27FC236}">
+                <a16:creationId xmlns:a16="http://schemas.microsoft.com/office/drawing/2014/main" id="{7AF2FCE3-A081-402D-B4BC-4C1751D8FA64}"/>
+              </a:ext>
+            </a:extLst>
+          </p:cNvPr>
+          <p:cNvSpPr txBox="1"/>
+          <p:nvPr/>
+        </p:nvSpPr>
+        <p:spPr>
+          <a:xfrm>
+            <a:off x="805416" y="5506882"/>
+            <a:ext cx="7966444" cy="369332"/>
+          </a:xfrm>
+          <a:prstGeom prst="rect">
+            <a:avLst/>
+          </a:prstGeom>
+          <a:noFill/>
+        </p:spPr>
+        <p:txBody>
+          <a:bodyPr wrap="square">
+            <a:spAutoFit/>
+          </a:bodyPr>
+          <a:lstStyle/>
+          <a:p>
+            <a:r>
+              <a:rPr lang="en-US" dirty="0">
+                <a:hlinkClick r:id="rId3"/>
+              </a:rPr>
+              <a:t>https://www.reddit.com/r/ROS/comments/nrzk9d/ros2_basics_for_python/</a:t>
+            </a:r>
+            <a:endParaRPr lang="en-US" dirty="0"/>
+          </a:p>
+        </p:txBody>
+      </p:sp>
+    </p:spTree>
+    <p:extLst>
+      <p:ext uri="{BB962C8B-B14F-4D97-AF65-F5344CB8AC3E}">
+        <p14:creationId xmlns:p14="http://schemas.microsoft.com/office/powerpoint/2010/main" val="2363002818"/>
+      </p:ext>
+    </p:extLst>
+  </p:cSld>
+  <p:clrMapOvr>
+    <a:masterClrMapping/>
+  </p:clrMapOvr>
+</p:sld>
+</file>
+
+<file path=ppt/slides/slide7.xml><?xml version="1.0" encoding="utf-8"?>
+<p:sld xmlns:a="http://schemas.openxmlformats.org/drawingml/2006/main" xmlns:r="http://schemas.openxmlformats.org/officeDocument/2006/relationships" xmlns:p="http://schemas.openxmlformats.org/presentationml/2006/main">
+  <p:cSld>
+    <p:spTree>
+      <p:nvGrpSpPr>
+        <p:cNvPr id="1" name=""/>
+        <p:cNvGrpSpPr/>
+        <p:nvPr/>
+      </p:nvGrpSpPr>
+      <p:grpSpPr>
+        <a:xfrm>
+          <a:off x="0" y="0"/>
+          <a:ext cx="0" cy="0"/>
+          <a:chOff x="0" y="0"/>
+          <a:chExt cx="0" cy="0"/>
+        </a:xfrm>
+      </p:grpSpPr>
+      <p:sp>
+        <p:nvSpPr>
           <p:cNvPr id="2" name="AutoShape 2" descr="Understanding ROS 2 actions — ROS 2 Documentation: Foxy documentation">
             <a:extLst>
               <a:ext uri="{FF2B5EF4-FFF2-40B4-BE49-F238E27FC236}">
@@ -7188,7 +7289,7 @@
 </p:sld>
 </file>
 
-<file path=ppt/slides/slide7.xml><?xml version="1.0" encoding="utf-8"?>
+<file path=ppt/slides/slide8.xml><?xml version="1.0" encoding="utf-8"?>
 <p:sld xmlns:a="http://schemas.openxmlformats.org/drawingml/2006/main" xmlns:r="http://schemas.openxmlformats.org/officeDocument/2006/relationships" xmlns:p="http://schemas.openxmlformats.org/presentationml/2006/main">
   <p:cSld>
     <p:spTree>
@@ -7639,160 +7740,6 @@
 </p:sld>
 </file>
 
-<file path=ppt/slides/slide8.xml><?xml version="1.0" encoding="utf-8"?>
-<p:sld xmlns:a="http://schemas.openxmlformats.org/drawingml/2006/main" xmlns:r="http://schemas.openxmlformats.org/officeDocument/2006/relationships" xmlns:p="http://schemas.openxmlformats.org/presentationml/2006/main">
-  <p:cSld>
-    <p:spTree>
-      <p:nvGrpSpPr>
-        <p:cNvPr id="1" name=""/>
-        <p:cNvGrpSpPr/>
-        <p:nvPr/>
-      </p:nvGrpSpPr>
-      <p:grpSpPr>
-        <a:xfrm>
-          <a:off x="0" y="0"/>
-          <a:ext cx="0" cy="0"/>
-          <a:chOff x="0" y="0"/>
-          <a:chExt cx="0" cy="0"/>
-        </a:xfrm>
-      </p:grpSpPr>
-      <p:sp>
-        <p:nvSpPr>
-          <p:cNvPr id="2" name="Title 1">
-            <a:extLst>
-              <a:ext uri="{FF2B5EF4-FFF2-40B4-BE49-F238E27FC236}">
-                <a16:creationId xmlns:a16="http://schemas.microsoft.com/office/drawing/2014/main" id="{6220992B-E5C1-487B-B7D8-224826037B92}"/>
-              </a:ext>
-            </a:extLst>
-          </p:cNvPr>
-          <p:cNvSpPr>
-            <a:spLocks noGrp="1"/>
-          </p:cNvSpPr>
-          <p:nvPr>
-            <p:ph type="title"/>
-          </p:nvPr>
-        </p:nvSpPr>
-        <p:spPr>
-          <a:xfrm>
-            <a:off x="721242" y="248167"/>
-            <a:ext cx="10515600" cy="591805"/>
-          </a:xfrm>
-        </p:spPr>
-        <p:txBody>
-          <a:bodyPr>
-            <a:normAutofit fontScale="90000"/>
-          </a:bodyPr>
-          <a:lstStyle/>
-          <a:p>
-            <a:r>
-              <a:rPr lang="en-US" dirty="0" err="1"/>
-              <a:t>Cli</a:t>
-            </a:r>
-            <a:r>
-              <a:rPr lang="en-US" dirty="0"/>
-              <a:t> on </a:t>
-            </a:r>
-            <a:r>
-              <a:rPr lang="en-US" dirty="0" err="1"/>
-              <a:t>ros</a:t>
-            </a:r>
-            <a:r>
-              <a:rPr lang="en-US" dirty="0"/>
-              <a:t> 2</a:t>
-            </a:r>
-          </a:p>
-        </p:txBody>
-      </p:sp>
-      <p:sp>
-        <p:nvSpPr>
-          <p:cNvPr id="3" name="Content Placeholder 2">
-            <a:extLst>
-              <a:ext uri="{FF2B5EF4-FFF2-40B4-BE49-F238E27FC236}">
-                <a16:creationId xmlns:a16="http://schemas.microsoft.com/office/drawing/2014/main" id="{6474F1FB-5C8A-45FF-99E0-BFC41ED09A2C}"/>
-              </a:ext>
-            </a:extLst>
-          </p:cNvPr>
-          <p:cNvSpPr>
-            <a:spLocks noGrp="1"/>
-          </p:cNvSpPr>
-          <p:nvPr>
-            <p:ph idx="1"/>
-          </p:nvPr>
-        </p:nvSpPr>
-        <p:spPr>
-          <a:xfrm>
-            <a:off x="533992" y="947801"/>
-            <a:ext cx="10515600" cy="4351338"/>
-          </a:xfrm>
-        </p:spPr>
-        <p:txBody>
-          <a:bodyPr/>
-          <a:lstStyle/>
-          <a:p>
-            <a:r>
-              <a:rPr lang="en-US" dirty="0"/>
-              <a:t>ros2 node list </a:t>
-            </a:r>
-          </a:p>
-          <a:p>
-            <a:r>
-              <a:rPr lang="en-US" dirty="0"/>
-              <a:t>ros2  node info &lt;</a:t>
-            </a:r>
-            <a:r>
-              <a:rPr lang="en-US" dirty="0" err="1"/>
-              <a:t>node_name</a:t>
-            </a:r>
-            <a:r>
-              <a:rPr lang="en-US" dirty="0"/>
-              <a:t>&gt; </a:t>
-            </a:r>
-          </a:p>
-        </p:txBody>
-      </p:sp>
-      <p:pic>
-        <p:nvPicPr>
-          <p:cNvPr id="8" name="Picture 7">
-            <a:extLst>
-              <a:ext uri="{FF2B5EF4-FFF2-40B4-BE49-F238E27FC236}">
-                <a16:creationId xmlns:a16="http://schemas.microsoft.com/office/drawing/2014/main" id="{4E3FE609-952F-4EE2-8326-845BDDFB8888}"/>
-              </a:ext>
-            </a:extLst>
-          </p:cNvPr>
-          <p:cNvPicPr>
-            <a:picLocks noChangeAspect="1"/>
-          </p:cNvPicPr>
-          <p:nvPr/>
-        </p:nvPicPr>
-        <p:blipFill>
-          <a:blip r:embed="rId2"/>
-          <a:stretch>
-            <a:fillRect/>
-          </a:stretch>
-        </p:blipFill>
-        <p:spPr>
-          <a:xfrm>
-            <a:off x="4485723" y="2039202"/>
-            <a:ext cx="7442033" cy="4469031"/>
-          </a:xfrm>
-          <a:prstGeom prst="rect">
-            <a:avLst/>
-          </a:prstGeom>
-        </p:spPr>
-      </p:pic>
-    </p:spTree>
-    <p:extLst>
-      <p:ext uri="{BB962C8B-B14F-4D97-AF65-F5344CB8AC3E}">
-        <p14:creationId xmlns:p14="http://schemas.microsoft.com/office/powerpoint/2010/main" val="2279653174"/>
-      </p:ext>
-    </p:extLst>
-  </p:cSld>
-  <p:clrMapOvr>
-    <a:masterClrMapping/>
-  </p:clrMapOvr>
-</p:sld>
-</file>
-
 <file path=ppt/slides/slide9.xml><?xml version="1.0" encoding="utf-8"?>
 <p:sld xmlns:a="http://schemas.openxmlformats.org/drawingml/2006/main" xmlns:r="http://schemas.openxmlformats.org/officeDocument/2006/relationships" xmlns:p="http://schemas.openxmlformats.org/presentationml/2006/main">
   <p:cSld>
@@ -7815,7 +7762,7 @@
           <p:cNvPr id="2" name="Title 1">
             <a:extLst>
               <a:ext uri="{FF2B5EF4-FFF2-40B4-BE49-F238E27FC236}">
-                <a16:creationId xmlns:a16="http://schemas.microsoft.com/office/drawing/2014/main" id="{D1BAF1D0-A268-4741-8602-2C063B55C7D2}"/>
+                <a16:creationId xmlns:a16="http://schemas.microsoft.com/office/drawing/2014/main" id="{6220992B-E5C1-487B-B7D8-224826037B92}"/>
               </a:ext>
             </a:extLst>
           </p:cNvPr>
@@ -7828,35 +7775,88 @@
         </p:nvSpPr>
         <p:spPr>
           <a:xfrm>
-            <a:off x="894316" y="5959733"/>
-            <a:ext cx="10515600" cy="613070"/>
+            <a:off x="721242" y="248167"/>
+            <a:ext cx="10515600" cy="591805"/>
           </a:xfrm>
         </p:spPr>
         <p:txBody>
           <a:bodyPr>
-            <a:normAutofit/>
+            <a:normAutofit fontScale="90000"/>
           </a:bodyPr>
           <a:lstStyle/>
           <a:p>
             <a:r>
-              <a:rPr lang="en-US" sz="1600" dirty="0">
-                <a:hlinkClick r:id="rId2"/>
-              </a:rPr>
-              <a:t>https://docs.ros.org/en/galactic/Tutorials/Topics/Understanding-ROS2-Topics.html</a:t>
-            </a:r>
-            <a:r>
-              <a:rPr lang="en-US" sz="1600" dirty="0"/>
-              <a:t> </a:t>
+              <a:rPr lang="en-US" dirty="0" err="1"/>
+              <a:t>Cli</a:t>
+            </a:r>
+            <a:r>
+              <a:rPr lang="en-US" dirty="0"/>
+              <a:t> on </a:t>
+            </a:r>
+            <a:r>
+              <a:rPr lang="en-US" dirty="0" err="1"/>
+              <a:t>ros</a:t>
+            </a:r>
+            <a:r>
+              <a:rPr lang="en-US" dirty="0"/>
+              <a:t> 2</a:t>
+            </a:r>
+          </a:p>
+        </p:txBody>
+      </p:sp>
+      <p:sp>
+        <p:nvSpPr>
+          <p:cNvPr id="3" name="Content Placeholder 2">
+            <a:extLst>
+              <a:ext uri="{FF2B5EF4-FFF2-40B4-BE49-F238E27FC236}">
+                <a16:creationId xmlns:a16="http://schemas.microsoft.com/office/drawing/2014/main" id="{6474F1FB-5C8A-45FF-99E0-BFC41ED09A2C}"/>
+              </a:ext>
+            </a:extLst>
+          </p:cNvPr>
+          <p:cNvSpPr>
+            <a:spLocks noGrp="1"/>
+          </p:cNvSpPr>
+          <p:nvPr>
+            <p:ph idx="1"/>
+          </p:nvPr>
+        </p:nvSpPr>
+        <p:spPr>
+          <a:xfrm>
+            <a:off x="533992" y="947801"/>
+            <a:ext cx="10515600" cy="4351338"/>
+          </a:xfrm>
+        </p:spPr>
+        <p:txBody>
+          <a:bodyPr/>
+          <a:lstStyle/>
+          <a:p>
+            <a:r>
+              <a:rPr lang="en-US" dirty="0"/>
+              <a:t>ros2 node list </a:t>
+            </a:r>
+          </a:p>
+          <a:p>
+            <a:r>
+              <a:rPr lang="en-US" dirty="0"/>
+              <a:t>ros2  node info &lt;</a:t>
+            </a:r>
+            <a:r>
+              <a:rPr lang="en-US" dirty="0" err="1"/>
+              <a:t>node_name</a:t>
+            </a:r>
+            <a:r>
+              <a:rPr lang="en-US" dirty="0"/>
+              <a:t>&gt; </a:t>
             </a:r>
           </a:p>
         </p:txBody>
       </p:sp>
       <p:pic>
         <p:nvPicPr>
-          <p:cNvPr id="5" name="Picture 4">
-            <a:extLst>
-              <a:ext uri="{FF2B5EF4-FFF2-40B4-BE49-F238E27FC236}">
-                <a16:creationId xmlns:a16="http://schemas.microsoft.com/office/drawing/2014/main" id="{D122F729-5DE0-43AC-A6D0-27D8B4EE6FE2}"/>
+          <p:cNvPr id="8" name="Picture 7">
+            <a:extLst>
+              <a:ext uri="{FF2B5EF4-FFF2-40B4-BE49-F238E27FC236}">
+                <a16:creationId xmlns:a16="http://schemas.microsoft.com/office/drawing/2014/main" id="{4E3FE609-952F-4EE2-8326-845BDDFB8888}"/>
               </a:ext>
             </a:extLst>
           </p:cNvPr>
@@ -7866,15 +7866,15 @@
           <p:nvPr/>
         </p:nvPicPr>
         <p:blipFill>
-          <a:blip r:embed="rId3"/>
+          <a:blip r:embed="rId2"/>
           <a:stretch>
             <a:fillRect/>
           </a:stretch>
         </p:blipFill>
         <p:spPr>
           <a:xfrm>
-            <a:off x="894316" y="285197"/>
-            <a:ext cx="7189487" cy="5048803"/>
+            <a:off x="4485723" y="2039202"/>
+            <a:ext cx="7442033" cy="4469031"/>
           </a:xfrm>
           <a:prstGeom prst="rect">
             <a:avLst/>
@@ -7884,7 +7884,7 @@
     </p:spTree>
     <p:extLst>
       <p:ext uri="{BB962C8B-B14F-4D97-AF65-F5344CB8AC3E}">
-        <p14:creationId xmlns:p14="http://schemas.microsoft.com/office/powerpoint/2010/main" val="134423065"/>
+        <p14:creationId xmlns:p14="http://schemas.microsoft.com/office/powerpoint/2010/main" val="2279653174"/>
       </p:ext>
     </p:extLst>
   </p:cSld>

--- a/ros2.pptx
+++ b/ros2.pptx
@@ -16,11 +16,12 @@
     <p:sldId id="259" r:id="rId10"/>
     <p:sldId id="261" r:id="rId11"/>
     <p:sldId id="263" r:id="rId12"/>
-    <p:sldId id="264" r:id="rId13"/>
-    <p:sldId id="265" r:id="rId14"/>
-    <p:sldId id="266" r:id="rId15"/>
-    <p:sldId id="267" r:id="rId16"/>
-    <p:sldId id="268" r:id="rId17"/>
+    <p:sldId id="272" r:id="rId13"/>
+    <p:sldId id="264" r:id="rId14"/>
+    <p:sldId id="265" r:id="rId15"/>
+    <p:sldId id="266" r:id="rId16"/>
+    <p:sldId id="267" r:id="rId17"/>
+    <p:sldId id="268" r:id="rId18"/>
   </p:sldIdLst>
   <p:sldSz cx="12192000" cy="6858000"/>
   <p:notesSz cx="6858000" cy="9144000"/>
@@ -274,7 +275,7 @@
           <a:p>
             <a:fld id="{7397F4E0-E812-4AC8-A1B8-ACDCB635DAAF}" type="datetimeFigureOut">
               <a:rPr lang="en-US" smtClean="0"/>
-              <a:t>12/31/2021</a:t>
+              <a:t>1/5/2022</a:t>
             </a:fld>
             <a:endParaRPr lang="en-US"/>
           </a:p>
@@ -472,7 +473,7 @@
           <a:p>
             <a:fld id="{7397F4E0-E812-4AC8-A1B8-ACDCB635DAAF}" type="datetimeFigureOut">
               <a:rPr lang="en-US" smtClean="0"/>
-              <a:t>12/31/2021</a:t>
+              <a:t>1/5/2022</a:t>
             </a:fld>
             <a:endParaRPr lang="en-US"/>
           </a:p>
@@ -680,7 +681,7 @@
           <a:p>
             <a:fld id="{7397F4E0-E812-4AC8-A1B8-ACDCB635DAAF}" type="datetimeFigureOut">
               <a:rPr lang="en-US" smtClean="0"/>
-              <a:t>12/31/2021</a:t>
+              <a:t>1/5/2022</a:t>
             </a:fld>
             <a:endParaRPr lang="en-US"/>
           </a:p>
@@ -878,7 +879,7 @@
           <a:p>
             <a:fld id="{7397F4E0-E812-4AC8-A1B8-ACDCB635DAAF}" type="datetimeFigureOut">
               <a:rPr lang="en-US" smtClean="0"/>
-              <a:t>12/31/2021</a:t>
+              <a:t>1/5/2022</a:t>
             </a:fld>
             <a:endParaRPr lang="en-US"/>
           </a:p>
@@ -1153,7 +1154,7 @@
           <a:p>
             <a:fld id="{7397F4E0-E812-4AC8-A1B8-ACDCB635DAAF}" type="datetimeFigureOut">
               <a:rPr lang="en-US" smtClean="0"/>
-              <a:t>12/31/2021</a:t>
+              <a:t>1/5/2022</a:t>
             </a:fld>
             <a:endParaRPr lang="en-US"/>
           </a:p>
@@ -1418,7 +1419,7 @@
           <a:p>
             <a:fld id="{7397F4E0-E812-4AC8-A1B8-ACDCB635DAAF}" type="datetimeFigureOut">
               <a:rPr lang="en-US" smtClean="0"/>
-              <a:t>12/31/2021</a:t>
+              <a:t>1/5/2022</a:t>
             </a:fld>
             <a:endParaRPr lang="en-US"/>
           </a:p>
@@ -1830,7 +1831,7 @@
           <a:p>
             <a:fld id="{7397F4E0-E812-4AC8-A1B8-ACDCB635DAAF}" type="datetimeFigureOut">
               <a:rPr lang="en-US" smtClean="0"/>
-              <a:t>12/31/2021</a:t>
+              <a:t>1/5/2022</a:t>
             </a:fld>
             <a:endParaRPr lang="en-US"/>
           </a:p>
@@ -1971,7 +1972,7 @@
           <a:p>
             <a:fld id="{7397F4E0-E812-4AC8-A1B8-ACDCB635DAAF}" type="datetimeFigureOut">
               <a:rPr lang="en-US" smtClean="0"/>
-              <a:t>12/31/2021</a:t>
+              <a:t>1/5/2022</a:t>
             </a:fld>
             <a:endParaRPr lang="en-US"/>
           </a:p>
@@ -2084,7 +2085,7 @@
           <a:p>
             <a:fld id="{7397F4E0-E812-4AC8-A1B8-ACDCB635DAAF}" type="datetimeFigureOut">
               <a:rPr lang="en-US" smtClean="0"/>
-              <a:t>12/31/2021</a:t>
+              <a:t>1/5/2022</a:t>
             </a:fld>
             <a:endParaRPr lang="en-US"/>
           </a:p>
@@ -2395,7 +2396,7 @@
           <a:p>
             <a:fld id="{7397F4E0-E812-4AC8-A1B8-ACDCB635DAAF}" type="datetimeFigureOut">
               <a:rPr lang="en-US" smtClean="0"/>
-              <a:t>12/31/2021</a:t>
+              <a:t>1/5/2022</a:t>
             </a:fld>
             <a:endParaRPr lang="en-US"/>
           </a:p>
@@ -2683,7 +2684,7 @@
           <a:p>
             <a:fld id="{7397F4E0-E812-4AC8-A1B8-ACDCB635DAAF}" type="datetimeFigureOut">
               <a:rPr lang="en-US" smtClean="0"/>
-              <a:t>12/31/2021</a:t>
+              <a:t>1/5/2022</a:t>
             </a:fld>
             <a:endParaRPr lang="en-US"/>
           </a:p>
@@ -2924,7 +2925,7 @@
           <a:p>
             <a:fld id="{7397F4E0-E812-4AC8-A1B8-ACDCB635DAAF}" type="datetimeFigureOut">
               <a:rPr lang="en-US" smtClean="0"/>
-              <a:t>12/31/2021</a:t>
+              <a:t>1/5/2022</a:t>
             </a:fld>
             <a:endParaRPr lang="en-US"/>
           </a:p>
@@ -4216,7 +4217,7 @@
           <p:cNvPr id="2" name="Title 1">
             <a:extLst>
               <a:ext uri="{FF2B5EF4-FFF2-40B4-BE49-F238E27FC236}">
-                <a16:creationId xmlns:a16="http://schemas.microsoft.com/office/drawing/2014/main" id="{AC713B3E-D7D5-4F33-9679-482DD3C67FDE}"/>
+                <a16:creationId xmlns:a16="http://schemas.microsoft.com/office/drawing/2014/main" id="{D1BAF1D0-A268-4741-8602-2C063B55C7D2}"/>
               </a:ext>
             </a:extLst>
           </p:cNvPr>
@@ -4229,73 +4230,115 @@
         </p:nvSpPr>
         <p:spPr>
           <a:xfrm>
-            <a:off x="838200" y="195262"/>
-            <a:ext cx="10515600" cy="815975"/>
-          </a:xfrm>
-        </p:spPr>
-        <p:txBody>
-          <a:bodyPr/>
-          <a:lstStyle/>
-          <a:p>
-            <a:r>
-              <a:rPr lang="en-US" b="1" dirty="0" err="1"/>
-              <a:t>colcon</a:t>
-            </a:r>
-            <a:endParaRPr lang="en-US" b="1" dirty="0"/>
-          </a:p>
-        </p:txBody>
-      </p:sp>
-      <p:sp>
-        <p:nvSpPr>
-          <p:cNvPr id="3" name="Content Placeholder 2">
-            <a:extLst>
-              <a:ext uri="{FF2B5EF4-FFF2-40B4-BE49-F238E27FC236}">
-                <a16:creationId xmlns:a16="http://schemas.microsoft.com/office/drawing/2014/main" id="{051D8B0C-DE3A-479F-8090-F1AA07833A7C}"/>
-              </a:ext>
-            </a:extLst>
-          </p:cNvPr>
-          <p:cNvSpPr>
-            <a:spLocks noGrp="1"/>
-          </p:cNvSpPr>
-          <p:nvPr>
-            <p:ph idx="1"/>
-          </p:nvPr>
-        </p:nvSpPr>
-        <p:spPr>
-          <a:xfrm>
-            <a:off x="699654" y="1253331"/>
-            <a:ext cx="10515600" cy="4351338"/>
-          </a:xfrm>
-        </p:spPr>
-        <p:txBody>
-          <a:bodyPr/>
-          <a:lstStyle/>
-          <a:p>
-            <a:r>
-              <a:rPr lang="en-US" dirty="0">
+            <a:off x="317205" y="890630"/>
+            <a:ext cx="10515600" cy="835463"/>
+          </a:xfrm>
+        </p:spPr>
+        <p:txBody>
+          <a:bodyPr>
+            <a:normAutofit fontScale="90000"/>
+          </a:bodyPr>
+          <a:lstStyle/>
+          <a:p>
+            <a:r>
+              <a:rPr lang="en-US" sz="2700"/>
+              <a:t>interface</a:t>
+            </a:r>
+            <a:br>
+              <a:rPr lang="en-US" sz="2700">
                 <a:hlinkClick r:id="rId2"/>
               </a:rPr>
-              <a:t>https://colcon.readthedocs.io/en/released/user/quick-start.html</a:t>
-            </a:r>
-            <a:r>
-              <a:rPr lang="en-US" dirty="0"/>
+            </a:br>
+            <a:br>
+              <a:rPr lang="en-US" sz="1600">
+                <a:latin typeface=".VnTime" panose="020B7200000000000000" pitchFamily="34" charset="0"/>
+                <a:hlinkClick r:id="rId2"/>
+              </a:rPr>
+            </a:br>
+            <a:r>
+              <a:rPr lang="en-US" sz="1600">
+                <a:latin typeface=".VnTime" panose="020B7200000000000000" pitchFamily="34" charset="0"/>
+                <a:hlinkClick r:id="rId3"/>
+              </a:rPr>
+              <a:t>https://github.com/ros2/example_interfaces/tree/master/msg</a:t>
+            </a:r>
+            <a:r>
+              <a:rPr lang="en-US" sz="1600">
+                <a:latin typeface=".VnTime" panose="020B7200000000000000" pitchFamily="34" charset="0"/>
+              </a:rPr>
               <a:t> </a:t>
             </a:r>
-          </a:p>
-          <a:p>
-            <a:endParaRPr lang="en-US" dirty="0"/>
-          </a:p>
-          <a:p>
+            <a:br>
+              <a:rPr lang="en-US" sz="1600"/>
+            </a:br>
+            <a:br>
+              <a:rPr lang="en-US" sz="1600"/>
+            </a:br>
+            <a:endParaRPr lang="en-US" sz="1600" dirty="0"/>
+          </a:p>
+        </p:txBody>
+      </p:sp>
+      <p:sp>
+        <p:nvSpPr>
+          <p:cNvPr id="4" name="Title 1">
+            <a:extLst>
+              <a:ext uri="{FF2B5EF4-FFF2-40B4-BE49-F238E27FC236}">
+                <a16:creationId xmlns:a16="http://schemas.microsoft.com/office/drawing/2014/main" id="{263CF1FF-892A-41B4-9264-386751C4EE9D}"/>
+              </a:ext>
+            </a:extLst>
+          </p:cNvPr>
+          <p:cNvSpPr txBox="1">
+            <a:spLocks/>
+          </p:cNvSpPr>
+          <p:nvPr/>
+        </p:nvSpPr>
+        <p:spPr>
+          <a:xfrm>
+            <a:off x="721242" y="248167"/>
+            <a:ext cx="10515600" cy="591805"/>
+          </a:xfrm>
+          <a:prstGeom prst="rect">
+            <a:avLst/>
+          </a:prstGeom>
+        </p:spPr>
+        <p:txBody>
+          <a:bodyPr vert="horz" lIns="91440" tIns="45720" rIns="91440" bIns="45720" rtlCol="0" anchor="ctr">
+            <a:normAutofit fontScale="90000" lnSpcReduction="10000"/>
+          </a:bodyPr>
+          <a:lstStyle>
+            <a:lvl1pPr algn="l" defTabSz="914400" rtl="0" eaLnBrk="1" latinLnBrk="0" hangingPunct="1">
+              <a:lnSpc>
+                <a:spcPct val="90000"/>
+              </a:lnSpc>
+              <a:spcBef>
+                <a:spcPct val="0"/>
+              </a:spcBef>
+              <a:buNone/>
+              <a:defRPr sz="4400" kern="1200">
+                <a:solidFill>
+                  <a:schemeClr val="tx1"/>
+                </a:solidFill>
+                <a:latin typeface="+mj-lt"/>
+                <a:ea typeface="+mj-ea"/>
+                <a:cs typeface="+mj-cs"/>
+              </a:defRPr>
+            </a:lvl1pPr>
+          </a:lstStyle>
+          <a:p>
+            <a:r>
+              <a:rPr lang="en-US"/>
+              <a:t>rclcpp</a:t>
+            </a:r>
             <a:endParaRPr lang="en-US" dirty="0"/>
           </a:p>
         </p:txBody>
       </p:sp>
       <p:pic>
         <p:nvPicPr>
-          <p:cNvPr id="7" name="Picture 6">
-            <a:extLst>
-              <a:ext uri="{FF2B5EF4-FFF2-40B4-BE49-F238E27FC236}">
-                <a16:creationId xmlns:a16="http://schemas.microsoft.com/office/drawing/2014/main" id="{EEAAC07E-A0D8-4AD9-89B0-023C05BE0F0E}"/>
+          <p:cNvPr id="5" name="Picture 4">
+            <a:extLst>
+              <a:ext uri="{FF2B5EF4-FFF2-40B4-BE49-F238E27FC236}">
+                <a16:creationId xmlns:a16="http://schemas.microsoft.com/office/drawing/2014/main" id="{EE504689-52B5-4950-AB16-C03CF29C89E1}"/>
               </a:ext>
             </a:extLst>
           </p:cNvPr>
@@ -4305,15 +4348,15 @@
           <p:nvPr/>
         </p:nvPicPr>
         <p:blipFill>
-          <a:blip r:embed="rId3"/>
+          <a:blip r:embed="rId4"/>
           <a:stretch>
             <a:fillRect/>
           </a:stretch>
         </p:blipFill>
         <p:spPr>
           <a:xfrm>
-            <a:off x="838200" y="2195170"/>
-            <a:ext cx="9947050" cy="3235957"/>
+            <a:off x="317205" y="1857192"/>
+            <a:ext cx="10713265" cy="5185068"/>
           </a:xfrm>
           <a:prstGeom prst="rect">
             <a:avLst/>
@@ -4323,7 +4366,7 @@
     </p:spTree>
     <p:extLst>
       <p:ext uri="{BB962C8B-B14F-4D97-AF65-F5344CB8AC3E}">
-        <p14:creationId xmlns:p14="http://schemas.microsoft.com/office/powerpoint/2010/main" val="3612132310"/>
+        <p14:creationId xmlns:p14="http://schemas.microsoft.com/office/powerpoint/2010/main" val="1716432862"/>
       </p:ext>
     </p:extLst>
   </p:cSld>
@@ -4377,9 +4420,10 @@
           <a:lstStyle/>
           <a:p>
             <a:r>
-              <a:rPr lang="en-US" b="1" dirty="0"/>
-              <a:t>Build an example</a:t>
-            </a:r>
+              <a:rPr lang="en-US" b="1" dirty="0" err="1"/>
+              <a:t>colcon</a:t>
+            </a:r>
+            <a:endParaRPr lang="en-US" b="1" dirty="0"/>
           </a:p>
         </p:txBody>
       </p:sp>
@@ -4399,45 +4443,41 @@
             <p:ph idx="1"/>
           </p:nvPr>
         </p:nvSpPr>
-        <p:spPr/>
+        <p:spPr>
+          <a:xfrm>
+            <a:off x="699654" y="1253331"/>
+            <a:ext cx="10515600" cy="4351338"/>
+          </a:xfrm>
+        </p:spPr>
         <p:txBody>
           <a:bodyPr/>
           <a:lstStyle/>
-          <a:p>
-            <a:endParaRPr lang="en-US" dirty="0"/>
-          </a:p>
-          <a:p>
-            <a:endParaRPr lang="en-US" dirty="0"/>
-          </a:p>
-          <a:p>
-            <a:endParaRPr lang="en-US" dirty="0"/>
-          </a:p>
-          <a:p>
-            <a:endParaRPr lang="en-US" dirty="0"/>
-          </a:p>
-          <a:p>
-            <a:endParaRPr lang="en-US" dirty="0"/>
-          </a:p>
           <a:p>
             <a:r>
               <a:rPr lang="en-US" dirty="0">
                 <a:hlinkClick r:id="rId2"/>
               </a:rPr>
-              <a:t>https://github.com/ros2/examples</a:t>
+              <a:t>https://colcon.readthedocs.io/en/released/user/quick-start.html</a:t>
             </a:r>
             <a:r>
               <a:rPr lang="en-US" dirty="0"/>
               <a:t> </a:t>
             </a:r>
           </a:p>
+          <a:p>
+            <a:endParaRPr lang="en-US" dirty="0"/>
+          </a:p>
+          <a:p>
+            <a:endParaRPr lang="en-US" dirty="0"/>
+          </a:p>
         </p:txBody>
       </p:sp>
       <p:pic>
         <p:nvPicPr>
-          <p:cNvPr id="8" name="Picture 7">
-            <a:extLst>
-              <a:ext uri="{FF2B5EF4-FFF2-40B4-BE49-F238E27FC236}">
-                <a16:creationId xmlns:a16="http://schemas.microsoft.com/office/drawing/2014/main" id="{19DD9FFB-E2B6-4073-9245-A3C916A0FEB6}"/>
+          <p:cNvPr id="7" name="Picture 6">
+            <a:extLst>
+              <a:ext uri="{FF2B5EF4-FFF2-40B4-BE49-F238E27FC236}">
+                <a16:creationId xmlns:a16="http://schemas.microsoft.com/office/drawing/2014/main" id="{EEAAC07E-A0D8-4AD9-89B0-023C05BE0F0E}"/>
               </a:ext>
             </a:extLst>
           </p:cNvPr>
@@ -4454,8 +4494,8 @@
         </p:blipFill>
         <p:spPr>
           <a:xfrm>
-            <a:off x="838200" y="1666162"/>
-            <a:ext cx="10191626" cy="2448638"/>
+            <a:off x="838200" y="2195170"/>
+            <a:ext cx="9947050" cy="3235957"/>
           </a:xfrm>
           <a:prstGeom prst="rect">
             <a:avLst/>
@@ -4465,7 +4505,7 @@
     </p:spTree>
     <p:extLst>
       <p:ext uri="{BB962C8B-B14F-4D97-AF65-F5344CB8AC3E}">
-        <p14:creationId xmlns:p14="http://schemas.microsoft.com/office/powerpoint/2010/main" val="1170521900"/>
+        <p14:creationId xmlns:p14="http://schemas.microsoft.com/office/powerpoint/2010/main" val="3612132310"/>
       </p:ext>
     </p:extLst>
   </p:cSld>
@@ -4510,7 +4550,7 @@
         </p:nvSpPr>
         <p:spPr>
           <a:xfrm>
-            <a:off x="616527" y="162213"/>
+            <a:off x="838200" y="195262"/>
             <a:ext cx="10515600" cy="815975"/>
           </a:xfrm>
         </p:spPr>
@@ -4520,7 +4560,7 @@
           <a:p>
             <a:r>
               <a:rPr lang="en-US" b="1" dirty="0"/>
-              <a:t>Build an example from ros2</a:t>
+              <a:t>Build an example</a:t>
             </a:r>
           </a:p>
         </p:txBody>
@@ -4541,257 +4581,73 @@
             <p:ph idx="1"/>
           </p:nvPr>
         </p:nvSpPr>
-        <p:spPr>
-          <a:xfrm>
-            <a:off x="467591" y="1253331"/>
-            <a:ext cx="11256818" cy="4351338"/>
-          </a:xfrm>
-        </p:spPr>
+        <p:spPr/>
         <p:txBody>
           <a:bodyPr/>
           <a:lstStyle/>
           <a:p>
-            <a:pPr marL="0" indent="0">
-              <a:buNone/>
-            </a:pPr>
-            <a:r>
-              <a:rPr lang="en-US" b="1" dirty="0">
-                <a:latin typeface=".VnTime" panose="020B7200000000000000" pitchFamily="34" charset="0"/>
-              </a:rPr>
-              <a:t>Step1</a:t>
-            </a:r>
+            <a:endParaRPr lang="en-US" dirty="0"/>
+          </a:p>
+          <a:p>
+            <a:endParaRPr lang="en-US" dirty="0"/>
+          </a:p>
+          <a:p>
+            <a:endParaRPr lang="en-US" dirty="0"/>
+          </a:p>
+          <a:p>
+            <a:endParaRPr lang="en-US" dirty="0"/>
+          </a:p>
+          <a:p>
+            <a:endParaRPr lang="en-US" dirty="0"/>
+          </a:p>
+          <a:p>
             <a:r>
               <a:rPr lang="en-US" dirty="0">
-                <a:latin typeface=".VnTime" panose="020B7200000000000000" pitchFamily="34" charset="0"/>
-              </a:rPr>
-              <a:t>: cd </a:t>
-            </a:r>
-            <a:r>
-              <a:rPr lang="en-US" dirty="0" err="1">
-                <a:latin typeface=".VnTime" panose="020B7200000000000000" pitchFamily="34" charset="0"/>
-              </a:rPr>
-              <a:t>src</a:t>
-            </a:r>
-            <a:endParaRPr lang="en-US" dirty="0">
-              <a:latin typeface=".VnTime" panose="020B7200000000000000" pitchFamily="34" charset="0"/>
-            </a:endParaRPr>
-          </a:p>
-          <a:p>
-            <a:pPr marL="0" indent="0">
-              <a:buNone/>
-            </a:pPr>
-            <a:r>
-              <a:rPr lang="en-US" b="1" dirty="0">
-                <a:latin typeface=".VnTime" panose="020B7200000000000000" pitchFamily="34" charset="0"/>
-              </a:rPr>
-              <a:t>Step2</a:t>
-            </a:r>
-            <a:r>
-              <a:rPr lang="en-US" dirty="0">
-                <a:latin typeface=".VnTime" panose="020B7200000000000000" pitchFamily="34" charset="0"/>
-              </a:rPr>
-              <a:t>: git clone  git clone https://github.com/letrthong/ros2 thong_ros2 </a:t>
-            </a:r>
-          </a:p>
-          <a:p>
-            <a:pPr marL="0" indent="0">
-              <a:buNone/>
-            </a:pPr>
-            <a:r>
-              <a:rPr lang="en-US" b="1" dirty="0">
-                <a:latin typeface=".VnTime" panose="020B7200000000000000" pitchFamily="34" charset="0"/>
-              </a:rPr>
-              <a:t>Step3</a:t>
-            </a:r>
-            <a:r>
-              <a:rPr lang="en-US" dirty="0">
-                <a:latin typeface=".VnTime" panose="020B7200000000000000" pitchFamily="34" charset="0"/>
-              </a:rPr>
-              <a:t>: cd ..</a:t>
-            </a:r>
-          </a:p>
-          <a:p>
-            <a:pPr marL="0" indent="0">
-              <a:buNone/>
-            </a:pPr>
-            <a:r>
-              <a:rPr lang="en-US" b="1" dirty="0">
-                <a:latin typeface=".VnTime" panose="020B7200000000000000" pitchFamily="34" charset="0"/>
-              </a:rPr>
-              <a:t>Step4</a:t>
-            </a:r>
-            <a:r>
-              <a:rPr lang="en-US" dirty="0">
-                <a:latin typeface=".VnTime" panose="020B7200000000000000" pitchFamily="34" charset="0"/>
-              </a:rPr>
-              <a:t>: </a:t>
-            </a:r>
-            <a:r>
-              <a:rPr lang="en-US" dirty="0" err="1">
-                <a:latin typeface=".VnTime" panose="020B7200000000000000" pitchFamily="34" charset="0"/>
-              </a:rPr>
-              <a:t>colcon</a:t>
-            </a:r>
-            <a:r>
-              <a:rPr lang="en-US" dirty="0">
-                <a:latin typeface=".VnTime" panose="020B7200000000000000" pitchFamily="34" charset="0"/>
-              </a:rPr>
-              <a:t> list | grep “thong”</a:t>
-            </a:r>
-          </a:p>
-          <a:p>
-            <a:pPr marL="0" indent="0">
-              <a:buNone/>
-            </a:pPr>
-            <a:r>
-              <a:rPr lang="en-US" b="1" dirty="0">
-                <a:latin typeface=".VnTime" panose="020B7200000000000000" pitchFamily="34" charset="0"/>
-              </a:rPr>
-              <a:t>Step5</a:t>
-            </a:r>
-            <a:r>
-              <a:rPr lang="en-US" dirty="0">
-                <a:latin typeface=".VnTime" panose="020B7200000000000000" pitchFamily="34" charset="0"/>
-              </a:rPr>
-              <a:t>: </a:t>
-            </a:r>
-            <a:r>
-              <a:rPr lang="en-US" sz="2400" dirty="0" err="1">
-                <a:solidFill>
-                  <a:srgbClr val="000000"/>
-                </a:solidFill>
-                <a:latin typeface=".VnTime" panose="020B7200000000000000" pitchFamily="34" charset="0"/>
-              </a:rPr>
-              <a:t>colcon</a:t>
-            </a:r>
-            <a:r>
-              <a:rPr lang="en-US" sz="2400" dirty="0">
-                <a:solidFill>
-                  <a:srgbClr val="000000"/>
-                </a:solidFill>
-                <a:latin typeface=".VnTime" panose="020B7200000000000000" pitchFamily="34" charset="0"/>
-              </a:rPr>
-              <a:t> build --packages-</a:t>
-            </a:r>
-            <a:r>
-              <a:rPr lang="en-US" sz="2400" dirty="0">
-                <a:solidFill>
-                  <a:srgbClr val="0000FF"/>
-                </a:solidFill>
-                <a:latin typeface=".VnTime" panose="020B7200000000000000" pitchFamily="34" charset="0"/>
-              </a:rPr>
-              <a:t>select</a:t>
-            </a:r>
-            <a:r>
-              <a:rPr lang="en-US" sz="2400" dirty="0">
-                <a:solidFill>
-                  <a:srgbClr val="000000"/>
-                </a:solidFill>
-                <a:latin typeface=".VnTime" panose="020B7200000000000000" pitchFamily="34" charset="0"/>
-              </a:rPr>
-              <a:t> --allow-overriding  </a:t>
-            </a:r>
-            <a:r>
-              <a:rPr lang="en-US" sz="1800" dirty="0" err="1">
-                <a:solidFill>
-                  <a:srgbClr val="000000"/>
-                </a:solidFill>
-                <a:latin typeface="Consolas" panose="020B0609020204030204" pitchFamily="49" charset="0"/>
-              </a:rPr>
-              <a:t>thong_ipc</a:t>
-            </a:r>
-            <a:endParaRPr lang="en-US" sz="2400" dirty="0">
-              <a:solidFill>
-                <a:srgbClr val="000000"/>
-              </a:solidFill>
-              <a:latin typeface=".VnTime" panose="020B7200000000000000" pitchFamily="34" charset="0"/>
-            </a:endParaRPr>
-          </a:p>
-          <a:p>
-            <a:pPr marL="0" indent="0">
-              <a:buNone/>
-            </a:pPr>
-            <a:r>
-              <a:rPr lang="en-US" b="1" dirty="0">
-                <a:latin typeface=".VnTime" panose="020B7200000000000000" pitchFamily="34" charset="0"/>
-              </a:rPr>
-              <a:t>Step6</a:t>
-            </a:r>
-            <a:r>
-              <a:rPr lang="en-US" sz="2400" dirty="0">
-                <a:solidFill>
-                  <a:srgbClr val="000000"/>
-                </a:solidFill>
-                <a:latin typeface=".VnTime" panose="020B7200000000000000" pitchFamily="34" charset="0"/>
-              </a:rPr>
-              <a:t>:  . ~/ros2_galactic/install/</a:t>
-            </a:r>
-            <a:r>
-              <a:rPr lang="en-US" sz="2400" dirty="0" err="1">
-                <a:solidFill>
-                  <a:srgbClr val="000000"/>
-                </a:solidFill>
-                <a:latin typeface=".VnTime" panose="020B7200000000000000" pitchFamily="34" charset="0"/>
-              </a:rPr>
-              <a:t>local_setup.bash</a:t>
-            </a:r>
-            <a:endParaRPr lang="en-US" sz="2400" dirty="0">
-              <a:latin typeface=".VnTime" panose="020B7200000000000000" pitchFamily="34" charset="0"/>
-            </a:endParaRPr>
-          </a:p>
-          <a:p>
-            <a:pPr marL="0" indent="0">
-              <a:buNone/>
-            </a:pPr>
-            <a:r>
-              <a:rPr lang="en-US" b="1" dirty="0"/>
-              <a:t>Step7: </a:t>
+                <a:hlinkClick r:id="rId2"/>
+              </a:rPr>
+              <a:t>https://github.com/ros2/examples</a:t>
             </a:r>
             <a:r>
               <a:rPr lang="en-US" dirty="0"/>
-              <a:t> ros2 run </a:t>
-            </a:r>
-            <a:r>
-              <a:rPr lang="en-US" sz="2800" dirty="0" err="1">
-                <a:solidFill>
-                  <a:srgbClr val="000000"/>
-                </a:solidFill>
-                <a:latin typeface=".VnTime" panose="020B7200000000000000" pitchFamily="34" charset="0"/>
-              </a:rPr>
-              <a:t>ipc</a:t>
-            </a:r>
-            <a:r>
-              <a:rPr lang="en-US" sz="2800" dirty="0">
-                <a:solidFill>
-                  <a:srgbClr val="000000"/>
-                </a:solidFill>
-                <a:latin typeface=".VnTime" panose="020B7200000000000000" pitchFamily="34" charset="0"/>
-              </a:rPr>
-              <a:t>  </a:t>
-            </a:r>
-            <a:r>
-              <a:rPr lang="en-US" sz="2800" dirty="0" err="1">
-                <a:solidFill>
-                  <a:srgbClr val="000000"/>
-                </a:solidFill>
-                <a:latin typeface=".VnTime" panose="020B7200000000000000" pitchFamily="34" charset="0"/>
-              </a:rPr>
-              <a:t>demo.out</a:t>
-            </a:r>
-            <a:endParaRPr lang="en-US" dirty="0"/>
-          </a:p>
-          <a:p>
-            <a:endParaRPr lang="en-US" dirty="0"/>
-          </a:p>
-          <a:p>
-            <a:endParaRPr lang="en-US" dirty="0"/>
-          </a:p>
-        </p:txBody>
-      </p:sp>
+              <a:t> </a:t>
+            </a:r>
+          </a:p>
+        </p:txBody>
+      </p:sp>
+      <p:pic>
+        <p:nvPicPr>
+          <p:cNvPr id="8" name="Picture 7">
+            <a:extLst>
+              <a:ext uri="{FF2B5EF4-FFF2-40B4-BE49-F238E27FC236}">
+                <a16:creationId xmlns:a16="http://schemas.microsoft.com/office/drawing/2014/main" id="{19DD9FFB-E2B6-4073-9245-A3C916A0FEB6}"/>
+              </a:ext>
+            </a:extLst>
+          </p:cNvPr>
+          <p:cNvPicPr>
+            <a:picLocks noChangeAspect="1"/>
+          </p:cNvPicPr>
+          <p:nvPr/>
+        </p:nvPicPr>
+        <p:blipFill>
+          <a:blip r:embed="rId3"/>
+          <a:stretch>
+            <a:fillRect/>
+          </a:stretch>
+        </p:blipFill>
+        <p:spPr>
+          <a:xfrm>
+            <a:off x="838200" y="1666162"/>
+            <a:ext cx="10191626" cy="2448638"/>
+          </a:xfrm>
+          <a:prstGeom prst="rect">
+            <a:avLst/>
+          </a:prstGeom>
+        </p:spPr>
+      </p:pic>
     </p:spTree>
     <p:extLst>
       <p:ext uri="{BB962C8B-B14F-4D97-AF65-F5344CB8AC3E}">
-        <p14:creationId xmlns:p14="http://schemas.microsoft.com/office/powerpoint/2010/main" val="773869563"/>
+        <p14:creationId xmlns:p14="http://schemas.microsoft.com/office/powerpoint/2010/main" val="1170521900"/>
       </p:ext>
     </p:extLst>
   </p:cSld>
@@ -4846,6 +4702,332 @@
           <a:p>
             <a:r>
               <a:rPr lang="en-US" b="1" dirty="0"/>
+              <a:t>Build an example from ros2</a:t>
+            </a:r>
+          </a:p>
+        </p:txBody>
+      </p:sp>
+      <p:sp>
+        <p:nvSpPr>
+          <p:cNvPr id="3" name="Content Placeholder 2">
+            <a:extLst>
+              <a:ext uri="{FF2B5EF4-FFF2-40B4-BE49-F238E27FC236}">
+                <a16:creationId xmlns:a16="http://schemas.microsoft.com/office/drawing/2014/main" id="{051D8B0C-DE3A-479F-8090-F1AA07833A7C}"/>
+              </a:ext>
+            </a:extLst>
+          </p:cNvPr>
+          <p:cNvSpPr>
+            <a:spLocks noGrp="1"/>
+          </p:cNvSpPr>
+          <p:nvPr>
+            <p:ph idx="1"/>
+          </p:nvPr>
+        </p:nvSpPr>
+        <p:spPr>
+          <a:xfrm>
+            <a:off x="467591" y="1253331"/>
+            <a:ext cx="11256818" cy="4351338"/>
+          </a:xfrm>
+        </p:spPr>
+        <p:txBody>
+          <a:bodyPr/>
+          <a:lstStyle/>
+          <a:p>
+            <a:pPr marL="0" indent="0">
+              <a:buNone/>
+            </a:pPr>
+            <a:r>
+              <a:rPr lang="en-US" b="1" dirty="0">
+                <a:latin typeface=".VnTime" panose="020B7200000000000000" pitchFamily="34" charset="0"/>
+              </a:rPr>
+              <a:t>Step1</a:t>
+            </a:r>
+            <a:r>
+              <a:rPr lang="en-US" dirty="0">
+                <a:latin typeface=".VnTime" panose="020B7200000000000000" pitchFamily="34" charset="0"/>
+              </a:rPr>
+              <a:t>: cd </a:t>
+            </a:r>
+            <a:r>
+              <a:rPr lang="en-US" dirty="0" err="1">
+                <a:latin typeface=".VnTime" panose="020B7200000000000000" pitchFamily="34" charset="0"/>
+              </a:rPr>
+              <a:t>src</a:t>
+            </a:r>
+            <a:endParaRPr lang="en-US" dirty="0">
+              <a:latin typeface=".VnTime" panose="020B7200000000000000" pitchFamily="34" charset="0"/>
+            </a:endParaRPr>
+          </a:p>
+          <a:p>
+            <a:pPr marL="0" indent="0">
+              <a:buNone/>
+            </a:pPr>
+            <a:r>
+              <a:rPr lang="en-US" b="1" dirty="0">
+                <a:latin typeface=".VnTime" panose="020B7200000000000000" pitchFamily="34" charset="0"/>
+              </a:rPr>
+              <a:t>Step2</a:t>
+            </a:r>
+            <a:r>
+              <a:rPr lang="en-US" dirty="0">
+                <a:latin typeface=".VnTime" panose="020B7200000000000000" pitchFamily="34" charset="0"/>
+              </a:rPr>
+              <a:t>: git clone  git clone https://github.com/letrthong/ros2 thong_ros2 </a:t>
+            </a:r>
+          </a:p>
+          <a:p>
+            <a:pPr marL="0" indent="0">
+              <a:buNone/>
+            </a:pPr>
+            <a:r>
+              <a:rPr lang="en-US" b="1" dirty="0">
+                <a:latin typeface=".VnTime" panose="020B7200000000000000" pitchFamily="34" charset="0"/>
+              </a:rPr>
+              <a:t>Step3</a:t>
+            </a:r>
+            <a:r>
+              <a:rPr lang="en-US" dirty="0">
+                <a:latin typeface=".VnTime" panose="020B7200000000000000" pitchFamily="34" charset="0"/>
+              </a:rPr>
+              <a:t>: cd ..</a:t>
+            </a:r>
+          </a:p>
+          <a:p>
+            <a:pPr marL="0" indent="0">
+              <a:buNone/>
+            </a:pPr>
+            <a:r>
+              <a:rPr lang="en-US" b="1" dirty="0">
+                <a:latin typeface=".VnTime" panose="020B7200000000000000" pitchFamily="34" charset="0"/>
+              </a:rPr>
+              <a:t>Step4</a:t>
+            </a:r>
+            <a:r>
+              <a:rPr lang="en-US" dirty="0">
+                <a:latin typeface=".VnTime" panose="020B7200000000000000" pitchFamily="34" charset="0"/>
+              </a:rPr>
+              <a:t>: </a:t>
+            </a:r>
+            <a:r>
+              <a:rPr lang="en-US" dirty="0" err="1">
+                <a:latin typeface=".VnTime" panose="020B7200000000000000" pitchFamily="34" charset="0"/>
+              </a:rPr>
+              <a:t>colcon</a:t>
+            </a:r>
+            <a:r>
+              <a:rPr lang="en-US" dirty="0">
+                <a:latin typeface=".VnTime" panose="020B7200000000000000" pitchFamily="34" charset="0"/>
+              </a:rPr>
+              <a:t> list | grep “thong”</a:t>
+            </a:r>
+          </a:p>
+          <a:p>
+            <a:pPr marL="0" indent="0">
+              <a:buNone/>
+            </a:pPr>
+            <a:r>
+              <a:rPr lang="en-US" b="1" dirty="0">
+                <a:latin typeface=".VnTime" panose="020B7200000000000000" pitchFamily="34" charset="0"/>
+              </a:rPr>
+              <a:t>Step5</a:t>
+            </a:r>
+            <a:r>
+              <a:rPr lang="en-US" dirty="0">
+                <a:latin typeface=".VnTime" panose="020B7200000000000000" pitchFamily="34" charset="0"/>
+              </a:rPr>
+              <a:t>: </a:t>
+            </a:r>
+            <a:r>
+              <a:rPr lang="en-US" sz="2400" dirty="0" err="1">
+                <a:solidFill>
+                  <a:srgbClr val="000000"/>
+                </a:solidFill>
+                <a:latin typeface=".VnTime" panose="020B7200000000000000" pitchFamily="34" charset="0"/>
+              </a:rPr>
+              <a:t>colcon</a:t>
+            </a:r>
+            <a:r>
+              <a:rPr lang="en-US" sz="2400" dirty="0">
+                <a:solidFill>
+                  <a:srgbClr val="000000"/>
+                </a:solidFill>
+                <a:latin typeface=".VnTime" panose="020B7200000000000000" pitchFamily="34" charset="0"/>
+              </a:rPr>
+              <a:t> build --packages-</a:t>
+            </a:r>
+            <a:r>
+              <a:rPr lang="en-US" sz="2400" dirty="0">
+                <a:solidFill>
+                  <a:srgbClr val="0000FF"/>
+                </a:solidFill>
+                <a:latin typeface=".VnTime" panose="020B7200000000000000" pitchFamily="34" charset="0"/>
+              </a:rPr>
+              <a:t>select</a:t>
+            </a:r>
+            <a:r>
+              <a:rPr lang="en-US" sz="2400" dirty="0">
+                <a:solidFill>
+                  <a:srgbClr val="000000"/>
+                </a:solidFill>
+                <a:latin typeface=".VnTime" panose="020B7200000000000000" pitchFamily="34" charset="0"/>
+              </a:rPr>
+              <a:t> --allow-overriding  </a:t>
+            </a:r>
+            <a:r>
+              <a:rPr lang="en-US" sz="1800" dirty="0" err="1">
+                <a:solidFill>
+                  <a:srgbClr val="000000"/>
+                </a:solidFill>
+                <a:latin typeface="Consolas" panose="020B0609020204030204" pitchFamily="49" charset="0"/>
+              </a:rPr>
+              <a:t>thong_ipc</a:t>
+            </a:r>
+            <a:endParaRPr lang="en-US" sz="2400" dirty="0">
+              <a:solidFill>
+                <a:srgbClr val="000000"/>
+              </a:solidFill>
+              <a:latin typeface=".VnTime" panose="020B7200000000000000" pitchFamily="34" charset="0"/>
+            </a:endParaRPr>
+          </a:p>
+          <a:p>
+            <a:pPr marL="0" indent="0">
+              <a:buNone/>
+            </a:pPr>
+            <a:r>
+              <a:rPr lang="en-US" b="1" dirty="0">
+                <a:latin typeface=".VnTime" panose="020B7200000000000000" pitchFamily="34" charset="0"/>
+              </a:rPr>
+              <a:t>Step6</a:t>
+            </a:r>
+            <a:r>
+              <a:rPr lang="en-US" sz="2400" dirty="0">
+                <a:solidFill>
+                  <a:srgbClr val="000000"/>
+                </a:solidFill>
+                <a:latin typeface=".VnTime" panose="020B7200000000000000" pitchFamily="34" charset="0"/>
+              </a:rPr>
+              <a:t>:  . ~/ros2_galactic/install/</a:t>
+            </a:r>
+            <a:r>
+              <a:rPr lang="en-US" sz="2400" dirty="0" err="1">
+                <a:solidFill>
+                  <a:srgbClr val="000000"/>
+                </a:solidFill>
+                <a:latin typeface=".VnTime" panose="020B7200000000000000" pitchFamily="34" charset="0"/>
+              </a:rPr>
+              <a:t>local_setup.bash</a:t>
+            </a:r>
+            <a:endParaRPr lang="en-US" sz="2400" dirty="0">
+              <a:latin typeface=".VnTime" panose="020B7200000000000000" pitchFamily="34" charset="0"/>
+            </a:endParaRPr>
+          </a:p>
+          <a:p>
+            <a:pPr marL="0" indent="0">
+              <a:buNone/>
+            </a:pPr>
+            <a:r>
+              <a:rPr lang="en-US" b="1" dirty="0"/>
+              <a:t>Step7: </a:t>
+            </a:r>
+            <a:r>
+              <a:rPr lang="en-US" dirty="0"/>
+              <a:t> ros2 run </a:t>
+            </a:r>
+            <a:r>
+              <a:rPr lang="en-US" sz="2800" dirty="0" err="1">
+                <a:solidFill>
+                  <a:srgbClr val="000000"/>
+                </a:solidFill>
+                <a:latin typeface=".VnTime" panose="020B7200000000000000" pitchFamily="34" charset="0"/>
+              </a:rPr>
+              <a:t>ipc</a:t>
+            </a:r>
+            <a:r>
+              <a:rPr lang="en-US" sz="2800" dirty="0">
+                <a:solidFill>
+                  <a:srgbClr val="000000"/>
+                </a:solidFill>
+                <a:latin typeface=".VnTime" panose="020B7200000000000000" pitchFamily="34" charset="0"/>
+              </a:rPr>
+              <a:t>  </a:t>
+            </a:r>
+            <a:r>
+              <a:rPr lang="en-US" sz="2800" dirty="0" err="1">
+                <a:solidFill>
+                  <a:srgbClr val="000000"/>
+                </a:solidFill>
+                <a:latin typeface=".VnTime" panose="020B7200000000000000" pitchFamily="34" charset="0"/>
+              </a:rPr>
+              <a:t>demo.out</a:t>
+            </a:r>
+            <a:endParaRPr lang="en-US" dirty="0"/>
+          </a:p>
+          <a:p>
+            <a:endParaRPr lang="en-US" dirty="0"/>
+          </a:p>
+          <a:p>
+            <a:endParaRPr lang="en-US" dirty="0"/>
+          </a:p>
+        </p:txBody>
+      </p:sp>
+    </p:spTree>
+    <p:extLst>
+      <p:ext uri="{BB962C8B-B14F-4D97-AF65-F5344CB8AC3E}">
+        <p14:creationId xmlns:p14="http://schemas.microsoft.com/office/powerpoint/2010/main" val="773869563"/>
+      </p:ext>
+    </p:extLst>
+  </p:cSld>
+  <p:clrMapOvr>
+    <a:masterClrMapping/>
+  </p:clrMapOvr>
+</p:sld>
+</file>
+
+<file path=ppt/slides/slide16.xml><?xml version="1.0" encoding="utf-8"?>
+<p:sld xmlns:a="http://schemas.openxmlformats.org/drawingml/2006/main" xmlns:r="http://schemas.openxmlformats.org/officeDocument/2006/relationships" xmlns:p="http://schemas.openxmlformats.org/presentationml/2006/main">
+  <p:cSld>
+    <p:spTree>
+      <p:nvGrpSpPr>
+        <p:cNvPr id="1" name=""/>
+        <p:cNvGrpSpPr/>
+        <p:nvPr/>
+      </p:nvGrpSpPr>
+      <p:grpSpPr>
+        <a:xfrm>
+          <a:off x="0" y="0"/>
+          <a:ext cx="0" cy="0"/>
+          <a:chOff x="0" y="0"/>
+          <a:chExt cx="0" cy="0"/>
+        </a:xfrm>
+      </p:grpSpPr>
+      <p:sp>
+        <p:nvSpPr>
+          <p:cNvPr id="2" name="Title 1">
+            <a:extLst>
+              <a:ext uri="{FF2B5EF4-FFF2-40B4-BE49-F238E27FC236}">
+                <a16:creationId xmlns:a16="http://schemas.microsoft.com/office/drawing/2014/main" id="{AC713B3E-D7D5-4F33-9679-482DD3C67FDE}"/>
+              </a:ext>
+            </a:extLst>
+          </p:cNvPr>
+          <p:cNvSpPr>
+            <a:spLocks noGrp="1"/>
+          </p:cNvSpPr>
+          <p:nvPr>
+            <p:ph type="title"/>
+          </p:nvPr>
+        </p:nvSpPr>
+        <p:spPr>
+          <a:xfrm>
+            <a:off x="616527" y="162213"/>
+            <a:ext cx="10515600" cy="815975"/>
+          </a:xfrm>
+        </p:spPr>
+        <p:txBody>
+          <a:bodyPr/>
+          <a:lstStyle/>
+          <a:p>
+            <a:r>
+              <a:rPr lang="en-US" b="1" dirty="0"/>
               <a:t>Build  source from ros2</a:t>
             </a:r>
           </a:p>
@@ -4974,7 +5156,7 @@
 </p:sld>
 </file>
 
-<file path=ppt/slides/slide16.xml><?xml version="1.0" encoding="utf-8"?>
+<file path=ppt/slides/slide17.xml><?xml version="1.0" encoding="utf-8"?>
 <p:sld xmlns:a="http://schemas.openxmlformats.org/drawingml/2006/main" xmlns:r="http://schemas.openxmlformats.org/officeDocument/2006/relationships" xmlns:p="http://schemas.openxmlformats.org/presentationml/2006/main">
   <p:cSld>
     <p:spTree>

--- a/ros2.pptx
+++ b/ros2.pptx
@@ -275,7 +275,7 @@
           <a:p>
             <a:fld id="{7397F4E0-E812-4AC8-A1B8-ACDCB635DAAF}" type="datetimeFigureOut">
               <a:rPr lang="en-US" smtClean="0"/>
-              <a:t>1/5/2022</a:t>
+              <a:t>1/6/2022</a:t>
             </a:fld>
             <a:endParaRPr lang="en-US"/>
           </a:p>
@@ -473,7 +473,7 @@
           <a:p>
             <a:fld id="{7397F4E0-E812-4AC8-A1B8-ACDCB635DAAF}" type="datetimeFigureOut">
               <a:rPr lang="en-US" smtClean="0"/>
-              <a:t>1/5/2022</a:t>
+              <a:t>1/6/2022</a:t>
             </a:fld>
             <a:endParaRPr lang="en-US"/>
           </a:p>
@@ -681,7 +681,7 @@
           <a:p>
             <a:fld id="{7397F4E0-E812-4AC8-A1B8-ACDCB635DAAF}" type="datetimeFigureOut">
               <a:rPr lang="en-US" smtClean="0"/>
-              <a:t>1/5/2022</a:t>
+              <a:t>1/6/2022</a:t>
             </a:fld>
             <a:endParaRPr lang="en-US"/>
           </a:p>
@@ -879,7 +879,7 @@
           <a:p>
             <a:fld id="{7397F4E0-E812-4AC8-A1B8-ACDCB635DAAF}" type="datetimeFigureOut">
               <a:rPr lang="en-US" smtClean="0"/>
-              <a:t>1/5/2022</a:t>
+              <a:t>1/6/2022</a:t>
             </a:fld>
             <a:endParaRPr lang="en-US"/>
           </a:p>
@@ -1154,7 +1154,7 @@
           <a:p>
             <a:fld id="{7397F4E0-E812-4AC8-A1B8-ACDCB635DAAF}" type="datetimeFigureOut">
               <a:rPr lang="en-US" smtClean="0"/>
-              <a:t>1/5/2022</a:t>
+              <a:t>1/6/2022</a:t>
             </a:fld>
             <a:endParaRPr lang="en-US"/>
           </a:p>
@@ -1419,7 +1419,7 @@
           <a:p>
             <a:fld id="{7397F4E0-E812-4AC8-A1B8-ACDCB635DAAF}" type="datetimeFigureOut">
               <a:rPr lang="en-US" smtClean="0"/>
-              <a:t>1/5/2022</a:t>
+              <a:t>1/6/2022</a:t>
             </a:fld>
             <a:endParaRPr lang="en-US"/>
           </a:p>
@@ -1831,7 +1831,7 @@
           <a:p>
             <a:fld id="{7397F4E0-E812-4AC8-A1B8-ACDCB635DAAF}" type="datetimeFigureOut">
               <a:rPr lang="en-US" smtClean="0"/>
-              <a:t>1/5/2022</a:t>
+              <a:t>1/6/2022</a:t>
             </a:fld>
             <a:endParaRPr lang="en-US"/>
           </a:p>
@@ -1972,7 +1972,7 @@
           <a:p>
             <a:fld id="{7397F4E0-E812-4AC8-A1B8-ACDCB635DAAF}" type="datetimeFigureOut">
               <a:rPr lang="en-US" smtClean="0"/>
-              <a:t>1/5/2022</a:t>
+              <a:t>1/6/2022</a:t>
             </a:fld>
             <a:endParaRPr lang="en-US"/>
           </a:p>
@@ -2085,7 +2085,7 @@
           <a:p>
             <a:fld id="{7397F4E0-E812-4AC8-A1B8-ACDCB635DAAF}" type="datetimeFigureOut">
               <a:rPr lang="en-US" smtClean="0"/>
-              <a:t>1/5/2022</a:t>
+              <a:t>1/6/2022</a:t>
             </a:fld>
             <a:endParaRPr lang="en-US"/>
           </a:p>
@@ -2396,7 +2396,7 @@
           <a:p>
             <a:fld id="{7397F4E0-E812-4AC8-A1B8-ACDCB635DAAF}" type="datetimeFigureOut">
               <a:rPr lang="en-US" smtClean="0"/>
-              <a:t>1/5/2022</a:t>
+              <a:t>1/6/2022</a:t>
             </a:fld>
             <a:endParaRPr lang="en-US"/>
           </a:p>
@@ -2684,7 +2684,7 @@
           <a:p>
             <a:fld id="{7397F4E0-E812-4AC8-A1B8-ACDCB635DAAF}" type="datetimeFigureOut">
               <a:rPr lang="en-US" smtClean="0"/>
-              <a:t>1/5/2022</a:t>
+              <a:t>1/6/2022</a:t>
             </a:fld>
             <a:endParaRPr lang="en-US"/>
           </a:p>
@@ -2925,7 +2925,7 @@
           <a:p>
             <a:fld id="{7397F4E0-E812-4AC8-A1B8-ACDCB635DAAF}" type="datetimeFigureOut">
               <a:rPr lang="en-US" smtClean="0"/>
-              <a:t>1/5/2022</a:t>
+              <a:t>1/6/2022</a:t>
             </a:fld>
             <a:endParaRPr lang="en-US"/>
           </a:p>
@@ -4230,7 +4230,7 @@
         </p:nvSpPr>
         <p:spPr>
           <a:xfrm>
-            <a:off x="317205" y="890630"/>
+            <a:off x="317205" y="1113914"/>
             <a:ext cx="10515600" cy="835463"/>
           </a:xfrm>
         </p:spPr>
@@ -4241,38 +4241,60 @@
           <a:lstStyle/>
           <a:p>
             <a:r>
-              <a:rPr lang="en-US" sz="2700"/>
+              <a:rPr lang="en-US" sz="2700" dirty="0"/>
               <a:t>interface</a:t>
             </a:r>
             <a:br>
-              <a:rPr lang="en-US" sz="2700">
+              <a:rPr lang="en-US" sz="2700" dirty="0">
                 <a:hlinkClick r:id="rId2"/>
               </a:rPr>
             </a:br>
             <a:br>
-              <a:rPr lang="en-US" sz="1600">
+              <a:rPr lang="en-US" sz="1600" dirty="0">
                 <a:latin typeface=".VnTime" panose="020B7200000000000000" pitchFamily="34" charset="0"/>
                 <a:hlinkClick r:id="rId2"/>
               </a:rPr>
             </a:br>
             <a:r>
-              <a:rPr lang="en-US" sz="1600">
+              <a:rPr lang="en-US" sz="1600" dirty="0">
                 <a:latin typeface=".VnTime" panose="020B7200000000000000" pitchFamily="34" charset="0"/>
                 <a:hlinkClick r:id="rId3"/>
               </a:rPr>
               <a:t>https://github.com/ros2/example_interfaces/tree/master/msg</a:t>
             </a:r>
             <a:r>
-              <a:rPr lang="en-US" sz="1600">
+              <a:rPr lang="en-US" sz="1600" dirty="0">
                 <a:latin typeface=".VnTime" panose="020B7200000000000000" pitchFamily="34" charset="0"/>
               </a:rPr>
               <a:t> </a:t>
             </a:r>
             <a:br>
-              <a:rPr lang="en-US" sz="1600"/>
+              <a:rPr lang="en-US" sz="1600" dirty="0">
+                <a:latin typeface=".VnTime" panose="020B7200000000000000" pitchFamily="34" charset="0"/>
+              </a:rPr>
             </a:br>
             <a:br>
-              <a:rPr lang="en-US" sz="1600"/>
+              <a:rPr lang="en-US" sz="1600" dirty="0">
+                <a:latin typeface=".VnTime" panose="020B7200000000000000" pitchFamily="34" charset="0"/>
+              </a:rPr>
+            </a:br>
+            <a:r>
+              <a:rPr lang="en-US" sz="1600" dirty="0">
+                <a:latin typeface=".VnTime" panose="020B7200000000000000" pitchFamily="34" charset="0"/>
+                <a:hlinkClick r:id="rId4"/>
+              </a:rPr>
+              <a:t>https://docs.ros.org/en/foxy/Tutorials/Custom-ROS2-Interfaces.html</a:t>
+            </a:r>
+            <a:br>
+              <a:rPr lang="en-US" sz="1600" dirty="0">
+                <a:latin typeface=".VnTime" panose="020B7200000000000000" pitchFamily="34" charset="0"/>
+              </a:rPr>
+            </a:br>
+            <a:br>
+              <a:rPr lang="en-US" sz="1600" dirty="0"/>
+            </a:br>
+            <a:br>
+              <a:rPr lang="en-US" sz="1600" dirty="0"/>
             </a:br>
             <a:endParaRPr lang="en-US" sz="1600" dirty="0"/>
           </a:p>
@@ -4294,8 +4316,8 @@
         </p:nvSpPr>
         <p:spPr>
           <a:xfrm>
-            <a:off x="721242" y="248167"/>
-            <a:ext cx="10515600" cy="591805"/>
+            <a:off x="4720855" y="131209"/>
+            <a:ext cx="6462823" cy="591805"/>
           </a:xfrm>
           <a:prstGeom prst="rect">
             <a:avLst/>
@@ -4326,7 +4348,7 @@
           </a:lstStyle>
           <a:p>
             <a:r>
-              <a:rPr lang="en-US"/>
+              <a:rPr lang="en-US" dirty="0" err="1"/>
               <a:t>rclcpp</a:t>
             </a:r>
             <a:endParaRPr lang="en-US" dirty="0"/>
@@ -4348,15 +4370,15 @@
           <p:nvPr/>
         </p:nvPicPr>
         <p:blipFill>
-          <a:blip r:embed="rId4"/>
+          <a:blip r:embed="rId5"/>
           <a:stretch>
             <a:fillRect/>
           </a:stretch>
         </p:blipFill>
         <p:spPr>
           <a:xfrm>
-            <a:off x="317205" y="1857192"/>
-            <a:ext cx="10713265" cy="5185068"/>
+            <a:off x="317205" y="1985137"/>
+            <a:ext cx="9797093" cy="4741654"/>
           </a:xfrm>
           <a:prstGeom prst="rect">
             <a:avLst/>

--- a/ros2.pptx
+++ b/ros2.pptx
@@ -4,6 +4,9 @@
   <p:sldMasterIdLst>
     <p:sldMasterId id="2147483648" r:id="rId1"/>
   </p:sldMasterIdLst>
+  <p:notesMasterIdLst>
+    <p:notesMasterId r:id="rId19"/>
+  </p:notesMasterIdLst>
   <p:sldIdLst>
     <p:sldId id="256" r:id="rId2"/>
     <p:sldId id="257" r:id="rId3"/>
@@ -126,6 +129,450 @@
     </p:ext>
   </p:extLst>
 </p:presentation>
+</file>
+
+<file path=ppt/notesMasters/notesMaster1.xml><?xml version="1.0" encoding="utf-8"?>
+<p:notesMaster xmlns:a="http://schemas.openxmlformats.org/drawingml/2006/main" xmlns:r="http://schemas.openxmlformats.org/officeDocument/2006/relationships" xmlns:p="http://schemas.openxmlformats.org/presentationml/2006/main">
+  <p:cSld>
+    <p:bg>
+      <p:bgRef idx="1001">
+        <a:schemeClr val="bg1"/>
+      </p:bgRef>
+    </p:bg>
+    <p:spTree>
+      <p:nvGrpSpPr>
+        <p:cNvPr id="1" name=""/>
+        <p:cNvGrpSpPr/>
+        <p:nvPr/>
+      </p:nvGrpSpPr>
+      <p:grpSpPr>
+        <a:xfrm>
+          <a:off x="0" y="0"/>
+          <a:ext cx="0" cy="0"/>
+          <a:chOff x="0" y="0"/>
+          <a:chExt cx="0" cy="0"/>
+        </a:xfrm>
+      </p:grpSpPr>
+      <p:sp>
+        <p:nvSpPr>
+          <p:cNvPr id="2" name="Header Placeholder 1"/>
+          <p:cNvSpPr>
+            <a:spLocks noGrp="1"/>
+          </p:cNvSpPr>
+          <p:nvPr>
+            <p:ph type="hdr" sz="quarter"/>
+          </p:nvPr>
+        </p:nvSpPr>
+        <p:spPr>
+          <a:xfrm>
+            <a:off x="0" y="0"/>
+            <a:ext cx="2971800" cy="458788"/>
+          </a:xfrm>
+          <a:prstGeom prst="rect">
+            <a:avLst/>
+          </a:prstGeom>
+        </p:spPr>
+        <p:txBody>
+          <a:bodyPr vert="horz" lIns="91440" tIns="45720" rIns="91440" bIns="45720" rtlCol="0"/>
+          <a:lstStyle>
+            <a:lvl1pPr algn="l">
+              <a:defRPr sz="1200"/>
+            </a:lvl1pPr>
+          </a:lstStyle>
+          <a:p>
+            <a:endParaRPr lang="en-US"/>
+          </a:p>
+        </p:txBody>
+      </p:sp>
+      <p:sp>
+        <p:nvSpPr>
+          <p:cNvPr id="3" name="Date Placeholder 2"/>
+          <p:cNvSpPr>
+            <a:spLocks noGrp="1"/>
+          </p:cNvSpPr>
+          <p:nvPr>
+            <p:ph type="dt" idx="1"/>
+          </p:nvPr>
+        </p:nvSpPr>
+        <p:spPr>
+          <a:xfrm>
+            <a:off x="3884613" y="0"/>
+            <a:ext cx="2971800" cy="458788"/>
+          </a:xfrm>
+          <a:prstGeom prst="rect">
+            <a:avLst/>
+          </a:prstGeom>
+        </p:spPr>
+        <p:txBody>
+          <a:bodyPr vert="horz" lIns="91440" tIns="45720" rIns="91440" bIns="45720" rtlCol="0"/>
+          <a:lstStyle>
+            <a:lvl1pPr algn="r">
+              <a:defRPr sz="1200"/>
+            </a:lvl1pPr>
+          </a:lstStyle>
+          <a:p>
+            <a:fld id="{9494A2FA-4D50-445E-A322-1DD372DEF614}" type="datetimeFigureOut">
+              <a:rPr lang="en-US" smtClean="0"/>
+              <a:t>1/6/2022</a:t>
+            </a:fld>
+            <a:endParaRPr lang="en-US"/>
+          </a:p>
+        </p:txBody>
+      </p:sp>
+      <p:sp>
+        <p:nvSpPr>
+          <p:cNvPr id="4" name="Slide Image Placeholder 3"/>
+          <p:cNvSpPr>
+            <a:spLocks noGrp="1" noRot="1" noChangeAspect="1"/>
+          </p:cNvSpPr>
+          <p:nvPr>
+            <p:ph type="sldImg" idx="2"/>
+          </p:nvPr>
+        </p:nvSpPr>
+        <p:spPr>
+          <a:xfrm>
+            <a:off x="685800" y="1143000"/>
+            <a:ext cx="5486400" cy="3086100"/>
+          </a:xfrm>
+          <a:prstGeom prst="rect">
+            <a:avLst/>
+          </a:prstGeom>
+          <a:noFill/>
+          <a:ln w="12700">
+            <a:solidFill>
+              <a:prstClr val="black"/>
+            </a:solidFill>
+          </a:ln>
+        </p:spPr>
+        <p:txBody>
+          <a:bodyPr vert="horz" lIns="91440" tIns="45720" rIns="91440" bIns="45720" rtlCol="0" anchor="ctr"/>
+          <a:lstStyle/>
+          <a:p>
+            <a:endParaRPr lang="en-US"/>
+          </a:p>
+        </p:txBody>
+      </p:sp>
+      <p:sp>
+        <p:nvSpPr>
+          <p:cNvPr id="5" name="Notes Placeholder 4"/>
+          <p:cNvSpPr>
+            <a:spLocks noGrp="1"/>
+          </p:cNvSpPr>
+          <p:nvPr>
+            <p:ph type="body" sz="quarter" idx="3"/>
+          </p:nvPr>
+        </p:nvSpPr>
+        <p:spPr>
+          <a:xfrm>
+            <a:off x="685800" y="4400550"/>
+            <a:ext cx="5486400" cy="3600450"/>
+          </a:xfrm>
+          <a:prstGeom prst="rect">
+            <a:avLst/>
+          </a:prstGeom>
+        </p:spPr>
+        <p:txBody>
+          <a:bodyPr vert="horz" lIns="91440" tIns="45720" rIns="91440" bIns="45720" rtlCol="0"/>
+          <a:lstStyle/>
+          <a:p>
+            <a:pPr lvl="0"/>
+            <a:r>
+              <a:rPr lang="en-US"/>
+              <a:t>Click to edit Master text styles</a:t>
+            </a:r>
+          </a:p>
+          <a:p>
+            <a:pPr lvl="1"/>
+            <a:r>
+              <a:rPr lang="en-US"/>
+              <a:t>Second level</a:t>
+            </a:r>
+          </a:p>
+          <a:p>
+            <a:pPr lvl="2"/>
+            <a:r>
+              <a:rPr lang="en-US"/>
+              <a:t>Third level</a:t>
+            </a:r>
+          </a:p>
+          <a:p>
+            <a:pPr lvl="3"/>
+            <a:r>
+              <a:rPr lang="en-US"/>
+              <a:t>Fourth level</a:t>
+            </a:r>
+          </a:p>
+          <a:p>
+            <a:pPr lvl="4"/>
+            <a:r>
+              <a:rPr lang="en-US"/>
+              <a:t>Fifth level</a:t>
+            </a:r>
+          </a:p>
+        </p:txBody>
+      </p:sp>
+      <p:sp>
+        <p:nvSpPr>
+          <p:cNvPr id="6" name="Footer Placeholder 5"/>
+          <p:cNvSpPr>
+            <a:spLocks noGrp="1"/>
+          </p:cNvSpPr>
+          <p:nvPr>
+            <p:ph type="ftr" sz="quarter" idx="4"/>
+          </p:nvPr>
+        </p:nvSpPr>
+        <p:spPr>
+          <a:xfrm>
+            <a:off x="0" y="8685213"/>
+            <a:ext cx="2971800" cy="458787"/>
+          </a:xfrm>
+          <a:prstGeom prst="rect">
+            <a:avLst/>
+          </a:prstGeom>
+        </p:spPr>
+        <p:txBody>
+          <a:bodyPr vert="horz" lIns="91440" tIns="45720" rIns="91440" bIns="45720" rtlCol="0" anchor="b"/>
+          <a:lstStyle>
+            <a:lvl1pPr algn="l">
+              <a:defRPr sz="1200"/>
+            </a:lvl1pPr>
+          </a:lstStyle>
+          <a:p>
+            <a:endParaRPr lang="en-US"/>
+          </a:p>
+        </p:txBody>
+      </p:sp>
+      <p:sp>
+        <p:nvSpPr>
+          <p:cNvPr id="7" name="Slide Number Placeholder 6"/>
+          <p:cNvSpPr>
+            <a:spLocks noGrp="1"/>
+          </p:cNvSpPr>
+          <p:nvPr>
+            <p:ph type="sldNum" sz="quarter" idx="5"/>
+          </p:nvPr>
+        </p:nvSpPr>
+        <p:spPr>
+          <a:xfrm>
+            <a:off x="3884613" y="8685213"/>
+            <a:ext cx="2971800" cy="458787"/>
+          </a:xfrm>
+          <a:prstGeom prst="rect">
+            <a:avLst/>
+          </a:prstGeom>
+        </p:spPr>
+        <p:txBody>
+          <a:bodyPr vert="horz" lIns="91440" tIns="45720" rIns="91440" bIns="45720" rtlCol="0" anchor="b"/>
+          <a:lstStyle>
+            <a:lvl1pPr algn="r">
+              <a:defRPr sz="1200"/>
+            </a:lvl1pPr>
+          </a:lstStyle>
+          <a:p>
+            <a:fld id="{4475A959-DE2A-48CF-B6E1-A354B14C7F76}" type="slidenum">
+              <a:rPr lang="en-US" smtClean="0"/>
+              <a:t>‹#›</a:t>
+            </a:fld>
+            <a:endParaRPr lang="en-US"/>
+          </a:p>
+        </p:txBody>
+      </p:sp>
+    </p:spTree>
+    <p:extLst>
+      <p:ext uri="{BB962C8B-B14F-4D97-AF65-F5344CB8AC3E}">
+        <p14:creationId xmlns:p14="http://schemas.microsoft.com/office/powerpoint/2010/main" val="3368950863"/>
+      </p:ext>
+    </p:extLst>
+  </p:cSld>
+  <p:clrMap bg1="lt1" tx1="dk1" bg2="lt2" tx2="dk2" accent1="accent1" accent2="accent2" accent3="accent3" accent4="accent4" accent5="accent5" accent6="accent6" hlink="hlink" folHlink="folHlink"/>
+  <p:notesStyle>
+    <a:lvl1pPr marL="0" algn="l" defTabSz="914400" rtl="0" eaLnBrk="1" latinLnBrk="0" hangingPunct="1">
+      <a:defRPr sz="1200" kern="1200">
+        <a:solidFill>
+          <a:schemeClr val="tx1"/>
+        </a:solidFill>
+        <a:latin typeface="+mn-lt"/>
+        <a:ea typeface="+mn-ea"/>
+        <a:cs typeface="+mn-cs"/>
+      </a:defRPr>
+    </a:lvl1pPr>
+    <a:lvl2pPr marL="457200" algn="l" defTabSz="914400" rtl="0" eaLnBrk="1" latinLnBrk="0" hangingPunct="1">
+      <a:defRPr sz="1200" kern="1200">
+        <a:solidFill>
+          <a:schemeClr val="tx1"/>
+        </a:solidFill>
+        <a:latin typeface="+mn-lt"/>
+        <a:ea typeface="+mn-ea"/>
+        <a:cs typeface="+mn-cs"/>
+      </a:defRPr>
+    </a:lvl2pPr>
+    <a:lvl3pPr marL="914400" algn="l" defTabSz="914400" rtl="0" eaLnBrk="1" latinLnBrk="0" hangingPunct="1">
+      <a:defRPr sz="1200" kern="1200">
+        <a:solidFill>
+          <a:schemeClr val="tx1"/>
+        </a:solidFill>
+        <a:latin typeface="+mn-lt"/>
+        <a:ea typeface="+mn-ea"/>
+        <a:cs typeface="+mn-cs"/>
+      </a:defRPr>
+    </a:lvl3pPr>
+    <a:lvl4pPr marL="1371600" algn="l" defTabSz="914400" rtl="0" eaLnBrk="1" latinLnBrk="0" hangingPunct="1">
+      <a:defRPr sz="1200" kern="1200">
+        <a:solidFill>
+          <a:schemeClr val="tx1"/>
+        </a:solidFill>
+        <a:latin typeface="+mn-lt"/>
+        <a:ea typeface="+mn-ea"/>
+        <a:cs typeface="+mn-cs"/>
+      </a:defRPr>
+    </a:lvl4pPr>
+    <a:lvl5pPr marL="1828800" algn="l" defTabSz="914400" rtl="0" eaLnBrk="1" latinLnBrk="0" hangingPunct="1">
+      <a:defRPr sz="1200" kern="1200">
+        <a:solidFill>
+          <a:schemeClr val="tx1"/>
+        </a:solidFill>
+        <a:latin typeface="+mn-lt"/>
+        <a:ea typeface="+mn-ea"/>
+        <a:cs typeface="+mn-cs"/>
+      </a:defRPr>
+    </a:lvl5pPr>
+    <a:lvl6pPr marL="2286000" algn="l" defTabSz="914400" rtl="0" eaLnBrk="1" latinLnBrk="0" hangingPunct="1">
+      <a:defRPr sz="1200" kern="1200">
+        <a:solidFill>
+          <a:schemeClr val="tx1"/>
+        </a:solidFill>
+        <a:latin typeface="+mn-lt"/>
+        <a:ea typeface="+mn-ea"/>
+        <a:cs typeface="+mn-cs"/>
+      </a:defRPr>
+    </a:lvl6pPr>
+    <a:lvl7pPr marL="2743200" algn="l" defTabSz="914400" rtl="0" eaLnBrk="1" latinLnBrk="0" hangingPunct="1">
+      <a:defRPr sz="1200" kern="1200">
+        <a:solidFill>
+          <a:schemeClr val="tx1"/>
+        </a:solidFill>
+        <a:latin typeface="+mn-lt"/>
+        <a:ea typeface="+mn-ea"/>
+        <a:cs typeface="+mn-cs"/>
+      </a:defRPr>
+    </a:lvl7pPr>
+    <a:lvl8pPr marL="3200400" algn="l" defTabSz="914400" rtl="0" eaLnBrk="1" latinLnBrk="0" hangingPunct="1">
+      <a:defRPr sz="1200" kern="1200">
+        <a:solidFill>
+          <a:schemeClr val="tx1"/>
+        </a:solidFill>
+        <a:latin typeface="+mn-lt"/>
+        <a:ea typeface="+mn-ea"/>
+        <a:cs typeface="+mn-cs"/>
+      </a:defRPr>
+    </a:lvl8pPr>
+    <a:lvl9pPr marL="3657600" algn="l" defTabSz="914400" rtl="0" eaLnBrk="1" latinLnBrk="0" hangingPunct="1">
+      <a:defRPr sz="1200" kern="1200">
+        <a:solidFill>
+          <a:schemeClr val="tx1"/>
+        </a:solidFill>
+        <a:latin typeface="+mn-lt"/>
+        <a:ea typeface="+mn-ea"/>
+        <a:cs typeface="+mn-cs"/>
+      </a:defRPr>
+    </a:lvl9pPr>
+  </p:notesStyle>
+</p:notesMaster>
+</file>
+
+<file path=ppt/notesSlides/notesSlide1.xml><?xml version="1.0" encoding="utf-8"?>
+<p:notes xmlns:a="http://schemas.openxmlformats.org/drawingml/2006/main" xmlns:r="http://schemas.openxmlformats.org/officeDocument/2006/relationships" xmlns:p="http://schemas.openxmlformats.org/presentationml/2006/main">
+  <p:cSld>
+    <p:spTree>
+      <p:nvGrpSpPr>
+        <p:cNvPr id="1" name=""/>
+        <p:cNvGrpSpPr/>
+        <p:nvPr/>
+      </p:nvGrpSpPr>
+      <p:grpSpPr>
+        <a:xfrm>
+          <a:off x="0" y="0"/>
+          <a:ext cx="0" cy="0"/>
+          <a:chOff x="0" y="0"/>
+          <a:chExt cx="0" cy="0"/>
+        </a:xfrm>
+      </p:grpSpPr>
+      <p:sp>
+        <p:nvSpPr>
+          <p:cNvPr id="2" name="Slide Image Placeholder 1"/>
+          <p:cNvSpPr>
+            <a:spLocks noGrp="1" noRot="1" noChangeAspect="1"/>
+          </p:cNvSpPr>
+          <p:nvPr>
+            <p:ph type="sldImg"/>
+          </p:nvPr>
+        </p:nvSpPr>
+        <p:spPr/>
+      </p:sp>
+      <p:sp>
+        <p:nvSpPr>
+          <p:cNvPr id="3" name="Notes Placeholder 2"/>
+          <p:cNvSpPr>
+            <a:spLocks noGrp="1"/>
+          </p:cNvSpPr>
+          <p:nvPr>
+            <p:ph type="body" idx="1"/>
+          </p:nvPr>
+        </p:nvSpPr>
+        <p:spPr/>
+        <p:txBody>
+          <a:bodyPr/>
+          <a:lstStyle/>
+          <a:p>
+            <a:r>
+              <a:rPr lang="en-US" dirty="0"/>
+              <a:t>ros2 interface show </a:t>
+            </a:r>
+            <a:r>
+              <a:rPr lang="en-US" dirty="0" err="1"/>
+              <a:t>tutorial_interfaces</a:t>
+            </a:r>
+            <a:r>
+              <a:rPr lang="en-US"/>
+              <a:t>/msg/Num </a:t>
+            </a:r>
+          </a:p>
+        </p:txBody>
+      </p:sp>
+      <p:sp>
+        <p:nvSpPr>
+          <p:cNvPr id="4" name="Slide Number Placeholder 3"/>
+          <p:cNvSpPr>
+            <a:spLocks noGrp="1"/>
+          </p:cNvSpPr>
+          <p:nvPr>
+            <p:ph type="sldNum" sz="quarter" idx="5"/>
+          </p:nvPr>
+        </p:nvSpPr>
+        <p:spPr/>
+        <p:txBody>
+          <a:bodyPr/>
+          <a:lstStyle/>
+          <a:p>
+            <a:fld id="{4475A959-DE2A-48CF-B6E1-A354B14C7F76}" type="slidenum">
+              <a:rPr lang="en-US" smtClean="0"/>
+              <a:t>12</a:t>
+            </a:fld>
+            <a:endParaRPr lang="en-US"/>
+          </a:p>
+        </p:txBody>
+      </p:sp>
+    </p:spTree>
+    <p:extLst>
+      <p:ext uri="{BB962C8B-B14F-4D97-AF65-F5344CB8AC3E}">
+        <p14:creationId xmlns:p14="http://schemas.microsoft.com/office/powerpoint/2010/main" val="3619500860"/>
+      </p:ext>
+    </p:extLst>
+  </p:cSld>
+  <p:clrMapOvr>
+    <a:masterClrMapping/>
+  </p:clrMapOvr>
+</p:notes>
 </file>
 
 <file path=ppt/slideLayouts/slideLayout1.xml><?xml version="1.0" encoding="utf-8"?>
@@ -4230,7 +4677,7 @@
         </p:nvSpPr>
         <p:spPr>
           <a:xfrm>
-            <a:off x="317205" y="1113914"/>
+            <a:off x="317205" y="936344"/>
             <a:ext cx="10515600" cy="835463"/>
           </a:xfrm>
         </p:spPr>
@@ -4246,19 +4693,19 @@
             </a:r>
             <a:br>
               <a:rPr lang="en-US" sz="2700" dirty="0">
-                <a:hlinkClick r:id="rId2"/>
+                <a:hlinkClick r:id="rId3"/>
               </a:rPr>
             </a:br>
             <a:br>
               <a:rPr lang="en-US" sz="1600" dirty="0">
                 <a:latin typeface=".VnTime" panose="020B7200000000000000" pitchFamily="34" charset="0"/>
-                <a:hlinkClick r:id="rId2"/>
+                <a:hlinkClick r:id="rId3"/>
               </a:rPr>
             </a:br>
             <a:r>
               <a:rPr lang="en-US" sz="1600" dirty="0">
                 <a:latin typeface=".VnTime" panose="020B7200000000000000" pitchFamily="34" charset="0"/>
-                <a:hlinkClick r:id="rId3"/>
+                <a:hlinkClick r:id="rId4"/>
               </a:rPr>
               <a:t>https://github.com/ros2/example_interfaces/tree/master/msg</a:t>
             </a:r>
@@ -4281,10 +4728,15 @@
             <a:r>
               <a:rPr lang="en-US" sz="1600" dirty="0">
                 <a:latin typeface=".VnTime" panose="020B7200000000000000" pitchFamily="34" charset="0"/>
-                <a:hlinkClick r:id="rId4"/>
+                <a:hlinkClick r:id="rId5"/>
               </a:rPr>
               <a:t>https://docs.ros.org/en/foxy/Tutorials/Custom-ROS2-Interfaces.html</a:t>
             </a:r>
+            <a:br>
+              <a:rPr lang="en-US" sz="1600" dirty="0">
+                <a:latin typeface=".VnTime" panose="020B7200000000000000" pitchFamily="34" charset="0"/>
+              </a:rPr>
+            </a:br>
             <a:br>
               <a:rPr lang="en-US" sz="1600" dirty="0">
                 <a:latin typeface=".VnTime" panose="020B7200000000000000" pitchFamily="34" charset="0"/>
@@ -4370,7 +4822,7 @@
           <p:nvPr/>
         </p:nvPicPr>
         <p:blipFill>
-          <a:blip r:embed="rId5"/>
+          <a:blip r:embed="rId6"/>
           <a:stretch>
             <a:fillRect/>
           </a:stretch>
@@ -8391,4 +8843,299 @@
     </a:ext>
   </a:extLst>
 </a:theme>
+</file>
+
+<file path=ppt/theme/theme2.xml><?xml version="1.0" encoding="utf-8"?>
+<a:theme xmlns:a="http://schemas.openxmlformats.org/drawingml/2006/main" name="Office Theme">
+  <a:themeElements>
+    <a:clrScheme name="Office">
+      <a:dk1>
+        <a:sysClr val="windowText" lastClr="000000"/>
+      </a:dk1>
+      <a:lt1>
+        <a:sysClr val="window" lastClr="FFFFFF"/>
+      </a:lt1>
+      <a:dk2>
+        <a:srgbClr val="44546A"/>
+      </a:dk2>
+      <a:lt2>
+        <a:srgbClr val="E7E6E6"/>
+      </a:lt2>
+      <a:accent1>
+        <a:srgbClr val="4472C4"/>
+      </a:accent1>
+      <a:accent2>
+        <a:srgbClr val="ED7D31"/>
+      </a:accent2>
+      <a:accent3>
+        <a:srgbClr val="A5A5A5"/>
+      </a:accent3>
+      <a:accent4>
+        <a:srgbClr val="FFC000"/>
+      </a:accent4>
+      <a:accent5>
+        <a:srgbClr val="5B9BD5"/>
+      </a:accent5>
+      <a:accent6>
+        <a:srgbClr val="70AD47"/>
+      </a:accent6>
+      <a:hlink>
+        <a:srgbClr val="0563C1"/>
+      </a:hlink>
+      <a:folHlink>
+        <a:srgbClr val="954F72"/>
+      </a:folHlink>
+    </a:clrScheme>
+    <a:fontScheme name="Office">
+      <a:majorFont>
+        <a:latin typeface="Calibri Light" panose="020F0302020204030204"/>
+        <a:ea typeface=""/>
+        <a:cs typeface=""/>
+        <a:font script="Jpan" typeface="游ゴシック Light"/>
+        <a:font script="Hang" typeface="맑은 고딕"/>
+        <a:font script="Hans" typeface="等线 Light"/>
+        <a:font script="Hant" typeface="新細明體"/>
+        <a:font script="Arab" typeface="Times New Roman"/>
+        <a:font script="Hebr" typeface="Times New Roman"/>
+        <a:font script="Thai" typeface="Angsana New"/>
+        <a:font script="Ethi" typeface="Nyala"/>
+        <a:font script="Beng" typeface="Vrinda"/>
+        <a:font script="Gujr" typeface="Shruti"/>
+        <a:font script="Khmr" typeface="MoolBoran"/>
+        <a:font script="Knda" typeface="Tunga"/>
+        <a:font script="Guru" typeface="Raavi"/>
+        <a:font script="Cans" typeface="Euphemia"/>
+        <a:font script="Cher" typeface="Plantagenet Cherokee"/>
+        <a:font script="Yiii" typeface="Microsoft Yi Baiti"/>
+        <a:font script="Tibt" typeface="Microsoft Himalaya"/>
+        <a:font script="Thaa" typeface="MV Boli"/>
+        <a:font script="Deva" typeface="Mangal"/>
+        <a:font script="Telu" typeface="Gautami"/>
+        <a:font script="Taml" typeface="Latha"/>
+        <a:font script="Syrc" typeface="Estrangelo Edessa"/>
+        <a:font script="Orya" typeface="Kalinga"/>
+        <a:font script="Mlym" typeface="Kartika"/>
+        <a:font script="Laoo" typeface="DokChampa"/>
+        <a:font script="Sinh" typeface="Iskoola Pota"/>
+        <a:font script="Mong" typeface="Mongolian Baiti"/>
+        <a:font script="Viet" typeface="Times New Roman"/>
+        <a:font script="Uigh" typeface="Microsoft Uighur"/>
+        <a:font script="Geor" typeface="Sylfaen"/>
+        <a:font script="Armn" typeface="Arial"/>
+        <a:font script="Bugi" typeface="Leelawadee UI"/>
+        <a:font script="Bopo" typeface="Microsoft JhengHei"/>
+        <a:font script="Java" typeface="Javanese Text"/>
+        <a:font script="Lisu" typeface="Segoe UI"/>
+        <a:font script="Mymr" typeface="Myanmar Text"/>
+        <a:font script="Nkoo" typeface="Ebrima"/>
+        <a:font script="Olck" typeface="Nirmala UI"/>
+        <a:font script="Osma" typeface="Ebrima"/>
+        <a:font script="Phag" typeface="Phagspa"/>
+        <a:font script="Syrn" typeface="Estrangelo Edessa"/>
+        <a:font script="Syrj" typeface="Estrangelo Edessa"/>
+        <a:font script="Syre" typeface="Estrangelo Edessa"/>
+        <a:font script="Sora" typeface="Nirmala UI"/>
+        <a:font script="Tale" typeface="Microsoft Tai Le"/>
+        <a:font script="Talu" typeface="Microsoft New Tai Lue"/>
+        <a:font script="Tfng" typeface="Ebrima"/>
+      </a:majorFont>
+      <a:minorFont>
+        <a:latin typeface="Calibri" panose="020F0502020204030204"/>
+        <a:ea typeface=""/>
+        <a:cs typeface=""/>
+        <a:font script="Jpan" typeface="游ゴシック"/>
+        <a:font script="Hang" typeface="맑은 고딕"/>
+        <a:font script="Hans" typeface="等线"/>
+        <a:font script="Hant" typeface="新細明體"/>
+        <a:font script="Arab" typeface="Arial"/>
+        <a:font script="Hebr" typeface="Arial"/>
+        <a:font script="Thai" typeface="Cordia New"/>
+        <a:font script="Ethi" typeface="Nyala"/>
+        <a:font script="Beng" typeface="Vrinda"/>
+        <a:font script="Gujr" typeface="Shruti"/>
+        <a:font script="Khmr" typeface="DaunPenh"/>
+        <a:font script="Knda" typeface="Tunga"/>
+        <a:font script="Guru" typeface="Raavi"/>
+        <a:font script="Cans" typeface="Euphemia"/>
+        <a:font script="Cher" typeface="Plantagenet Cherokee"/>
+        <a:font script="Yiii" typeface="Microsoft Yi Baiti"/>
+        <a:font script="Tibt" typeface="Microsoft Himalaya"/>
+        <a:font script="Thaa" typeface="MV Boli"/>
+        <a:font script="Deva" typeface="Mangal"/>
+        <a:font script="Telu" typeface="Gautami"/>
+        <a:font script="Taml" typeface="Latha"/>
+        <a:font script="Syrc" typeface="Estrangelo Edessa"/>
+        <a:font script="Orya" typeface="Kalinga"/>
+        <a:font script="Mlym" typeface="Kartika"/>
+        <a:font script="Laoo" typeface="DokChampa"/>
+        <a:font script="Sinh" typeface="Iskoola Pota"/>
+        <a:font script="Mong" typeface="Mongolian Baiti"/>
+        <a:font script="Viet" typeface="Arial"/>
+        <a:font script="Uigh" typeface="Microsoft Uighur"/>
+        <a:font script="Geor" typeface="Sylfaen"/>
+        <a:font script="Armn" typeface="Arial"/>
+        <a:font script="Bugi" typeface="Leelawadee UI"/>
+        <a:font script="Bopo" typeface="Microsoft JhengHei"/>
+        <a:font script="Java" typeface="Javanese Text"/>
+        <a:font script="Lisu" typeface="Segoe UI"/>
+        <a:font script="Mymr" typeface="Myanmar Text"/>
+        <a:font script="Nkoo" typeface="Ebrima"/>
+        <a:font script="Olck" typeface="Nirmala UI"/>
+        <a:font script="Osma" typeface="Ebrima"/>
+        <a:font script="Phag" typeface="Phagspa"/>
+        <a:font script="Syrn" typeface="Estrangelo Edessa"/>
+        <a:font script="Syrj" typeface="Estrangelo Edessa"/>
+        <a:font script="Syre" typeface="Estrangelo Edessa"/>
+        <a:font script="Sora" typeface="Nirmala UI"/>
+        <a:font script="Tale" typeface="Microsoft Tai Le"/>
+        <a:font script="Talu" typeface="Microsoft New Tai Lue"/>
+        <a:font script="Tfng" typeface="Ebrima"/>
+      </a:minorFont>
+    </a:fontScheme>
+    <a:fmtScheme name="Office">
+      <a:fillStyleLst>
+        <a:solidFill>
+          <a:schemeClr val="phClr"/>
+        </a:solidFill>
+        <a:gradFill rotWithShape="1">
+          <a:gsLst>
+            <a:gs pos="0">
+              <a:schemeClr val="phClr">
+                <a:lumMod val="110000"/>
+                <a:satMod val="105000"/>
+                <a:tint val="67000"/>
+              </a:schemeClr>
+            </a:gs>
+            <a:gs pos="50000">
+              <a:schemeClr val="phClr">
+                <a:lumMod val="105000"/>
+                <a:satMod val="103000"/>
+                <a:tint val="73000"/>
+              </a:schemeClr>
+            </a:gs>
+            <a:gs pos="100000">
+              <a:schemeClr val="phClr">
+                <a:lumMod val="105000"/>
+                <a:satMod val="109000"/>
+                <a:tint val="81000"/>
+              </a:schemeClr>
+            </a:gs>
+          </a:gsLst>
+          <a:lin ang="5400000" scaled="0"/>
+        </a:gradFill>
+        <a:gradFill rotWithShape="1">
+          <a:gsLst>
+            <a:gs pos="0">
+              <a:schemeClr val="phClr">
+                <a:satMod val="103000"/>
+                <a:lumMod val="102000"/>
+                <a:tint val="94000"/>
+              </a:schemeClr>
+            </a:gs>
+            <a:gs pos="50000">
+              <a:schemeClr val="phClr">
+                <a:satMod val="110000"/>
+                <a:lumMod val="100000"/>
+                <a:shade val="100000"/>
+              </a:schemeClr>
+            </a:gs>
+            <a:gs pos="100000">
+              <a:schemeClr val="phClr">
+                <a:lumMod val="99000"/>
+                <a:satMod val="120000"/>
+                <a:shade val="78000"/>
+              </a:schemeClr>
+            </a:gs>
+          </a:gsLst>
+          <a:lin ang="5400000" scaled="0"/>
+        </a:gradFill>
+      </a:fillStyleLst>
+      <a:lnStyleLst>
+        <a:ln w="6350" cap="flat" cmpd="sng" algn="ctr">
+          <a:solidFill>
+            <a:schemeClr val="phClr"/>
+          </a:solidFill>
+          <a:prstDash val="solid"/>
+          <a:miter lim="800000"/>
+        </a:ln>
+        <a:ln w="12700" cap="flat" cmpd="sng" algn="ctr">
+          <a:solidFill>
+            <a:schemeClr val="phClr"/>
+          </a:solidFill>
+          <a:prstDash val="solid"/>
+          <a:miter lim="800000"/>
+        </a:ln>
+        <a:ln w="19050" cap="flat" cmpd="sng" algn="ctr">
+          <a:solidFill>
+            <a:schemeClr val="phClr"/>
+          </a:solidFill>
+          <a:prstDash val="solid"/>
+          <a:miter lim="800000"/>
+        </a:ln>
+      </a:lnStyleLst>
+      <a:effectStyleLst>
+        <a:effectStyle>
+          <a:effectLst/>
+        </a:effectStyle>
+        <a:effectStyle>
+          <a:effectLst/>
+        </a:effectStyle>
+        <a:effectStyle>
+          <a:effectLst>
+            <a:outerShdw blurRad="57150" dist="19050" dir="5400000" algn="ctr" rotWithShape="0">
+              <a:srgbClr val="000000">
+                <a:alpha val="63000"/>
+              </a:srgbClr>
+            </a:outerShdw>
+          </a:effectLst>
+        </a:effectStyle>
+      </a:effectStyleLst>
+      <a:bgFillStyleLst>
+        <a:solidFill>
+          <a:schemeClr val="phClr"/>
+        </a:solidFill>
+        <a:solidFill>
+          <a:schemeClr val="phClr">
+            <a:tint val="95000"/>
+            <a:satMod val="170000"/>
+          </a:schemeClr>
+        </a:solidFill>
+        <a:gradFill rotWithShape="1">
+          <a:gsLst>
+            <a:gs pos="0">
+              <a:schemeClr val="phClr">
+                <a:tint val="93000"/>
+                <a:satMod val="150000"/>
+                <a:shade val="98000"/>
+                <a:lumMod val="102000"/>
+              </a:schemeClr>
+            </a:gs>
+            <a:gs pos="50000">
+              <a:schemeClr val="phClr">
+                <a:tint val="98000"/>
+                <a:satMod val="130000"/>
+                <a:shade val="90000"/>
+                <a:lumMod val="103000"/>
+              </a:schemeClr>
+            </a:gs>
+            <a:gs pos="100000">
+              <a:schemeClr val="phClr">
+                <a:shade val="63000"/>
+                <a:satMod val="120000"/>
+              </a:schemeClr>
+            </a:gs>
+          </a:gsLst>
+          <a:lin ang="5400000" scaled="0"/>
+        </a:gradFill>
+      </a:bgFillStyleLst>
+    </a:fmtScheme>
+  </a:themeElements>
+  <a:objectDefaults/>
+  <a:extraClrSchemeLst/>
+  <a:extLst>
+    <a:ext uri="{05A4C25C-085E-4340-85A3-A5531E510DB2}">
+      <thm15:themeFamily xmlns:thm15="http://schemas.microsoft.com/office/thememl/2012/main" name="Office Theme" id="{62F939B6-93AF-4DB8-9C6B-D6C7DFDC589F}" vid="{4A3C46E8-61CC-4603-A589-7422A47A8E4A}"/>
+    </a:ext>
+  </a:extLst>
+</a:theme>
 </file>
--- a/ros2.pptx
+++ b/ros2.pptx
@@ -5,7 +5,7 @@
     <p:sldMasterId id="2147483648" r:id="rId1"/>
   </p:sldMasterIdLst>
   <p:notesMasterIdLst>
-    <p:notesMasterId r:id="rId19"/>
+    <p:notesMasterId r:id="rId20"/>
   </p:notesMasterIdLst>
   <p:sldIdLst>
     <p:sldId id="256" r:id="rId2"/>
@@ -25,6 +25,7 @@
     <p:sldId id="266" r:id="rId16"/>
     <p:sldId id="267" r:id="rId17"/>
     <p:sldId id="268" r:id="rId18"/>
+    <p:sldId id="273" r:id="rId19"/>
   </p:sldIdLst>
   <p:sldSz cx="12192000" cy="6858000"/>
   <p:notesSz cx="6858000" cy="9144000"/>
@@ -213,7 +214,7 @@
           <a:p>
             <a:fld id="{9494A2FA-4D50-445E-A322-1DD372DEF614}" type="datetimeFigureOut">
               <a:rPr lang="en-US" smtClean="0"/>
-              <a:t>1/6/2022</a:t>
+              <a:t>1/18/2022</a:t>
             </a:fld>
             <a:endParaRPr lang="en-US"/>
           </a:p>
@@ -722,7 +723,7 @@
           <a:p>
             <a:fld id="{7397F4E0-E812-4AC8-A1B8-ACDCB635DAAF}" type="datetimeFigureOut">
               <a:rPr lang="en-US" smtClean="0"/>
-              <a:t>1/6/2022</a:t>
+              <a:t>1/18/2022</a:t>
             </a:fld>
             <a:endParaRPr lang="en-US"/>
           </a:p>
@@ -920,7 +921,7 @@
           <a:p>
             <a:fld id="{7397F4E0-E812-4AC8-A1B8-ACDCB635DAAF}" type="datetimeFigureOut">
               <a:rPr lang="en-US" smtClean="0"/>
-              <a:t>1/6/2022</a:t>
+              <a:t>1/18/2022</a:t>
             </a:fld>
             <a:endParaRPr lang="en-US"/>
           </a:p>
@@ -1128,7 +1129,7 @@
           <a:p>
             <a:fld id="{7397F4E0-E812-4AC8-A1B8-ACDCB635DAAF}" type="datetimeFigureOut">
               <a:rPr lang="en-US" smtClean="0"/>
-              <a:t>1/6/2022</a:t>
+              <a:t>1/18/2022</a:t>
             </a:fld>
             <a:endParaRPr lang="en-US"/>
           </a:p>
@@ -1326,7 +1327,7 @@
           <a:p>
             <a:fld id="{7397F4E0-E812-4AC8-A1B8-ACDCB635DAAF}" type="datetimeFigureOut">
               <a:rPr lang="en-US" smtClean="0"/>
-              <a:t>1/6/2022</a:t>
+              <a:t>1/18/2022</a:t>
             </a:fld>
             <a:endParaRPr lang="en-US"/>
           </a:p>
@@ -1601,7 +1602,7 @@
           <a:p>
             <a:fld id="{7397F4E0-E812-4AC8-A1B8-ACDCB635DAAF}" type="datetimeFigureOut">
               <a:rPr lang="en-US" smtClean="0"/>
-              <a:t>1/6/2022</a:t>
+              <a:t>1/18/2022</a:t>
             </a:fld>
             <a:endParaRPr lang="en-US"/>
           </a:p>
@@ -1866,7 +1867,7 @@
           <a:p>
             <a:fld id="{7397F4E0-E812-4AC8-A1B8-ACDCB635DAAF}" type="datetimeFigureOut">
               <a:rPr lang="en-US" smtClean="0"/>
-              <a:t>1/6/2022</a:t>
+              <a:t>1/18/2022</a:t>
             </a:fld>
             <a:endParaRPr lang="en-US"/>
           </a:p>
@@ -2278,7 +2279,7 @@
           <a:p>
             <a:fld id="{7397F4E0-E812-4AC8-A1B8-ACDCB635DAAF}" type="datetimeFigureOut">
               <a:rPr lang="en-US" smtClean="0"/>
-              <a:t>1/6/2022</a:t>
+              <a:t>1/18/2022</a:t>
             </a:fld>
             <a:endParaRPr lang="en-US"/>
           </a:p>
@@ -2419,7 +2420,7 @@
           <a:p>
             <a:fld id="{7397F4E0-E812-4AC8-A1B8-ACDCB635DAAF}" type="datetimeFigureOut">
               <a:rPr lang="en-US" smtClean="0"/>
-              <a:t>1/6/2022</a:t>
+              <a:t>1/18/2022</a:t>
             </a:fld>
             <a:endParaRPr lang="en-US"/>
           </a:p>
@@ -2532,7 +2533,7 @@
           <a:p>
             <a:fld id="{7397F4E0-E812-4AC8-A1B8-ACDCB635DAAF}" type="datetimeFigureOut">
               <a:rPr lang="en-US" smtClean="0"/>
-              <a:t>1/6/2022</a:t>
+              <a:t>1/18/2022</a:t>
             </a:fld>
             <a:endParaRPr lang="en-US"/>
           </a:p>
@@ -2843,7 +2844,7 @@
           <a:p>
             <a:fld id="{7397F4E0-E812-4AC8-A1B8-ACDCB635DAAF}" type="datetimeFigureOut">
               <a:rPr lang="en-US" smtClean="0"/>
-              <a:t>1/6/2022</a:t>
+              <a:t>1/18/2022</a:t>
             </a:fld>
             <a:endParaRPr lang="en-US"/>
           </a:p>
@@ -3131,7 +3132,7 @@
           <a:p>
             <a:fld id="{7397F4E0-E812-4AC8-A1B8-ACDCB635DAAF}" type="datetimeFigureOut">
               <a:rPr lang="en-US" smtClean="0"/>
-              <a:t>1/6/2022</a:t>
+              <a:t>1/18/2022</a:t>
             </a:fld>
             <a:endParaRPr lang="en-US"/>
           </a:p>
@@ -3372,7 +3373,7 @@
           <a:p>
             <a:fld id="{7397F4E0-E812-4AC8-A1B8-ACDCB635DAAF}" type="datetimeFigureOut">
               <a:rPr lang="en-US" smtClean="0"/>
-              <a:t>1/6/2022</a:t>
+              <a:t>1/18/2022</a:t>
             </a:fld>
             <a:endParaRPr lang="en-US"/>
           </a:p>
@@ -5815,6 +5816,142 @@
     <p:extLst>
       <p:ext uri="{BB962C8B-B14F-4D97-AF65-F5344CB8AC3E}">
         <p14:creationId xmlns:p14="http://schemas.microsoft.com/office/powerpoint/2010/main" val="2417329983"/>
+      </p:ext>
+    </p:extLst>
+  </p:cSld>
+  <p:clrMapOvr>
+    <a:masterClrMapping/>
+  </p:clrMapOvr>
+</p:sld>
+</file>
+
+<file path=ppt/slides/slide18.xml><?xml version="1.0" encoding="utf-8"?>
+<p:sld xmlns:a="http://schemas.openxmlformats.org/drawingml/2006/main" xmlns:r="http://schemas.openxmlformats.org/officeDocument/2006/relationships" xmlns:p="http://schemas.openxmlformats.org/presentationml/2006/main">
+  <p:cSld>
+    <p:spTree>
+      <p:nvGrpSpPr>
+        <p:cNvPr id="1" name=""/>
+        <p:cNvGrpSpPr/>
+        <p:nvPr/>
+      </p:nvGrpSpPr>
+      <p:grpSpPr>
+        <a:xfrm>
+          <a:off x="0" y="0"/>
+          <a:ext cx="0" cy="0"/>
+          <a:chOff x="0" y="0"/>
+          <a:chExt cx="0" cy="0"/>
+        </a:xfrm>
+      </p:grpSpPr>
+      <p:sp>
+        <p:nvSpPr>
+          <p:cNvPr id="2" name="Title 1">
+            <a:extLst>
+              <a:ext uri="{FF2B5EF4-FFF2-40B4-BE49-F238E27FC236}">
+                <a16:creationId xmlns:a16="http://schemas.microsoft.com/office/drawing/2014/main" id="{AC713B3E-D7D5-4F33-9679-482DD3C67FDE}"/>
+              </a:ext>
+            </a:extLst>
+          </p:cNvPr>
+          <p:cNvSpPr>
+            <a:spLocks noGrp="1"/>
+          </p:cNvSpPr>
+          <p:nvPr>
+            <p:ph type="title"/>
+          </p:nvPr>
+        </p:nvSpPr>
+        <p:spPr>
+          <a:xfrm>
+            <a:off x="616527" y="162213"/>
+            <a:ext cx="10515600" cy="815975"/>
+          </a:xfrm>
+        </p:spPr>
+        <p:txBody>
+          <a:bodyPr/>
+          <a:lstStyle/>
+          <a:p>
+            <a:r>
+              <a:rPr lang="en-US" b="1" dirty="0"/>
+              <a:t>Navigation</a:t>
+            </a:r>
+          </a:p>
+        </p:txBody>
+      </p:sp>
+      <p:sp>
+        <p:nvSpPr>
+          <p:cNvPr id="4" name="Content Placeholder 3">
+            <a:extLst>
+              <a:ext uri="{FF2B5EF4-FFF2-40B4-BE49-F238E27FC236}">
+                <a16:creationId xmlns:a16="http://schemas.microsoft.com/office/drawing/2014/main" id="{BBD58288-97CA-476D-B1AF-A9D37268C1AC}"/>
+              </a:ext>
+            </a:extLst>
+          </p:cNvPr>
+          <p:cNvSpPr>
+            <a:spLocks noGrp="1"/>
+          </p:cNvSpPr>
+          <p:nvPr>
+            <p:ph idx="1"/>
+          </p:nvPr>
+        </p:nvSpPr>
+        <p:spPr/>
+        <p:txBody>
+          <a:bodyPr/>
+          <a:lstStyle/>
+          <a:p>
+            <a:endParaRPr lang="en-US"/>
+          </a:p>
+        </p:txBody>
+      </p:sp>
+      <p:sp>
+        <p:nvSpPr>
+          <p:cNvPr id="10" name="TextBox 9">
+            <a:extLst>
+              <a:ext uri="{FF2B5EF4-FFF2-40B4-BE49-F238E27FC236}">
+                <a16:creationId xmlns:a16="http://schemas.microsoft.com/office/drawing/2014/main" id="{8BCB3DCE-AA9D-48B4-94D2-C27441C22924}"/>
+              </a:ext>
+            </a:extLst>
+          </p:cNvPr>
+          <p:cNvSpPr txBox="1"/>
+          <p:nvPr/>
+        </p:nvSpPr>
+        <p:spPr>
+          <a:xfrm>
+            <a:off x="933275" y="1107239"/>
+            <a:ext cx="6094602" cy="369332"/>
+          </a:xfrm>
+          <a:prstGeom prst="rect">
+            <a:avLst/>
+          </a:prstGeom>
+          <a:noFill/>
+        </p:spPr>
+        <p:txBody>
+          <a:bodyPr wrap="square">
+            <a:spAutoFit/>
+          </a:bodyPr>
+          <a:lstStyle/>
+          <a:p>
+            <a:r>
+              <a:rPr lang="en-US" dirty="0">
+                <a:hlinkClick r:id="rId2"/>
+              </a:rPr>
+              <a:t>https://navigation.ros.</a:t>
+            </a:r>
+            <a:r>
+              <a:rPr lang="en-US">
+                <a:hlinkClick r:id="rId2"/>
+              </a:rPr>
+              <a:t>org/</a:t>
+            </a:r>
+            <a:r>
+              <a:rPr lang="en-US"/>
+              <a:t> </a:t>
+            </a:r>
+            <a:endParaRPr lang="en-US" dirty="0"/>
+          </a:p>
+        </p:txBody>
+      </p:sp>
+    </p:spTree>
+    <p:extLst>
+      <p:ext uri="{BB962C8B-B14F-4D97-AF65-F5344CB8AC3E}">
+        <p14:creationId xmlns:p14="http://schemas.microsoft.com/office/powerpoint/2010/main" val="3060868003"/>
       </p:ext>
     </p:extLst>
   </p:cSld>
